--- a/Getting Git.pptx
+++ b/Getting Git.pptx
@@ -917,10 +917,9 @@
         <a:p>
           <a:pPr algn="ctr" rtl="0"/>
           <a:r>
-            <a:rPr lang="en-US" smtClean="0"/>
+            <a:rPr lang="en-US"/>
             <a:t>.NET Compiler Platform ("Roslyn")</a:t>
           </a:r>
-          <a:endParaRPr lang="en-US"/>
         </a:p>
       </dgm:t>
     </dgm:pt>
@@ -957,10 +956,9 @@
         <a:p>
           <a:pPr algn="ctr" rtl="0"/>
           <a:r>
-            <a:rPr lang="en-US" smtClean="0"/>
+            <a:rPr lang="en-US"/>
             <a:t>.NET Core</a:t>
           </a:r>
-          <a:endParaRPr lang="en-US"/>
         </a:p>
       </dgm:t>
     </dgm:pt>
@@ -997,10 +995,9 @@
         <a:p>
           <a:pPr algn="ctr" rtl="0"/>
           <a:r>
-            <a:rPr lang="en-US" smtClean="0"/>
+            <a:rPr lang="en-US"/>
             <a:t>ASP.NET Core</a:t>
           </a:r>
-          <a:endParaRPr lang="en-US"/>
         </a:p>
       </dgm:t>
     </dgm:pt>
@@ -1037,10 +1034,9 @@
         <a:p>
           <a:pPr algn="ctr" rtl="0"/>
           <a:r>
-            <a:rPr lang="en-US" smtClean="0"/>
+            <a:rPr lang="en-US"/>
             <a:t>ASP.NET SignalR</a:t>
           </a:r>
-          <a:endParaRPr lang="en-US"/>
         </a:p>
       </dgm:t>
     </dgm:pt>
@@ -1077,10 +1073,9 @@
         <a:p>
           <a:pPr algn="ctr" rtl="0"/>
           <a:r>
-            <a:rPr lang="en-US" smtClean="0"/>
+            <a:rPr lang="en-US"/>
             <a:t>BenchmarkDotNet</a:t>
           </a:r>
-          <a:endParaRPr lang="en-US"/>
         </a:p>
       </dgm:t>
     </dgm:pt>
@@ -1117,10 +1112,9 @@
         <a:p>
           <a:pPr algn="ctr" rtl="0"/>
           <a:r>
-            <a:rPr lang="en-US" smtClean="0"/>
+            <a:rPr lang="en-US"/>
             <a:t>Cake</a:t>
           </a:r>
-          <a:endParaRPr lang="en-US"/>
         </a:p>
       </dgm:t>
     </dgm:pt>
@@ -1157,10 +1151,9 @@
         <a:p>
           <a:pPr algn="ctr" rtl="0"/>
           <a:r>
-            <a:rPr lang="en-US" smtClean="0"/>
+            <a:rPr lang="en-US"/>
             <a:t>And a lot more!</a:t>
           </a:r>
-          <a:endParaRPr lang="en-US"/>
         </a:p>
       </dgm:t>
     </dgm:pt>
@@ -1196,13 +1189,6 @@
         </dgm:presLayoutVars>
       </dgm:prSet>
       <dgm:spPr/>
-      <dgm:t>
-        <a:bodyPr/>
-        <a:lstStyle/>
-        <a:p>
-          <a:endParaRPr lang="en-US"/>
-        </a:p>
-      </dgm:t>
     </dgm:pt>
     <dgm:pt modelId="{B7BE2C34-4ED7-4464-987B-8B83FDD7A087}" type="pres">
       <dgm:prSet presAssocID="{ABF072B1-BC48-4E36-8ACA-32671FDA280D}" presName="parentText" presStyleLbl="node1" presStyleIdx="0" presStyleCnt="7">
@@ -1212,13 +1198,6 @@
         </dgm:presLayoutVars>
       </dgm:prSet>
       <dgm:spPr/>
-      <dgm:t>
-        <a:bodyPr/>
-        <a:lstStyle/>
-        <a:p>
-          <a:endParaRPr lang="en-US"/>
-        </a:p>
-      </dgm:t>
     </dgm:pt>
     <dgm:pt modelId="{71615911-A474-42CB-85E6-28CF806B04EC}" type="pres">
       <dgm:prSet presAssocID="{6A979551-7B75-4084-B199-145D65A249CE}" presName="spacer" presStyleCnt="0"/>
@@ -1232,13 +1211,6 @@
         </dgm:presLayoutVars>
       </dgm:prSet>
       <dgm:spPr/>
-      <dgm:t>
-        <a:bodyPr/>
-        <a:lstStyle/>
-        <a:p>
-          <a:endParaRPr lang="en-US"/>
-        </a:p>
-      </dgm:t>
     </dgm:pt>
     <dgm:pt modelId="{9517D0C2-2ACE-4391-B1ED-3CDC1F06DE00}" type="pres">
       <dgm:prSet presAssocID="{6712A451-065C-4DFD-B071-30CD131D64E6}" presName="spacer" presStyleCnt="0"/>
@@ -1252,13 +1224,6 @@
         </dgm:presLayoutVars>
       </dgm:prSet>
       <dgm:spPr/>
-      <dgm:t>
-        <a:bodyPr/>
-        <a:lstStyle/>
-        <a:p>
-          <a:endParaRPr lang="en-US"/>
-        </a:p>
-      </dgm:t>
     </dgm:pt>
     <dgm:pt modelId="{902B8EDE-0F02-4DBB-8325-B15B3A07F9DE}" type="pres">
       <dgm:prSet presAssocID="{671B40D0-E128-422D-8A9F-A63AE25DD73F}" presName="spacer" presStyleCnt="0"/>
@@ -1272,13 +1237,6 @@
         </dgm:presLayoutVars>
       </dgm:prSet>
       <dgm:spPr/>
-      <dgm:t>
-        <a:bodyPr/>
-        <a:lstStyle/>
-        <a:p>
-          <a:endParaRPr lang="en-US"/>
-        </a:p>
-      </dgm:t>
     </dgm:pt>
     <dgm:pt modelId="{84BCF9A0-2CA1-4A12-92F5-B39F3AEF0606}" type="pres">
       <dgm:prSet presAssocID="{A331029F-4703-49A7-BB3C-C99ADEA96E0C}" presName="spacer" presStyleCnt="0"/>
@@ -1292,13 +1250,6 @@
         </dgm:presLayoutVars>
       </dgm:prSet>
       <dgm:spPr/>
-      <dgm:t>
-        <a:bodyPr/>
-        <a:lstStyle/>
-        <a:p>
-          <a:endParaRPr lang="en-US"/>
-        </a:p>
-      </dgm:t>
     </dgm:pt>
     <dgm:pt modelId="{E0769F3B-A492-47F0-AFF5-C38EAACFCDA6}" type="pres">
       <dgm:prSet presAssocID="{D823840E-E981-4E2F-8066-1F267B5A7046}" presName="spacer" presStyleCnt="0"/>
@@ -1312,13 +1263,6 @@
         </dgm:presLayoutVars>
       </dgm:prSet>
       <dgm:spPr/>
-      <dgm:t>
-        <a:bodyPr/>
-        <a:lstStyle/>
-        <a:p>
-          <a:endParaRPr lang="en-US"/>
-        </a:p>
-      </dgm:t>
     </dgm:pt>
     <dgm:pt modelId="{D7DB859B-D723-42B8-A495-F838CED37268}" type="pres">
       <dgm:prSet presAssocID="{D45B42D8-AE32-4085-A92E-409715B1E31E}" presName="spacer" presStyleCnt="0"/>
@@ -1332,30 +1276,23 @@
         </dgm:presLayoutVars>
       </dgm:prSet>
       <dgm:spPr/>
-      <dgm:t>
-        <a:bodyPr/>
-        <a:lstStyle/>
-        <a:p>
-          <a:endParaRPr lang="en-US"/>
-        </a:p>
-      </dgm:t>
     </dgm:pt>
   </dgm:ptLst>
   <dgm:cxnLst>
+    <dgm:cxn modelId="{DDD6E702-AABF-4B47-BB9D-A16A7D41C835}" type="presOf" srcId="{52C339C2-D2B7-47A1-9373-612CC6B5F1A1}" destId="{A7951027-CF2E-45B8-B249-42D687FFEE3A}" srcOrd="0" destOrd="0" presId="urn:microsoft.com/office/officeart/2005/8/layout/vList2"/>
+    <dgm:cxn modelId="{22677E04-02E3-4EEA-9E61-D1B6BE261781}" srcId="{71977C25-A785-4689-8E58-885399C8D66E}" destId="{4F48D5FB-C701-470A-93D8-8A520E177DF3}" srcOrd="3" destOrd="0" parTransId="{F0278E00-88D7-46EA-8651-F087E24CB4A9}" sibTransId="{A331029F-4703-49A7-BB3C-C99ADEA96E0C}"/>
+    <dgm:cxn modelId="{2F0C2E1A-2319-4899-B264-0BFCFEA301B2}" srcId="{71977C25-A785-4689-8E58-885399C8D66E}" destId="{420A659B-422A-448E-BD5E-107A801ACD45}" srcOrd="2" destOrd="0" parTransId="{EFD92504-530F-47C9-8006-B339389F082F}" sibTransId="{671B40D0-E128-422D-8A9F-A63AE25DD73F}"/>
+    <dgm:cxn modelId="{F78A9927-FC54-4F33-A293-C4BE60D6ACDF}" type="presOf" srcId="{4F48D5FB-C701-470A-93D8-8A520E177DF3}" destId="{2EBEE560-54AE-4D7D-9F34-B96DC7F57458}" srcOrd="0" destOrd="0" presId="urn:microsoft.com/office/officeart/2005/8/layout/vList2"/>
     <dgm:cxn modelId="{C65FEE31-B971-4F5D-BCA6-9A08D33DEC38}" srcId="{71977C25-A785-4689-8E58-885399C8D66E}" destId="{52C339C2-D2B7-47A1-9373-612CC6B5F1A1}" srcOrd="1" destOrd="0" parTransId="{D78AAEE2-9838-4467-8504-18AAFC9A0603}" sibTransId="{6712A451-065C-4DFD-B071-30CD131D64E6}"/>
-    <dgm:cxn modelId="{DDD6E702-AABF-4B47-BB9D-A16A7D41C835}" type="presOf" srcId="{52C339C2-D2B7-47A1-9373-612CC6B5F1A1}" destId="{A7951027-CF2E-45B8-B249-42D687FFEE3A}" srcOrd="0" destOrd="0" presId="urn:microsoft.com/office/officeart/2005/8/layout/vList2"/>
-    <dgm:cxn modelId="{9A046FF3-057E-4632-88CB-878B6078538C}" type="presOf" srcId="{71977C25-A785-4689-8E58-885399C8D66E}" destId="{3FE1F05E-3189-45D7-90C2-A70BC0D1B87A}" srcOrd="0" destOrd="0" presId="urn:microsoft.com/office/officeart/2005/8/layout/vList2"/>
+    <dgm:cxn modelId="{BD9D065C-E94A-4E30-A946-47A2699D0148}" type="presOf" srcId="{66AD75A4-9E1B-41F6-8D16-87F25DA2F34A}" destId="{C4F5E101-D40E-4E9A-BA75-08FA62CAF20C}" srcOrd="0" destOrd="0" presId="urn:microsoft.com/office/officeart/2005/8/layout/vList2"/>
     <dgm:cxn modelId="{A6A74750-8C53-40F3-BCAF-EB2737AB657A}" type="presOf" srcId="{ABF072B1-BC48-4E36-8ACA-32671FDA280D}" destId="{B7BE2C34-4ED7-4464-987B-8B83FDD7A087}" srcOrd="0" destOrd="0" presId="urn:microsoft.com/office/officeart/2005/8/layout/vList2"/>
-    <dgm:cxn modelId="{BD9D065C-E94A-4E30-A946-47A2699D0148}" type="presOf" srcId="{66AD75A4-9E1B-41F6-8D16-87F25DA2F34A}" destId="{C4F5E101-D40E-4E9A-BA75-08FA62CAF20C}" srcOrd="0" destOrd="0" presId="urn:microsoft.com/office/officeart/2005/8/layout/vList2"/>
+    <dgm:cxn modelId="{A7798D7D-363A-4FCA-9C18-3A60B0E9E2B0}" type="presOf" srcId="{E11B6DA5-3A38-4FFF-8B4B-D65B28657BB7}" destId="{8EBCC26F-A082-43EE-ADA9-340AAF6E64EC}" srcOrd="0" destOrd="0" presId="urn:microsoft.com/office/officeart/2005/8/layout/vList2"/>
+    <dgm:cxn modelId="{462B4A7E-97FE-4AE0-8613-77A1841F6128}" type="presOf" srcId="{B142A900-73CA-4795-9962-C39E975218AA}" destId="{1DDFC604-64AB-466F-9603-4BBCE060BF2E}" srcOrd="0" destOrd="0" presId="urn:microsoft.com/office/officeart/2005/8/layout/vList2"/>
     <dgm:cxn modelId="{8F5E2685-16F9-476B-8E35-38C68209CE2C}" type="presOf" srcId="{420A659B-422A-448E-BD5E-107A801ACD45}" destId="{8E6EBDFD-ECB8-4710-B578-4D2A8FB37851}" srcOrd="0" destOrd="0" presId="urn:microsoft.com/office/officeart/2005/8/layout/vList2"/>
-    <dgm:cxn modelId="{462B4A7E-97FE-4AE0-8613-77A1841F6128}" type="presOf" srcId="{B142A900-73CA-4795-9962-C39E975218AA}" destId="{1DDFC604-64AB-466F-9603-4BBCE060BF2E}" srcOrd="0" destOrd="0" presId="urn:microsoft.com/office/officeart/2005/8/layout/vList2"/>
-    <dgm:cxn modelId="{22677E04-02E3-4EEA-9E61-D1B6BE261781}" srcId="{71977C25-A785-4689-8E58-885399C8D66E}" destId="{4F48D5FB-C701-470A-93D8-8A520E177DF3}" srcOrd="3" destOrd="0" parTransId="{F0278E00-88D7-46EA-8651-F087E24CB4A9}" sibTransId="{A331029F-4703-49A7-BB3C-C99ADEA96E0C}"/>
     <dgm:cxn modelId="{06C3589A-2CB9-440D-9AB1-B6F8B848EF42}" srcId="{71977C25-A785-4689-8E58-885399C8D66E}" destId="{ABF072B1-BC48-4E36-8ACA-32671FDA280D}" srcOrd="0" destOrd="0" parTransId="{BF6CA2C5-46F3-4420-93B4-02CD3FDFBD58}" sibTransId="{6A979551-7B75-4084-B199-145D65A249CE}"/>
     <dgm:cxn modelId="{ACB2DCDF-F3AD-49C6-B17C-F39158DC76CA}" srcId="{71977C25-A785-4689-8E58-885399C8D66E}" destId="{66AD75A4-9E1B-41F6-8D16-87F25DA2F34A}" srcOrd="5" destOrd="0" parTransId="{7EC0D39E-32F6-4A16-BB4D-5A80C4462333}" sibTransId="{D45B42D8-AE32-4085-A92E-409715B1E31E}"/>
-    <dgm:cxn modelId="{A7798D7D-363A-4FCA-9C18-3A60B0E9E2B0}" type="presOf" srcId="{E11B6DA5-3A38-4FFF-8B4B-D65B28657BB7}" destId="{8EBCC26F-A082-43EE-ADA9-340AAF6E64EC}" srcOrd="0" destOrd="0" presId="urn:microsoft.com/office/officeart/2005/8/layout/vList2"/>
     <dgm:cxn modelId="{6F05E6ED-8087-4ED1-96E7-F3DEF6F9E25C}" srcId="{71977C25-A785-4689-8E58-885399C8D66E}" destId="{B142A900-73CA-4795-9962-C39E975218AA}" srcOrd="6" destOrd="0" parTransId="{93C1A46A-8C2D-4E14-AFA9-DADBD00C565C}" sibTransId="{DA6A208E-B668-47A8-9475-48D52C929D82}"/>
-    <dgm:cxn modelId="{F78A9927-FC54-4F33-A293-C4BE60D6ACDF}" type="presOf" srcId="{4F48D5FB-C701-470A-93D8-8A520E177DF3}" destId="{2EBEE560-54AE-4D7D-9F34-B96DC7F57458}" srcOrd="0" destOrd="0" presId="urn:microsoft.com/office/officeart/2005/8/layout/vList2"/>
-    <dgm:cxn modelId="{2F0C2E1A-2319-4899-B264-0BFCFEA301B2}" srcId="{71977C25-A785-4689-8E58-885399C8D66E}" destId="{420A659B-422A-448E-BD5E-107A801ACD45}" srcOrd="2" destOrd="0" parTransId="{EFD92504-530F-47C9-8006-B339389F082F}" sibTransId="{671B40D0-E128-422D-8A9F-A63AE25DD73F}"/>
+    <dgm:cxn modelId="{9A046FF3-057E-4632-88CB-878B6078538C}" type="presOf" srcId="{71977C25-A785-4689-8E58-885399C8D66E}" destId="{3FE1F05E-3189-45D7-90C2-A70BC0D1B87A}" srcOrd="0" destOrd="0" presId="urn:microsoft.com/office/officeart/2005/8/layout/vList2"/>
     <dgm:cxn modelId="{E3E0CDFA-4C5A-4A7E-82F9-171AF3983F5D}" srcId="{71977C25-A785-4689-8E58-885399C8D66E}" destId="{E11B6DA5-3A38-4FFF-8B4B-D65B28657BB7}" srcOrd="4" destOrd="0" parTransId="{ABC4D6AE-5902-4E8B-BE15-529B7512A461}" sibTransId="{D823840E-E981-4E2F-8066-1F267B5A7046}"/>
     <dgm:cxn modelId="{7C2BA417-FA31-40DA-8830-F5FBCBCAC3B9}" type="presParOf" srcId="{3FE1F05E-3189-45D7-90C2-A70BC0D1B87A}" destId="{B7BE2C34-4ED7-4464-987B-8B83FDD7A087}" srcOrd="0" destOrd="0" presId="urn:microsoft.com/office/officeart/2005/8/layout/vList2"/>
     <dgm:cxn modelId="{72AB9A36-969D-45B1-A06E-FC667D19918E}" type="presParOf" srcId="{3FE1F05E-3189-45D7-90C2-A70BC0D1B87A}" destId="{71615911-A474-42CB-85E6-28CF806B04EC}" srcOrd="1" destOrd="0" presId="urn:microsoft.com/office/officeart/2005/8/layout/vList2"/>
@@ -1444,7 +1381,7 @@
         </a:bodyPr>
         <a:lstStyle/>
         <a:p>
-          <a:pPr lvl="0" algn="ctr" defTabSz="577850" rtl="0">
+          <a:pPr marL="0" lvl="0" indent="0" algn="ctr" defTabSz="577850" rtl="0">
             <a:lnSpc>
               <a:spcPct val="90000"/>
             </a:lnSpc>
@@ -1454,12 +1391,12 @@
             <a:spcAft>
               <a:spcPct val="35000"/>
             </a:spcAft>
+            <a:buNone/>
           </a:pPr>
           <a:r>
-            <a:rPr lang="en-US" sz="1300" kern="1200" smtClean="0"/>
+            <a:rPr lang="en-US" sz="1300" kern="1200"/>
             <a:t>.NET Compiler Platform ("Roslyn")</a:t>
           </a:r>
-          <a:endParaRPr lang="en-US" sz="1300" kern="1200"/>
         </a:p>
       </dsp:txBody>
       <dsp:txXfrm>
@@ -1522,7 +1459,7 @@
         </a:bodyPr>
         <a:lstStyle/>
         <a:p>
-          <a:pPr lvl="0" algn="ctr" defTabSz="577850" rtl="0">
+          <a:pPr marL="0" lvl="0" indent="0" algn="ctr" defTabSz="577850" rtl="0">
             <a:lnSpc>
               <a:spcPct val="90000"/>
             </a:lnSpc>
@@ -1532,12 +1469,12 @@
             <a:spcAft>
               <a:spcPct val="35000"/>
             </a:spcAft>
+            <a:buNone/>
           </a:pPr>
           <a:r>
-            <a:rPr lang="en-US" sz="1300" kern="1200" smtClean="0"/>
+            <a:rPr lang="en-US" sz="1300" kern="1200"/>
             <a:t>.NET Core</a:t>
           </a:r>
-          <a:endParaRPr lang="en-US" sz="1300" kern="1200"/>
         </a:p>
       </dsp:txBody>
       <dsp:txXfrm>
@@ -1600,7 +1537,7 @@
         </a:bodyPr>
         <a:lstStyle/>
         <a:p>
-          <a:pPr lvl="0" algn="ctr" defTabSz="577850" rtl="0">
+          <a:pPr marL="0" lvl="0" indent="0" algn="ctr" defTabSz="577850" rtl="0">
             <a:lnSpc>
               <a:spcPct val="90000"/>
             </a:lnSpc>
@@ -1610,12 +1547,12 @@
             <a:spcAft>
               <a:spcPct val="35000"/>
             </a:spcAft>
+            <a:buNone/>
           </a:pPr>
           <a:r>
-            <a:rPr lang="en-US" sz="1300" kern="1200" smtClean="0"/>
+            <a:rPr lang="en-US" sz="1300" kern="1200"/>
             <a:t>ASP.NET Core</a:t>
           </a:r>
-          <a:endParaRPr lang="en-US" sz="1300" kern="1200"/>
         </a:p>
       </dsp:txBody>
       <dsp:txXfrm>
@@ -1678,7 +1615,7 @@
         </a:bodyPr>
         <a:lstStyle/>
         <a:p>
-          <a:pPr lvl="0" algn="ctr" defTabSz="577850" rtl="0">
+          <a:pPr marL="0" lvl="0" indent="0" algn="ctr" defTabSz="577850" rtl="0">
             <a:lnSpc>
               <a:spcPct val="90000"/>
             </a:lnSpc>
@@ -1688,12 +1625,12 @@
             <a:spcAft>
               <a:spcPct val="35000"/>
             </a:spcAft>
+            <a:buNone/>
           </a:pPr>
           <a:r>
-            <a:rPr lang="en-US" sz="1300" kern="1200" smtClean="0"/>
+            <a:rPr lang="en-US" sz="1300" kern="1200"/>
             <a:t>ASP.NET SignalR</a:t>
           </a:r>
-          <a:endParaRPr lang="en-US" sz="1300" kern="1200"/>
         </a:p>
       </dsp:txBody>
       <dsp:txXfrm>
@@ -1756,7 +1693,7 @@
         </a:bodyPr>
         <a:lstStyle/>
         <a:p>
-          <a:pPr lvl="0" algn="ctr" defTabSz="577850" rtl="0">
+          <a:pPr marL="0" lvl="0" indent="0" algn="ctr" defTabSz="577850" rtl="0">
             <a:lnSpc>
               <a:spcPct val="90000"/>
             </a:lnSpc>
@@ -1766,12 +1703,12 @@
             <a:spcAft>
               <a:spcPct val="35000"/>
             </a:spcAft>
+            <a:buNone/>
           </a:pPr>
           <a:r>
-            <a:rPr lang="en-US" sz="1300" kern="1200" smtClean="0"/>
+            <a:rPr lang="en-US" sz="1300" kern="1200"/>
             <a:t>BenchmarkDotNet</a:t>
           </a:r>
-          <a:endParaRPr lang="en-US" sz="1300" kern="1200"/>
         </a:p>
       </dsp:txBody>
       <dsp:txXfrm>
@@ -1834,7 +1771,7 @@
         </a:bodyPr>
         <a:lstStyle/>
         <a:p>
-          <a:pPr lvl="0" algn="ctr" defTabSz="577850" rtl="0">
+          <a:pPr marL="0" lvl="0" indent="0" algn="ctr" defTabSz="577850" rtl="0">
             <a:lnSpc>
               <a:spcPct val="90000"/>
             </a:lnSpc>
@@ -1844,12 +1781,12 @@
             <a:spcAft>
               <a:spcPct val="35000"/>
             </a:spcAft>
+            <a:buNone/>
           </a:pPr>
           <a:r>
-            <a:rPr lang="en-US" sz="1300" kern="1200" smtClean="0"/>
+            <a:rPr lang="en-US" sz="1300" kern="1200"/>
             <a:t>Cake</a:t>
           </a:r>
-          <a:endParaRPr lang="en-US" sz="1300" kern="1200"/>
         </a:p>
       </dsp:txBody>
       <dsp:txXfrm>
@@ -1912,7 +1849,7 @@
         </a:bodyPr>
         <a:lstStyle/>
         <a:p>
-          <a:pPr lvl="0" algn="ctr" defTabSz="577850" rtl="0">
+          <a:pPr marL="0" lvl="0" indent="0" algn="ctr" defTabSz="577850" rtl="0">
             <a:lnSpc>
               <a:spcPct val="90000"/>
             </a:lnSpc>
@@ -1922,12 +1859,12 @@
             <a:spcAft>
               <a:spcPct val="35000"/>
             </a:spcAft>
+            <a:buNone/>
           </a:pPr>
           <a:r>
-            <a:rPr lang="en-US" sz="1300" kern="1200" smtClean="0"/>
+            <a:rPr lang="en-US" sz="1300" kern="1200"/>
             <a:t>And a lot more!</a:t>
           </a:r>
-          <a:endParaRPr lang="en-US" sz="1300" kern="1200"/>
         </a:p>
       </dsp:txBody>
       <dsp:txXfrm>
@@ -3222,7 +3159,7 @@
           <a:p>
             <a:fld id="{9ECE5BDF-9B7E-3646-B6C9-FC2C3E116129}" type="datetimeFigureOut">
               <a:rPr lang="en-US" smtClean="0"/>
-              <a:t>8/23/2017</a:t>
+              <a:t>3/17/2018</a:t>
             </a:fld>
             <a:endParaRPr lang="en-US"/>
           </a:p>
@@ -3286,38 +3223,37 @@
           <a:p>
             <a:pPr lvl="0"/>
             <a:r>
-              <a:rPr lang="en-US" smtClean="0"/>
+              <a:rPr lang="en-US"/>
               <a:t>Click to edit Master text styles</a:t>
             </a:r>
           </a:p>
           <a:p>
             <a:pPr lvl="1"/>
             <a:r>
-              <a:rPr lang="en-US" smtClean="0"/>
+              <a:rPr lang="en-US"/>
               <a:t>Second level</a:t>
             </a:r>
           </a:p>
           <a:p>
             <a:pPr lvl="2"/>
             <a:r>
-              <a:rPr lang="en-US" smtClean="0"/>
+              <a:rPr lang="en-US"/>
               <a:t>Third level</a:t>
             </a:r>
           </a:p>
           <a:p>
             <a:pPr lvl="3"/>
             <a:r>
-              <a:rPr lang="en-US" smtClean="0"/>
+              <a:rPr lang="en-US"/>
               <a:t>Fourth level</a:t>
             </a:r>
           </a:p>
           <a:p>
             <a:pPr lvl="4"/>
             <a:r>
-              <a:rPr lang="en-US" smtClean="0"/>
+              <a:rPr lang="en-US"/>
               <a:t>Fifth level</a:t>
             </a:r>
-            <a:endParaRPr lang="en-US"/>
           </a:p>
         </p:txBody>
       </p:sp>
@@ -3619,19 +3555,19 @@
           <a:lstStyle/>
           <a:p>
             <a:r>
-              <a:rPr lang="en-US" dirty="0" smtClean="0"/>
+              <a:rPr lang="en-US" dirty="0"/>
               <a:t>GitHub is a provider of public (and private)</a:t>
             </a:r>
             <a:r>
-              <a:rPr lang="en-US" baseline="0" dirty="0" smtClean="0"/>
+              <a:rPr lang="en-US" baseline="0" dirty="0"/>
               <a:t> </a:t>
             </a:r>
             <a:r>
-              <a:rPr lang="en-US" baseline="0" dirty="0" err="1" smtClean="0"/>
+              <a:rPr lang="en-US" baseline="0" dirty="0" err="1"/>
               <a:t>Git</a:t>
             </a:r>
             <a:r>
-              <a:rPr lang="en-US" baseline="0" dirty="0" smtClean="0"/>
+              <a:rPr lang="en-US" baseline="0" dirty="0"/>
               <a:t> repositories.</a:t>
             </a:r>
             <a:endParaRPr lang="en-US" dirty="0"/>
@@ -3719,18 +3655,17 @@
           <a:lstStyle/>
           <a:p>
             <a:r>
-              <a:rPr lang="en-US" dirty="0" smtClean="0"/>
+              <a:rPr lang="en-US" dirty="0"/>
               <a:t>Keep in mind that </a:t>
             </a:r>
             <a:r>
-              <a:rPr lang="en-US" dirty="0" err="1" smtClean="0"/>
+              <a:rPr lang="en-US" dirty="0" err="1"/>
               <a:t>Git</a:t>
             </a:r>
             <a:r>
-              <a:rPr lang="en-US" dirty="0" smtClean="0"/>
+              <a:rPr lang="en-US" dirty="0"/>
               <a:t> does not mean “I’m hosting on GitHub”.</a:t>
             </a:r>
-            <a:endParaRPr lang="en-US" dirty="0"/>
           </a:p>
         </p:txBody>
       </p:sp>
@@ -3815,19 +3750,19 @@
           <a:lstStyle/>
           <a:p>
             <a:r>
-              <a:rPr lang="en-US" dirty="0" smtClean="0"/>
+              <a:rPr lang="en-US" dirty="0"/>
               <a:t>Let’s create a simple .NET Core Hello</a:t>
             </a:r>
             <a:r>
-              <a:rPr lang="en-US" baseline="0" dirty="0" smtClean="0"/>
+              <a:rPr lang="en-US" baseline="0" dirty="0"/>
               <a:t> World app that’s stored in a local </a:t>
             </a:r>
             <a:r>
-              <a:rPr lang="en-US" baseline="0" dirty="0" err="1" smtClean="0"/>
+              <a:rPr lang="en-US" baseline="0" dirty="0" err="1"/>
               <a:t>Git</a:t>
             </a:r>
             <a:r>
-              <a:rPr lang="en-US" baseline="0" dirty="0" smtClean="0"/>
+              <a:rPr lang="en-US" baseline="0" dirty="0"/>
               <a:t> repo</a:t>
             </a:r>
             <a:endParaRPr lang="en-US" dirty="0"/>
@@ -3915,11 +3850,11 @@
           <a:lstStyle/>
           <a:p>
             <a:r>
-              <a:rPr lang="en-US" dirty="0" smtClean="0"/>
+              <a:rPr lang="en-US" dirty="0"/>
               <a:t>Now, TFS is a product</a:t>
             </a:r>
             <a:r>
-              <a:rPr lang="en-US" baseline="0" dirty="0" smtClean="0"/>
+              <a:rPr lang="en-US" baseline="0" dirty="0"/>
               <a:t> that encompasses a lot of the development and project lifecycle. Part of that is source control. TFS was originally equated with source control, but the world has changed….</a:t>
             </a:r>
             <a:endParaRPr lang="en-US" dirty="0"/>
@@ -4007,19 +3942,19 @@
           <a:lstStyle/>
           <a:p>
             <a:r>
-              <a:rPr lang="en-US" dirty="0" smtClean="0"/>
+              <a:rPr lang="en-US" dirty="0"/>
               <a:t>You can now use a </a:t>
             </a:r>
             <a:r>
-              <a:rPr lang="en-US" dirty="0" err="1" smtClean="0"/>
+              <a:rPr lang="en-US" dirty="0" err="1"/>
               <a:t>Git</a:t>
             </a:r>
             <a:r>
-              <a:rPr lang="en-US" dirty="0" smtClean="0"/>
+              <a:rPr lang="en-US" dirty="0"/>
               <a:t> repo</a:t>
             </a:r>
             <a:r>
-              <a:rPr lang="en-US" baseline="0" dirty="0" smtClean="0"/>
+              <a:rPr lang="en-US" baseline="0" dirty="0"/>
               <a:t> with a TFS project</a:t>
             </a:r>
             <a:endParaRPr lang="en-US" dirty="0"/>
@@ -4107,19 +4042,19 @@
           <a:lstStyle/>
           <a:p>
             <a:r>
-              <a:rPr lang="en-US" dirty="0" smtClean="0"/>
+              <a:rPr lang="en-US" dirty="0"/>
               <a:t>Now,</a:t>
             </a:r>
             <a:r>
-              <a:rPr lang="en-US" baseline="0" dirty="0" smtClean="0"/>
+              <a:rPr lang="en-US" baseline="0" dirty="0"/>
               <a:t> some people just don’t want to move to </a:t>
             </a:r>
             <a:r>
-              <a:rPr lang="en-US" baseline="0" dirty="0" err="1" smtClean="0"/>
+              <a:rPr lang="en-US" baseline="0" dirty="0" err="1"/>
               <a:t>Git</a:t>
             </a:r>
             <a:r>
-              <a:rPr lang="en-US" baseline="0" dirty="0" smtClean="0"/>
+              <a:rPr lang="en-US" baseline="0" dirty="0"/>
               <a:t>. Change for change’s sake isn’t a good thing, but….well, that phrase sums it up.</a:t>
             </a:r>
             <a:endParaRPr lang="en-US" dirty="0"/>
@@ -4207,40 +4142,40 @@
           <a:lstStyle/>
           <a:p>
             <a:r>
-              <a:rPr lang="en-US" dirty="0" smtClean="0"/>
+              <a:rPr lang="en-US" dirty="0"/>
               <a:t>Here’s an</a:t>
             </a:r>
             <a:r>
-              <a:rPr lang="en-US" baseline="0" dirty="0" smtClean="0"/>
+              <a:rPr lang="en-US" baseline="0" dirty="0"/>
               <a:t> article that talks about some specific advantages with </a:t>
             </a:r>
             <a:r>
-              <a:rPr lang="en-US" baseline="0" dirty="0" err="1" smtClean="0"/>
+              <a:rPr lang="en-US" baseline="0" dirty="0" err="1"/>
               <a:t>Git</a:t>
             </a:r>
             <a:r>
-              <a:rPr lang="en-US" baseline="0" dirty="0" smtClean="0"/>
+              <a:rPr lang="en-US" baseline="0" dirty="0"/>
               <a:t>.</a:t>
             </a:r>
           </a:p>
           <a:p>
-            <a:endParaRPr lang="en-US" baseline="0" dirty="0" smtClean="0"/>
-          </a:p>
-          <a:p>
-            <a:r>
-              <a:rPr lang="en-US" baseline="0" dirty="0" smtClean="0"/>
+            <a:endParaRPr lang="en-US" baseline="0" dirty="0"/>
+          </a:p>
+          <a:p>
+            <a:r>
+              <a:rPr lang="en-US" baseline="0" dirty="0"/>
               <a:t>Merge times are much smaller.</a:t>
             </a:r>
           </a:p>
           <a:p>
             <a:r>
-              <a:rPr lang="en-US" baseline="0" dirty="0" smtClean="0"/>
+              <a:rPr lang="en-US" baseline="0" dirty="0"/>
               <a:t>No checkouts (yes, TFSVC doesn’t make that required, but…)</a:t>
             </a:r>
           </a:p>
           <a:p>
             <a:r>
-              <a:rPr lang="en-US" baseline="0" dirty="0" smtClean="0"/>
+              <a:rPr lang="en-US" baseline="0" dirty="0"/>
               <a:t>Less conflicts, I’ve seen that myself</a:t>
             </a:r>
             <a:endParaRPr lang="en-US" dirty="0"/>
@@ -4328,23 +4263,23 @@
           <a:lstStyle/>
           <a:p>
             <a:r>
-              <a:rPr lang="en-US" dirty="0" smtClean="0"/>
+              <a:rPr lang="en-US" dirty="0"/>
               <a:t>Let’s see how one can use </a:t>
             </a:r>
             <a:r>
-              <a:rPr lang="en-US" dirty="0" err="1" smtClean="0"/>
+              <a:rPr lang="en-US" dirty="0" err="1"/>
               <a:t>Git</a:t>
             </a:r>
             <a:r>
-              <a:rPr lang="en-US" dirty="0" smtClean="0"/>
+              <a:rPr lang="en-US" dirty="0"/>
               <a:t> in TFS along with Visual Studio via the </a:t>
             </a:r>
             <a:r>
-              <a:rPr lang="en-US" dirty="0" err="1" smtClean="0"/>
+              <a:rPr lang="en-US" dirty="0" err="1"/>
               <a:t>MyVote</a:t>
             </a:r>
             <a:r>
-              <a:rPr lang="en-US" baseline="0" dirty="0" smtClean="0"/>
+              <a:rPr lang="en-US" baseline="0" dirty="0"/>
               <a:t> repository.</a:t>
             </a:r>
             <a:endParaRPr lang="en-US" dirty="0"/>
@@ -4432,11 +4367,11 @@
           <a:lstStyle/>
           <a:p>
             <a:r>
-              <a:rPr lang="en-US" dirty="0" err="1" smtClean="0"/>
+              <a:rPr lang="en-US" dirty="0" err="1"/>
               <a:t>Git</a:t>
             </a:r>
             <a:r>
-              <a:rPr lang="en-US" baseline="0" dirty="0" smtClean="0"/>
+              <a:rPr lang="en-US" baseline="0" dirty="0"/>
               <a:t> = LOVE!</a:t>
             </a:r>
             <a:endParaRPr lang="en-US" dirty="0"/>
@@ -4524,186 +4459,185 @@
           <a:lstStyle/>
           <a:p>
             <a:r>
-              <a:rPr lang="en-US" dirty="0" smtClean="0"/>
+              <a:rPr lang="en-US" dirty="0"/>
               <a:t>Pro </a:t>
             </a:r>
             <a:r>
-              <a:rPr lang="en-US" dirty="0" err="1" smtClean="0"/>
+              <a:rPr lang="en-US" dirty="0" err="1"/>
               <a:t>Git</a:t>
             </a:r>
             <a:r>
-              <a:rPr lang="en-US" dirty="0" smtClean="0"/>
+              <a:rPr lang="en-US" dirty="0"/>
               <a:t> - https://git-scm.com/book/en/v2</a:t>
             </a:r>
           </a:p>
           <a:p>
             <a:r>
-              <a:rPr lang="en-US" dirty="0" smtClean="0"/>
+              <a:rPr lang="en-US" dirty="0"/>
               <a:t>Visual Studio Toolbox: </a:t>
             </a:r>
             <a:r>
-              <a:rPr lang="en-US" dirty="0" err="1" smtClean="0"/>
+              <a:rPr lang="en-US" dirty="0" err="1"/>
               <a:t>Git</a:t>
             </a:r>
             <a:r>
-              <a:rPr lang="en-US" dirty="0" smtClean="0"/>
+              <a:rPr lang="en-US" dirty="0"/>
               <a:t> Fundamentals - https://blogs.msdn.microsoft.com/robertgreen/2017/08/01/visual-studio-toolbox-git-fundamentals/</a:t>
             </a:r>
           </a:p>
           <a:p>
             <a:r>
-              <a:rPr lang="en-US" dirty="0" err="1" smtClean="0"/>
+              <a:rPr lang="en-US" dirty="0" err="1"/>
               <a:t>Git</a:t>
             </a:r>
             <a:r>
-              <a:rPr lang="en-US" dirty="0" smtClean="0"/>
+              <a:rPr lang="en-US" dirty="0"/>
               <a:t> - https://git-scm.com/</a:t>
             </a:r>
           </a:p>
           <a:p>
             <a:r>
-              <a:rPr lang="en-US" dirty="0" err="1" smtClean="0"/>
+              <a:rPr lang="en-US" dirty="0" err="1"/>
               <a:t>Git</a:t>
             </a:r>
             <a:r>
-              <a:rPr lang="en-US" dirty="0" smtClean="0"/>
+              <a:rPr lang="en-US" dirty="0"/>
               <a:t> Fundamentals - https://www.pluralsight.com/courses/git-fundamentals</a:t>
             </a:r>
           </a:p>
           <a:p>
             <a:r>
-              <a:rPr lang="en-US" dirty="0" smtClean="0"/>
+              <a:rPr lang="en-US" dirty="0"/>
               <a:t>Why you should abandon TFS and adopt </a:t>
             </a:r>
             <a:r>
-              <a:rPr lang="en-US" dirty="0" err="1" smtClean="0"/>
+              <a:rPr lang="en-US" dirty="0" err="1"/>
               <a:t>Git</a:t>
             </a:r>
             <a:r>
-              <a:rPr lang="en-US" dirty="0" smtClean="0"/>
+              <a:rPr lang="en-US" dirty="0"/>
               <a:t> - http://www.continuousimprover.com/2015/06/why-you-should-abandon-tfs-source.html</a:t>
             </a:r>
           </a:p>
           <a:p>
             <a:r>
-              <a:rPr lang="en-US" dirty="0" smtClean="0"/>
+              <a:rPr lang="en-US" dirty="0"/>
               <a:t>Get Started with </a:t>
             </a:r>
             <a:r>
-              <a:rPr lang="en-US" dirty="0" err="1" smtClean="0"/>
+              <a:rPr lang="en-US" dirty="0" err="1"/>
               <a:t>Git</a:t>
             </a:r>
             <a:r>
-              <a:rPr lang="en-US" dirty="0" smtClean="0"/>
+              <a:rPr lang="en-US" dirty="0"/>
               <a:t> and Team Services - https://www.visualstudio.com/en-us/docs/git/gitquickstart</a:t>
             </a:r>
           </a:p>
           <a:p>
             <a:r>
-              <a:rPr lang="en-US" dirty="0" smtClean="0"/>
+              <a:rPr lang="en-US" dirty="0"/>
               <a:t>The largest </a:t>
             </a:r>
             <a:r>
-              <a:rPr lang="en-US" dirty="0" err="1" smtClean="0"/>
+              <a:rPr lang="en-US" dirty="0" err="1"/>
               <a:t>Git</a:t>
             </a:r>
             <a:r>
-              <a:rPr lang="en-US" dirty="0" smtClean="0"/>
+              <a:rPr lang="en-US" dirty="0"/>
               <a:t> repo on the planet - https://blogs.msdn.microsoft.com/bharry/2017/05/24/the-largest-git-repo-on-the-planet/</a:t>
             </a:r>
           </a:p>
           <a:p>
             <a:r>
-              <a:rPr lang="en-US" dirty="0" err="1" smtClean="0"/>
+              <a:rPr lang="en-US" dirty="0" err="1"/>
               <a:t>Git</a:t>
             </a:r>
             <a:r>
-              <a:rPr lang="en-US" dirty="0" smtClean="0"/>
+              <a:rPr lang="en-US" dirty="0"/>
               <a:t> Virtual File System - https://github.com/Microsoft/gvfs</a:t>
             </a:r>
           </a:p>
           <a:p>
             <a:r>
-              <a:rPr lang="en-US" dirty="0" smtClean="0"/>
+              <a:rPr lang="en-US" dirty="0"/>
               <a:t>.NET Foundation - https://dotnetfoundation.org/</a:t>
             </a:r>
           </a:p>
           <a:p>
             <a:r>
-              <a:rPr lang="en-US" dirty="0" smtClean="0"/>
+              <a:rPr lang="en-US" dirty="0"/>
               <a:t>GitHub - https://github.com/</a:t>
             </a:r>
           </a:p>
           <a:p>
             <a:r>
-              <a:rPr lang="en-US" dirty="0" smtClean="0"/>
+              <a:rPr lang="en-US" dirty="0"/>
               <a:t>Feature Branches And Toggles In A Post-GitHub World - Sam Newman - https://www.youtube.com/watch?v=7qTOdbUAqno</a:t>
             </a:r>
           </a:p>
           <a:p>
             <a:r>
-              <a:rPr lang="en-US" dirty="0" smtClean="0"/>
+              <a:rPr lang="en-US" dirty="0"/>
               <a:t>More Time with </a:t>
             </a:r>
             <a:r>
-              <a:rPr lang="en-US" dirty="0" err="1" smtClean="0"/>
+              <a:rPr lang="en-US" dirty="0" err="1"/>
               <a:t>Git</a:t>
             </a:r>
             <a:r>
-              <a:rPr lang="en-US" dirty="0" smtClean="0"/>
+              <a:rPr lang="en-US" dirty="0"/>
               <a:t> at the Command Line</a:t>
             </a:r>
           </a:p>
           <a:p>
             <a:r>
-              <a:rPr lang="en-US" dirty="0" smtClean="0"/>
+              <a:rPr lang="en-US" dirty="0"/>
               <a:t>	Setup - https://geoffhudik.com/tech/2017/07/19/git-command-line-part-1/</a:t>
             </a:r>
           </a:p>
           <a:p>
             <a:r>
-              <a:rPr lang="en-US" dirty="0" smtClean="0"/>
+              <a:rPr lang="en-US" dirty="0"/>
               <a:t>	Getting Latest and Making Changes - https://geoffhudik.com/tech/2017/07/19/git-command-line-part-2/</a:t>
             </a:r>
           </a:p>
           <a:p>
             <a:r>
-              <a:rPr lang="en-US" dirty="0" smtClean="0"/>
+              <a:rPr lang="en-US" dirty="0"/>
               <a:t>	Pushing, Fetching, and Viewing History - https://geoffhudik.com/tech/2017/07/19/git-command-line-part-3/</a:t>
             </a:r>
           </a:p>
           <a:p>
             <a:r>
-              <a:rPr lang="en-US" dirty="0" smtClean="0"/>
+              <a:rPr lang="en-US" dirty="0"/>
               <a:t>	Merging and Managing Branches - https://geoffhudik.com/tech/2017/07/19/git-command-line-part-4/</a:t>
             </a:r>
           </a:p>
           <a:p>
             <a:r>
-              <a:rPr lang="en-US" dirty="0" smtClean="0"/>
+              <a:rPr lang="en-US" dirty="0"/>
               <a:t>	Stashes and Reverting Work - https://geoffhudik.com/tech/2017/07/19/git-command-line-part-5/</a:t>
             </a:r>
           </a:p>
           <a:p>
             <a:r>
-              <a:rPr lang="en-US" dirty="0" smtClean="0"/>
+              <a:rPr lang="en-US" dirty="0"/>
               <a:t>	Miscellaneous / Wrap-up - https://geoffhudik.com/tech/2017/07/19/git-command-line-part-6/</a:t>
             </a:r>
           </a:p>
           <a:p>
             <a:r>
-              <a:rPr lang="en-US" dirty="0" smtClean="0"/>
+              <a:rPr lang="en-US" dirty="0"/>
               <a:t>How to Write a </a:t>
             </a:r>
             <a:r>
-              <a:rPr lang="en-US" dirty="0" err="1" smtClean="0"/>
+              <a:rPr lang="en-US" dirty="0" err="1"/>
               <a:t>Git</a:t>
             </a:r>
             <a:r>
-              <a:rPr lang="en-US" dirty="0" smtClean="0"/>
+              <a:rPr lang="en-US" dirty="0"/>
               <a:t> Commit Message - https://chris.beams.io/posts/git-commit/</a:t>
             </a:r>
-            <a:endParaRPr lang="en-US" dirty="0" smtClean="0"/>
           </a:p>
         </p:txBody>
       </p:sp>
@@ -4788,18 +4722,17 @@
           <a:lstStyle/>
           <a:p>
             <a:r>
-              <a:rPr lang="en-US" dirty="0" smtClean="0"/>
+              <a:rPr lang="en-US" dirty="0"/>
               <a:t>So, to start, what exactly is </a:t>
             </a:r>
             <a:r>
-              <a:rPr lang="en-US" dirty="0" err="1" smtClean="0"/>
+              <a:rPr lang="en-US" dirty="0" err="1"/>
               <a:t>Git</a:t>
             </a:r>
             <a:r>
-              <a:rPr lang="en-US" dirty="0" smtClean="0"/>
+              <a:rPr lang="en-US" dirty="0"/>
               <a:t>?</a:t>
             </a:r>
-            <a:endParaRPr lang="en-US" dirty="0"/>
           </a:p>
         </p:txBody>
       </p:sp>
@@ -4884,19 +4817,19 @@
           <a:lstStyle/>
           <a:p>
             <a:r>
-              <a:rPr lang="en-US" dirty="0" smtClean="0"/>
+              <a:rPr lang="en-US" dirty="0"/>
               <a:t>Here</a:t>
             </a:r>
             <a:r>
-              <a:rPr lang="en-US" baseline="0" dirty="0" smtClean="0"/>
+              <a:rPr lang="en-US" baseline="0" dirty="0"/>
               <a:t> are the main “selling” points for </a:t>
             </a:r>
             <a:r>
-              <a:rPr lang="en-US" baseline="0" dirty="0" err="1" smtClean="0"/>
+              <a:rPr lang="en-US" baseline="0" dirty="0" err="1"/>
               <a:t>Git</a:t>
             </a:r>
             <a:r>
-              <a:rPr lang="en-US" baseline="0" dirty="0" smtClean="0"/>
+              <a:rPr lang="en-US" baseline="0" dirty="0"/>
               <a:t>. Let’s drill down into a couple of them.</a:t>
             </a:r>
             <a:endParaRPr lang="en-US" dirty="0"/>
@@ -4984,45 +4917,44 @@
           <a:lstStyle/>
           <a:p>
             <a:r>
-              <a:rPr lang="en-US" dirty="0" smtClean="0"/>
+              <a:rPr lang="en-US" dirty="0"/>
               <a:t>Frictionless Context Switching. Create a branch to try out an idea, commit a few times, switch back to where you branched from, apply a patch, switch back to where you are experimenting, and merge it in. </a:t>
             </a:r>
           </a:p>
           <a:p>
-            <a:endParaRPr lang="en-US" dirty="0" smtClean="0"/>
-          </a:p>
-          <a:p>
-            <a:r>
-              <a:rPr lang="en-US" dirty="0" smtClean="0"/>
+            <a:endParaRPr lang="en-US" dirty="0"/>
+          </a:p>
+          <a:p>
+            <a:r>
+              <a:rPr lang="en-US" dirty="0"/>
               <a:t>Role-Based </a:t>
             </a:r>
             <a:r>
-              <a:rPr lang="en-US" dirty="0" err="1" smtClean="0"/>
+              <a:rPr lang="en-US" dirty="0" err="1"/>
               <a:t>Codelines</a:t>
             </a:r>
             <a:r>
-              <a:rPr lang="en-US" dirty="0" smtClean="0"/>
+              <a:rPr lang="en-US" dirty="0"/>
               <a:t>. Have a branch that always contains only what goes to production, another that you merge work into for testing, and several smaller ones for day to day work. </a:t>
             </a:r>
           </a:p>
           <a:p>
-            <a:endParaRPr lang="en-US" dirty="0" smtClean="0"/>
-          </a:p>
-          <a:p>
-            <a:r>
-              <a:rPr lang="en-US" dirty="0" smtClean="0"/>
+            <a:endParaRPr lang="en-US" dirty="0"/>
+          </a:p>
+          <a:p>
+            <a:r>
+              <a:rPr lang="en-US" dirty="0"/>
               <a:t>Feature Based Workflow. Create new branches for each new feature you're working on so you can seamlessly switch back and forth between them, then delete each branch when that feature gets merged into your main line. </a:t>
             </a:r>
           </a:p>
           <a:p>
-            <a:endParaRPr lang="en-US" dirty="0" smtClean="0"/>
-          </a:p>
-          <a:p>
-            <a:r>
-              <a:rPr lang="en-US" dirty="0" smtClean="0"/>
+            <a:endParaRPr lang="en-US" dirty="0"/>
+          </a:p>
+          <a:p>
+            <a:r>
+              <a:rPr lang="en-US" dirty="0"/>
               <a:t>Disposable Experimentation. Create a branch to experiment in, realize it's not going to work, and just delete it - abandoning the work—with nobody else ever seeing it (even if you've pushed other branches in the meantime). </a:t>
             </a:r>
-            <a:endParaRPr lang="en-US" dirty="0"/>
           </a:p>
         </p:txBody>
       </p:sp>
@@ -5107,90 +5039,89 @@
           <a:lstStyle/>
           <a:p>
             <a:r>
-              <a:rPr lang="en-US" dirty="0" err="1" smtClean="0"/>
+              <a:rPr lang="en-US" dirty="0" err="1"/>
               <a:t>Git</a:t>
             </a:r>
             <a:r>
-              <a:rPr lang="en-US" dirty="0" smtClean="0"/>
+              <a:rPr lang="en-US" dirty="0"/>
               <a:t> is fast. With </a:t>
             </a:r>
             <a:r>
-              <a:rPr lang="en-US" dirty="0" err="1" smtClean="0"/>
+              <a:rPr lang="en-US" dirty="0" err="1"/>
               <a:t>Git</a:t>
             </a:r>
             <a:r>
-              <a:rPr lang="en-US" dirty="0" smtClean="0"/>
+              <a:rPr lang="en-US" dirty="0"/>
               <a:t>, nearly all operations are performed locally, giving it a huge speed advantage on centralized systems that constantly have to communicate with a server somewhere. </a:t>
             </a:r>
           </a:p>
           <a:p>
             <a:r>
-              <a:rPr lang="en-US" dirty="0" err="1" smtClean="0"/>
+              <a:rPr lang="en-US" dirty="0" err="1"/>
               <a:t>Git</a:t>
             </a:r>
             <a:r>
-              <a:rPr lang="en-US" dirty="0" smtClean="0"/>
+              <a:rPr lang="en-US" dirty="0"/>
               <a:t> was built to work on the Linux kernel, meaning that it has had to effectively handle large repositories from day one. </a:t>
             </a:r>
             <a:r>
-              <a:rPr lang="en-US" dirty="0" err="1" smtClean="0"/>
+              <a:rPr lang="en-US" dirty="0" err="1"/>
               <a:t>Git</a:t>
             </a:r>
             <a:r>
-              <a:rPr lang="en-US" dirty="0" smtClean="0"/>
+              <a:rPr lang="en-US" dirty="0"/>
               <a:t> is written in C, reducing the overhead of runtimes associated with higher-level languages. Speed and performance has been a primary design goal of the </a:t>
             </a:r>
             <a:r>
-              <a:rPr lang="en-US" dirty="0" err="1" smtClean="0"/>
+              <a:rPr lang="en-US" dirty="0" err="1"/>
               <a:t>Git</a:t>
             </a:r>
             <a:r>
-              <a:rPr lang="en-US" dirty="0" smtClean="0"/>
+              <a:rPr lang="en-US" dirty="0"/>
               <a:t> from the start. </a:t>
             </a:r>
           </a:p>
           <a:p>
-            <a:endParaRPr lang="en-US" dirty="0" smtClean="0"/>
-          </a:p>
-          <a:p>
-            <a:r>
-              <a:rPr lang="en-US" dirty="0" smtClean="0"/>
+            <a:endParaRPr lang="en-US" dirty="0"/>
+          </a:p>
+          <a:p>
+            <a:r>
+              <a:rPr lang="en-US" dirty="0"/>
               <a:t>Clearly, in many of these common version control operations, </a:t>
             </a:r>
             <a:r>
-              <a:rPr lang="en-US" dirty="0" err="1" smtClean="0"/>
+              <a:rPr lang="en-US" dirty="0" err="1"/>
               <a:t>Git</a:t>
             </a:r>
             <a:r>
-              <a:rPr lang="en-US" dirty="0" smtClean="0"/>
+              <a:rPr lang="en-US" dirty="0"/>
               <a:t> is one or two orders of magnitude faster than SVN, even under ideal conditions for SVN. </a:t>
             </a:r>
           </a:p>
           <a:p>
-            <a:endParaRPr lang="en-US" dirty="0" smtClean="0"/>
-          </a:p>
-          <a:p>
-            <a:r>
-              <a:rPr lang="en-US" dirty="0" smtClean="0"/>
+            <a:endParaRPr lang="en-US" dirty="0"/>
+          </a:p>
+          <a:p>
+            <a:r>
+              <a:rPr lang="en-US" dirty="0"/>
               <a:t>One place where </a:t>
             </a:r>
             <a:r>
-              <a:rPr lang="en-US" dirty="0" err="1" smtClean="0"/>
+              <a:rPr lang="en-US" dirty="0" err="1"/>
               <a:t>Git</a:t>
             </a:r>
             <a:r>
-              <a:rPr lang="en-US" dirty="0" smtClean="0"/>
+              <a:rPr lang="en-US" dirty="0"/>
               <a:t> is slower is in the initial clone operation. Here, </a:t>
             </a:r>
             <a:r>
-              <a:rPr lang="en-US" dirty="0" err="1" smtClean="0"/>
+              <a:rPr lang="en-US" dirty="0" err="1"/>
               <a:t>Git</a:t>
             </a:r>
             <a:r>
-              <a:rPr lang="en-US" dirty="0" smtClean="0"/>
+              <a:rPr lang="en-US" dirty="0"/>
               <a:t> is downloading the entire history rather than only the latest version. As seen in the above charts, it's not considerably slower for an operation that is only performed once. </a:t>
             </a:r>
-            <a:endParaRPr lang="en-US" dirty="0"/>
           </a:p>
         </p:txBody>
       </p:sp>
@@ -5275,93 +5206,92 @@
           <a:lstStyle/>
           <a:p>
             <a:r>
-              <a:rPr lang="en-US" dirty="0" smtClean="0"/>
+              <a:rPr lang="en-US" dirty="0"/>
               <a:t>Multiple Backups</a:t>
             </a:r>
             <a:r>
-              <a:rPr lang="en-US" baseline="0" dirty="0" smtClean="0"/>
+              <a:rPr lang="en-US" baseline="0" dirty="0"/>
               <a:t> - </a:t>
             </a:r>
             <a:r>
-              <a:rPr lang="en-US" dirty="0" smtClean="0"/>
+              <a:rPr lang="en-US" dirty="0"/>
               <a:t>This means that even if you're using a centralized workflow, every user essentially has a full backup of the main server. Each of these copies could be pushed up to replace the main server in the event of a crash or corruption. In effect, there is no single point of failure with </a:t>
             </a:r>
             <a:r>
-              <a:rPr lang="en-US" dirty="0" err="1" smtClean="0"/>
+              <a:rPr lang="en-US" dirty="0" err="1"/>
               <a:t>Git</a:t>
             </a:r>
             <a:r>
-              <a:rPr lang="en-US" dirty="0" smtClean="0"/>
+              <a:rPr lang="en-US" dirty="0"/>
               <a:t> unless there is only a single copy of the repository. </a:t>
             </a:r>
           </a:p>
           <a:p>
-            <a:endParaRPr lang="en-US" dirty="0" smtClean="0"/>
-          </a:p>
-          <a:p>
-            <a:r>
-              <a:rPr lang="en-US" dirty="0" smtClean="0"/>
+            <a:endParaRPr lang="en-US" dirty="0"/>
+          </a:p>
+          <a:p>
+            <a:r>
+              <a:rPr lang="en-US" dirty="0"/>
               <a:t>Any Workflow</a:t>
             </a:r>
             <a:r>
-              <a:rPr lang="en-US" baseline="0" dirty="0" smtClean="0"/>
+              <a:rPr lang="en-US" baseline="0" dirty="0"/>
               <a:t> - </a:t>
             </a:r>
             <a:r>
-              <a:rPr lang="en-US" dirty="0" smtClean="0"/>
+              <a:rPr lang="en-US" dirty="0"/>
               <a:t>Because of </a:t>
             </a:r>
             <a:r>
-              <a:rPr lang="en-US" dirty="0" err="1" smtClean="0"/>
+              <a:rPr lang="en-US" dirty="0" err="1"/>
               <a:t>Git's</a:t>
             </a:r>
             <a:r>
-              <a:rPr lang="en-US" dirty="0" smtClean="0"/>
+              <a:rPr lang="en-US" dirty="0"/>
               <a:t> distributed nature and superb branching system, an almost endless number of workflows can be implemented with relative ease. </a:t>
             </a:r>
           </a:p>
           <a:p>
-            <a:endParaRPr lang="en-US" dirty="0" smtClean="0"/>
-          </a:p>
-          <a:p>
-            <a:r>
-              <a:rPr lang="en-US" dirty="0" smtClean="0"/>
+            <a:endParaRPr lang="en-US" dirty="0"/>
+          </a:p>
+          <a:p>
+            <a:r>
+              <a:rPr lang="en-US" dirty="0"/>
               <a:t>	Subversion-Style Workflow</a:t>
             </a:r>
             <a:r>
-              <a:rPr lang="en-US" baseline="0" dirty="0" smtClean="0"/>
+              <a:rPr lang="en-US" baseline="0" dirty="0"/>
               <a:t> - </a:t>
             </a:r>
             <a:r>
-              <a:rPr lang="en-US" dirty="0" smtClean="0"/>
+              <a:rPr lang="en-US" dirty="0"/>
               <a:t>A centralized workflow is very common, especially from people transitioning from a centralized system. </a:t>
             </a:r>
             <a:r>
-              <a:rPr lang="en-US" dirty="0" err="1" smtClean="0"/>
+              <a:rPr lang="en-US" dirty="0" err="1"/>
               <a:t>Git</a:t>
             </a:r>
             <a:r>
-              <a:rPr lang="en-US" dirty="0" smtClean="0"/>
+              <a:rPr lang="en-US" dirty="0"/>
               <a:t> will not allow you to push if someone has pushed since the last time you fetched, so a centralized model where all developers push to the same server works just fine. </a:t>
             </a:r>
           </a:p>
           <a:p>
-            <a:endParaRPr lang="en-US" dirty="0" smtClean="0"/>
-          </a:p>
-          <a:p>
-            <a:r>
-              <a:rPr lang="en-US" dirty="0" smtClean="0"/>
+            <a:endParaRPr lang="en-US" dirty="0"/>
+          </a:p>
+          <a:p>
+            <a:r>
+              <a:rPr lang="en-US" dirty="0"/>
               <a:t>	Dictator and Lieutenants Workflow</a:t>
             </a:r>
             <a:r>
-              <a:rPr lang="en-US" baseline="0" dirty="0" smtClean="0"/>
+              <a:rPr lang="en-US" baseline="0" dirty="0"/>
               <a:t> - </a:t>
             </a:r>
             <a:r>
-              <a:rPr lang="en-US" dirty="0" smtClean="0"/>
+              <a:rPr lang="en-US" dirty="0"/>
               <a:t>For more massive projects, a development workflow like that of the Linux kernel is often effective. In this model, some people ('lieutenants') are in charge of a specific subsystem of the project and they merge in all changes related to that subsystem. Another integrator (the 'dictator') can pull changes from only his/her lieutenants and then push to the 'blessed' repository that everyone then clones from again. </a:t>
             </a:r>
-            <a:endParaRPr lang="en-US" dirty="0"/>
           </a:p>
         </p:txBody>
       </p:sp>
@@ -5446,35 +5376,35 @@
           <a:lstStyle/>
           <a:p>
             <a:r>
-              <a:rPr lang="en-US" dirty="0" smtClean="0"/>
+              <a:rPr lang="en-US" dirty="0"/>
               <a:t>Also,</a:t>
             </a:r>
             <a:r>
-              <a:rPr lang="en-US" baseline="0" dirty="0" smtClean="0"/>
+              <a:rPr lang="en-US" baseline="0" dirty="0"/>
               <a:t> it’s extremely interesting that the Windows source code base is now hosted in a </a:t>
             </a:r>
             <a:r>
-              <a:rPr lang="en-US" baseline="0" dirty="0" err="1" smtClean="0"/>
+              <a:rPr lang="en-US" baseline="0" dirty="0" err="1"/>
               <a:t>Git</a:t>
             </a:r>
             <a:r>
-              <a:rPr lang="en-US" baseline="0" dirty="0" smtClean="0"/>
+              <a:rPr lang="en-US" baseline="0" dirty="0"/>
               <a:t> repo. Used to be on something called </a:t>
             </a:r>
             <a:r>
-              <a:rPr lang="en-US" baseline="0" dirty="0" err="1" smtClean="0"/>
+              <a:rPr lang="en-US" baseline="0" dirty="0" err="1"/>
               <a:t>SourceDepot</a:t>
             </a:r>
             <a:r>
-              <a:rPr lang="en-US" baseline="0" dirty="0" smtClean="0"/>
+              <a:rPr lang="en-US" baseline="0" dirty="0"/>
               <a:t>, but they’ve moved to </a:t>
             </a:r>
             <a:r>
-              <a:rPr lang="en-US" baseline="0" dirty="0" err="1" smtClean="0"/>
+              <a:rPr lang="en-US" baseline="0" dirty="0" err="1"/>
               <a:t>Git</a:t>
             </a:r>
             <a:r>
-              <a:rPr lang="en-US" baseline="0" dirty="0" smtClean="0"/>
+              <a:rPr lang="en-US" baseline="0" dirty="0"/>
               <a:t>.</a:t>
             </a:r>
             <a:endParaRPr lang="en-US" dirty="0"/>
@@ -5562,45 +5492,45 @@
           <a:lstStyle/>
           <a:p>
             <a:r>
-              <a:rPr lang="en-US" dirty="0" smtClean="0"/>
+              <a:rPr lang="en-US" dirty="0"/>
               <a:t>In fact, because the code base is so large, MS ended up created</a:t>
             </a:r>
             <a:r>
-              <a:rPr lang="en-US" baseline="0" dirty="0" smtClean="0"/>
+              <a:rPr lang="en-US" baseline="0" dirty="0"/>
               <a:t> the </a:t>
             </a:r>
             <a:r>
-              <a:rPr lang="en-US" baseline="0" dirty="0" err="1" smtClean="0"/>
+              <a:rPr lang="en-US" baseline="0" dirty="0" err="1"/>
               <a:t>Git</a:t>
             </a:r>
             <a:r>
-              <a:rPr lang="en-US" baseline="0" dirty="0" smtClean="0"/>
+              <a:rPr lang="en-US" baseline="0" dirty="0"/>
               <a:t> Virtual File System, which is open source. </a:t>
             </a:r>
           </a:p>
           <a:p>
-            <a:endParaRPr lang="en-US" baseline="0" dirty="0" smtClean="0"/>
-          </a:p>
-          <a:p>
-            <a:r>
-              <a:rPr lang="en-US" baseline="0" dirty="0" smtClean="0"/>
+            <a:endParaRPr lang="en-US" baseline="0" dirty="0"/>
+          </a:p>
+          <a:p>
+            <a:r>
+              <a:rPr lang="en-US" baseline="0" dirty="0"/>
               <a:t>“As a refresher, the Windows code base is approximately 3.5M files and, when checked in to a </a:t>
             </a:r>
             <a:r>
-              <a:rPr lang="en-US" baseline="0" dirty="0" err="1" smtClean="0"/>
+              <a:rPr lang="en-US" baseline="0" dirty="0" err="1"/>
               <a:t>Git</a:t>
             </a:r>
             <a:r>
-              <a:rPr lang="en-US" baseline="0" dirty="0" smtClean="0"/>
+              <a:rPr lang="en-US" baseline="0" dirty="0"/>
               <a:t> repo, results in a repo of about 300GB.  Further, the Windows team is about 4,000 engineers and the engineering system produces 1,760 daily “lab builds” across 440 branches in addition to thousands of pull request validation builds.”</a:t>
             </a:r>
           </a:p>
           <a:p>
-            <a:endParaRPr lang="en-US" baseline="0" dirty="0" smtClean="0"/>
-          </a:p>
-          <a:p>
-            <a:r>
-              <a:rPr lang="en-US" baseline="0" dirty="0" smtClean="0"/>
+            <a:endParaRPr lang="en-US" baseline="0" dirty="0"/>
+          </a:p>
+          <a:p>
+            <a:r>
+              <a:rPr lang="en-US" baseline="0" dirty="0"/>
               <a:t>Speaking of OSS….</a:t>
             </a:r>
             <a:endParaRPr lang="en-US" dirty="0"/>
@@ -5688,11 +5618,11 @@
           <a:lstStyle/>
           <a:p>
             <a:r>
-              <a:rPr lang="en-US" dirty="0" err="1" smtClean="0"/>
+              <a:rPr lang="en-US" dirty="0" err="1"/>
               <a:t>Micorsoft</a:t>
             </a:r>
             <a:r>
-              <a:rPr lang="en-US" baseline="0" dirty="0" smtClean="0"/>
+              <a:rPr lang="en-US" baseline="0" dirty="0"/>
               <a:t> has changed its tune on open source. A lot of their frameworks and packages, along with other community-backed projects, are now hosted on GitHub. Speaking of GitHub….</a:t>
             </a:r>
             <a:endParaRPr lang="en-US" dirty="0"/>
@@ -5802,24 +5732,23 @@
           </a:lstStyle>
           <a:p>
             <a:r>
-              <a:rPr lang="en-US" dirty="0" smtClean="0"/>
+              <a:rPr lang="en-US" dirty="0"/>
               <a:t>TITLE OF THE</a:t>
             </a:r>
             <a:br>
-              <a:rPr lang="en-US" dirty="0" smtClean="0"/>
+              <a:rPr lang="en-US" dirty="0"/>
             </a:br>
             <a:r>
-              <a:rPr lang="en-US" dirty="0" smtClean="0"/>
+              <a:rPr lang="en-US" dirty="0"/>
               <a:t>PRESENTATION</a:t>
             </a:r>
             <a:br>
-              <a:rPr lang="en-US" dirty="0" smtClean="0"/>
+              <a:rPr lang="en-US" dirty="0"/>
             </a:br>
             <a:r>
-              <a:rPr lang="en-US" dirty="0" smtClean="0"/>
+              <a:rPr lang="en-US" dirty="0"/>
               <a:t>WILL GO HERE</a:t>
             </a:r>
-            <a:endParaRPr lang="en-US" dirty="0"/>
           </a:p>
         </p:txBody>
       </p:sp>
@@ -5895,10 +5824,9 @@
           </a:lstStyle>
           <a:p>
             <a:r>
-              <a:rPr lang="en-US" dirty="0" smtClean="0"/>
+              <a:rPr lang="en-US" dirty="0"/>
               <a:t>Title of the presentation will be no longer than three lines</a:t>
             </a:r>
-            <a:endParaRPr lang="en-US" dirty="0"/>
           </a:p>
         </p:txBody>
       </p:sp>
@@ -5973,21 +5901,21 @@
           <a:p>
             <a:pPr lvl="0"/>
             <a:r>
-              <a:rPr lang="en-US" dirty="0" smtClean="0"/>
+              <a:rPr lang="en-US" dirty="0"/>
               <a:t>Presenter One</a:t>
             </a:r>
           </a:p>
           <a:p>
             <a:pPr lvl="0"/>
             <a:r>
-              <a:rPr lang="en-US" dirty="0" smtClean="0"/>
+              <a:rPr lang="en-US" dirty="0"/>
               <a:t>Presenter Two	</a:t>
             </a:r>
           </a:p>
           <a:p>
             <a:pPr lvl="0"/>
             <a:r>
-              <a:rPr lang="en-US" dirty="0" smtClean="0"/>
+              <a:rPr lang="en-US" dirty="0"/>
               <a:t>Presenter Three		</a:t>
             </a:r>
           </a:p>
@@ -6058,7 +5986,7 @@
           <a:p>
             <a:pPr lvl="0"/>
             <a:r>
-              <a:rPr lang="en-US" dirty="0" smtClean="0"/>
+              <a:rPr lang="en-US" dirty="0"/>
               <a:t>XX.XX.16</a:t>
             </a:r>
           </a:p>
@@ -6130,35 +6058,35 @@
           <a:p>
             <a:pPr lvl="0"/>
             <a:r>
-              <a:rPr lang="en-US" smtClean="0"/>
+              <a:rPr lang="en-US"/>
               <a:t>Edit Master text styles</a:t>
             </a:r>
           </a:p>
           <a:p>
             <a:pPr lvl="1"/>
             <a:r>
-              <a:rPr lang="en-US" smtClean="0"/>
+              <a:rPr lang="en-US"/>
               <a:t>Second level</a:t>
             </a:r>
           </a:p>
           <a:p>
             <a:pPr lvl="2"/>
             <a:r>
-              <a:rPr lang="en-US" smtClean="0"/>
+              <a:rPr lang="en-US"/>
               <a:t>Third level</a:t>
             </a:r>
           </a:p>
           <a:p>
             <a:pPr lvl="3"/>
             <a:r>
-              <a:rPr lang="en-US" smtClean="0"/>
+              <a:rPr lang="en-US"/>
               <a:t>Fourth level</a:t>
             </a:r>
           </a:p>
           <a:p>
             <a:pPr lvl="4"/>
             <a:r>
-              <a:rPr lang="en-US" smtClean="0"/>
+              <a:rPr lang="en-US"/>
               <a:t>Fifth level</a:t>
             </a:r>
             <a:endParaRPr lang="en-US" dirty="0"/>
@@ -6186,7 +6114,7 @@
           <a:lstStyle/>
           <a:p>
             <a:r>
-              <a:rPr lang="en-US" smtClean="0"/>
+              <a:rPr lang="en-US"/>
               <a:t>Click to edit Master title style</a:t>
             </a:r>
             <a:endParaRPr lang="en-US" dirty="0"/>
@@ -6258,7 +6186,7 @@
           <a:lstStyle/>
           <a:p>
             <a:r>
-              <a:rPr lang="en-US" smtClean="0"/>
+              <a:rPr lang="en-US"/>
               <a:t>Click to edit Master title style</a:t>
             </a:r>
             <a:endParaRPr lang="en-US" dirty="0"/>
@@ -6287,35 +6215,35 @@
           <a:p>
             <a:pPr lvl="0"/>
             <a:r>
-              <a:rPr lang="en-US" smtClean="0"/>
+              <a:rPr lang="en-US"/>
               <a:t>Edit Master text styles</a:t>
             </a:r>
           </a:p>
           <a:p>
             <a:pPr lvl="1"/>
             <a:r>
-              <a:rPr lang="en-US" smtClean="0"/>
+              <a:rPr lang="en-US"/>
               <a:t>Second level</a:t>
             </a:r>
           </a:p>
           <a:p>
             <a:pPr lvl="2"/>
             <a:r>
-              <a:rPr lang="en-US" smtClean="0"/>
+              <a:rPr lang="en-US"/>
               <a:t>Third level</a:t>
             </a:r>
           </a:p>
           <a:p>
             <a:pPr lvl="3"/>
             <a:r>
-              <a:rPr lang="en-US" smtClean="0"/>
+              <a:rPr lang="en-US"/>
               <a:t>Fourth level</a:t>
             </a:r>
           </a:p>
           <a:p>
             <a:pPr lvl="4"/>
             <a:r>
-              <a:rPr lang="en-US" smtClean="0"/>
+              <a:rPr lang="en-US"/>
               <a:t>Fifth level</a:t>
             </a:r>
             <a:endParaRPr lang="en-US" dirty="0"/>
@@ -6409,7 +6337,7 @@
           <a:p>
             <a:pPr algn="r"/>
             <a:r>
-              <a:rPr lang="en-US" sz="1100" b="1" dirty="0" smtClean="0">
+              <a:rPr lang="en-US" sz="1100" b="1" dirty="0">
                 <a:solidFill>
                   <a:srgbClr val="56565A"/>
                 </a:solidFill>
@@ -6420,7 +6348,7 @@
               <a:t>877.277.1044   </a:t>
             </a:r>
             <a:r>
-              <a:rPr lang="en-US" sz="1200" b="1" i="0" dirty="0" smtClean="0">
+              <a:rPr lang="en-US" sz="1200" b="1" i="0" dirty="0">
                 <a:solidFill>
                   <a:srgbClr val="7DC242"/>
                 </a:solidFill>
@@ -6431,7 +6359,7 @@
               <a:t>/</a:t>
             </a:r>
             <a:r>
-              <a:rPr lang="en-US" sz="1100" b="1" dirty="0" smtClean="0">
+              <a:rPr lang="en-US" sz="1100" b="1" dirty="0">
                 <a:solidFill>
                   <a:srgbClr val="56565A"/>
                 </a:solidFill>
@@ -6442,7 +6370,7 @@
               <a:t>   </a:t>
             </a:r>
             <a:r>
-              <a:rPr lang="en-US" sz="1100" b="1" dirty="0" err="1" smtClean="0">
+              <a:rPr lang="en-US" sz="1100" b="1" dirty="0" err="1">
                 <a:solidFill>
                   <a:srgbClr val="56565A"/>
                 </a:solidFill>
@@ -6453,7 +6381,7 @@
               <a:t>magenic.com</a:t>
             </a:r>
             <a:r>
-              <a:rPr lang="en-US" sz="1100" b="1" dirty="0" smtClean="0">
+              <a:rPr lang="en-US" sz="1100" b="1" dirty="0">
                 <a:solidFill>
                   <a:srgbClr val="56565A"/>
                 </a:solidFill>
@@ -6464,7 +6392,7 @@
               <a:t>   </a:t>
             </a:r>
             <a:r>
-              <a:rPr lang="en-US" sz="1200" b="1" i="0" dirty="0" smtClean="0">
+              <a:rPr lang="en-US" sz="1200" b="1" i="0" dirty="0">
                 <a:solidFill>
                   <a:srgbClr val="7DC242"/>
                 </a:solidFill>
@@ -6743,7 +6671,7 @@
               </a:spcBef>
             </a:pPr>
             <a:r>
-              <a:rPr lang="en-US" sz="6500" b="0" i="1" dirty="0" smtClean="0">
+              <a:rPr lang="en-US" sz="6500" b="0" i="1" dirty="0">
                 <a:solidFill>
                   <a:srgbClr val="56565A"/>
                 </a:solidFill>
@@ -6753,14 +6681,6 @@
               </a:rPr>
               <a:t>THANK YOU</a:t>
             </a:r>
-            <a:endParaRPr lang="en-US" sz="6500" b="0" i="1" dirty="0">
-              <a:solidFill>
-                <a:srgbClr val="56565A"/>
-              </a:solidFill>
-              <a:latin typeface="+mn-lt"/>
-              <a:ea typeface="Dotum" panose="020B0600000101010101" pitchFamily="34" charset="-127"/>
-              <a:cs typeface="Cordia New" panose="020B0304020202020204" pitchFamily="34" charset="-34"/>
-            </a:endParaRPr>
           </a:p>
         </p:txBody>
       </p:sp>
@@ -6830,35 +6750,35 @@
           <a:p>
             <a:pPr lvl="0"/>
             <a:r>
-              <a:rPr lang="en-US" smtClean="0"/>
+              <a:rPr lang="en-US"/>
               <a:t>Edit Master text styles</a:t>
             </a:r>
           </a:p>
           <a:p>
             <a:pPr lvl="1"/>
             <a:r>
-              <a:rPr lang="en-US" smtClean="0"/>
+              <a:rPr lang="en-US"/>
               <a:t>Second level</a:t>
             </a:r>
           </a:p>
           <a:p>
             <a:pPr lvl="2"/>
             <a:r>
-              <a:rPr lang="en-US" smtClean="0"/>
+              <a:rPr lang="en-US"/>
               <a:t>Third level</a:t>
             </a:r>
           </a:p>
           <a:p>
             <a:pPr lvl="3"/>
             <a:r>
-              <a:rPr lang="en-US" smtClean="0"/>
+              <a:rPr lang="en-US"/>
               <a:t>Fourth level</a:t>
             </a:r>
           </a:p>
           <a:p>
             <a:pPr lvl="4"/>
             <a:r>
-              <a:rPr lang="en-US" smtClean="0"/>
+              <a:rPr lang="en-US"/>
               <a:t>Fifth level</a:t>
             </a:r>
             <a:endParaRPr lang="en-US" dirty="0"/>
@@ -6886,7 +6806,7 @@
           <a:lstStyle/>
           <a:p>
             <a:r>
-              <a:rPr lang="en-US" smtClean="0"/>
+              <a:rPr lang="en-US"/>
               <a:t>Click to edit Master title style</a:t>
             </a:r>
             <a:endParaRPr lang="en-US" dirty="0"/>
@@ -6962,7 +6882,7 @@
           </a:lstStyle>
           <a:p>
             <a:r>
-              <a:rPr lang="en-US" smtClean="0"/>
+              <a:rPr lang="en-US"/>
               <a:t>Click to edit Master title style</a:t>
             </a:r>
             <a:endParaRPr lang="en-US" dirty="0"/>
@@ -7082,7 +7002,7 @@
           <a:p>
             <a:pPr lvl="0"/>
             <a:r>
-              <a:rPr lang="en-US" smtClean="0"/>
+              <a:rPr lang="en-US"/>
               <a:t>Edit Master text styles</a:t>
             </a:r>
           </a:p>
@@ -7154,35 +7074,35 @@
           <a:p>
             <a:pPr lvl="0"/>
             <a:r>
-              <a:rPr lang="en-US" smtClean="0"/>
+              <a:rPr lang="en-US"/>
               <a:t>Edit Master text styles</a:t>
             </a:r>
           </a:p>
           <a:p>
             <a:pPr lvl="1"/>
             <a:r>
-              <a:rPr lang="en-US" smtClean="0"/>
+              <a:rPr lang="en-US"/>
               <a:t>Second level</a:t>
             </a:r>
           </a:p>
           <a:p>
             <a:pPr lvl="2"/>
             <a:r>
-              <a:rPr lang="en-US" smtClean="0"/>
+              <a:rPr lang="en-US"/>
               <a:t>Third level</a:t>
             </a:r>
           </a:p>
           <a:p>
             <a:pPr lvl="3"/>
             <a:r>
-              <a:rPr lang="en-US" smtClean="0"/>
+              <a:rPr lang="en-US"/>
               <a:t>Fourth level</a:t>
             </a:r>
           </a:p>
           <a:p>
             <a:pPr lvl="4"/>
             <a:r>
-              <a:rPr lang="en-US" smtClean="0"/>
+              <a:rPr lang="en-US"/>
               <a:t>Fifth level</a:t>
             </a:r>
             <a:endParaRPr lang="en-US" dirty="0"/>
@@ -7211,38 +7131,37 @@
           <a:p>
             <a:pPr lvl="0"/>
             <a:r>
-              <a:rPr lang="en-US" smtClean="0"/>
+              <a:rPr lang="en-US"/>
               <a:t>Edit Master text styles</a:t>
             </a:r>
           </a:p>
           <a:p>
             <a:pPr lvl="1"/>
             <a:r>
-              <a:rPr lang="en-US" smtClean="0"/>
+              <a:rPr lang="en-US"/>
               <a:t>Second level</a:t>
             </a:r>
           </a:p>
           <a:p>
             <a:pPr lvl="2"/>
             <a:r>
-              <a:rPr lang="en-US" smtClean="0"/>
+              <a:rPr lang="en-US"/>
               <a:t>Third level</a:t>
             </a:r>
           </a:p>
           <a:p>
             <a:pPr lvl="3"/>
             <a:r>
-              <a:rPr lang="en-US" smtClean="0"/>
+              <a:rPr lang="en-US"/>
               <a:t>Fourth level</a:t>
             </a:r>
           </a:p>
           <a:p>
             <a:pPr lvl="4"/>
             <a:r>
-              <a:rPr lang="en-US" smtClean="0"/>
+              <a:rPr lang="en-US"/>
               <a:t>Fifth level</a:t>
             </a:r>
-            <a:endParaRPr lang="en-US"/>
           </a:p>
         </p:txBody>
       </p:sp>
@@ -7267,7 +7186,7 @@
           <a:lstStyle/>
           <a:p>
             <a:r>
-              <a:rPr lang="en-US" smtClean="0"/>
+              <a:rPr lang="en-US"/>
               <a:t>Click to edit Master title style</a:t>
             </a:r>
             <a:endParaRPr lang="en-US" dirty="0"/>
@@ -7339,7 +7258,7 @@
           <a:lstStyle/>
           <a:p>
             <a:r>
-              <a:rPr lang="en-US" smtClean="0"/>
+              <a:rPr lang="en-US"/>
               <a:t>Click to edit Master title style</a:t>
             </a:r>
             <a:endParaRPr lang="en-US" dirty="0"/>
@@ -7405,7 +7324,7 @@
           <a:p>
             <a:pPr lvl="0"/>
             <a:r>
-              <a:rPr lang="en-US" smtClean="0"/>
+              <a:rPr lang="en-US"/>
               <a:t>Edit Master text styles</a:t>
             </a:r>
           </a:p>
@@ -7433,35 +7352,35 @@
           <a:p>
             <a:pPr lvl="0"/>
             <a:r>
-              <a:rPr lang="en-US" smtClean="0"/>
+              <a:rPr lang="en-US"/>
               <a:t>Edit Master text styles</a:t>
             </a:r>
           </a:p>
           <a:p>
             <a:pPr lvl="1"/>
             <a:r>
-              <a:rPr lang="en-US" smtClean="0"/>
+              <a:rPr lang="en-US"/>
               <a:t>Second level</a:t>
             </a:r>
           </a:p>
           <a:p>
             <a:pPr lvl="2"/>
             <a:r>
-              <a:rPr lang="en-US" smtClean="0"/>
+              <a:rPr lang="en-US"/>
               <a:t>Third level</a:t>
             </a:r>
           </a:p>
           <a:p>
             <a:pPr lvl="3"/>
             <a:r>
-              <a:rPr lang="en-US" smtClean="0"/>
+              <a:rPr lang="en-US"/>
               <a:t>Fourth level</a:t>
             </a:r>
           </a:p>
           <a:p>
             <a:pPr lvl="4"/>
             <a:r>
-              <a:rPr lang="en-US" smtClean="0"/>
+              <a:rPr lang="en-US"/>
               <a:t>Fifth level</a:t>
             </a:r>
             <a:endParaRPr lang="en-US" dirty="0"/>
@@ -7527,7 +7446,7 @@
           <a:p>
             <a:pPr lvl="0"/>
             <a:r>
-              <a:rPr lang="en-US" smtClean="0"/>
+              <a:rPr lang="en-US"/>
               <a:t>Edit Master text styles</a:t>
             </a:r>
           </a:p>
@@ -7555,38 +7474,37 @@
           <a:p>
             <a:pPr lvl="0"/>
             <a:r>
-              <a:rPr lang="en-US" smtClean="0"/>
+              <a:rPr lang="en-US"/>
               <a:t>Edit Master text styles</a:t>
             </a:r>
           </a:p>
           <a:p>
             <a:pPr lvl="1"/>
             <a:r>
-              <a:rPr lang="en-US" smtClean="0"/>
+              <a:rPr lang="en-US"/>
               <a:t>Second level</a:t>
             </a:r>
           </a:p>
           <a:p>
             <a:pPr lvl="2"/>
             <a:r>
-              <a:rPr lang="en-US" smtClean="0"/>
+              <a:rPr lang="en-US"/>
               <a:t>Third level</a:t>
             </a:r>
           </a:p>
           <a:p>
             <a:pPr lvl="3"/>
             <a:r>
-              <a:rPr lang="en-US" smtClean="0"/>
+              <a:rPr lang="en-US"/>
               <a:t>Fourth level</a:t>
             </a:r>
           </a:p>
           <a:p>
             <a:pPr lvl="4"/>
             <a:r>
-              <a:rPr lang="en-US" smtClean="0"/>
+              <a:rPr lang="en-US"/>
               <a:t>Fifth level</a:t>
             </a:r>
-            <a:endParaRPr lang="en-US"/>
           </a:p>
         </p:txBody>
       </p:sp>
@@ -7655,7 +7573,7 @@
           <a:lstStyle/>
           <a:p>
             <a:r>
-              <a:rPr lang="en-US" smtClean="0"/>
+              <a:rPr lang="en-US"/>
               <a:t>Click to edit Master title style</a:t>
             </a:r>
             <a:endParaRPr lang="en-US" dirty="0"/>
@@ -7775,7 +7693,7 @@
           </a:lstStyle>
           <a:p>
             <a:r>
-              <a:rPr lang="en-US" smtClean="0"/>
+              <a:rPr lang="en-US"/>
               <a:t>Click to edit Master title style</a:t>
             </a:r>
             <a:endParaRPr lang="en-US" dirty="0"/>
@@ -7832,35 +7750,35 @@
           <a:p>
             <a:pPr lvl="0"/>
             <a:r>
-              <a:rPr lang="en-US" smtClean="0"/>
+              <a:rPr lang="en-US"/>
               <a:t>Edit Master text styles</a:t>
             </a:r>
           </a:p>
           <a:p>
             <a:pPr lvl="1"/>
             <a:r>
-              <a:rPr lang="en-US" smtClean="0"/>
+              <a:rPr lang="en-US"/>
               <a:t>Second level</a:t>
             </a:r>
           </a:p>
           <a:p>
             <a:pPr lvl="2"/>
             <a:r>
-              <a:rPr lang="en-US" smtClean="0"/>
+              <a:rPr lang="en-US"/>
               <a:t>Third level</a:t>
             </a:r>
           </a:p>
           <a:p>
             <a:pPr lvl="3"/>
             <a:r>
-              <a:rPr lang="en-US" smtClean="0"/>
+              <a:rPr lang="en-US"/>
               <a:t>Fourth level</a:t>
             </a:r>
           </a:p>
           <a:p>
             <a:pPr lvl="4"/>
             <a:r>
-              <a:rPr lang="en-US" smtClean="0"/>
+              <a:rPr lang="en-US"/>
               <a:t>Fifth level</a:t>
             </a:r>
             <a:endParaRPr lang="en-US" dirty="0"/>
@@ -7926,7 +7844,7 @@
           <a:p>
             <a:pPr lvl="0"/>
             <a:r>
-              <a:rPr lang="en-US" smtClean="0"/>
+              <a:rPr lang="en-US"/>
               <a:t>Edit Master text styles</a:t>
             </a:r>
           </a:p>
@@ -8034,10 +7952,9 @@
           </a:lstStyle>
           <a:p>
             <a:r>
-              <a:rPr lang="en-US" smtClean="0"/>
+              <a:rPr lang="en-US"/>
               <a:t>Click icon to add picture</a:t>
             </a:r>
-            <a:endParaRPr lang="en-US"/>
           </a:p>
         </p:txBody>
       </p:sp>
@@ -8066,7 +7983,7 @@
           </a:lstStyle>
           <a:p>
             <a:r>
-              <a:rPr lang="en-US" smtClean="0"/>
+              <a:rPr lang="en-US"/>
               <a:t>Click to edit Master title style</a:t>
             </a:r>
             <a:endParaRPr lang="en-US" dirty="0"/>
@@ -8132,7 +8049,7 @@
           <a:p>
             <a:pPr lvl="0"/>
             <a:r>
-              <a:rPr lang="en-US" smtClean="0"/>
+              <a:rPr lang="en-US"/>
               <a:t>Edit Master text styles</a:t>
             </a:r>
           </a:p>
@@ -8209,7 +8126,7 @@
           <a:lstStyle/>
           <a:p>
             <a:r>
-              <a:rPr lang="en-US" smtClean="0"/>
+              <a:rPr lang="en-US"/>
               <a:t>Click to edit Master title style</a:t>
             </a:r>
             <a:endParaRPr lang="en-US" dirty="0"/>
@@ -8243,35 +8160,35 @@
           <a:p>
             <a:pPr lvl="0"/>
             <a:r>
-              <a:rPr lang="en-US" smtClean="0"/>
+              <a:rPr lang="en-US"/>
               <a:t>Edit Master text styles</a:t>
             </a:r>
           </a:p>
           <a:p>
             <a:pPr lvl="1"/>
             <a:r>
-              <a:rPr lang="en-US" smtClean="0"/>
+              <a:rPr lang="en-US"/>
               <a:t>Second level</a:t>
             </a:r>
           </a:p>
           <a:p>
             <a:pPr lvl="2"/>
             <a:r>
-              <a:rPr lang="en-US" smtClean="0"/>
+              <a:rPr lang="en-US"/>
               <a:t>Third level</a:t>
             </a:r>
           </a:p>
           <a:p>
             <a:pPr lvl="3"/>
             <a:r>
-              <a:rPr lang="en-US" smtClean="0"/>
+              <a:rPr lang="en-US"/>
               <a:t>Fourth level</a:t>
             </a:r>
           </a:p>
           <a:p>
             <a:pPr lvl="4"/>
             <a:r>
-              <a:rPr lang="en-US" smtClean="0"/>
+              <a:rPr lang="en-US"/>
               <a:t>Fifth level</a:t>
             </a:r>
             <a:endParaRPr lang="en-US" dirty="0"/>
@@ -8633,11 +8550,11 @@
           <a:lstStyle/>
           <a:p>
             <a:r>
-              <a:rPr lang="en-US" dirty="0" smtClean="0"/>
+              <a:rPr lang="en-US" dirty="0"/>
               <a:t>Getting </a:t>
             </a:r>
             <a:r>
-              <a:rPr lang="en-US" dirty="0" err="1" smtClean="0"/>
+              <a:rPr lang="en-US" dirty="0" err="1"/>
               <a:t>Git</a:t>
             </a:r>
             <a:endParaRPr lang="en-US" dirty="0"/>
@@ -8660,16 +8577,15 @@
           <a:lstStyle/>
           <a:p>
             <a:r>
-              <a:rPr lang="en-US" dirty="0" smtClean="0"/>
+              <a:rPr lang="en-US" dirty="0"/>
               <a:t>Jason Bock</a:t>
             </a:r>
           </a:p>
           <a:p>
             <a:r>
-              <a:rPr lang="en-US" dirty="0" smtClean="0"/>
+              <a:rPr lang="en-US" dirty="0"/>
               <a:t>Practice Lead</a:t>
             </a:r>
-            <a:endParaRPr lang="en-US" dirty="0"/>
           </a:p>
         </p:txBody>
       </p:sp>
@@ -8683,13 +8599,6 @@
   <p:clrMapOvr>
     <a:masterClrMapping/>
   </p:clrMapOvr>
-  <p:timing>
-    <p:tnLst>
-      <p:par>
-        <p:cTn id="1" dur="indefinite" restart="never" nodeType="tmRoot"/>
-      </p:par>
-    </p:tnLst>
-  </p:timing>
 </p:sld>
 </file>
 
@@ -8726,10 +8635,9 @@
           <a:lstStyle/>
           <a:p>
             <a:r>
-              <a:rPr lang="en-US" dirty="0" smtClean="0"/>
+              <a:rPr lang="en-US" dirty="0"/>
               <a:t>Definitions	</a:t>
             </a:r>
-            <a:endParaRPr lang="en-US" dirty="0"/>
           </a:p>
         </p:txBody>
       </p:sp>
@@ -8868,11 +8776,11 @@
           <a:p>
             <a:pPr algn="ctr"/>
             <a:r>
-              <a:rPr lang="en-US" sz="8000" dirty="0" smtClean="0"/>
+              <a:rPr lang="en-US" sz="8000" dirty="0"/>
               <a:t>Windows is live on </a:t>
             </a:r>
             <a:r>
-              <a:rPr lang="en-US" sz="8000" dirty="0" err="1" smtClean="0"/>
+              <a:rPr lang="en-US" sz="8000" dirty="0" err="1"/>
               <a:t>Git</a:t>
             </a:r>
             <a:endParaRPr lang="en-US" sz="8000" dirty="0"/>
@@ -9049,10 +8957,9 @@
           <a:lstStyle/>
           <a:p>
             <a:r>
-              <a:rPr lang="en-US" dirty="0" smtClean="0"/>
+              <a:rPr lang="en-US" dirty="0"/>
               <a:t>Definitions	</a:t>
             </a:r>
-            <a:endParaRPr lang="en-US" dirty="0"/>
           </a:p>
         </p:txBody>
       </p:sp>
@@ -9122,13 +9029,6 @@
   <p:clrMapOvr>
     <a:masterClrMapping/>
   </p:clrMapOvr>
-  <p:timing>
-    <p:tnLst>
-      <p:par>
-        <p:cTn id="1" dur="indefinite" restart="never" nodeType="tmRoot"/>
-      </p:par>
-    </p:tnLst>
-  </p:timing>
 </p:sld>
 </file>
 
@@ -9165,10 +9065,9 @@
           <a:lstStyle/>
           <a:p>
             <a:r>
-              <a:rPr lang="en-US" dirty="0" smtClean="0"/>
+              <a:rPr lang="en-US" dirty="0"/>
               <a:t>Definitions	</a:t>
             </a:r>
-            <a:endParaRPr lang="en-US" dirty="0"/>
           </a:p>
         </p:txBody>
       </p:sp>
@@ -9266,13 +9165,6 @@
   <p:clrMapOvr>
     <a:masterClrMapping/>
   </p:clrMapOvr>
-  <p:timing>
-    <p:tnLst>
-      <p:par>
-        <p:cTn id="1" dur="indefinite" restart="never" nodeType="tmRoot"/>
-      </p:par>
-    </p:tnLst>
-  </p:timing>
 </p:sld>
 </file>
 
@@ -9309,10 +9201,9 @@
           <a:lstStyle/>
           <a:p>
             <a:r>
-              <a:rPr lang="en-US" dirty="0" smtClean="0"/>
+              <a:rPr lang="en-US" dirty="0"/>
               <a:t>Definitions	</a:t>
             </a:r>
-            <a:endParaRPr lang="en-US" dirty="0"/>
           </a:p>
         </p:txBody>
       </p:sp>
@@ -9382,13 +9273,6 @@
   <p:clrMapOvr>
     <a:masterClrMapping/>
   </p:clrMapOvr>
-  <p:timing>
-    <p:tnLst>
-      <p:par>
-        <p:cTn id="1" dur="indefinite" restart="never" nodeType="tmRoot"/>
-      </p:par>
-    </p:tnLst>
-  </p:timing>
 </p:sld>
 </file>
 
@@ -9425,10 +9309,9 @@
           <a:lstStyle/>
           <a:p>
             <a:r>
-              <a:rPr lang="en-US" dirty="0" smtClean="0"/>
+              <a:rPr lang="en-US" dirty="0"/>
               <a:t>Definitions</a:t>
             </a:r>
-            <a:endParaRPr lang="en-US" dirty="0"/>
           </a:p>
         </p:txBody>
       </p:sp>
@@ -9455,14 +9338,11 @@
           <a:lstStyle/>
           <a:p>
             <a:r>
-              <a:rPr lang="en-US" sz="6600" dirty="0" smtClean="0">
+              <a:rPr lang="en-US" sz="6600" dirty="0">
                 <a:latin typeface="Consolas" panose="020B0609020204030204" pitchFamily="49" charset="0"/>
               </a:rPr>
               <a:t>!=</a:t>
             </a:r>
-            <a:endParaRPr lang="en-US" sz="6600" dirty="0">
-              <a:latin typeface="Consolas" panose="020B0609020204030204" pitchFamily="49" charset="0"/>
-            </a:endParaRPr>
           </a:p>
         </p:txBody>
       </p:sp>
@@ -9536,13 +9416,6 @@
   <p:clrMapOvr>
     <a:masterClrMapping/>
   </p:clrMapOvr>
-  <p:timing>
-    <p:tnLst>
-      <p:par>
-        <p:cTn id="1" dur="indefinite" restart="never" nodeType="tmRoot"/>
-      </p:par>
-    </p:tnLst>
-  </p:timing>
 </p:sld>
 </file>
 
@@ -9579,18 +9452,17 @@
           <a:lstStyle/>
           <a:p>
             <a:r>
-              <a:rPr lang="en-US" dirty="0" smtClean="0"/>
+              <a:rPr lang="en-US" dirty="0"/>
               <a:t>Demo: Basic </a:t>
             </a:r>
             <a:r>
-              <a:rPr lang="en-US" dirty="0" err="1" smtClean="0"/>
+              <a:rPr lang="en-US" dirty="0" err="1"/>
               <a:t>Git</a:t>
             </a:r>
             <a:r>
-              <a:rPr lang="en-US" dirty="0" smtClean="0"/>
+              <a:rPr lang="en-US" dirty="0"/>
               <a:t> Concepts</a:t>
             </a:r>
-            <a:endParaRPr lang="en-US" dirty="0"/>
           </a:p>
         </p:txBody>
       </p:sp>
@@ -9610,11 +9482,11 @@
           <a:lstStyle/>
           <a:p>
             <a:r>
-              <a:rPr lang="en-US" dirty="0" smtClean="0"/>
+              <a:rPr lang="en-US" dirty="0"/>
               <a:t>Getting </a:t>
             </a:r>
             <a:r>
-              <a:rPr lang="en-US" dirty="0" err="1" smtClean="0"/>
+              <a:rPr lang="en-US" dirty="0" err="1"/>
               <a:t>Git</a:t>
             </a:r>
             <a:endParaRPr lang="en-US" dirty="0"/>
@@ -9631,13 +9503,6 @@
   <p:clrMapOvr>
     <a:masterClrMapping/>
   </p:clrMapOvr>
-  <p:timing>
-    <p:tnLst>
-      <p:par>
-        <p:cTn id="1" dur="indefinite" restart="never" nodeType="tmRoot"/>
-      </p:par>
-    </p:tnLst>
-  </p:timing>
 </p:sld>
 </file>
 
@@ -9674,10 +9539,9 @@
           <a:lstStyle/>
           <a:p>
             <a:r>
-              <a:rPr lang="en-US" dirty="0" smtClean="0"/>
+              <a:rPr lang="en-US" dirty="0"/>
               <a:t>Definitions</a:t>
             </a:r>
-            <a:endParaRPr lang="en-US" dirty="0"/>
           </a:p>
         </p:txBody>
       </p:sp>
@@ -9753,13 +9617,6 @@
   <p:clrMapOvr>
     <a:masterClrMapping/>
   </p:clrMapOvr>
-  <p:timing>
-    <p:tnLst>
-      <p:par>
-        <p:cTn id="1" dur="indefinite" restart="never" nodeType="tmRoot"/>
-      </p:par>
-    </p:tnLst>
-  </p:timing>
 </p:sld>
 </file>
 
@@ -9796,10 +9653,9 @@
           <a:lstStyle/>
           <a:p>
             <a:r>
-              <a:rPr lang="en-US" dirty="0" smtClean="0"/>
+              <a:rPr lang="en-US" dirty="0"/>
               <a:t>Definitions</a:t>
             </a:r>
-            <a:endParaRPr lang="en-US" dirty="0"/>
           </a:p>
         </p:txBody>
       </p:sp>
@@ -9869,13 +9725,6 @@
   <p:clrMapOvr>
     <a:masterClrMapping/>
   </p:clrMapOvr>
-  <p:timing>
-    <p:tnLst>
-      <p:par>
-        <p:cTn id="1" dur="indefinite" restart="never" nodeType="tmRoot"/>
-      </p:par>
-    </p:tnLst>
-  </p:timing>
 </p:sld>
 </file>
 
@@ -9912,10 +9761,9 @@
           <a:lstStyle/>
           <a:p>
             <a:r>
-              <a:rPr lang="en-US" dirty="0" smtClean="0"/>
+              <a:rPr lang="en-US" dirty="0"/>
               <a:t>Definitions</a:t>
             </a:r>
-            <a:endParaRPr lang="en-US" dirty="0"/>
           </a:p>
         </p:txBody>
       </p:sp>
@@ -10002,13 +9850,6 @@
   <p:clrMapOvr>
     <a:masterClrMapping/>
   </p:clrMapOvr>
-  <p:timing>
-    <p:tnLst>
-      <p:par>
-        <p:cTn id="1" dur="indefinite" restart="never" nodeType="tmRoot"/>
-      </p:par>
-    </p:tnLst>
-  </p:timing>
 </p:sld>
 </file>
 
@@ -10045,61 +9886,61 @@
           <a:lstStyle/>
           <a:p>
             <a:r>
-              <a:rPr lang="en-US" dirty="0" smtClean="0"/>
+              <a:rPr lang="en-US" dirty="0"/>
               <a:t>Merge times</a:t>
             </a:r>
           </a:p>
           <a:p>
             <a:r>
-              <a:rPr lang="en-US" dirty="0" smtClean="0"/>
+              <a:rPr lang="en-US" dirty="0"/>
               <a:t>Pull requests</a:t>
             </a:r>
           </a:p>
           <a:p>
             <a:r>
-              <a:rPr lang="en-US" dirty="0" smtClean="0"/>
+              <a:rPr lang="en-US" dirty="0"/>
               <a:t>Interactive rebase (== TFS </a:t>
             </a:r>
             <a:r>
-              <a:rPr lang="en-US" dirty="0" err="1" smtClean="0"/>
+              <a:rPr lang="en-US" dirty="0" err="1"/>
               <a:t>changeset</a:t>
             </a:r>
             <a:r>
-              <a:rPr lang="en-US" dirty="0" smtClean="0"/>
+              <a:rPr lang="en-US" dirty="0"/>
               <a:t>)</a:t>
             </a:r>
           </a:p>
           <a:p>
             <a:r>
-              <a:rPr lang="en-US" dirty="0" smtClean="0"/>
+              <a:rPr lang="en-US" dirty="0"/>
               <a:t>Parallel branch work</a:t>
             </a:r>
           </a:p>
           <a:p>
             <a:r>
-              <a:rPr lang="en-US" dirty="0" err="1" smtClean="0"/>
+              <a:rPr lang="en-US" dirty="0" err="1"/>
               <a:t>Git</a:t>
             </a:r>
             <a:r>
-              <a:rPr lang="en-US" dirty="0" smtClean="0"/>
+              <a:rPr lang="en-US" dirty="0"/>
               <a:t> rebases</a:t>
             </a:r>
           </a:p>
           <a:p>
             <a:r>
-              <a:rPr lang="en-US" dirty="0" smtClean="0"/>
+              <a:rPr lang="en-US" dirty="0"/>
               <a:t>Three-way merges (less conflicts)</a:t>
             </a:r>
           </a:p>
           <a:p>
             <a:r>
-              <a:rPr lang="en-US" dirty="0" smtClean="0"/>
+              <a:rPr lang="en-US" dirty="0"/>
               <a:t>No checkouts (!!!!)</a:t>
             </a:r>
           </a:p>
           <a:p>
             <a:r>
-              <a:rPr lang="en-US" dirty="0" smtClean="0"/>
+              <a:rPr lang="en-US" dirty="0"/>
               <a:t>Offline work</a:t>
             </a:r>
           </a:p>
@@ -10124,10 +9965,9 @@
           <a:lstStyle/>
           <a:p>
             <a:r>
-              <a:rPr lang="en-US" dirty="0" smtClean="0"/>
+              <a:rPr lang="en-US" dirty="0"/>
               <a:t>Definitions</a:t>
             </a:r>
-            <a:endParaRPr lang="en-US" dirty="0"/>
           </a:p>
         </p:txBody>
       </p:sp>
@@ -10173,13 +10013,6 @@
   <p:clrMapOvr>
     <a:masterClrMapping/>
   </p:clrMapOvr>
-  <p:timing>
-    <p:tnLst>
-      <p:par>
-        <p:cTn id="1" dur="indefinite" restart="never" nodeType="tmRoot"/>
-      </p:par>
-    </p:tnLst>
-  </p:timing>
 </p:sld>
 </file>
 
@@ -10265,10 +10098,9 @@
           <a:lstStyle/>
           <a:p>
             <a:r>
-              <a:rPr lang="en-US" dirty="0" smtClean="0"/>
+              <a:rPr lang="en-US" dirty="0"/>
               <a:t>Personal Info</a:t>
             </a:r>
-            <a:endParaRPr lang="en-US" dirty="0"/>
           </a:p>
         </p:txBody>
       </p:sp>
@@ -10282,13 +10114,6 @@
   <p:clrMapOvr>
     <a:masterClrMapping/>
   </p:clrMapOvr>
-  <p:timing>
-    <p:tnLst>
-      <p:par>
-        <p:cTn id="1" dur="indefinite" restart="never" nodeType="tmRoot"/>
-      </p:par>
-    </p:tnLst>
-  </p:timing>
 </p:sld>
 </file>
 
@@ -10325,18 +10150,17 @@
           <a:lstStyle/>
           <a:p>
             <a:r>
-              <a:rPr lang="en-US" dirty="0" smtClean="0"/>
+              <a:rPr lang="en-US" dirty="0"/>
               <a:t>Demo: Using </a:t>
             </a:r>
             <a:r>
-              <a:rPr lang="en-US" dirty="0" err="1" smtClean="0"/>
+              <a:rPr lang="en-US" dirty="0" err="1"/>
               <a:t>Git</a:t>
             </a:r>
             <a:r>
-              <a:rPr lang="en-US" dirty="0" smtClean="0"/>
+              <a:rPr lang="en-US" dirty="0"/>
               <a:t> in TFS</a:t>
             </a:r>
-            <a:endParaRPr lang="en-US" dirty="0"/>
           </a:p>
         </p:txBody>
       </p:sp>
@@ -10356,11 +10180,11 @@
           <a:lstStyle/>
           <a:p>
             <a:r>
-              <a:rPr lang="en-US" dirty="0" smtClean="0"/>
+              <a:rPr lang="en-US" dirty="0"/>
               <a:t>Getting </a:t>
             </a:r>
             <a:r>
-              <a:rPr lang="en-US" dirty="0" err="1" smtClean="0"/>
+              <a:rPr lang="en-US" dirty="0" err="1"/>
               <a:t>Git</a:t>
             </a:r>
             <a:endParaRPr lang="en-US" dirty="0"/>
@@ -10377,13 +10201,6 @@
   <p:clrMapOvr>
     <a:masterClrMapping/>
   </p:clrMapOvr>
-  <p:timing>
-    <p:tnLst>
-      <p:par>
-        <p:cTn id="1" dur="indefinite" restart="never" nodeType="tmRoot"/>
-      </p:par>
-    </p:tnLst>
-  </p:timing>
 </p:sld>
 </file>
 
@@ -10420,10 +10237,9 @@
           <a:lstStyle/>
           <a:p>
             <a:r>
-              <a:rPr lang="en-US" dirty="0" smtClean="0"/>
+              <a:rPr lang="en-US" dirty="0"/>
               <a:t>Conclusion</a:t>
             </a:r>
-            <a:endParaRPr lang="en-US" dirty="0"/>
           </a:p>
         </p:txBody>
       </p:sp>
@@ -10450,14 +10266,11 @@
           <a:lstStyle/>
           <a:p>
             <a:r>
-              <a:rPr lang="en-US" sz="6600" dirty="0" smtClean="0">
+              <a:rPr lang="en-US" sz="6600" dirty="0">
                 <a:latin typeface="Consolas" panose="020B0609020204030204" pitchFamily="49" charset="0"/>
               </a:rPr>
               <a:t>=</a:t>
             </a:r>
-            <a:endParaRPr lang="en-US" sz="6600" dirty="0">
-              <a:latin typeface="Consolas" panose="020B0609020204030204" pitchFamily="49" charset="0"/>
-            </a:endParaRPr>
           </a:p>
         </p:txBody>
       </p:sp>
@@ -10525,13 +10338,6 @@
   <p:clrMapOvr>
     <a:masterClrMapping/>
   </p:clrMapOvr>
-  <p:timing>
-    <p:tnLst>
-      <p:par>
-        <p:cTn id="1" dur="indefinite" restart="never" nodeType="tmRoot"/>
-      </p:par>
-    </p:tnLst>
-  </p:timing>
 </p:sld>
 </file>
 
@@ -10568,11 +10374,11 @@
           <a:lstStyle/>
           <a:p>
             <a:r>
-              <a:rPr lang="en-US" dirty="0" smtClean="0"/>
+              <a:rPr lang="en-US" dirty="0"/>
               <a:t>Getting </a:t>
             </a:r>
             <a:r>
-              <a:rPr lang="en-US" dirty="0" err="1" smtClean="0"/>
+              <a:rPr lang="en-US" dirty="0" err="1"/>
               <a:t>Git</a:t>
             </a:r>
             <a:endParaRPr lang="en-US" dirty="0"/>
@@ -10595,16 +10401,15 @@
           <a:lstStyle/>
           <a:p>
             <a:r>
-              <a:rPr lang="en-US" dirty="0" smtClean="0"/>
+              <a:rPr lang="en-US" dirty="0"/>
               <a:t>Jason Bock</a:t>
             </a:r>
           </a:p>
           <a:p>
             <a:r>
-              <a:rPr lang="en-US" dirty="0" smtClean="0"/>
+              <a:rPr lang="en-US" dirty="0"/>
               <a:t>Practice Lead</a:t>
             </a:r>
-            <a:endParaRPr lang="en-US" dirty="0"/>
           </a:p>
         </p:txBody>
       </p:sp>
@@ -10631,7 +10436,7 @@
           <a:lstStyle/>
           <a:p>
             <a:r>
-              <a:rPr lang="en-US" dirty="0" smtClean="0"/>
+              <a:rPr lang="en-US" dirty="0"/>
               <a:t>Remember…</a:t>
             </a:r>
           </a:p>
@@ -10645,7 +10450,7 @@
             </a:pPr>
             <a:r>
               <a:rPr lang="en-US" dirty="0"/>
-              <a:t>https://www.slideshare.net/JasonBock2/getting-git-79093826</a:t>
+              <a:t>https://github.com/JasonBock/Presentations/blob/master/Getting%20Git.pptx</a:t>
             </a:r>
           </a:p>
           <a:p>
@@ -10657,12 +10462,8 @@
               <a:buChar char="§"/>
             </a:pPr>
             <a:r>
-              <a:rPr lang="en-US" dirty="0" smtClean="0"/>
-              <a:t>References </a:t>
-            </a:r>
-            <a:r>
-              <a:rPr lang="en-US" dirty="0" smtClean="0"/>
-              <a:t>in the notes on this slide</a:t>
+              <a:rPr lang="en-US" dirty="0"/>
+              <a:t>References in the notes on this slide</a:t>
             </a:r>
           </a:p>
         </p:txBody>
@@ -10677,13 +10478,6 @@
   <p:clrMapOvr>
     <a:masterClrMapping/>
   </p:clrMapOvr>
-  <p:timing>
-    <p:tnLst>
-      <p:par>
-        <p:cTn id="1" dur="indefinite" restart="never" nodeType="tmRoot"/>
-      </p:par>
-    </p:tnLst>
-  </p:timing>
 </p:sld>
 </file>
 
@@ -10720,10 +10514,9 @@
           <a:lstStyle/>
           <a:p>
             <a:r>
-              <a:rPr lang="en-US" dirty="0" smtClean="0"/>
+              <a:rPr lang="en-US" dirty="0"/>
               <a:t>Downloads</a:t>
             </a:r>
-            <a:endParaRPr lang="en-US" dirty="0"/>
           </a:p>
         </p:txBody>
       </p:sp>
@@ -10752,9 +10545,17 @@
             </a:pPr>
             <a:r>
               <a:rPr lang="en-US" dirty="0"/>
-              <a:t>https://www.slideshare.net/JasonBock2/getting-git-79093826</a:t>
-            </a:r>
-            <a:endParaRPr lang="en-US" dirty="0"/>
+              <a:t>https://github.com/JasonBock/Presentations/</a:t>
+            </a:r>
+          </a:p>
+          <a:p>
+            <a:pPr marL="68580" indent="0" algn="ctr">
+              <a:buNone/>
+            </a:pPr>
+            <a:r>
+              <a:rPr lang="en-US" dirty="0"/>
+              <a:t>blob/master/Getting%20Git.pptx</a:t>
+            </a:r>
           </a:p>
         </p:txBody>
       </p:sp>
@@ -10768,13 +10569,6 @@
   <p:clrMapOvr>
     <a:masterClrMapping/>
   </p:clrMapOvr>
-  <p:timing>
-    <p:tnLst>
-      <p:par>
-        <p:cTn id="1" dur="indefinite" restart="never" nodeType="tmRoot"/>
-      </p:par>
-    </p:tnLst>
-  </p:timing>
 </p:sld>
 </file>
 
@@ -10816,16 +10610,15 @@
           <a:lstStyle/>
           <a:p>
             <a:r>
-              <a:rPr lang="en-US" dirty="0" smtClean="0"/>
+              <a:rPr lang="en-US" dirty="0"/>
               <a:t>Definitions</a:t>
             </a:r>
           </a:p>
           <a:p>
             <a:r>
-              <a:rPr lang="en-US" dirty="0" smtClean="0"/>
+              <a:rPr lang="en-US" dirty="0"/>
               <a:t>Demos</a:t>
             </a:r>
-            <a:endParaRPr lang="en-US" dirty="0"/>
           </a:p>
         </p:txBody>
       </p:sp>
@@ -10845,10 +10638,9 @@
           <a:lstStyle/>
           <a:p>
             <a:r>
-              <a:rPr lang="en-US" dirty="0" smtClean="0"/>
+              <a:rPr lang="en-US" dirty="0"/>
               <a:t>Overview	</a:t>
             </a:r>
-            <a:endParaRPr lang="en-US" dirty="0"/>
           </a:p>
         </p:txBody>
       </p:sp>
@@ -10860,8 +10652,8 @@
         </p:nvSpPr>
         <p:spPr>
           <a:xfrm>
-            <a:off x="1902407" y="4064000"/>
-            <a:ext cx="8489504" cy="1569660"/>
+            <a:off x="864142" y="4064000"/>
+            <a:ext cx="10566034" cy="1569660"/>
           </a:xfrm>
           <a:prstGeom prst="rect">
             <a:avLst/>
@@ -10876,7 +10668,7 @@
           <a:p>
             <a:pPr algn="ctr"/>
             <a:r>
-              <a:rPr lang="en-US" sz="2400" dirty="0" smtClean="0"/>
+              <a:rPr lang="en-US" sz="2400" dirty="0"/>
               <a:t>Remember….</a:t>
             </a:r>
           </a:p>
@@ -10890,7 +10682,7 @@
             </a:pPr>
             <a:r>
               <a:rPr lang="en-US" sz="2400" dirty="0"/>
-              <a:t>https://www.slideshare.net/JasonBock2/getting-git-79093826</a:t>
+              <a:t>https://github.com/JasonBock/Presentations/blob/master/Getting%20Git.pptx</a:t>
             </a:r>
             <a:endParaRPr lang="en-US" sz="2800" dirty="0"/>
           </a:p>
@@ -10910,13 +10702,6 @@
   <p:clrMapOvr>
     <a:masterClrMapping/>
   </p:clrMapOvr>
-  <p:timing>
-    <p:tnLst>
-      <p:par>
-        <p:cTn id="1" dur="indefinite" restart="never" nodeType="tmRoot"/>
-      </p:par>
-    </p:tnLst>
-  </p:timing>
 </p:sld>
 </file>
 
@@ -10953,10 +10738,9 @@
           <a:lstStyle/>
           <a:p>
             <a:r>
-              <a:rPr lang="en-US" dirty="0" smtClean="0"/>
+              <a:rPr lang="en-US" dirty="0"/>
               <a:t>Definitions	</a:t>
             </a:r>
-            <a:endParaRPr lang="en-US" dirty="0"/>
           </a:p>
         </p:txBody>
       </p:sp>
@@ -10983,10 +10767,9 @@
           <a:lstStyle/>
           <a:p>
             <a:r>
-              <a:rPr lang="en-US" sz="11500" dirty="0" smtClean="0"/>
+              <a:rPr lang="en-US" sz="11500" dirty="0"/>
               <a:t>What is</a:t>
             </a:r>
-            <a:endParaRPr lang="en-US" sz="11500" dirty="0"/>
           </a:p>
         </p:txBody>
       </p:sp>
@@ -11013,10 +10796,9 @@
           <a:lstStyle/>
           <a:p>
             <a:r>
-              <a:rPr lang="en-US" sz="11500" dirty="0" smtClean="0"/>
+              <a:rPr lang="en-US" sz="11500" dirty="0"/>
               <a:t>?</a:t>
             </a:r>
-            <a:endParaRPr lang="en-US" sz="11500" dirty="0"/>
           </a:p>
         </p:txBody>
       </p:sp>
@@ -11092,13 +10874,6 @@
   <p:clrMapOvr>
     <a:masterClrMapping/>
   </p:clrMapOvr>
-  <p:timing>
-    <p:tnLst>
-      <p:par>
-        <p:cTn id="1" dur="indefinite" restart="never" nodeType="tmRoot"/>
-      </p:par>
-    </p:tnLst>
-  </p:timing>
 </p:sld>
 </file>
 
@@ -11135,10 +10910,9 @@
           <a:lstStyle/>
           <a:p>
             <a:r>
-              <a:rPr lang="en-US" dirty="0" smtClean="0"/>
+              <a:rPr lang="en-US" dirty="0"/>
               <a:t>Definitions	</a:t>
             </a:r>
-            <a:endParaRPr lang="en-US" dirty="0"/>
           </a:p>
         </p:txBody>
       </p:sp>
@@ -11179,10 +10953,9 @@
           <a:p>
             <a:pPr algn="ctr"/>
             <a:r>
-              <a:rPr lang="en-US" dirty="0" smtClean="0"/>
+              <a:rPr lang="en-US" dirty="0"/>
               <a:t>Branching and Merging</a:t>
             </a:r>
-            <a:endParaRPr lang="en-US" dirty="0"/>
           </a:p>
         </p:txBody>
       </p:sp>
@@ -11223,10 +10996,9 @@
           <a:p>
             <a:pPr algn="ctr"/>
             <a:r>
-              <a:rPr lang="en-US" dirty="0" smtClean="0"/>
+              <a:rPr lang="en-US" dirty="0"/>
               <a:t>Small and Fast</a:t>
             </a:r>
-            <a:endParaRPr lang="en-US" dirty="0"/>
           </a:p>
         </p:txBody>
       </p:sp>
@@ -11267,10 +11039,9 @@
           <a:p>
             <a:pPr algn="ctr"/>
             <a:r>
-              <a:rPr lang="en-US" dirty="0" smtClean="0"/>
+              <a:rPr lang="en-US" dirty="0"/>
               <a:t>Distributed</a:t>
             </a:r>
-            <a:endParaRPr lang="en-US" dirty="0"/>
           </a:p>
         </p:txBody>
       </p:sp>
@@ -11311,10 +11082,9 @@
           <a:p>
             <a:pPr algn="ctr"/>
             <a:r>
-              <a:rPr lang="en-US" dirty="0" smtClean="0"/>
+              <a:rPr lang="en-US" dirty="0"/>
               <a:t>Data Assurance</a:t>
             </a:r>
-            <a:endParaRPr lang="en-US" dirty="0"/>
           </a:p>
         </p:txBody>
       </p:sp>
@@ -11355,10 +11125,9 @@
           <a:p>
             <a:pPr algn="ctr"/>
             <a:r>
-              <a:rPr lang="en-US" dirty="0" smtClean="0"/>
+              <a:rPr lang="en-US" dirty="0"/>
               <a:t>Staging Area</a:t>
             </a:r>
-            <a:endParaRPr lang="en-US" dirty="0"/>
           </a:p>
         </p:txBody>
       </p:sp>
@@ -11399,10 +11168,9 @@
           <a:p>
             <a:pPr algn="ctr"/>
             <a:r>
-              <a:rPr lang="en-US" dirty="0" smtClean="0"/>
+              <a:rPr lang="en-US" dirty="0"/>
               <a:t>Free and Open Source</a:t>
             </a:r>
-            <a:endParaRPr lang="en-US" dirty="0"/>
           </a:p>
         </p:txBody>
       </p:sp>
@@ -11448,13 +11216,6 @@
   <p:clrMapOvr>
     <a:masterClrMapping/>
   </p:clrMapOvr>
-  <p:timing>
-    <p:tnLst>
-      <p:par>
-        <p:cTn id="1" dur="indefinite" restart="never" nodeType="tmRoot"/>
-      </p:par>
-    </p:tnLst>
-  </p:timing>
 </p:sld>
 </file>
 
@@ -11491,10 +11252,9 @@
           <a:lstStyle/>
           <a:p>
             <a:r>
-              <a:rPr lang="en-US" dirty="0" smtClean="0"/>
+              <a:rPr lang="en-US" dirty="0"/>
               <a:t>Definitions	</a:t>
             </a:r>
-            <a:endParaRPr lang="en-US" dirty="0"/>
           </a:p>
         </p:txBody>
       </p:sp>
@@ -11535,10 +11295,9 @@
           <a:p>
             <a:pPr algn="ctr"/>
             <a:r>
-              <a:rPr lang="en-US" dirty="0" smtClean="0"/>
+              <a:rPr lang="en-US" dirty="0"/>
               <a:t>Branching and Merging</a:t>
             </a:r>
-            <a:endParaRPr lang="en-US" dirty="0"/>
           </a:p>
         </p:txBody>
       </p:sp>
@@ -11625,13 +11384,6 @@
   <p:clrMapOvr>
     <a:masterClrMapping/>
   </p:clrMapOvr>
-  <p:timing>
-    <p:tnLst>
-      <p:par>
-        <p:cTn id="1" dur="indefinite" restart="never" nodeType="tmRoot"/>
-      </p:par>
-    </p:tnLst>
-  </p:timing>
 </p:sld>
 </file>
 
@@ -11668,10 +11420,9 @@
           <a:lstStyle/>
           <a:p>
             <a:r>
-              <a:rPr lang="en-US" dirty="0" smtClean="0"/>
+              <a:rPr lang="en-US" dirty="0"/>
               <a:t>Definitions	</a:t>
             </a:r>
-            <a:endParaRPr lang="en-US" dirty="0"/>
           </a:p>
         </p:txBody>
       </p:sp>
@@ -11712,10 +11463,9 @@
           <a:p>
             <a:pPr algn="ctr"/>
             <a:r>
-              <a:rPr lang="en-US" dirty="0" smtClean="0"/>
+              <a:rPr lang="en-US" dirty="0"/>
               <a:t>Small and Fast</a:t>
             </a:r>
-            <a:endParaRPr lang="en-US" dirty="0"/>
           </a:p>
         </p:txBody>
       </p:sp>
@@ -11785,13 +11535,6 @@
   <p:clrMapOvr>
     <a:masterClrMapping/>
   </p:clrMapOvr>
-  <p:timing>
-    <p:tnLst>
-      <p:par>
-        <p:cTn id="1" dur="indefinite" restart="never" nodeType="tmRoot"/>
-      </p:par>
-    </p:tnLst>
-  </p:timing>
 </p:sld>
 </file>
 
@@ -11828,10 +11571,9 @@
           <a:lstStyle/>
           <a:p>
             <a:r>
-              <a:rPr lang="en-US" dirty="0" smtClean="0"/>
+              <a:rPr lang="en-US" dirty="0"/>
               <a:t>Definitions	</a:t>
             </a:r>
-            <a:endParaRPr lang="en-US" dirty="0"/>
           </a:p>
         </p:txBody>
       </p:sp>
@@ -11872,10 +11614,9 @@
           <a:p>
             <a:pPr algn="ctr"/>
             <a:r>
-              <a:rPr lang="en-US" dirty="0" smtClean="0"/>
+              <a:rPr lang="en-US" dirty="0"/>
               <a:t>Distributed</a:t>
             </a:r>
-            <a:endParaRPr lang="en-US" dirty="0"/>
           </a:p>
         </p:txBody>
       </p:sp>
@@ -11981,13 +11722,6 @@
   <p:clrMapOvr>
     <a:masterClrMapping/>
   </p:clrMapOvr>
-  <p:timing>
-    <p:tnLst>
-      <p:par>
-        <p:cTn id="1" dur="indefinite" restart="never" nodeType="tmRoot"/>
-      </p:par>
-    </p:tnLst>
-  </p:timing>
 </p:sld>
 </file>
 
@@ -12513,28 +12247,6 @@
 </file>
 
 <file path=customXml/item1.xml><?xml version="1.0" encoding="utf-8"?>
-<?mso-contentType ?>
-<FormTemplates xmlns="http://schemas.microsoft.com/sharepoint/v3/contenttype/forms">
-  <Display>DocumentLibraryForm</Display>
-  <Edit>DocumentLibraryForm</Edit>
-  <New>DocumentLibraryForm</New>
-</FormTemplates>
-</file>
-
-<file path=customXml/item2.xml><?xml version="1.0" encoding="utf-8"?>
-<p:properties xmlns:p="http://schemas.microsoft.com/office/2006/metadata/properties" xmlns:xsi="http://www.w3.org/2001/XMLSchema-instance" xmlns:pc="http://schemas.microsoft.com/office/infopath/2007/PartnerControls">
-  <documentManagement>
-    <Company xmlns="f0d6b4bb-fd12-4740-8884-687737dcca9a">Magenic</Company>
-    <Tech_x0020_Used xmlns="f0d6b4bb-fd12-4740-8884-687737dcca9a"/>
-    <Document_x0020_Type xmlns="f0d6b4bb-fd12-4740-8884-687737dcca9a">
-      <Value>Template</Value>
-    </Document_x0020_Type>
-    <Industry_x002f_Vertical xmlns="f0d6b4bb-fd12-4740-8884-687737dcca9a" xsi:nil="true"/>
-  </documentManagement>
-</p:properties>
-</file>
-
-<file path=customXml/item3.xml><?xml version="1.0" encoding="utf-8"?>
 <ct:contentTypeSchema xmlns:ct="http://schemas.microsoft.com/office/2006/metadata/contentType" xmlns:ma="http://schemas.microsoft.com/office/2006/metadata/properties/metaAttributes" ct:_="" ma:_="" ma:contentTypeName="Document" ma:contentTypeID="0x010100FD047A0B1BD8FE45B080D14CD83AD5DB" ma:contentTypeVersion="4" ma:contentTypeDescription="Create a new document." ma:contentTypeScope="" ma:versionID="732beed655f90311345169d5c7f55f96">
   <xsd:schema xmlns:xsd="http://www.w3.org/2001/XMLSchema" xmlns:xs="http://www.w3.org/2001/XMLSchema" xmlns:p="http://schemas.microsoft.com/office/2006/metadata/properties" xmlns:ns2="f0d6b4bb-fd12-4740-8884-687737dcca9a" targetNamespace="http://schemas.microsoft.com/office/2006/metadata/properties" ma:root="true" ma:fieldsID="4ef6a310962b90ee3fe3c0e9cfa1177a" ns2:_="">
     <xsd:import namespace="f0d6b4bb-fd12-4740-8884-687737dcca9a"/>
@@ -12732,31 +12444,29 @@
 </ct:contentTypeSchema>
 </file>
 
-<file path=customXml/itemProps1.xml><?xml version="1.0" encoding="utf-8"?>
-<ds:datastoreItem xmlns:ds="http://schemas.openxmlformats.org/officeDocument/2006/customXml" ds:itemID="{D18D97D8-3C52-47EE-88EC-CF46155D7428}">
-  <ds:schemaRefs>
-    <ds:schemaRef ds:uri="http://schemas.microsoft.com/sharepoint/v3/contenttype/forms"/>
-  </ds:schemaRefs>
-</ds:datastoreItem>
+<file path=customXml/item2.xml><?xml version="1.0" encoding="utf-8"?>
+<p:properties xmlns:p="http://schemas.microsoft.com/office/2006/metadata/properties" xmlns:xsi="http://www.w3.org/2001/XMLSchema-instance" xmlns:pc="http://schemas.microsoft.com/office/infopath/2007/PartnerControls">
+  <documentManagement>
+    <Company xmlns="f0d6b4bb-fd12-4740-8884-687737dcca9a">Magenic</Company>
+    <Tech_x0020_Used xmlns="f0d6b4bb-fd12-4740-8884-687737dcca9a"/>
+    <Document_x0020_Type xmlns="f0d6b4bb-fd12-4740-8884-687737dcca9a">
+      <Value>Template</Value>
+    </Document_x0020_Type>
+    <Industry_x002f_Vertical xmlns="f0d6b4bb-fd12-4740-8884-687737dcca9a" xsi:nil="true"/>
+  </documentManagement>
+</p:properties>
 </file>
 
-<file path=customXml/itemProps2.xml><?xml version="1.0" encoding="utf-8"?>
-<ds:datastoreItem xmlns:ds="http://schemas.openxmlformats.org/officeDocument/2006/customXml" ds:itemID="{65A3A91F-3324-4EE4-8BF2-C3B78E1D1674}">
-  <ds:schemaRefs>
-    <ds:schemaRef ds:uri="http://schemas.microsoft.com/office/2006/metadata/properties"/>
-    <ds:schemaRef ds:uri="http://purl.org/dc/terms/"/>
-    <ds:schemaRef ds:uri="http://schemas.openxmlformats.org/package/2006/metadata/core-properties"/>
-    <ds:schemaRef ds:uri="http://purl.org/dc/dcmitype/"/>
-    <ds:schemaRef ds:uri="http://schemas.microsoft.com/office/2006/documentManagement/types"/>
-    <ds:schemaRef ds:uri="f0d6b4bb-fd12-4740-8884-687737dcca9a"/>
-    <ds:schemaRef ds:uri="http://purl.org/dc/elements/1.1/"/>
-    <ds:schemaRef ds:uri="http://schemas.microsoft.com/office/infopath/2007/PartnerControls"/>
-    <ds:schemaRef ds:uri="http://www.w3.org/XML/1998/namespace"/>
-  </ds:schemaRefs>
-</ds:datastoreItem>
+<file path=customXml/item3.xml><?xml version="1.0" encoding="utf-8"?>
+<?mso-contentType ?>
+<FormTemplates xmlns="http://schemas.microsoft.com/sharepoint/v3/contenttype/forms">
+  <Display>DocumentLibraryForm</Display>
+  <Edit>DocumentLibraryForm</Edit>
+  <New>DocumentLibraryForm</New>
+</FormTemplates>
 </file>
 
-<file path=customXml/itemProps3.xml><?xml version="1.0" encoding="utf-8"?>
+<file path=customXml/itemProps1.xml><?xml version="1.0" encoding="utf-8"?>
 <ds:datastoreItem xmlns:ds="http://schemas.openxmlformats.org/officeDocument/2006/customXml" ds:itemID="{215D891D-18BB-4FBC-9954-A01A3A7BC037}">
   <ds:schemaRefs>
     <ds:schemaRef ds:uri="http://schemas.microsoft.com/office/2006/metadata/contentType"/>
@@ -12772,4 +12482,28 @@
     <ds:schemaRef ds:uri="http://schemas.microsoft.com/internal/obd"/>
   </ds:schemaRefs>
 </ds:datastoreItem>
+</file>
+
+<file path=customXml/itemProps2.xml><?xml version="1.0" encoding="utf-8"?>
+<ds:datastoreItem xmlns:ds="http://schemas.openxmlformats.org/officeDocument/2006/customXml" ds:itemID="{65A3A91F-3324-4EE4-8BF2-C3B78E1D1674}">
+  <ds:schemaRefs>
+    <ds:schemaRef ds:uri="f0d6b4bb-fd12-4740-8884-687737dcca9a"/>
+    <ds:schemaRef ds:uri="http://purl.org/dc/elements/1.1/"/>
+    <ds:schemaRef ds:uri="http://schemas.microsoft.com/office/2006/metadata/properties"/>
+    <ds:schemaRef ds:uri="http://schemas.microsoft.com/office/2006/documentManagement/types"/>
+    <ds:schemaRef ds:uri="http://purl.org/dc/terms/"/>
+    <ds:schemaRef ds:uri="http://schemas.openxmlformats.org/package/2006/metadata/core-properties"/>
+    <ds:schemaRef ds:uri="http://purl.org/dc/dcmitype/"/>
+    <ds:schemaRef ds:uri="http://schemas.microsoft.com/office/infopath/2007/PartnerControls"/>
+    <ds:schemaRef ds:uri="http://www.w3.org/XML/1998/namespace"/>
+  </ds:schemaRefs>
+</ds:datastoreItem>
+</file>
+
+<file path=customXml/itemProps3.xml><?xml version="1.0" encoding="utf-8"?>
+<ds:datastoreItem xmlns:ds="http://schemas.openxmlformats.org/officeDocument/2006/customXml" ds:itemID="{D18D97D8-3C52-47EE-88EC-CF46155D7428}">
+  <ds:schemaRefs>
+    <ds:schemaRef ds:uri="http://schemas.microsoft.com/sharepoint/v3/contenttype/forms"/>
+  </ds:schemaRefs>
+</ds:datastoreItem>
 </file>
--- a/Getting Git.pptx
+++ b/Getting Git.pptx
@@ -2,34 +2,33 @@
 <file path=ppt/presentation.xml><?xml version="1.0" encoding="utf-8"?>
 <p:presentation xmlns:a="http://schemas.openxmlformats.org/drawingml/2006/main" xmlns:r="http://schemas.openxmlformats.org/officeDocument/2006/relationships" xmlns:p="http://schemas.openxmlformats.org/presentationml/2006/main" saveSubsetFonts="1">
   <p:sldMasterIdLst>
-    <p:sldMasterId id="2147483648" r:id="rId4"/>
+    <p:sldMasterId id="2147483648" r:id="rId1"/>
   </p:sldMasterIdLst>
   <p:notesMasterIdLst>
-    <p:notesMasterId r:id="rId27"/>
+    <p:notesMasterId r:id="rId23"/>
   </p:notesMasterIdLst>
   <p:sldIdLst>
-    <p:sldId id="270" r:id="rId5"/>
-    <p:sldId id="272" r:id="rId6"/>
-    <p:sldId id="273" r:id="rId7"/>
-    <p:sldId id="274" r:id="rId8"/>
-    <p:sldId id="275" r:id="rId9"/>
-    <p:sldId id="353" r:id="rId10"/>
-    <p:sldId id="354" r:id="rId11"/>
-    <p:sldId id="359" r:id="rId12"/>
-    <p:sldId id="355" r:id="rId13"/>
-    <p:sldId id="357" r:id="rId14"/>
-    <p:sldId id="358" r:id="rId15"/>
-    <p:sldId id="360" r:id="rId16"/>
-    <p:sldId id="361" r:id="rId17"/>
-    <p:sldId id="362" r:id="rId18"/>
-    <p:sldId id="356" r:id="rId19"/>
-    <p:sldId id="364" r:id="rId20"/>
-    <p:sldId id="365" r:id="rId21"/>
-    <p:sldId id="366" r:id="rId22"/>
-    <p:sldId id="367" r:id="rId23"/>
-    <p:sldId id="363" r:id="rId24"/>
-    <p:sldId id="352" r:id="rId25"/>
-    <p:sldId id="320" r:id="rId26"/>
+    <p:sldId id="256" r:id="rId2"/>
+    <p:sldId id="257" r:id="rId3"/>
+    <p:sldId id="258" r:id="rId4"/>
+    <p:sldId id="259" r:id="rId5"/>
+    <p:sldId id="300" r:id="rId6"/>
+    <p:sldId id="379" r:id="rId7"/>
+    <p:sldId id="380" r:id="rId8"/>
+    <p:sldId id="381" r:id="rId9"/>
+    <p:sldId id="382" r:id="rId10"/>
+    <p:sldId id="383" r:id="rId11"/>
+    <p:sldId id="384" r:id="rId12"/>
+    <p:sldId id="385" r:id="rId13"/>
+    <p:sldId id="386" r:id="rId14"/>
+    <p:sldId id="387" r:id="rId15"/>
+    <p:sldId id="388" r:id="rId16"/>
+    <p:sldId id="389" r:id="rId17"/>
+    <p:sldId id="390" r:id="rId18"/>
+    <p:sldId id="391" r:id="rId19"/>
+    <p:sldId id="392" r:id="rId20"/>
+    <p:sldId id="393" r:id="rId21"/>
+    <p:sldId id="299" r:id="rId22"/>
   </p:sldIdLst>
   <p:sldSz cx="12192000" cy="6858000"/>
   <p:notesSz cx="6858000" cy="9144000"/>
@@ -130,18 +129,7 @@
   </p:defaultTextStyle>
   <p:extLst>
     <p:ext uri="{EFAFB233-063F-42B5-8137-9DF3F51BA10A}">
-      <p15:sldGuideLst xmlns:p15="http://schemas.microsoft.com/office/powerpoint/2012/main">
-        <p15:guide id="1" orient="horz" pos="1872" userDrawn="1">
-          <p15:clr>
-            <a:srgbClr val="A4A3A4"/>
-          </p15:clr>
-        </p15:guide>
-        <p15:guide id="2" pos="3840" userDrawn="1">
-          <p15:clr>
-            <a:srgbClr val="A4A3A4"/>
-          </p15:clr>
-        </p15:guide>
-      </p15:sldGuideLst>
+      <p15:sldGuideLst xmlns:p15="http://schemas.microsoft.com/office/powerpoint/2012/main"/>
     </p:ext>
   </p:extLst>
 </p:presentation>
@@ -1333,8 +1321,8 @@
       </dsp:nvSpPr>
       <dsp:spPr>
         <a:xfrm>
-          <a:off x="0" y="69186"/>
-          <a:ext cx="4533837" cy="304200"/>
+          <a:off x="0" y="42569"/>
+          <a:ext cx="4533837" cy="311805"/>
         </a:xfrm>
         <a:prstGeom prst="roundRect">
           <a:avLst/>
@@ -1400,8 +1388,8 @@
         </a:p>
       </dsp:txBody>
       <dsp:txXfrm>
-        <a:off x="14850" y="84036"/>
-        <a:ext cx="4504137" cy="274500"/>
+        <a:off x="15221" y="57790"/>
+        <a:ext cx="4503395" cy="281363"/>
       </dsp:txXfrm>
     </dsp:sp>
     <dsp:sp modelId="{A7951027-CF2E-45B8-B249-42D687FFEE3A}">
@@ -1411,8 +1399,8 @@
       </dsp:nvSpPr>
       <dsp:spPr>
         <a:xfrm>
-          <a:off x="0" y="410826"/>
-          <a:ext cx="4533837" cy="304200"/>
+          <a:off x="0" y="391814"/>
+          <a:ext cx="4533837" cy="311805"/>
         </a:xfrm>
         <a:prstGeom prst="roundRect">
           <a:avLst/>
@@ -1478,8 +1466,8 @@
         </a:p>
       </dsp:txBody>
       <dsp:txXfrm>
-        <a:off x="14850" y="425676"/>
-        <a:ext cx="4504137" cy="274500"/>
+        <a:off x="15221" y="407035"/>
+        <a:ext cx="4503395" cy="281363"/>
       </dsp:txXfrm>
     </dsp:sp>
     <dsp:sp modelId="{8E6EBDFD-ECB8-4710-B578-4D2A8FB37851}">
@@ -1489,8 +1477,8 @@
       </dsp:nvSpPr>
       <dsp:spPr>
         <a:xfrm>
-          <a:off x="0" y="752467"/>
-          <a:ext cx="4533837" cy="304200"/>
+          <a:off x="0" y="741059"/>
+          <a:ext cx="4533837" cy="311805"/>
         </a:xfrm>
         <a:prstGeom prst="roundRect">
           <a:avLst/>
@@ -1556,8 +1544,8 @@
         </a:p>
       </dsp:txBody>
       <dsp:txXfrm>
-        <a:off x="14850" y="767317"/>
-        <a:ext cx="4504137" cy="274500"/>
+        <a:off x="15221" y="756280"/>
+        <a:ext cx="4503395" cy="281363"/>
       </dsp:txXfrm>
     </dsp:sp>
     <dsp:sp modelId="{2EBEE560-54AE-4D7D-9F34-B96DC7F57458}">
@@ -1567,8 +1555,8 @@
       </dsp:nvSpPr>
       <dsp:spPr>
         <a:xfrm>
-          <a:off x="0" y="1094107"/>
-          <a:ext cx="4533837" cy="304200"/>
+          <a:off x="0" y="1090304"/>
+          <a:ext cx="4533837" cy="311805"/>
         </a:xfrm>
         <a:prstGeom prst="roundRect">
           <a:avLst/>
@@ -1634,8 +1622,8 @@
         </a:p>
       </dsp:txBody>
       <dsp:txXfrm>
-        <a:off x="14850" y="1108957"/>
-        <a:ext cx="4504137" cy="274500"/>
+        <a:off x="15221" y="1105525"/>
+        <a:ext cx="4503395" cy="281363"/>
       </dsp:txXfrm>
     </dsp:sp>
     <dsp:sp modelId="{8EBCC26F-A082-43EE-ADA9-340AAF6E64EC}">
@@ -1645,8 +1633,8 @@
       </dsp:nvSpPr>
       <dsp:spPr>
         <a:xfrm>
-          <a:off x="0" y="1435747"/>
-          <a:ext cx="4533837" cy="304200"/>
+          <a:off x="0" y="1439549"/>
+          <a:ext cx="4533837" cy="311805"/>
         </a:xfrm>
         <a:prstGeom prst="roundRect">
           <a:avLst/>
@@ -1712,8 +1700,8 @@
         </a:p>
       </dsp:txBody>
       <dsp:txXfrm>
-        <a:off x="14850" y="1450597"/>
-        <a:ext cx="4504137" cy="274500"/>
+        <a:off x="15221" y="1454770"/>
+        <a:ext cx="4503395" cy="281363"/>
       </dsp:txXfrm>
     </dsp:sp>
     <dsp:sp modelId="{C4F5E101-D40E-4E9A-BA75-08FA62CAF20C}">
@@ -1723,8 +1711,8 @@
       </dsp:nvSpPr>
       <dsp:spPr>
         <a:xfrm>
-          <a:off x="0" y="1777387"/>
-          <a:ext cx="4533837" cy="304200"/>
+          <a:off x="0" y="1788794"/>
+          <a:ext cx="4533837" cy="311805"/>
         </a:xfrm>
         <a:prstGeom prst="roundRect">
           <a:avLst/>
@@ -1790,8 +1778,8 @@
         </a:p>
       </dsp:txBody>
       <dsp:txXfrm>
-        <a:off x="14850" y="1792237"/>
-        <a:ext cx="4504137" cy="274500"/>
+        <a:off x="15221" y="1804015"/>
+        <a:ext cx="4503395" cy="281363"/>
       </dsp:txXfrm>
     </dsp:sp>
     <dsp:sp modelId="{1DDFC604-64AB-466F-9603-4BBCE060BF2E}">
@@ -1801,8 +1789,8 @@
       </dsp:nvSpPr>
       <dsp:spPr>
         <a:xfrm>
-          <a:off x="0" y="2119027"/>
-          <a:ext cx="4533837" cy="304200"/>
+          <a:off x="0" y="2138039"/>
+          <a:ext cx="4533837" cy="311805"/>
         </a:xfrm>
         <a:prstGeom prst="roundRect">
           <a:avLst/>
@@ -1868,8 +1856,8 @@
         </a:p>
       </dsp:txBody>
       <dsp:txXfrm>
-        <a:off x="14850" y="2133877"/>
-        <a:ext cx="4504137" cy="274500"/>
+        <a:off x="15221" y="2153260"/>
+        <a:ext cx="4503395" cy="281363"/>
       </dsp:txXfrm>
     </dsp:sp>
   </dsp:spTree>
@@ -3112,7 +3100,7 @@
         <p:spPr>
           <a:xfrm>
             <a:off x="0" y="0"/>
-            <a:ext cx="2971800" cy="457200"/>
+            <a:ext cx="2971800" cy="458788"/>
           </a:xfrm>
           <a:prstGeom prst="rect">
             <a:avLst/>
@@ -3143,7 +3131,7 @@
         <p:spPr>
           <a:xfrm>
             <a:off x="3884613" y="0"/>
-            <a:ext cx="2971800" cy="457200"/>
+            <a:ext cx="2971800" cy="458788"/>
           </a:xfrm>
           <a:prstGeom prst="rect">
             <a:avLst/>
@@ -3157,9 +3145,9 @@
             </a:lvl1pPr>
           </a:lstStyle>
           <a:p>
-            <a:fld id="{9ECE5BDF-9B7E-3646-B6C9-FC2C3E116129}" type="datetimeFigureOut">
+            <a:fld id="{3BF7900A-5984-4627-90CC-DA4A16B17B42}" type="datetimeFigureOut">
               <a:rPr lang="en-US" smtClean="0"/>
-              <a:t>3/17/2018</a:t>
+              <a:t>6/5/2020</a:t>
             </a:fld>
             <a:endParaRPr lang="en-US"/>
           </a:p>
@@ -3177,8 +3165,8 @@
         </p:nvSpPr>
         <p:spPr>
           <a:xfrm>
-            <a:off x="381000" y="685800"/>
-            <a:ext cx="6096000" cy="3429000"/>
+            <a:off x="685800" y="1143000"/>
+            <a:ext cx="5486400" cy="3086100"/>
           </a:xfrm>
           <a:prstGeom prst="rect">
             <a:avLst/>
@@ -3210,8 +3198,8 @@
         </p:nvSpPr>
         <p:spPr>
           <a:xfrm>
-            <a:off x="685800" y="4343400"/>
-            <a:ext cx="5486400" cy="4114800"/>
+            <a:off x="685800" y="4400550"/>
+            <a:ext cx="5486400" cy="3600450"/>
           </a:xfrm>
           <a:prstGeom prst="rect">
             <a:avLst/>
@@ -3270,7 +3258,7 @@
         <p:spPr>
           <a:xfrm>
             <a:off x="0" y="8685213"/>
-            <a:ext cx="2971800" cy="457200"/>
+            <a:ext cx="2971800" cy="458787"/>
           </a:xfrm>
           <a:prstGeom prst="rect">
             <a:avLst/>
@@ -3301,7 +3289,7 @@
         <p:spPr>
           <a:xfrm>
             <a:off x="3884613" y="8685213"/>
-            <a:ext cx="2971800" cy="457200"/>
+            <a:ext cx="2971800" cy="458787"/>
           </a:xfrm>
           <a:prstGeom prst="rect">
             <a:avLst/>
@@ -3315,7 +3303,7 @@
             </a:lvl1pPr>
           </a:lstStyle>
           <a:p>
-            <a:fld id="{4E8BADB7-1FBB-B74E-B90C-DA1567BD042E}" type="slidenum">
+            <a:fld id="{DE7031FE-F148-41F2-AA91-6C6E1601A8AB}" type="slidenum">
               <a:rPr lang="en-US" smtClean="0"/>
               <a:t>‹#›</a:t>
             </a:fld>
@@ -3326,13 +3314,13 @@
     </p:spTree>
     <p:extLst>
       <p:ext uri="{BB962C8B-B14F-4D97-AF65-F5344CB8AC3E}">
-        <p14:creationId xmlns:p14="http://schemas.microsoft.com/office/powerpoint/2010/main" val="970338898"/>
+        <p14:creationId xmlns:p14="http://schemas.microsoft.com/office/powerpoint/2010/main" val="2224135332"/>
       </p:ext>
     </p:extLst>
   </p:cSld>
   <p:clrMap bg1="lt1" tx1="dk1" bg2="lt2" tx2="dk2" accent1="accent1" accent2="accent2" accent3="accent3" accent4="accent4" accent5="accent5" accent6="accent6" hlink="hlink" folHlink="folHlink"/>
   <p:notesStyle>
-    <a:lvl1pPr marL="0" algn="l" defTabSz="457200" rtl="0" eaLnBrk="1" latinLnBrk="0" hangingPunct="1">
+    <a:lvl1pPr marL="0" algn="l" defTabSz="914400" rtl="0" eaLnBrk="1" latinLnBrk="0" hangingPunct="1">
       <a:defRPr sz="1200" kern="1200">
         <a:solidFill>
           <a:schemeClr val="tx1"/>
@@ -3342,7 +3330,7 @@
         <a:cs typeface="+mn-cs"/>
       </a:defRPr>
     </a:lvl1pPr>
-    <a:lvl2pPr marL="457200" algn="l" defTabSz="457200" rtl="0" eaLnBrk="1" latinLnBrk="0" hangingPunct="1">
+    <a:lvl2pPr marL="457200" algn="l" defTabSz="914400" rtl="0" eaLnBrk="1" latinLnBrk="0" hangingPunct="1">
       <a:defRPr sz="1200" kern="1200">
         <a:solidFill>
           <a:schemeClr val="tx1"/>
@@ -3352,7 +3340,7 @@
         <a:cs typeface="+mn-cs"/>
       </a:defRPr>
     </a:lvl2pPr>
-    <a:lvl3pPr marL="914400" algn="l" defTabSz="457200" rtl="0" eaLnBrk="1" latinLnBrk="0" hangingPunct="1">
+    <a:lvl3pPr marL="914400" algn="l" defTabSz="914400" rtl="0" eaLnBrk="1" latinLnBrk="0" hangingPunct="1">
       <a:defRPr sz="1200" kern="1200">
         <a:solidFill>
           <a:schemeClr val="tx1"/>
@@ -3362,7 +3350,7 @@
         <a:cs typeface="+mn-cs"/>
       </a:defRPr>
     </a:lvl3pPr>
-    <a:lvl4pPr marL="1371600" algn="l" defTabSz="457200" rtl="0" eaLnBrk="1" latinLnBrk="0" hangingPunct="1">
+    <a:lvl4pPr marL="1371600" algn="l" defTabSz="914400" rtl="0" eaLnBrk="1" latinLnBrk="0" hangingPunct="1">
       <a:defRPr sz="1200" kern="1200">
         <a:solidFill>
           <a:schemeClr val="tx1"/>
@@ -3372,7 +3360,7 @@
         <a:cs typeface="+mn-cs"/>
       </a:defRPr>
     </a:lvl4pPr>
-    <a:lvl5pPr marL="1828800" algn="l" defTabSz="457200" rtl="0" eaLnBrk="1" latinLnBrk="0" hangingPunct="1">
+    <a:lvl5pPr marL="1828800" algn="l" defTabSz="914400" rtl="0" eaLnBrk="1" latinLnBrk="0" hangingPunct="1">
       <a:defRPr sz="1200" kern="1200">
         <a:solidFill>
           <a:schemeClr val="tx1"/>
@@ -3382,7 +3370,7 @@
         <a:cs typeface="+mn-cs"/>
       </a:defRPr>
     </a:lvl5pPr>
-    <a:lvl6pPr marL="2286000" algn="l" defTabSz="457200" rtl="0" eaLnBrk="1" latinLnBrk="0" hangingPunct="1">
+    <a:lvl6pPr marL="2286000" algn="l" defTabSz="914400" rtl="0" eaLnBrk="1" latinLnBrk="0" hangingPunct="1">
       <a:defRPr sz="1200" kern="1200">
         <a:solidFill>
           <a:schemeClr val="tx1"/>
@@ -3392,7 +3380,7 @@
         <a:cs typeface="+mn-cs"/>
       </a:defRPr>
     </a:lvl6pPr>
-    <a:lvl7pPr marL="2743200" algn="l" defTabSz="457200" rtl="0" eaLnBrk="1" latinLnBrk="0" hangingPunct="1">
+    <a:lvl7pPr marL="2743200" algn="l" defTabSz="914400" rtl="0" eaLnBrk="1" latinLnBrk="0" hangingPunct="1">
       <a:defRPr sz="1200" kern="1200">
         <a:solidFill>
           <a:schemeClr val="tx1"/>
@@ -3402,7 +3390,7 @@
         <a:cs typeface="+mn-cs"/>
       </a:defRPr>
     </a:lvl7pPr>
-    <a:lvl8pPr marL="3200400" algn="l" defTabSz="457200" rtl="0" eaLnBrk="1" latinLnBrk="0" hangingPunct="1">
+    <a:lvl8pPr marL="3200400" algn="l" defTabSz="914400" rtl="0" eaLnBrk="1" latinLnBrk="0" hangingPunct="1">
       <a:defRPr sz="1200" kern="1200">
         <a:solidFill>
           <a:schemeClr val="tx1"/>
@@ -3412,7 +3400,7 @@
         <a:cs typeface="+mn-cs"/>
       </a:defRPr>
     </a:lvl8pPr>
-    <a:lvl9pPr marL="3657600" algn="l" defTabSz="457200" rtl="0" eaLnBrk="1" latinLnBrk="0" hangingPunct="1">
+    <a:lvl9pPr marL="3657600" algn="l" defTabSz="914400" rtl="0" eaLnBrk="1" latinLnBrk="0" hangingPunct="1">
       <a:defRPr sz="1200" kern="1200">
         <a:solidFill>
           <a:schemeClr val="tx1"/>
@@ -3470,7 +3458,10 @@
           <a:bodyPr/>
           <a:lstStyle/>
           <a:p>
-            <a:endParaRPr lang="en-US" dirty="0"/>
+            <a:r>
+              <a:rPr lang="en-US" dirty="0"/>
+              <a:t>So, to start, what exactly is Git?</a:t>
+            </a:r>
           </a:p>
         </p:txBody>
       </p:sp>
@@ -3481,7 +3472,7 @@
             <a:spLocks noGrp="1"/>
           </p:cNvSpPr>
           <p:nvPr>
-            <p:ph type="sldNum" sz="quarter" idx="10"/>
+            <p:ph type="sldNum" sz="quarter" idx="5"/>
           </p:nvPr>
         </p:nvSpPr>
         <p:spPr/>
@@ -3489,9 +3480,9 @@
           <a:bodyPr/>
           <a:lstStyle/>
           <a:p>
-            <a:fld id="{4E8BADB7-1FBB-B74E-B90C-DA1567BD042E}" type="slidenum">
+            <a:fld id="{DE7031FE-F148-41F2-AA91-6C6E1601A8AB}" type="slidenum">
               <a:rPr lang="en-US" smtClean="0"/>
-              <a:t>1</a:t>
+              <a:t>5</a:t>
             </a:fld>
             <a:endParaRPr lang="en-US"/>
           </a:p>
@@ -3500,7 +3491,7 @@
     </p:spTree>
     <p:extLst>
       <p:ext uri="{BB962C8B-B14F-4D97-AF65-F5344CB8AC3E}">
-        <p14:creationId xmlns:p14="http://schemas.microsoft.com/office/powerpoint/2010/main" val="3428348324"/>
+        <p14:creationId xmlns:p14="http://schemas.microsoft.com/office/powerpoint/2010/main" val="4189357793"/>
       </p:ext>
     </p:extLst>
   </p:cSld>
@@ -3554,24 +3545,36 @@
           <a:bodyPr/>
           <a:lstStyle/>
           <a:p>
+            <a:pPr marL="0" marR="0" lvl="0" indent="0" algn="l" defTabSz="914400" rtl="0" eaLnBrk="1" fontAlgn="auto" latinLnBrk="0" hangingPunct="1">
+              <a:lnSpc>
+                <a:spcPct val="100000"/>
+              </a:lnSpc>
+              <a:spcBef>
+                <a:spcPts val="0"/>
+              </a:spcBef>
+              <a:spcAft>
+                <a:spcPts val="0"/>
+              </a:spcAft>
+              <a:buClrTx/>
+              <a:buSzTx/>
+              <a:buFontTx/>
+              <a:buNone/>
+              <a:tabLst/>
+              <a:defRPr/>
+            </a:pPr>
             <a:r>
               <a:rPr lang="en-US" dirty="0"/>
-              <a:t>GitHub is a provider of public (and private)</a:t>
+              <a:t>Let’s create a simple .NET Core Hello</a:t>
             </a:r>
             <a:r>
               <a:rPr lang="en-US" baseline="0" dirty="0"/>
-              <a:t> </a:t>
-            </a:r>
-            <a:r>
-              <a:rPr lang="en-US" baseline="0" dirty="0" err="1"/>
-              <a:t>Git</a:t>
-            </a:r>
-            <a:r>
-              <a:rPr lang="en-US" baseline="0" dirty="0"/>
-              <a:t> repositories.</a:t>
+              <a:t> World app that’s stored in a local Git repo</a:t>
             </a:r>
             <a:endParaRPr lang="en-US" dirty="0"/>
           </a:p>
+          <a:p>
+            <a:endParaRPr lang="en-US" dirty="0"/>
+          </a:p>
         </p:txBody>
       </p:sp>
       <p:sp>
@@ -3581,7 +3584,7 @@
             <a:spLocks noGrp="1"/>
           </p:cNvSpPr>
           <p:nvPr>
-            <p:ph type="sldNum" sz="quarter" idx="10"/>
+            <p:ph type="sldNum" sz="quarter" idx="5"/>
           </p:nvPr>
         </p:nvSpPr>
         <p:spPr/>
@@ -3589,9 +3592,9 @@
           <a:bodyPr/>
           <a:lstStyle/>
           <a:p>
-            <a:fld id="{4E8BADB7-1FBB-B74E-B90C-DA1567BD042E}" type="slidenum">
+            <a:fld id="{DE7031FE-F148-41F2-AA91-6C6E1601A8AB}" type="slidenum">
               <a:rPr lang="en-US" smtClean="0"/>
-              <a:t>13</a:t>
+              <a:t>14</a:t>
             </a:fld>
             <a:endParaRPr lang="en-US"/>
           </a:p>
@@ -3600,7 +3603,7 @@
     </p:spTree>
     <p:extLst>
       <p:ext uri="{BB962C8B-B14F-4D97-AF65-F5344CB8AC3E}">
-        <p14:creationId xmlns:p14="http://schemas.microsoft.com/office/powerpoint/2010/main" val="3914799708"/>
+        <p14:creationId xmlns:p14="http://schemas.microsoft.com/office/powerpoint/2010/main" val="3921886015"/>
       </p:ext>
     </p:extLst>
   </p:cSld>
@@ -3656,16 +3659,13 @@
           <a:p>
             <a:r>
               <a:rPr lang="en-US" dirty="0"/>
-              <a:t>Keep in mind that </a:t>
-            </a:r>
-            <a:r>
-              <a:rPr lang="en-US" dirty="0" err="1"/>
-              <a:t>Git</a:t>
-            </a:r>
-            <a:r>
-              <a:rPr lang="en-US" dirty="0"/>
-              <a:t> does not mean “I’m hosting on GitHub”.</a:t>
-            </a:r>
+              <a:t>Now, TFS is a product</a:t>
+            </a:r>
+            <a:r>
+              <a:rPr lang="en-US" baseline="0" dirty="0"/>
+              <a:t> that encompasses a lot of the development and project lifecycle. Part of that is source control. TFS was originally equated with source control, but the world has changed….</a:t>
+            </a:r>
+            <a:endParaRPr lang="en-US" dirty="0"/>
           </a:p>
         </p:txBody>
       </p:sp>
@@ -3676,7 +3676,7 @@
             <a:spLocks noGrp="1"/>
           </p:cNvSpPr>
           <p:nvPr>
-            <p:ph type="sldNum" sz="quarter" idx="10"/>
+            <p:ph type="sldNum" sz="quarter" idx="5"/>
           </p:nvPr>
         </p:nvSpPr>
         <p:spPr/>
@@ -3684,9 +3684,9 @@
           <a:bodyPr/>
           <a:lstStyle/>
           <a:p>
-            <a:fld id="{4E8BADB7-1FBB-B74E-B90C-DA1567BD042E}" type="slidenum">
+            <a:fld id="{DE7031FE-F148-41F2-AA91-6C6E1601A8AB}" type="slidenum">
               <a:rPr lang="en-US" smtClean="0"/>
-              <a:t>14</a:t>
+              <a:t>15</a:t>
             </a:fld>
             <a:endParaRPr lang="en-US"/>
           </a:p>
@@ -3695,7 +3695,7 @@
     </p:spTree>
     <p:extLst>
       <p:ext uri="{BB962C8B-B14F-4D97-AF65-F5344CB8AC3E}">
-        <p14:creationId xmlns:p14="http://schemas.microsoft.com/office/powerpoint/2010/main" val="2623469419"/>
+        <p14:creationId xmlns:p14="http://schemas.microsoft.com/office/powerpoint/2010/main" val="4114902235"/>
       </p:ext>
     </p:extLst>
   </p:cSld>
@@ -3751,19 +3751,11 @@
           <a:p>
             <a:r>
               <a:rPr lang="en-US" dirty="0"/>
-              <a:t>Let’s create a simple .NET Core Hello</a:t>
+              <a:t>You can now use a Git repo</a:t>
             </a:r>
             <a:r>
               <a:rPr lang="en-US" baseline="0" dirty="0"/>
-              <a:t> World app that’s stored in a local </a:t>
-            </a:r>
-            <a:r>
-              <a:rPr lang="en-US" baseline="0" dirty="0" err="1"/>
-              <a:t>Git</a:t>
-            </a:r>
-            <a:r>
-              <a:rPr lang="en-US" baseline="0" dirty="0"/>
-              <a:t> repo</a:t>
+              <a:t> with a TFS project</a:t>
             </a:r>
             <a:endParaRPr lang="en-US" dirty="0"/>
           </a:p>
@@ -3776,7 +3768,7 @@
             <a:spLocks noGrp="1"/>
           </p:cNvSpPr>
           <p:nvPr>
-            <p:ph type="sldNum" sz="quarter" idx="10"/>
+            <p:ph type="sldNum" sz="quarter" idx="5"/>
           </p:nvPr>
         </p:nvSpPr>
         <p:spPr/>
@@ -3784,9 +3776,9 @@
           <a:bodyPr/>
           <a:lstStyle/>
           <a:p>
-            <a:fld id="{4E8BADB7-1FBB-B74E-B90C-DA1567BD042E}" type="slidenum">
+            <a:fld id="{DE7031FE-F148-41F2-AA91-6C6E1601A8AB}" type="slidenum">
               <a:rPr lang="en-US" smtClean="0"/>
-              <a:t>15</a:t>
+              <a:t>16</a:t>
             </a:fld>
             <a:endParaRPr lang="en-US"/>
           </a:p>
@@ -3795,7 +3787,7 @@
     </p:spTree>
     <p:extLst>
       <p:ext uri="{BB962C8B-B14F-4D97-AF65-F5344CB8AC3E}">
-        <p14:creationId xmlns:p14="http://schemas.microsoft.com/office/powerpoint/2010/main" val="296173308"/>
+        <p14:creationId xmlns:p14="http://schemas.microsoft.com/office/powerpoint/2010/main" val="2153266193"/>
       </p:ext>
     </p:extLst>
   </p:cSld>
@@ -3851,11 +3843,11 @@
           <a:p>
             <a:r>
               <a:rPr lang="en-US" dirty="0"/>
-              <a:t>Now, TFS is a product</a:t>
+              <a:t>Now,</a:t>
             </a:r>
             <a:r>
               <a:rPr lang="en-US" baseline="0" dirty="0"/>
-              <a:t> that encompasses a lot of the development and project lifecycle. Part of that is source control. TFS was originally equated with source control, but the world has changed….</a:t>
+              <a:t> some people just don’t want to move to Git. Change for change’s sake isn’t a good thing, but….well, that phrase sums it up.</a:t>
             </a:r>
             <a:endParaRPr lang="en-US" dirty="0"/>
           </a:p>
@@ -3868,7 +3860,7 @@
             <a:spLocks noGrp="1"/>
           </p:cNvSpPr>
           <p:nvPr>
-            <p:ph type="sldNum" sz="quarter" idx="10"/>
+            <p:ph type="sldNum" sz="quarter" idx="5"/>
           </p:nvPr>
         </p:nvSpPr>
         <p:spPr/>
@@ -3876,9 +3868,9 @@
           <a:bodyPr/>
           <a:lstStyle/>
           <a:p>
-            <a:fld id="{4E8BADB7-1FBB-B74E-B90C-DA1567BD042E}" type="slidenum">
+            <a:fld id="{DE7031FE-F148-41F2-AA91-6C6E1601A8AB}" type="slidenum">
               <a:rPr lang="en-US" smtClean="0"/>
-              <a:t>16</a:t>
+              <a:t>17</a:t>
             </a:fld>
             <a:endParaRPr lang="en-US"/>
           </a:p>
@@ -3887,7 +3879,7 @@
     </p:spTree>
     <p:extLst>
       <p:ext uri="{BB962C8B-B14F-4D97-AF65-F5344CB8AC3E}">
-        <p14:creationId xmlns:p14="http://schemas.microsoft.com/office/powerpoint/2010/main" val="2792238160"/>
+        <p14:creationId xmlns:p14="http://schemas.microsoft.com/office/powerpoint/2010/main" val="316684271"/>
       </p:ext>
     </p:extLst>
   </p:cSld>
@@ -3943,19 +3935,32 @@
           <a:p>
             <a:r>
               <a:rPr lang="en-US" dirty="0"/>
-              <a:t>You can now use a </a:t>
-            </a:r>
-            <a:r>
-              <a:rPr lang="en-US" dirty="0" err="1"/>
-              <a:t>Git</a:t>
-            </a:r>
-            <a:r>
-              <a:rPr lang="en-US" dirty="0"/>
-              <a:t> repo</a:t>
+              <a:t>Here’s an</a:t>
             </a:r>
             <a:r>
               <a:rPr lang="en-US" baseline="0" dirty="0"/>
-              <a:t> with a TFS project</a:t>
+              <a:t> article that talks about some specific advantages with Git.</a:t>
+            </a:r>
+          </a:p>
+          <a:p>
+            <a:endParaRPr lang="en-US" baseline="0" dirty="0"/>
+          </a:p>
+          <a:p>
+            <a:r>
+              <a:rPr lang="en-US" baseline="0" dirty="0"/>
+              <a:t>Merge times are much smaller.</a:t>
+            </a:r>
+          </a:p>
+          <a:p>
+            <a:r>
+              <a:rPr lang="en-US" baseline="0" dirty="0"/>
+              <a:t>No checkouts (yes, TFSVC doesn’t make that required, but…)</a:t>
+            </a:r>
+          </a:p>
+          <a:p>
+            <a:r>
+              <a:rPr lang="en-US" baseline="0" dirty="0"/>
+              <a:t>Less conflicts, I’ve seen that myself</a:t>
             </a:r>
             <a:endParaRPr lang="en-US" dirty="0"/>
           </a:p>
@@ -3968,7 +3973,7 @@
             <a:spLocks noGrp="1"/>
           </p:cNvSpPr>
           <p:nvPr>
-            <p:ph type="sldNum" sz="quarter" idx="10"/>
+            <p:ph type="sldNum" sz="quarter" idx="5"/>
           </p:nvPr>
         </p:nvSpPr>
         <p:spPr/>
@@ -3976,9 +3981,9 @@
           <a:bodyPr/>
           <a:lstStyle/>
           <a:p>
-            <a:fld id="{4E8BADB7-1FBB-B74E-B90C-DA1567BD042E}" type="slidenum">
+            <a:fld id="{DE7031FE-F148-41F2-AA91-6C6E1601A8AB}" type="slidenum">
               <a:rPr lang="en-US" smtClean="0"/>
-              <a:t>17</a:t>
+              <a:t>18</a:t>
             </a:fld>
             <a:endParaRPr lang="en-US"/>
           </a:p>
@@ -3987,7 +3992,7 @@
     </p:spTree>
     <p:extLst>
       <p:ext uri="{BB962C8B-B14F-4D97-AF65-F5344CB8AC3E}">
-        <p14:creationId xmlns:p14="http://schemas.microsoft.com/office/powerpoint/2010/main" val="3353736078"/>
+        <p14:creationId xmlns:p14="http://schemas.microsoft.com/office/powerpoint/2010/main" val="1167490577"/>
       </p:ext>
     </p:extLst>
   </p:cSld>
@@ -4043,19 +4048,15 @@
           <a:p>
             <a:r>
               <a:rPr lang="en-US" dirty="0"/>
-              <a:t>Now,</a:t>
+              <a:t>Let’s see how one can use Git in TFS along with Visual Studio via the </a:t>
+            </a:r>
+            <a:r>
+              <a:rPr lang="en-US" dirty="0" err="1"/>
+              <a:t>MyVote</a:t>
             </a:r>
             <a:r>
               <a:rPr lang="en-US" baseline="0" dirty="0"/>
-              <a:t> some people just don’t want to move to </a:t>
-            </a:r>
-            <a:r>
-              <a:rPr lang="en-US" baseline="0" dirty="0" err="1"/>
-              <a:t>Git</a:t>
-            </a:r>
-            <a:r>
-              <a:rPr lang="en-US" baseline="0" dirty="0"/>
-              <a:t>. Change for change’s sake isn’t a good thing, but….well, that phrase sums it up.</a:t>
+              <a:t> repository.</a:t>
             </a:r>
             <a:endParaRPr lang="en-US" dirty="0"/>
           </a:p>
@@ -4068,7 +4069,7 @@
             <a:spLocks noGrp="1"/>
           </p:cNvSpPr>
           <p:nvPr>
-            <p:ph type="sldNum" sz="quarter" idx="10"/>
+            <p:ph type="sldNum" sz="quarter" idx="5"/>
           </p:nvPr>
         </p:nvSpPr>
         <p:spPr/>
@@ -4076,9 +4077,9 @@
           <a:bodyPr/>
           <a:lstStyle/>
           <a:p>
-            <a:fld id="{4E8BADB7-1FBB-B74E-B90C-DA1567BD042E}" type="slidenum">
+            <a:fld id="{DE7031FE-F148-41F2-AA91-6C6E1601A8AB}" type="slidenum">
               <a:rPr lang="en-US" smtClean="0"/>
-              <a:t>18</a:t>
+              <a:t>19</a:t>
             </a:fld>
             <a:endParaRPr lang="en-US"/>
           </a:p>
@@ -4087,7 +4088,7 @@
     </p:spTree>
     <p:extLst>
       <p:ext uri="{BB962C8B-B14F-4D97-AF65-F5344CB8AC3E}">
-        <p14:creationId xmlns:p14="http://schemas.microsoft.com/office/powerpoint/2010/main" val="2577160793"/>
+        <p14:creationId xmlns:p14="http://schemas.microsoft.com/office/powerpoint/2010/main" val="516396830"/>
       </p:ext>
     </p:extLst>
   </p:cSld>
@@ -4143,40 +4144,11 @@
           <a:p>
             <a:r>
               <a:rPr lang="en-US" dirty="0"/>
-              <a:t>Here’s an</a:t>
+              <a:t>Git</a:t>
             </a:r>
             <a:r>
               <a:rPr lang="en-US" baseline="0" dirty="0"/>
-              <a:t> article that talks about some specific advantages with </a:t>
-            </a:r>
-            <a:r>
-              <a:rPr lang="en-US" baseline="0" dirty="0" err="1"/>
-              <a:t>Git</a:t>
-            </a:r>
-            <a:r>
-              <a:rPr lang="en-US" baseline="0" dirty="0"/>
-              <a:t>.</a:t>
-            </a:r>
-          </a:p>
-          <a:p>
-            <a:endParaRPr lang="en-US" baseline="0" dirty="0"/>
-          </a:p>
-          <a:p>
-            <a:r>
-              <a:rPr lang="en-US" baseline="0" dirty="0"/>
-              <a:t>Merge times are much smaller.</a:t>
-            </a:r>
-          </a:p>
-          <a:p>
-            <a:r>
-              <a:rPr lang="en-US" baseline="0" dirty="0"/>
-              <a:t>No checkouts (yes, TFSVC doesn’t make that required, but…)</a:t>
-            </a:r>
-          </a:p>
-          <a:p>
-            <a:r>
-              <a:rPr lang="en-US" baseline="0" dirty="0"/>
-              <a:t>Less conflicts, I’ve seen that myself</a:t>
+              <a:t> = LOVE!</a:t>
             </a:r>
             <a:endParaRPr lang="en-US" dirty="0"/>
           </a:p>
@@ -4189,7 +4161,7 @@
             <a:spLocks noGrp="1"/>
           </p:cNvSpPr>
           <p:nvPr>
-            <p:ph type="sldNum" sz="quarter" idx="10"/>
+            <p:ph type="sldNum" sz="quarter" idx="5"/>
           </p:nvPr>
         </p:nvSpPr>
         <p:spPr/>
@@ -4197,9 +4169,9 @@
           <a:bodyPr/>
           <a:lstStyle/>
           <a:p>
-            <a:fld id="{4E8BADB7-1FBB-B74E-B90C-DA1567BD042E}" type="slidenum">
+            <a:fld id="{DE7031FE-F148-41F2-AA91-6C6E1601A8AB}" type="slidenum">
               <a:rPr lang="en-US" smtClean="0"/>
-              <a:t>19</a:t>
+              <a:t>20</a:t>
             </a:fld>
             <a:endParaRPr lang="en-US"/>
           </a:p>
@@ -4208,7 +4180,7 @@
     </p:spTree>
     <p:extLst>
       <p:ext uri="{BB962C8B-B14F-4D97-AF65-F5344CB8AC3E}">
-        <p14:creationId xmlns:p14="http://schemas.microsoft.com/office/powerpoint/2010/main" val="1911519423"/>
+        <p14:creationId xmlns:p14="http://schemas.microsoft.com/office/powerpoint/2010/main" val="892263281"/>
       </p:ext>
     </p:extLst>
   </p:cSld>
@@ -4264,23 +4236,265 @@
           <a:p>
             <a:r>
               <a:rPr lang="en-US" dirty="0"/>
-              <a:t>Let’s see how one can use </a:t>
-            </a:r>
-            <a:r>
-              <a:rPr lang="en-US" dirty="0" err="1"/>
-              <a:t>Git</a:t>
-            </a:r>
+              <a:t>Tips for enterprises migrating or adopting Git - https://blogs.msdn.microsoft.com/premier_developer/2018/03/20/tips-for-enterprises-migrating-or-adopting-git/</a:t>
+            </a:r>
+          </a:p>
+          <a:p>
             <a:r>
               <a:rPr lang="en-US" dirty="0"/>
-              <a:t> in TFS along with Visual Studio via the </a:t>
-            </a:r>
-            <a:r>
-              <a:rPr lang="en-US" dirty="0" err="1"/>
-              <a:t>MyVote</a:t>
-            </a:r>
-            <a:r>
-              <a:rPr lang="en-US" baseline="0" dirty="0"/>
-              <a:t> repository.</a:t>
+              <a:t>Roslyn on GitHub - https://www.slideshare.net/terrajobst/roslyn-on-git-hub</a:t>
+            </a:r>
+          </a:p>
+          <a:p>
+            <a:r>
+              <a:rPr lang="en-US" dirty="0"/>
+              <a:t>Microsoft’s Performance Contributions to Git in 2017 - https://blogs.msdn.microsoft.com/devops/2018/01/11/microsofts-performance-contributions-to-git-in-2017/</a:t>
+            </a:r>
+          </a:p>
+          <a:p>
+            <a:r>
+              <a:rPr lang="en-US" dirty="0"/>
+              <a:t>GitHub Flow Like a Pro with these 13 Git Aliases - https://haacked.com/archive/2014/07/28/github-flow-aliases/</a:t>
+            </a:r>
+          </a:p>
+          <a:p>
+            <a:r>
+              <a:rPr lang="en-US" dirty="0"/>
+              <a:t>Trunk-Based Development or Pull Requests - Why Not Both? - https://jimmybogard.com/trunk-based-development-or-pull-requests-why-not-both/</a:t>
+            </a:r>
+          </a:p>
+          <a:p>
+            <a:r>
+              <a:rPr lang="en-US" dirty="0"/>
+              <a:t>GitHub Cheat Sheet - https://github.com/tiimgreen/github-cheat-sheet</a:t>
+            </a:r>
+          </a:p>
+          <a:p>
+            <a:r>
+              <a:rPr lang="en-US" dirty="0"/>
+              <a:t>Create a new Git repo in your project - https://docs.microsoft.com/en-us/vsts/git/create-new-repo</a:t>
+            </a:r>
+          </a:p>
+          <a:p>
+            <a:r>
+              <a:rPr lang="en-US" dirty="0"/>
+              <a:t>A successful Git branching model - http://nvie.com/posts/a-successful-git-branching-model/</a:t>
+            </a:r>
+          </a:p>
+          <a:p>
+            <a:r>
+              <a:rPr lang="en-US" dirty="0"/>
+              <a:t>Using Git and GitHub - https://www.youtube.com/watch?v=8olbR_Xtg2Q</a:t>
+            </a:r>
+          </a:p>
+          <a:p>
+            <a:r>
+              <a:rPr lang="en-US" dirty="0"/>
+              <a:t>Pro Git - https://git-scm.com/book/en/v2</a:t>
+            </a:r>
+          </a:p>
+          <a:p>
+            <a:r>
+              <a:rPr lang="en-US" dirty="0"/>
+              <a:t>Visual Studio Toolbox: Git Fundamentals - https://blogs.msdn.microsoft.com/robertgreen/2017/08/01/visual-studio-toolbox-git-fundamentals/</a:t>
+            </a:r>
+          </a:p>
+          <a:p>
+            <a:r>
+              <a:rPr lang="en-US" dirty="0"/>
+              <a:t>Git - https://git-scm.com/</a:t>
+            </a:r>
+          </a:p>
+          <a:p>
+            <a:r>
+              <a:rPr lang="en-US" dirty="0"/>
+              <a:t>Git Fundamentals - https://www.pluralsight.com/courses/git-fundamentals</a:t>
+            </a:r>
+          </a:p>
+          <a:p>
+            <a:r>
+              <a:rPr lang="en-US" dirty="0"/>
+              <a:t>Why you should abandon TFS and adopt Git - http://www.continuousimprover.com/2015/06/why-you-should-abandon-tfs-source.html</a:t>
+            </a:r>
+          </a:p>
+          <a:p>
+            <a:r>
+              <a:rPr lang="en-US" dirty="0"/>
+              <a:t>Get Started with Git and Team Services - https://www.visualstudio.com/en-us/docs/git/gitquickstart</a:t>
+            </a:r>
+          </a:p>
+          <a:p>
+            <a:r>
+              <a:rPr lang="en-US" dirty="0"/>
+              <a:t>The largest Git repo on the planet - https://blogs.msdn.microsoft.com/bharry/2017/05/24/the-largest-git-repo-on-the-planet/</a:t>
+            </a:r>
+          </a:p>
+          <a:p>
+            <a:r>
+              <a:rPr lang="en-US" dirty="0"/>
+              <a:t>Git Virtual File System - https://github.com/Microsoft/gvfs</a:t>
+            </a:r>
+          </a:p>
+          <a:p>
+            <a:r>
+              <a:rPr lang="en-US" dirty="0"/>
+              <a:t>.NET Foundation - https://dotnetfoundation.org/</a:t>
+            </a:r>
+          </a:p>
+          <a:p>
+            <a:r>
+              <a:rPr lang="en-US" dirty="0"/>
+              <a:t>GitHub - https://github.com/</a:t>
+            </a:r>
+          </a:p>
+          <a:p>
+            <a:r>
+              <a:rPr lang="en-US" dirty="0"/>
+              <a:t>Feature Branches And Toggles In A Post-GitHub World - Sam Newman - https://www.youtube.com/watch?v=7qTOdbUAqno</a:t>
+            </a:r>
+          </a:p>
+          <a:p>
+            <a:r>
+              <a:rPr lang="en-US" dirty="0"/>
+              <a:t>More Time with Git at the Command Line</a:t>
+            </a:r>
+          </a:p>
+          <a:p>
+            <a:r>
+              <a:rPr lang="en-US" dirty="0"/>
+              <a:t>	Setup - https://geoffhudik.com/tech/2017/07/19/git-command-line-part-1/</a:t>
+            </a:r>
+          </a:p>
+          <a:p>
+            <a:r>
+              <a:rPr lang="en-US" dirty="0"/>
+              <a:t>	Getting Latest and Making Changes - https://geoffhudik.com/tech/2017/07/19/git-command-line-part-2/</a:t>
+            </a:r>
+          </a:p>
+          <a:p>
+            <a:r>
+              <a:rPr lang="en-US" dirty="0"/>
+              <a:t>	Pushing, Fetching, and Viewing History - https://geoffhudik.com/tech/2017/07/19/git-command-line-part-3/</a:t>
+            </a:r>
+          </a:p>
+          <a:p>
+            <a:r>
+              <a:rPr lang="en-US" dirty="0"/>
+              <a:t>	Merging and Managing Branches - https://geoffhudik.com/tech/2017/07/19/git-command-line-part-4/</a:t>
+            </a:r>
+          </a:p>
+          <a:p>
+            <a:r>
+              <a:rPr lang="en-US" dirty="0"/>
+              <a:t>	Stashes and Reverting Work - https://geoffhudik.com/tech/2017/07/19/git-command-line-part-5/</a:t>
+            </a:r>
+          </a:p>
+          <a:p>
+            <a:r>
+              <a:rPr lang="en-US" dirty="0"/>
+              <a:t>	Miscellaneous / Wrap-up - https://geoffhudik.com/tech/2017/07/19/git-command-line-part-6/</a:t>
+            </a:r>
+          </a:p>
+          <a:p>
+            <a:r>
+              <a:rPr lang="en-US" dirty="0"/>
+              <a:t>How to Write a Git Commit Message - https://chris.beams.io/posts/git-commit/</a:t>
+            </a:r>
+          </a:p>
+          <a:p>
+            <a:r>
+              <a:rPr lang="en-US" dirty="0"/>
+              <a:t>Git and Visual Studio 2017</a:t>
+            </a:r>
+          </a:p>
+          <a:p>
+            <a:r>
+              <a:rPr lang="en-US" dirty="0"/>
+              <a:t>	Part 1 - https://blogs.msdn.microsoft.com/kenakamu/2017/09/28/git-and-visual-studio-2017-part-1/</a:t>
+            </a:r>
+          </a:p>
+          <a:p>
+            <a:r>
+              <a:rPr lang="en-US" dirty="0"/>
+              <a:t>	Part 2 - https://blogs.msdn.microsoft.com/kenakamu/2017/09/28/git-and-visual-studio-2017-part-2/</a:t>
+            </a:r>
+          </a:p>
+          <a:p>
+            <a:r>
+              <a:rPr lang="en-US" dirty="0"/>
+              <a:t>	Part 3 - https://blogs.msdn.microsoft.com/kenakamu/2017/09/29/git-and-visual-studio-2017-part-3/</a:t>
+            </a:r>
+          </a:p>
+          <a:p>
+            <a:r>
+              <a:rPr lang="en-US" dirty="0"/>
+              <a:t>	Part 4 - https://blogs.msdn.microsoft.com/kenakamu/2017/09/29/git-and-visual-studio-2017-part-4/</a:t>
+            </a:r>
+          </a:p>
+          <a:p>
+            <a:r>
+              <a:rPr lang="en-US" dirty="0"/>
+              <a:t>	Part 5 - https://blogs.msdn.microsoft.com/kenakamu/2017/09/29/git-and-visual-studio-2017-part-5/</a:t>
+            </a:r>
+          </a:p>
+          <a:p>
+            <a:r>
+              <a:rPr lang="en-US" dirty="0"/>
+              <a:t>	Part 6 - https://blogs.msdn.microsoft.com/kenakamu/2017/09/29/git-and-visual-studio-2017-part-6/</a:t>
+            </a:r>
+          </a:p>
+          <a:p>
+            <a:r>
+              <a:rPr lang="en-US" dirty="0"/>
+              <a:t>	Part 7 - https://blogs.msdn.microsoft.com/kenakamu/2017/09/29/git-and-visual-studio-2017-part-7/</a:t>
+            </a:r>
+          </a:p>
+          <a:p>
+            <a:r>
+              <a:rPr lang="en-US" dirty="0"/>
+              <a:t>	Part 8 - https://blogs.msdn.microsoft.com/kenakamu/2017/09/29/git-and-visual-studio-2017-part-8/</a:t>
+            </a:r>
+          </a:p>
+          <a:p>
+            <a:r>
+              <a:rPr lang="en-US" dirty="0"/>
+              <a:t>	Part 9 - https://blogs.msdn.microsoft.com/kenakamu/2017/09/29/git-and-visual-studio-2017-part-9/</a:t>
+            </a:r>
+          </a:p>
+          <a:p>
+            <a:r>
+              <a:rPr lang="en-US" dirty="0"/>
+              <a:t>	Part 10 - https://blogs.msdn.microsoft.com/kenakamu/2017/09/29/git-and-visual-studio-2017-part-10/</a:t>
+            </a:r>
+          </a:p>
+          <a:p>
+            <a:r>
+              <a:rPr lang="en-US" dirty="0"/>
+              <a:t>	Part 11 - https://blogs.msdn.microsoft.com/kenakamu/2017/09/29/git-and-visual-studio-2017-part-11/</a:t>
+            </a:r>
+          </a:p>
+          <a:p>
+            <a:r>
+              <a:rPr lang="en-US" dirty="0"/>
+              <a:t>	Part 12 - https://blogs.msdn.microsoft.com/kenakamu/2017/09/29/git-and-visual-studio-2017-part-12/</a:t>
+            </a:r>
+          </a:p>
+          <a:p>
+            <a:r>
+              <a:rPr lang="en-US" dirty="0"/>
+              <a:t>	Part 13 - https://blogs.msdn.microsoft.com/kenakamu/2017/09/29/git-and-visual-studio-2017-part-13/</a:t>
+            </a:r>
+          </a:p>
+          <a:p>
+            <a:r>
+              <a:rPr lang="en-US" dirty="0"/>
+              <a:t>	Part 14 - https://blogs.msdn.microsoft.com/kenakamu/2017/09/29/git-and-visual-studio-2017-part-14/</a:t>
+            </a:r>
+          </a:p>
+          <a:p>
+            <a:r>
+              <a:rPr lang="en-US"/>
+              <a:t>	Part 15 - https://blogs.msdn.microsoft.com/kenakamu/2017/09/29/git-and-visual-studio-2017-part-15/</a:t>
             </a:r>
             <a:endParaRPr lang="en-US" dirty="0"/>
           </a:p>
@@ -4293,7 +4507,7 @@
             <a:spLocks noGrp="1"/>
           </p:cNvSpPr>
           <p:nvPr>
-            <p:ph type="sldNum" sz="quarter" idx="10"/>
+            <p:ph type="sldNum" sz="quarter" idx="5"/>
           </p:nvPr>
         </p:nvSpPr>
         <p:spPr/>
@@ -4301,99 +4515,7 @@
           <a:bodyPr/>
           <a:lstStyle/>
           <a:p>
-            <a:fld id="{4E8BADB7-1FBB-B74E-B90C-DA1567BD042E}" type="slidenum">
-              <a:rPr lang="en-US" smtClean="0"/>
-              <a:t>20</a:t>
-            </a:fld>
-            <a:endParaRPr lang="en-US"/>
-          </a:p>
-        </p:txBody>
-      </p:sp>
-    </p:spTree>
-    <p:extLst>
-      <p:ext uri="{BB962C8B-B14F-4D97-AF65-F5344CB8AC3E}">
-        <p14:creationId xmlns:p14="http://schemas.microsoft.com/office/powerpoint/2010/main" val="1065603324"/>
-      </p:ext>
-    </p:extLst>
-  </p:cSld>
-  <p:clrMapOvr>
-    <a:masterClrMapping/>
-  </p:clrMapOvr>
-</p:notes>
-</file>
-
-<file path=ppt/notesSlides/notesSlide18.xml><?xml version="1.0" encoding="utf-8"?>
-<p:notes xmlns:a="http://schemas.openxmlformats.org/drawingml/2006/main" xmlns:r="http://schemas.openxmlformats.org/officeDocument/2006/relationships" xmlns:p="http://schemas.openxmlformats.org/presentationml/2006/main">
-  <p:cSld>
-    <p:spTree>
-      <p:nvGrpSpPr>
-        <p:cNvPr id="1" name=""/>
-        <p:cNvGrpSpPr/>
-        <p:nvPr/>
-      </p:nvGrpSpPr>
-      <p:grpSpPr>
-        <a:xfrm>
-          <a:off x="0" y="0"/>
-          <a:ext cx="0" cy="0"/>
-          <a:chOff x="0" y="0"/>
-          <a:chExt cx="0" cy="0"/>
-        </a:xfrm>
-      </p:grpSpPr>
-      <p:sp>
-        <p:nvSpPr>
-          <p:cNvPr id="2" name="Slide Image Placeholder 1"/>
-          <p:cNvSpPr>
-            <a:spLocks noGrp="1" noRot="1" noChangeAspect="1"/>
-          </p:cNvSpPr>
-          <p:nvPr>
-            <p:ph type="sldImg"/>
-          </p:nvPr>
-        </p:nvSpPr>
-        <p:spPr/>
-      </p:sp>
-      <p:sp>
-        <p:nvSpPr>
-          <p:cNvPr id="3" name="Notes Placeholder 2"/>
-          <p:cNvSpPr>
-            <a:spLocks noGrp="1"/>
-          </p:cNvSpPr>
-          <p:nvPr>
-            <p:ph type="body" idx="1"/>
-          </p:nvPr>
-        </p:nvSpPr>
-        <p:spPr/>
-        <p:txBody>
-          <a:bodyPr/>
-          <a:lstStyle/>
-          <a:p>
-            <a:r>
-              <a:rPr lang="en-US" dirty="0" err="1"/>
-              <a:t>Git</a:t>
-            </a:r>
-            <a:r>
-              <a:rPr lang="en-US" baseline="0" dirty="0"/>
-              <a:t> = LOVE!</a:t>
-            </a:r>
-            <a:endParaRPr lang="en-US" dirty="0"/>
-          </a:p>
-        </p:txBody>
-      </p:sp>
-      <p:sp>
-        <p:nvSpPr>
-          <p:cNvPr id="4" name="Slide Number Placeholder 3"/>
-          <p:cNvSpPr>
-            <a:spLocks noGrp="1"/>
-          </p:cNvSpPr>
-          <p:nvPr>
-            <p:ph type="sldNum" sz="quarter" idx="10"/>
-          </p:nvPr>
-        </p:nvSpPr>
-        <p:spPr/>
-        <p:txBody>
-          <a:bodyPr/>
-          <a:lstStyle/>
-          <a:p>
-            <a:fld id="{4E8BADB7-1FBB-B74E-B90C-DA1567BD042E}" type="slidenum">
+            <a:fld id="{DE7031FE-F148-41F2-AA91-6C6E1601A8AB}" type="slidenum">
               <a:rPr lang="en-US" smtClean="0"/>
               <a:t>21</a:t>
             </a:fld>
@@ -4404,270 +4526,7 @@
     </p:spTree>
     <p:extLst>
       <p:ext uri="{BB962C8B-B14F-4D97-AF65-F5344CB8AC3E}">
-        <p14:creationId xmlns:p14="http://schemas.microsoft.com/office/powerpoint/2010/main" val="286744054"/>
-      </p:ext>
-    </p:extLst>
-  </p:cSld>
-  <p:clrMapOvr>
-    <a:masterClrMapping/>
-  </p:clrMapOvr>
-</p:notes>
-</file>
-
-<file path=ppt/notesSlides/notesSlide19.xml><?xml version="1.0" encoding="utf-8"?>
-<p:notes xmlns:a="http://schemas.openxmlformats.org/drawingml/2006/main" xmlns:r="http://schemas.openxmlformats.org/officeDocument/2006/relationships" xmlns:p="http://schemas.openxmlformats.org/presentationml/2006/main">
-  <p:cSld>
-    <p:spTree>
-      <p:nvGrpSpPr>
-        <p:cNvPr id="1" name=""/>
-        <p:cNvGrpSpPr/>
-        <p:nvPr/>
-      </p:nvGrpSpPr>
-      <p:grpSpPr>
-        <a:xfrm>
-          <a:off x="0" y="0"/>
-          <a:ext cx="0" cy="0"/>
-          <a:chOff x="0" y="0"/>
-          <a:chExt cx="0" cy="0"/>
-        </a:xfrm>
-      </p:grpSpPr>
-      <p:sp>
-        <p:nvSpPr>
-          <p:cNvPr id="2" name="Slide Image Placeholder 1"/>
-          <p:cNvSpPr>
-            <a:spLocks noGrp="1" noRot="1" noChangeAspect="1"/>
-          </p:cNvSpPr>
-          <p:nvPr>
-            <p:ph type="sldImg"/>
-          </p:nvPr>
-        </p:nvSpPr>
-        <p:spPr/>
-      </p:sp>
-      <p:sp>
-        <p:nvSpPr>
-          <p:cNvPr id="3" name="Notes Placeholder 2"/>
-          <p:cNvSpPr>
-            <a:spLocks noGrp="1"/>
-          </p:cNvSpPr>
-          <p:nvPr>
-            <p:ph type="body" idx="1"/>
-          </p:nvPr>
-        </p:nvSpPr>
-        <p:spPr/>
-        <p:txBody>
-          <a:bodyPr/>
-          <a:lstStyle/>
-          <a:p>
-            <a:r>
-              <a:rPr lang="en-US" dirty="0"/>
-              <a:t>Pro </a:t>
-            </a:r>
-            <a:r>
-              <a:rPr lang="en-US" dirty="0" err="1"/>
-              <a:t>Git</a:t>
-            </a:r>
-            <a:r>
-              <a:rPr lang="en-US" dirty="0"/>
-              <a:t> - https://git-scm.com/book/en/v2</a:t>
-            </a:r>
-          </a:p>
-          <a:p>
-            <a:r>
-              <a:rPr lang="en-US" dirty="0"/>
-              <a:t>Visual Studio Toolbox: </a:t>
-            </a:r>
-            <a:r>
-              <a:rPr lang="en-US" dirty="0" err="1"/>
-              <a:t>Git</a:t>
-            </a:r>
-            <a:r>
-              <a:rPr lang="en-US" dirty="0"/>
-              <a:t> Fundamentals - https://blogs.msdn.microsoft.com/robertgreen/2017/08/01/visual-studio-toolbox-git-fundamentals/</a:t>
-            </a:r>
-          </a:p>
-          <a:p>
-            <a:r>
-              <a:rPr lang="en-US" dirty="0" err="1"/>
-              <a:t>Git</a:t>
-            </a:r>
-            <a:r>
-              <a:rPr lang="en-US" dirty="0"/>
-              <a:t> - https://git-scm.com/</a:t>
-            </a:r>
-          </a:p>
-          <a:p>
-            <a:r>
-              <a:rPr lang="en-US" dirty="0" err="1"/>
-              <a:t>Git</a:t>
-            </a:r>
-            <a:r>
-              <a:rPr lang="en-US" dirty="0"/>
-              <a:t> Fundamentals - https://www.pluralsight.com/courses/git-fundamentals</a:t>
-            </a:r>
-          </a:p>
-          <a:p>
-            <a:r>
-              <a:rPr lang="en-US" dirty="0"/>
-              <a:t>Why you should abandon TFS and adopt </a:t>
-            </a:r>
-            <a:r>
-              <a:rPr lang="en-US" dirty="0" err="1"/>
-              <a:t>Git</a:t>
-            </a:r>
-            <a:r>
-              <a:rPr lang="en-US" dirty="0"/>
-              <a:t> - http://www.continuousimprover.com/2015/06/why-you-should-abandon-tfs-source.html</a:t>
-            </a:r>
-          </a:p>
-          <a:p>
-            <a:r>
-              <a:rPr lang="en-US" dirty="0"/>
-              <a:t>Get Started with </a:t>
-            </a:r>
-            <a:r>
-              <a:rPr lang="en-US" dirty="0" err="1"/>
-              <a:t>Git</a:t>
-            </a:r>
-            <a:r>
-              <a:rPr lang="en-US" dirty="0"/>
-              <a:t> and Team Services - https://www.visualstudio.com/en-us/docs/git/gitquickstart</a:t>
-            </a:r>
-          </a:p>
-          <a:p>
-            <a:r>
-              <a:rPr lang="en-US" dirty="0"/>
-              <a:t>The largest </a:t>
-            </a:r>
-            <a:r>
-              <a:rPr lang="en-US" dirty="0" err="1"/>
-              <a:t>Git</a:t>
-            </a:r>
-            <a:r>
-              <a:rPr lang="en-US" dirty="0"/>
-              <a:t> repo on the planet - https://blogs.msdn.microsoft.com/bharry/2017/05/24/the-largest-git-repo-on-the-planet/</a:t>
-            </a:r>
-          </a:p>
-          <a:p>
-            <a:r>
-              <a:rPr lang="en-US" dirty="0" err="1"/>
-              <a:t>Git</a:t>
-            </a:r>
-            <a:r>
-              <a:rPr lang="en-US" dirty="0"/>
-              <a:t> Virtual File System - https://github.com/Microsoft/gvfs</a:t>
-            </a:r>
-          </a:p>
-          <a:p>
-            <a:r>
-              <a:rPr lang="en-US" dirty="0"/>
-              <a:t>.NET Foundation - https://dotnetfoundation.org/</a:t>
-            </a:r>
-          </a:p>
-          <a:p>
-            <a:r>
-              <a:rPr lang="en-US" dirty="0"/>
-              <a:t>GitHub - https://github.com/</a:t>
-            </a:r>
-          </a:p>
-          <a:p>
-            <a:r>
-              <a:rPr lang="en-US" dirty="0"/>
-              <a:t>Feature Branches And Toggles In A Post-GitHub World - Sam Newman - https://www.youtube.com/watch?v=7qTOdbUAqno</a:t>
-            </a:r>
-          </a:p>
-          <a:p>
-            <a:r>
-              <a:rPr lang="en-US" dirty="0"/>
-              <a:t>More Time with </a:t>
-            </a:r>
-            <a:r>
-              <a:rPr lang="en-US" dirty="0" err="1"/>
-              <a:t>Git</a:t>
-            </a:r>
-            <a:r>
-              <a:rPr lang="en-US" dirty="0"/>
-              <a:t> at the Command Line</a:t>
-            </a:r>
-          </a:p>
-          <a:p>
-            <a:r>
-              <a:rPr lang="en-US" dirty="0"/>
-              <a:t>	Setup - https://geoffhudik.com/tech/2017/07/19/git-command-line-part-1/</a:t>
-            </a:r>
-          </a:p>
-          <a:p>
-            <a:r>
-              <a:rPr lang="en-US" dirty="0"/>
-              <a:t>	Getting Latest and Making Changes - https://geoffhudik.com/tech/2017/07/19/git-command-line-part-2/</a:t>
-            </a:r>
-          </a:p>
-          <a:p>
-            <a:r>
-              <a:rPr lang="en-US" dirty="0"/>
-              <a:t>	Pushing, Fetching, and Viewing History - https://geoffhudik.com/tech/2017/07/19/git-command-line-part-3/</a:t>
-            </a:r>
-          </a:p>
-          <a:p>
-            <a:r>
-              <a:rPr lang="en-US" dirty="0"/>
-              <a:t>	Merging and Managing Branches - https://geoffhudik.com/tech/2017/07/19/git-command-line-part-4/</a:t>
-            </a:r>
-          </a:p>
-          <a:p>
-            <a:r>
-              <a:rPr lang="en-US" dirty="0"/>
-              <a:t>	Stashes and Reverting Work - https://geoffhudik.com/tech/2017/07/19/git-command-line-part-5/</a:t>
-            </a:r>
-          </a:p>
-          <a:p>
-            <a:r>
-              <a:rPr lang="en-US" dirty="0"/>
-              <a:t>	Miscellaneous / Wrap-up - https://geoffhudik.com/tech/2017/07/19/git-command-line-part-6/</a:t>
-            </a:r>
-          </a:p>
-          <a:p>
-            <a:r>
-              <a:rPr lang="en-US" dirty="0"/>
-              <a:t>How to Write a </a:t>
-            </a:r>
-            <a:r>
-              <a:rPr lang="en-US" dirty="0" err="1"/>
-              <a:t>Git</a:t>
-            </a:r>
-            <a:r>
-              <a:rPr lang="en-US" dirty="0"/>
-              <a:t> Commit Message - https://chris.beams.io/posts/git-commit/</a:t>
-            </a:r>
-          </a:p>
-        </p:txBody>
-      </p:sp>
-      <p:sp>
-        <p:nvSpPr>
-          <p:cNvPr id="4" name="Slide Number Placeholder 3"/>
-          <p:cNvSpPr>
-            <a:spLocks noGrp="1"/>
-          </p:cNvSpPr>
-          <p:nvPr>
-            <p:ph type="sldNum" sz="quarter" idx="10"/>
-          </p:nvPr>
-        </p:nvSpPr>
-        <p:spPr/>
-        <p:txBody>
-          <a:bodyPr/>
-          <a:lstStyle/>
-          <a:p>
-            <a:fld id="{4E8BADB7-1FBB-B74E-B90C-DA1567BD042E}" type="slidenum">
-              <a:rPr lang="en-US" smtClean="0"/>
-              <a:t>22</a:t>
-            </a:fld>
-            <a:endParaRPr lang="en-US"/>
-          </a:p>
-        </p:txBody>
-      </p:sp>
-    </p:spTree>
-    <p:extLst>
-      <p:ext uri="{BB962C8B-B14F-4D97-AF65-F5344CB8AC3E}">
-        <p14:creationId xmlns:p14="http://schemas.microsoft.com/office/powerpoint/2010/main" val="269304203"/>
+        <p14:creationId xmlns:p14="http://schemas.microsoft.com/office/powerpoint/2010/main" val="560066142"/>
       </p:ext>
     </p:extLst>
   </p:cSld>
@@ -4723,16 +4582,13 @@
           <a:p>
             <a:r>
               <a:rPr lang="en-US" dirty="0"/>
-              <a:t>So, to start, what exactly is </a:t>
-            </a:r>
-            <a:r>
-              <a:rPr lang="en-US" dirty="0" err="1"/>
-              <a:t>Git</a:t>
-            </a:r>
-            <a:r>
-              <a:rPr lang="en-US" dirty="0"/>
-              <a:t>?</a:t>
-            </a:r>
+              <a:t>Here</a:t>
+            </a:r>
+            <a:r>
+              <a:rPr lang="en-US" baseline="0" dirty="0"/>
+              <a:t> are the main “selling” points for Git. Let’s drill down into a couple of them.</a:t>
+            </a:r>
+            <a:endParaRPr lang="en-US" dirty="0"/>
           </a:p>
         </p:txBody>
       </p:sp>
@@ -4743,7 +4599,7 @@
             <a:spLocks noGrp="1"/>
           </p:cNvSpPr>
           <p:nvPr>
-            <p:ph type="sldNum" sz="quarter" idx="10"/>
+            <p:ph type="sldNum" sz="quarter" idx="5"/>
           </p:nvPr>
         </p:nvSpPr>
         <p:spPr/>
@@ -4751,9 +4607,9 @@
           <a:bodyPr/>
           <a:lstStyle/>
           <a:p>
-            <a:fld id="{4E8BADB7-1FBB-B74E-B90C-DA1567BD042E}" type="slidenum">
+            <a:fld id="{DE7031FE-F148-41F2-AA91-6C6E1601A8AB}" type="slidenum">
               <a:rPr lang="en-US" smtClean="0"/>
-              <a:t>5</a:t>
+              <a:t>6</a:t>
             </a:fld>
             <a:endParaRPr lang="en-US"/>
           </a:p>
@@ -4762,7 +4618,7 @@
     </p:spTree>
     <p:extLst>
       <p:ext uri="{BB962C8B-B14F-4D97-AF65-F5344CB8AC3E}">
-        <p14:creationId xmlns:p14="http://schemas.microsoft.com/office/powerpoint/2010/main" val="1020761427"/>
+        <p14:creationId xmlns:p14="http://schemas.microsoft.com/office/powerpoint/2010/main" val="1076276031"/>
       </p:ext>
     </p:extLst>
   </p:cSld>
@@ -4818,22 +4674,44 @@
           <a:p>
             <a:r>
               <a:rPr lang="en-US" dirty="0"/>
-              <a:t>Here</a:t>
-            </a:r>
-            <a:r>
-              <a:rPr lang="en-US" baseline="0" dirty="0"/>
-              <a:t> are the main “selling” points for </a:t>
-            </a:r>
-            <a:r>
-              <a:rPr lang="en-US" baseline="0" dirty="0" err="1"/>
-              <a:t>Git</a:t>
-            </a:r>
-            <a:r>
-              <a:rPr lang="en-US" baseline="0" dirty="0"/>
-              <a:t>. Let’s drill down into a couple of them.</a:t>
-            </a:r>
+              <a:t>Frictionless Context Switching. Create a branch to try out an idea, commit a few times, switch back to where you branched from, apply a patch, switch back to where you are experimenting, and merge it in. </a:t>
+            </a:r>
+          </a:p>
+          <a:p>
             <a:endParaRPr lang="en-US" dirty="0"/>
           </a:p>
+          <a:p>
+            <a:r>
+              <a:rPr lang="en-US" dirty="0"/>
+              <a:t>Role-Based </a:t>
+            </a:r>
+            <a:r>
+              <a:rPr lang="en-US" dirty="0" err="1"/>
+              <a:t>Codelines</a:t>
+            </a:r>
+            <a:r>
+              <a:rPr lang="en-US" dirty="0"/>
+              <a:t>. Have a branch that always contains only what goes to production, another that you merge work into for testing, and several smaller ones for day to day work. </a:t>
+            </a:r>
+          </a:p>
+          <a:p>
+            <a:endParaRPr lang="en-US" dirty="0"/>
+          </a:p>
+          <a:p>
+            <a:r>
+              <a:rPr lang="en-US" dirty="0"/>
+              <a:t>Feature Based Workflow. Create new branches for each new feature you're working on so you can seamlessly switch back and forth between them, then delete each branch when that feature gets merged into your main line. </a:t>
+            </a:r>
+          </a:p>
+          <a:p>
+            <a:endParaRPr lang="en-US" dirty="0"/>
+          </a:p>
+          <a:p>
+            <a:r>
+              <a:rPr lang="en-US" dirty="0"/>
+              <a:t>Disposable Experimentation. Create a branch to experiment in, realize it's not going to work, and just delete it - abandoning the work—with nobody else ever seeing it (even if you've pushed other branches in the meantime). </a:t>
+            </a:r>
+          </a:p>
         </p:txBody>
       </p:sp>
       <p:sp>
@@ -4843,7 +4721,7 @@
             <a:spLocks noGrp="1"/>
           </p:cNvSpPr>
           <p:nvPr>
-            <p:ph type="sldNum" sz="quarter" idx="10"/>
+            <p:ph type="sldNum" sz="quarter" idx="5"/>
           </p:nvPr>
         </p:nvSpPr>
         <p:spPr/>
@@ -4851,9 +4729,9 @@
           <a:bodyPr/>
           <a:lstStyle/>
           <a:p>
-            <a:fld id="{4E8BADB7-1FBB-B74E-B90C-DA1567BD042E}" type="slidenum">
+            <a:fld id="{DE7031FE-F148-41F2-AA91-6C6E1601A8AB}" type="slidenum">
               <a:rPr lang="en-US" smtClean="0"/>
-              <a:t>6</a:t>
+              <a:t>7</a:t>
             </a:fld>
             <a:endParaRPr lang="en-US"/>
           </a:p>
@@ -4862,7 +4740,7 @@
     </p:spTree>
     <p:extLst>
       <p:ext uri="{BB962C8B-B14F-4D97-AF65-F5344CB8AC3E}">
-        <p14:creationId xmlns:p14="http://schemas.microsoft.com/office/powerpoint/2010/main" val="345590879"/>
+        <p14:creationId xmlns:p14="http://schemas.microsoft.com/office/powerpoint/2010/main" val="310461858"/>
       </p:ext>
     </p:extLst>
   </p:cSld>
@@ -4918,7 +4796,13 @@
           <a:p>
             <a:r>
               <a:rPr lang="en-US" dirty="0"/>
-              <a:t>Frictionless Context Switching. Create a branch to try out an idea, commit a few times, switch back to where you branched from, apply a patch, switch back to where you are experimenting, and merge it in. </a:t>
+              <a:t>Git is fast. With Git, nearly all operations are performed locally, giving it a huge speed advantage on centralized systems that constantly have to communicate with a server somewhere. </a:t>
+            </a:r>
+          </a:p>
+          <a:p>
+            <a:r>
+              <a:rPr lang="en-US" dirty="0"/>
+              <a:t>Git was built to work on the Linux kernel, meaning that it has had to effectively handle large repositories from day one. Git is written in C, reducing the overhead of runtimes associated with higher-level languages. Speed and performance has been a primary design goal of the Git from the start. </a:t>
             </a:r>
           </a:p>
           <a:p>
@@ -4927,33 +4811,16 @@
           <a:p>
             <a:r>
               <a:rPr lang="en-US" dirty="0"/>
-              <a:t>Role-Based </a:t>
-            </a:r>
-            <a:r>
-              <a:rPr lang="en-US" dirty="0" err="1"/>
-              <a:t>Codelines</a:t>
-            </a:r>
+              <a:t>Clearly, in many of these common version control operations, Git is one or two orders of magnitude faster than SVN, even under ideal conditions for SVN. </a:t>
+            </a:r>
+          </a:p>
+          <a:p>
+            <a:endParaRPr lang="en-US" dirty="0"/>
+          </a:p>
+          <a:p>
             <a:r>
               <a:rPr lang="en-US" dirty="0"/>
-              <a:t>. Have a branch that always contains only what goes to production, another that you merge work into for testing, and several smaller ones for day to day work. </a:t>
-            </a:r>
-          </a:p>
-          <a:p>
-            <a:endParaRPr lang="en-US" dirty="0"/>
-          </a:p>
-          <a:p>
-            <a:r>
-              <a:rPr lang="en-US" dirty="0"/>
-              <a:t>Feature Based Workflow. Create new branches for each new feature you're working on so you can seamlessly switch back and forth between them, then delete each branch when that feature gets merged into your main line. </a:t>
-            </a:r>
-          </a:p>
-          <a:p>
-            <a:endParaRPr lang="en-US" dirty="0"/>
-          </a:p>
-          <a:p>
-            <a:r>
-              <a:rPr lang="en-US" dirty="0"/>
-              <a:t>Disposable Experimentation. Create a branch to experiment in, realize it's not going to work, and just delete it - abandoning the work—with nobody else ever seeing it (even if you've pushed other branches in the meantime). </a:t>
+              <a:t>One place where Git is slower is in the initial clone operation. Here, Git is downloading the entire history rather than only the latest version. As seen in the above charts, it's not considerably slower for an operation that is only performed once. </a:t>
             </a:r>
           </a:p>
         </p:txBody>
@@ -4965,7 +4832,7 @@
             <a:spLocks noGrp="1"/>
           </p:cNvSpPr>
           <p:nvPr>
-            <p:ph type="sldNum" sz="quarter" idx="10"/>
+            <p:ph type="sldNum" sz="quarter" idx="5"/>
           </p:nvPr>
         </p:nvSpPr>
         <p:spPr/>
@@ -4973,9 +4840,9 @@
           <a:bodyPr/>
           <a:lstStyle/>
           <a:p>
-            <a:fld id="{4E8BADB7-1FBB-B74E-B90C-DA1567BD042E}" type="slidenum">
+            <a:fld id="{DE7031FE-F148-41F2-AA91-6C6E1601A8AB}" type="slidenum">
               <a:rPr lang="en-US" smtClean="0"/>
-              <a:t>7</a:t>
+              <a:t>8</a:t>
             </a:fld>
             <a:endParaRPr lang="en-US"/>
           </a:p>
@@ -4984,7 +4851,7 @@
     </p:spTree>
     <p:extLst>
       <p:ext uri="{BB962C8B-B14F-4D97-AF65-F5344CB8AC3E}">
-        <p14:creationId xmlns:p14="http://schemas.microsoft.com/office/powerpoint/2010/main" val="2118057127"/>
+        <p14:creationId xmlns:p14="http://schemas.microsoft.com/office/powerpoint/2010/main" val="1528649859"/>
       </p:ext>
     </p:extLst>
   </p:cSld>
@@ -5039,46 +4906,50 @@
           <a:lstStyle/>
           <a:p>
             <a:r>
-              <a:rPr lang="en-US" dirty="0" err="1"/>
-              <a:t>Git</a:t>
-            </a:r>
-            <a:r>
               <a:rPr lang="en-US" dirty="0"/>
-              <a:t> is fast. With </a:t>
-            </a:r>
-            <a:r>
-              <a:rPr lang="en-US" dirty="0" err="1"/>
-              <a:t>Git</a:t>
+              <a:t>Multiple Backups</a:t>
+            </a:r>
+            <a:r>
+              <a:rPr lang="en-US" baseline="0" dirty="0"/>
+              <a:t> - </a:t>
             </a:r>
             <a:r>
               <a:rPr lang="en-US" dirty="0"/>
-              <a:t>, nearly all operations are performed locally, giving it a huge speed advantage on centralized systems that constantly have to communicate with a server somewhere. </a:t>
-            </a:r>
-          </a:p>
-          <a:p>
-            <a:r>
-              <a:rPr lang="en-US" dirty="0" err="1"/>
-              <a:t>Git</a:t>
-            </a:r>
+              <a:t>This means that even if you're using a centralized workflow, every user essentially has a full backup of the main server. Each of these copies could be pushed up to replace the main server in the event of a crash or corruption. In effect, there is no single point of failure with Git unless there is only a single copy of the repository. </a:t>
+            </a:r>
+          </a:p>
+          <a:p>
+            <a:endParaRPr lang="en-US" dirty="0"/>
+          </a:p>
+          <a:p>
             <a:r>
               <a:rPr lang="en-US" dirty="0"/>
-              <a:t> was built to work on the Linux kernel, meaning that it has had to effectively handle large repositories from day one. </a:t>
-            </a:r>
-            <a:r>
-              <a:rPr lang="en-US" dirty="0" err="1"/>
-              <a:t>Git</a:t>
+              <a:t>Any Workflow</a:t>
+            </a:r>
+            <a:r>
+              <a:rPr lang="en-US" baseline="0" dirty="0"/>
+              <a:t> - </a:t>
             </a:r>
             <a:r>
               <a:rPr lang="en-US" dirty="0"/>
-              <a:t> is written in C, reducing the overhead of runtimes associated with higher-level languages. Speed and performance has been a primary design goal of the </a:t>
-            </a:r>
-            <a:r>
-              <a:rPr lang="en-US" dirty="0" err="1"/>
-              <a:t>Git</a:t>
-            </a:r>
+              <a:t>Because of Git's distributed nature and superb branching system, an almost endless number of workflows can be implemented with relative ease. </a:t>
+            </a:r>
+          </a:p>
+          <a:p>
+            <a:endParaRPr lang="en-US" dirty="0"/>
+          </a:p>
+          <a:p>
             <a:r>
               <a:rPr lang="en-US" dirty="0"/>
-              <a:t> from the start. </a:t>
+              <a:t>	Subversion-Style Workflow</a:t>
+            </a:r>
+            <a:r>
+              <a:rPr lang="en-US" baseline="0" dirty="0"/>
+              <a:t> - </a:t>
+            </a:r>
+            <a:r>
+              <a:rPr lang="en-US" dirty="0"/>
+              <a:t>A centralized workflow is very common, especially from people transitioning from a centralized system. Git will not allow you to push if someone has pushed since the last time you fetched, so a centralized model where all developers push to the same server works just fine. </a:t>
             </a:r>
           </a:p>
           <a:p>
@@ -5087,40 +4958,15 @@
           <a:p>
             <a:r>
               <a:rPr lang="en-US" dirty="0"/>
-              <a:t>Clearly, in many of these common version control operations, </a:t>
-            </a:r>
-            <a:r>
-              <a:rPr lang="en-US" dirty="0" err="1"/>
-              <a:t>Git</a:t>
+              <a:t>	Dictator and Lieutenants Workflow</a:t>
+            </a:r>
+            <a:r>
+              <a:rPr lang="en-US" baseline="0" dirty="0"/>
+              <a:t> - </a:t>
             </a:r>
             <a:r>
               <a:rPr lang="en-US" dirty="0"/>
-              <a:t> is one or two orders of magnitude faster than SVN, even under ideal conditions for SVN. </a:t>
-            </a:r>
-          </a:p>
-          <a:p>
-            <a:endParaRPr lang="en-US" dirty="0"/>
-          </a:p>
-          <a:p>
-            <a:r>
-              <a:rPr lang="en-US" dirty="0"/>
-              <a:t>One place where </a:t>
-            </a:r>
-            <a:r>
-              <a:rPr lang="en-US" dirty="0" err="1"/>
-              <a:t>Git</a:t>
-            </a:r>
-            <a:r>
-              <a:rPr lang="en-US" dirty="0"/>
-              <a:t> is slower is in the initial clone operation. Here, </a:t>
-            </a:r>
-            <a:r>
-              <a:rPr lang="en-US" dirty="0" err="1"/>
-              <a:t>Git</a:t>
-            </a:r>
-            <a:r>
-              <a:rPr lang="en-US" dirty="0"/>
-              <a:t> is downloading the entire history rather than only the latest version. As seen in the above charts, it's not considerably slower for an operation that is only performed once. </a:t>
+              <a:t>For more massive projects, a development workflow like that of the Linux kernel is often effective. In this model, some people ('lieutenants') are in charge of a specific subsystem of the project and they merge in all changes related to that subsystem. Another integrator (the 'dictator') can pull changes from only his/her lieutenants and then push to the 'blessed' repository that everyone then clones from again. </a:t>
             </a:r>
           </a:p>
         </p:txBody>
@@ -5132,7 +4978,7 @@
             <a:spLocks noGrp="1"/>
           </p:cNvSpPr>
           <p:nvPr>
-            <p:ph type="sldNum" sz="quarter" idx="10"/>
+            <p:ph type="sldNum" sz="quarter" idx="5"/>
           </p:nvPr>
         </p:nvSpPr>
         <p:spPr/>
@@ -5140,9 +4986,9 @@
           <a:bodyPr/>
           <a:lstStyle/>
           <a:p>
-            <a:fld id="{4E8BADB7-1FBB-B74E-B90C-DA1567BD042E}" type="slidenum">
+            <a:fld id="{DE7031FE-F148-41F2-AA91-6C6E1601A8AB}" type="slidenum">
               <a:rPr lang="en-US" smtClean="0"/>
-              <a:t>8</a:t>
+              <a:t>9</a:t>
             </a:fld>
             <a:endParaRPr lang="en-US"/>
           </a:p>
@@ -5151,7 +4997,7 @@
     </p:spTree>
     <p:extLst>
       <p:ext uri="{BB962C8B-B14F-4D97-AF65-F5344CB8AC3E}">
-        <p14:creationId xmlns:p14="http://schemas.microsoft.com/office/powerpoint/2010/main" val="3469951888"/>
+        <p14:creationId xmlns:p14="http://schemas.microsoft.com/office/powerpoint/2010/main" val="3503819939"/>
       </p:ext>
     </p:extLst>
   </p:cSld>
@@ -5207,92 +5053,22 @@
           <a:p>
             <a:r>
               <a:rPr lang="en-US" dirty="0"/>
-              <a:t>Multiple Backups</a:t>
+              <a:t>Also,</a:t>
             </a:r>
             <a:r>
               <a:rPr lang="en-US" baseline="0" dirty="0"/>
-              <a:t> - </a:t>
-            </a:r>
-            <a:r>
-              <a:rPr lang="en-US" dirty="0"/>
-              <a:t>This means that even if you're using a centralized workflow, every user essentially has a full backup of the main server. Each of these copies could be pushed up to replace the main server in the event of a crash or corruption. In effect, there is no single point of failure with </a:t>
-            </a:r>
-            <a:r>
-              <a:rPr lang="en-US" dirty="0" err="1"/>
-              <a:t>Git</a:t>
-            </a:r>
-            <a:r>
-              <a:rPr lang="en-US" dirty="0"/>
-              <a:t> unless there is only a single copy of the repository. </a:t>
-            </a:r>
-          </a:p>
-          <a:p>
+              <a:t> it’s extremely interesting that the Windows source code base is now hosted in a Git repo. Used to be on something called </a:t>
+            </a:r>
+            <a:r>
+              <a:rPr lang="en-US" baseline="0" dirty="0" err="1"/>
+              <a:t>SourceDepot</a:t>
+            </a:r>
+            <a:r>
+              <a:rPr lang="en-US" baseline="0" dirty="0"/>
+              <a:t>, but they’ve moved to Git.</a:t>
+            </a:r>
             <a:endParaRPr lang="en-US" dirty="0"/>
           </a:p>
-          <a:p>
-            <a:r>
-              <a:rPr lang="en-US" dirty="0"/>
-              <a:t>Any Workflow</a:t>
-            </a:r>
-            <a:r>
-              <a:rPr lang="en-US" baseline="0" dirty="0"/>
-              <a:t> - </a:t>
-            </a:r>
-            <a:r>
-              <a:rPr lang="en-US" dirty="0"/>
-              <a:t>Because of </a:t>
-            </a:r>
-            <a:r>
-              <a:rPr lang="en-US" dirty="0" err="1"/>
-              <a:t>Git's</a:t>
-            </a:r>
-            <a:r>
-              <a:rPr lang="en-US" dirty="0"/>
-              <a:t> distributed nature and superb branching system, an almost endless number of workflows can be implemented with relative ease. </a:t>
-            </a:r>
-          </a:p>
-          <a:p>
-            <a:endParaRPr lang="en-US" dirty="0"/>
-          </a:p>
-          <a:p>
-            <a:r>
-              <a:rPr lang="en-US" dirty="0"/>
-              <a:t>	Subversion-Style Workflow</a:t>
-            </a:r>
-            <a:r>
-              <a:rPr lang="en-US" baseline="0" dirty="0"/>
-              <a:t> - </a:t>
-            </a:r>
-            <a:r>
-              <a:rPr lang="en-US" dirty="0"/>
-              <a:t>A centralized workflow is very common, especially from people transitioning from a centralized system. </a:t>
-            </a:r>
-            <a:r>
-              <a:rPr lang="en-US" dirty="0" err="1"/>
-              <a:t>Git</a:t>
-            </a:r>
-            <a:r>
-              <a:rPr lang="en-US" dirty="0"/>
-              <a:t> will not allow you to push if someone has pushed since the last time you fetched, so a centralized model where all developers push to the same server works just fine. </a:t>
-            </a:r>
-          </a:p>
-          <a:p>
-            <a:endParaRPr lang="en-US" dirty="0"/>
-          </a:p>
-          <a:p>
-            <a:r>
-              <a:rPr lang="en-US" dirty="0"/>
-              <a:t>	Dictator and Lieutenants Workflow</a:t>
-            </a:r>
-            <a:r>
-              <a:rPr lang="en-US" baseline="0" dirty="0"/>
-              <a:t> - </a:t>
-            </a:r>
-            <a:r>
-              <a:rPr lang="en-US" dirty="0"/>
-              <a:t>For more massive projects, a development workflow like that of the Linux kernel is often effective. In this model, some people ('lieutenants') are in charge of a specific subsystem of the project and they merge in all changes related to that subsystem. Another integrator (the 'dictator') can pull changes from only his/her lieutenants and then push to the 'blessed' repository that everyone then clones from again. </a:t>
-            </a:r>
-          </a:p>
         </p:txBody>
       </p:sp>
       <p:sp>
@@ -5302,7 +5078,7 @@
             <a:spLocks noGrp="1"/>
           </p:cNvSpPr>
           <p:nvPr>
-            <p:ph type="sldNum" sz="quarter" idx="10"/>
+            <p:ph type="sldNum" sz="quarter" idx="5"/>
           </p:nvPr>
         </p:nvSpPr>
         <p:spPr/>
@@ -5310,9 +5086,9 @@
           <a:bodyPr/>
           <a:lstStyle/>
           <a:p>
-            <a:fld id="{4E8BADB7-1FBB-B74E-B90C-DA1567BD042E}" type="slidenum">
+            <a:fld id="{DE7031FE-F148-41F2-AA91-6C6E1601A8AB}" type="slidenum">
               <a:rPr lang="en-US" smtClean="0"/>
-              <a:t>9</a:t>
+              <a:t>10</a:t>
             </a:fld>
             <a:endParaRPr lang="en-US"/>
           </a:p>
@@ -5321,7 +5097,7 @@
     </p:spTree>
     <p:extLst>
       <p:ext uri="{BB962C8B-B14F-4D97-AF65-F5344CB8AC3E}">
-        <p14:creationId xmlns:p14="http://schemas.microsoft.com/office/powerpoint/2010/main" val="976989172"/>
+        <p14:creationId xmlns:p14="http://schemas.microsoft.com/office/powerpoint/2010/main" val="3319907566"/>
       </p:ext>
     </p:extLst>
   </p:cSld>
@@ -5376,36 +5152,12 @@
           <a:lstStyle/>
           <a:p>
             <a:r>
-              <a:rPr lang="en-US" dirty="0"/>
-              <a:t>Also,</a:t>
+              <a:rPr lang="en-US" dirty="0" err="1"/>
+              <a:t>Micorsoft</a:t>
             </a:r>
             <a:r>
               <a:rPr lang="en-US" baseline="0" dirty="0"/>
-              <a:t> it’s extremely interesting that the Windows source code base is now hosted in a </a:t>
-            </a:r>
-            <a:r>
-              <a:rPr lang="en-US" baseline="0" dirty="0" err="1"/>
-              <a:t>Git</a:t>
-            </a:r>
-            <a:r>
-              <a:rPr lang="en-US" baseline="0" dirty="0"/>
-              <a:t> repo. Used to be on something called </a:t>
-            </a:r>
-            <a:r>
-              <a:rPr lang="en-US" baseline="0" dirty="0" err="1"/>
-              <a:t>SourceDepot</a:t>
-            </a:r>
-            <a:r>
-              <a:rPr lang="en-US" baseline="0" dirty="0"/>
-              <a:t>, but they’ve moved to </a:t>
-            </a:r>
-            <a:r>
-              <a:rPr lang="en-US" baseline="0" dirty="0" err="1"/>
-              <a:t>Git</a:t>
-            </a:r>
-            <a:r>
-              <a:rPr lang="en-US" baseline="0" dirty="0"/>
-              <a:t>.</a:t>
+              <a:t> has changed its tune on open source. A lot of their frameworks and packages, along with other community-backed projects, are now hosted on GitHub. Speaking of GitHub….</a:t>
             </a:r>
             <a:endParaRPr lang="en-US" dirty="0"/>
           </a:p>
@@ -5418,7 +5170,7 @@
             <a:spLocks noGrp="1"/>
           </p:cNvSpPr>
           <p:nvPr>
-            <p:ph type="sldNum" sz="quarter" idx="10"/>
+            <p:ph type="sldNum" sz="quarter" idx="5"/>
           </p:nvPr>
         </p:nvSpPr>
         <p:spPr/>
@@ -5426,9 +5178,9 @@
           <a:bodyPr/>
           <a:lstStyle/>
           <a:p>
-            <a:fld id="{4E8BADB7-1FBB-B74E-B90C-DA1567BD042E}" type="slidenum">
+            <a:fld id="{DE7031FE-F148-41F2-AA91-6C6E1601A8AB}" type="slidenum">
               <a:rPr lang="en-US" smtClean="0"/>
-              <a:t>10</a:t>
+              <a:t>11</a:t>
             </a:fld>
             <a:endParaRPr lang="en-US"/>
           </a:p>
@@ -5437,7 +5189,7 @@
     </p:spTree>
     <p:extLst>
       <p:ext uri="{BB962C8B-B14F-4D97-AF65-F5344CB8AC3E}">
-        <p14:creationId xmlns:p14="http://schemas.microsoft.com/office/powerpoint/2010/main" val="3451766121"/>
+        <p14:creationId xmlns:p14="http://schemas.microsoft.com/office/powerpoint/2010/main" val="1849276553"/>
       </p:ext>
     </p:extLst>
   </p:cSld>
@@ -5493,45 +5245,11 @@
           <a:p>
             <a:r>
               <a:rPr lang="en-US" dirty="0"/>
-              <a:t>In fact, because the code base is so large, MS ended up created</a:t>
+              <a:t>GitHub is a provider of public (and private)</a:t>
             </a:r>
             <a:r>
               <a:rPr lang="en-US" baseline="0" dirty="0"/>
-              <a:t> the </a:t>
-            </a:r>
-            <a:r>
-              <a:rPr lang="en-US" baseline="0" dirty="0" err="1"/>
-              <a:t>Git</a:t>
-            </a:r>
-            <a:r>
-              <a:rPr lang="en-US" baseline="0" dirty="0"/>
-              <a:t> Virtual File System, which is open source. </a:t>
-            </a:r>
-          </a:p>
-          <a:p>
-            <a:endParaRPr lang="en-US" baseline="0" dirty="0"/>
-          </a:p>
-          <a:p>
-            <a:r>
-              <a:rPr lang="en-US" baseline="0" dirty="0"/>
-              <a:t>“As a refresher, the Windows code base is approximately 3.5M files and, when checked in to a </a:t>
-            </a:r>
-            <a:r>
-              <a:rPr lang="en-US" baseline="0" dirty="0" err="1"/>
-              <a:t>Git</a:t>
-            </a:r>
-            <a:r>
-              <a:rPr lang="en-US" baseline="0" dirty="0"/>
-              <a:t> repo, results in a repo of about 300GB.  Further, the Windows team is about 4,000 engineers and the engineering system produces 1,760 daily “lab builds” across 440 branches in addition to thousands of pull request validation builds.”</a:t>
-            </a:r>
-          </a:p>
-          <a:p>
-            <a:endParaRPr lang="en-US" baseline="0" dirty="0"/>
-          </a:p>
-          <a:p>
-            <a:r>
-              <a:rPr lang="en-US" baseline="0" dirty="0"/>
-              <a:t>Speaking of OSS….</a:t>
+              <a:t> Git repositories.</a:t>
             </a:r>
             <a:endParaRPr lang="en-US" dirty="0"/>
           </a:p>
@@ -5544,7 +5262,7 @@
             <a:spLocks noGrp="1"/>
           </p:cNvSpPr>
           <p:nvPr>
-            <p:ph type="sldNum" sz="quarter" idx="10"/>
+            <p:ph type="sldNum" sz="quarter" idx="5"/>
           </p:nvPr>
         </p:nvSpPr>
         <p:spPr/>
@@ -5552,9 +5270,9 @@
           <a:bodyPr/>
           <a:lstStyle/>
           <a:p>
-            <a:fld id="{4E8BADB7-1FBB-B74E-B90C-DA1567BD042E}" type="slidenum">
+            <a:fld id="{DE7031FE-F148-41F2-AA91-6C6E1601A8AB}" type="slidenum">
               <a:rPr lang="en-US" smtClean="0"/>
-              <a:t>11</a:t>
+              <a:t>12</a:t>
             </a:fld>
             <a:endParaRPr lang="en-US"/>
           </a:p>
@@ -5563,7 +5281,7 @@
     </p:spTree>
     <p:extLst>
       <p:ext uri="{BB962C8B-B14F-4D97-AF65-F5344CB8AC3E}">
-        <p14:creationId xmlns:p14="http://schemas.microsoft.com/office/powerpoint/2010/main" val="1539153246"/>
+        <p14:creationId xmlns:p14="http://schemas.microsoft.com/office/powerpoint/2010/main" val="1500865147"/>
       </p:ext>
     </p:extLst>
   </p:cSld>
@@ -5618,14 +5336,9 @@
           <a:lstStyle/>
           <a:p>
             <a:r>
-              <a:rPr lang="en-US" dirty="0" err="1"/>
-              <a:t>Micorsoft</a:t>
-            </a:r>
-            <a:r>
-              <a:rPr lang="en-US" baseline="0" dirty="0"/>
-              <a:t> has changed its tune on open source. A lot of their frameworks and packages, along with other community-backed projects, are now hosted on GitHub. Speaking of GitHub….</a:t>
-            </a:r>
-            <a:endParaRPr lang="en-US" dirty="0"/>
+              <a:rPr lang="en-US" dirty="0"/>
+              <a:t>Keep in mind that Git does not mean “I’m hosting on GitHub”.</a:t>
+            </a:r>
           </a:p>
         </p:txBody>
       </p:sp>
@@ -5636,7 +5349,7 @@
             <a:spLocks noGrp="1"/>
           </p:cNvSpPr>
           <p:nvPr>
-            <p:ph type="sldNum" sz="quarter" idx="10"/>
+            <p:ph type="sldNum" sz="quarter" idx="5"/>
           </p:nvPr>
         </p:nvSpPr>
         <p:spPr/>
@@ -5644,9 +5357,9 @@
           <a:bodyPr/>
           <a:lstStyle/>
           <a:p>
-            <a:fld id="{4E8BADB7-1FBB-B74E-B90C-DA1567BD042E}" type="slidenum">
+            <a:fld id="{DE7031FE-F148-41F2-AA91-6C6E1601A8AB}" type="slidenum">
               <a:rPr lang="en-US" smtClean="0"/>
-              <a:t>12</a:t>
+              <a:t>13</a:t>
             </a:fld>
             <a:endParaRPr lang="en-US"/>
           </a:p>
@@ -5655,7 +5368,7 @@
     </p:spTree>
     <p:extLst>
       <p:ext uri="{BB962C8B-B14F-4D97-AF65-F5344CB8AC3E}">
-        <p14:creationId xmlns:p14="http://schemas.microsoft.com/office/powerpoint/2010/main" val="1136526332"/>
+        <p14:creationId xmlns:p14="http://schemas.microsoft.com/office/powerpoint/2010/main" val="1418554337"/>
       </p:ext>
     </p:extLst>
   </p:cSld>
@@ -5666,22 +5379,8 @@
 </file>
 
 <file path=ppt/slideLayouts/slideLayout1.xml><?xml version="1.0" encoding="utf-8"?>
-<p:sldLayout xmlns:a="http://schemas.openxmlformats.org/drawingml/2006/main" xmlns:r="http://schemas.openxmlformats.org/officeDocument/2006/relationships" xmlns:p="http://schemas.openxmlformats.org/presentationml/2006/main" preserve="1" userDrawn="1">
+<p:sldLayout xmlns:a="http://schemas.openxmlformats.org/drawingml/2006/main" xmlns:r="http://schemas.openxmlformats.org/officeDocument/2006/relationships" xmlns:p="http://schemas.openxmlformats.org/presentationml/2006/main" type="title" preserve="1">
   <p:cSld name="Title Slide">
-    <p:bg>
-      <p:bgPr>
-        <a:blipFill dpi="0" rotWithShape="1">
-          <a:blip r:embed="rId2">
-            <a:lum/>
-          </a:blip>
-          <a:srcRect/>
-          <a:stretch>
-            <a:fillRect/>
-          </a:stretch>
-        </a:blipFill>
-        <a:effectLst/>
-      </p:bgPr>
-    </p:bg>
     <p:spTree>
       <p:nvGrpSpPr>
         <p:cNvPr id="1" name=""/>
@@ -5698,96 +5397,69 @@
       </p:grpSpPr>
       <p:sp>
         <p:nvSpPr>
-          <p:cNvPr id="2" name="Title 1"/>
-          <p:cNvSpPr>
-            <a:spLocks noGrp="1"/>
-          </p:cNvSpPr>
-          <p:nvPr>
-            <p:ph type="ctrTitle" hasCustomPrompt="1"/>
+          <p:cNvPr id="2" name="Title 1">
+            <a:extLst>
+              <a:ext uri="{FF2B5EF4-FFF2-40B4-BE49-F238E27FC236}">
+                <a16:creationId xmlns:a16="http://schemas.microsoft.com/office/drawing/2014/main" id="{179B8441-1FF1-47FB-878A-040B29EEAFDF}"/>
+              </a:ext>
+            </a:extLst>
+          </p:cNvPr>
+          <p:cNvSpPr>
+            <a:spLocks noGrp="1"/>
+          </p:cNvSpPr>
+          <p:nvPr>
+            <p:ph type="ctrTitle"/>
           </p:nvPr>
         </p:nvSpPr>
         <p:spPr>
           <a:xfrm>
-            <a:off x="580846" y="1454203"/>
-            <a:ext cx="7226060" cy="1862379"/>
+            <a:off x="1524000" y="1122363"/>
+            <a:ext cx="9144000" cy="2387600"/>
           </a:xfrm>
         </p:spPr>
         <p:txBody>
-          <a:bodyPr anchor="t">
-            <a:noAutofit/>
-          </a:bodyPr>
+          <a:bodyPr anchor="b"/>
           <a:lstStyle>
-            <a:lvl1pPr algn="l">
-              <a:lnSpc>
-                <a:spcPts val="5500"/>
-              </a:lnSpc>
-              <a:defRPr sz="6000" i="1" baseline="0">
-                <a:solidFill>
-                  <a:schemeClr val="tx1"/>
-                </a:solidFill>
-                <a:latin typeface="+mn-lt"/>
-                <a:cs typeface="Cordia New" panose="020B0304020202020204" pitchFamily="34" charset="-34"/>
-              </a:defRPr>
+            <a:lvl1pPr algn="ctr">
+              <a:defRPr sz="6000"/>
             </a:lvl1pPr>
           </a:lstStyle>
           <a:p>
             <a:r>
-              <a:rPr lang="en-US" dirty="0"/>
-              <a:t>TITLE OF THE</a:t>
-            </a:r>
-            <a:br>
-              <a:rPr lang="en-US" dirty="0"/>
-            </a:br>
-            <a:r>
-              <a:rPr lang="en-US" dirty="0"/>
-              <a:t>PRESENTATION</a:t>
-            </a:r>
-            <a:br>
-              <a:rPr lang="en-US" dirty="0"/>
-            </a:br>
-            <a:r>
-              <a:rPr lang="en-US" dirty="0"/>
-              <a:t>WILL GO HERE</a:t>
-            </a:r>
-          </a:p>
-        </p:txBody>
-      </p:sp>
-      <p:sp>
-        <p:nvSpPr>
-          <p:cNvPr id="3" name="Subtitle 2"/>
-          <p:cNvSpPr>
-            <a:spLocks noGrp="1"/>
-          </p:cNvSpPr>
-          <p:nvPr>
-            <p:ph type="subTitle" idx="1" hasCustomPrompt="1"/>
+              <a:rPr lang="en-US"/>
+              <a:t>Click to edit Master title style</a:t>
+            </a:r>
+          </a:p>
+        </p:txBody>
+      </p:sp>
+      <p:sp>
+        <p:nvSpPr>
+          <p:cNvPr id="3" name="Subtitle 2">
+            <a:extLst>
+              <a:ext uri="{FF2B5EF4-FFF2-40B4-BE49-F238E27FC236}">
+                <a16:creationId xmlns:a16="http://schemas.microsoft.com/office/drawing/2014/main" id="{75EB91FC-1DE4-4D87-B7D2-0A0D3A2ED30F}"/>
+              </a:ext>
+            </a:extLst>
+          </p:cNvPr>
+          <p:cNvSpPr>
+            <a:spLocks noGrp="1"/>
+          </p:cNvSpPr>
+          <p:nvPr>
+            <p:ph type="subTitle" idx="1"/>
           </p:nvPr>
         </p:nvSpPr>
         <p:spPr>
           <a:xfrm>
-            <a:off x="641228" y="3554081"/>
-            <a:ext cx="7165678" cy="379561"/>
+            <a:off x="1524000" y="3602038"/>
+            <a:ext cx="9144000" cy="1655762"/>
           </a:xfrm>
         </p:spPr>
         <p:txBody>
-          <a:bodyPr>
-            <a:noAutofit/>
-          </a:bodyPr>
+          <a:bodyPr/>
           <a:lstStyle>
-            <a:lvl1pPr marL="0" indent="0" algn="l">
-              <a:lnSpc>
-                <a:spcPts val="1700"/>
-              </a:lnSpc>
-              <a:spcBef>
-                <a:spcPts val="0"/>
-              </a:spcBef>
+            <a:lvl1pPr marL="0" indent="0" algn="ctr">
               <a:buNone/>
-              <a:defRPr sz="1350" b="0" kern="0" spc="30" baseline="0">
-                <a:solidFill>
-                  <a:schemeClr val="accent5"/>
-                </a:solidFill>
-                <a:latin typeface="+mn-lt"/>
-                <a:cs typeface="Cordia New" panose="020B0304020202020204" pitchFamily="34" charset="-34"/>
-              </a:defRPr>
+              <a:defRPr sz="2400"/>
             </a:lvl1pPr>
             <a:lvl2pPr marL="457200" indent="0" algn="ctr">
               <a:buNone/>
@@ -5824,178 +5496,99 @@
           </a:lstStyle>
           <a:p>
             <a:r>
-              <a:rPr lang="en-US" dirty="0"/>
-              <a:t>Title of the presentation will be no longer than three lines</a:t>
-            </a:r>
-          </a:p>
-        </p:txBody>
-      </p:sp>
-      <p:sp>
-        <p:nvSpPr>
-          <p:cNvPr id="6" name="Text Placeholder 2"/>
-          <p:cNvSpPr>
-            <a:spLocks noGrp="1"/>
-          </p:cNvSpPr>
-          <p:nvPr>
-            <p:ph type="body" idx="10" hasCustomPrompt="1"/>
-          </p:nvPr>
-        </p:nvSpPr>
-        <p:spPr>
-          <a:xfrm>
-            <a:off x="641228" y="3933642"/>
-            <a:ext cx="3254188" cy="2104849"/>
-          </a:xfrm>
-        </p:spPr>
-        <p:txBody>
-          <a:bodyPr anchor="ctr"/>
-          <a:lstStyle>
-            <a:lvl1pPr marL="0" indent="0" algn="l" defTabSz="182880">
-              <a:lnSpc>
-                <a:spcPts val="1800"/>
-              </a:lnSpc>
-              <a:spcBef>
-                <a:spcPts val="0"/>
-              </a:spcBef>
-              <a:buNone/>
-              <a:defRPr sz="1150" b="1" baseline="0">
-                <a:solidFill>
-                  <a:schemeClr val="tx2"/>
-                </a:solidFill>
-                <a:latin typeface="+mn-lt"/>
-                <a:cs typeface="Cordia New" panose="020B0304020202020204" pitchFamily="34" charset="-34"/>
-              </a:defRPr>
-            </a:lvl1pPr>
-            <a:lvl2pPr marL="457200" indent="0">
-              <a:buNone/>
-              <a:defRPr sz="2000" b="1"/>
-            </a:lvl2pPr>
-            <a:lvl3pPr marL="914400" indent="0">
-              <a:buNone/>
-              <a:defRPr sz="1800" b="1"/>
-            </a:lvl3pPr>
-            <a:lvl4pPr marL="1371600" indent="0">
-              <a:buNone/>
-              <a:defRPr sz="1600" b="1"/>
-            </a:lvl4pPr>
-            <a:lvl5pPr marL="1828800" indent="0">
-              <a:buNone/>
-              <a:defRPr sz="1600" b="1"/>
-            </a:lvl5pPr>
-            <a:lvl6pPr marL="2286000" indent="0">
-              <a:buNone/>
-              <a:defRPr sz="1600" b="1"/>
-            </a:lvl6pPr>
-            <a:lvl7pPr marL="2743200" indent="0">
-              <a:buNone/>
-              <a:defRPr sz="1600" b="1"/>
-            </a:lvl7pPr>
-            <a:lvl8pPr marL="3200400" indent="0">
-              <a:buNone/>
-              <a:defRPr sz="1600" b="1"/>
-            </a:lvl8pPr>
-            <a:lvl9pPr marL="3657600" indent="0">
-              <a:buNone/>
-              <a:defRPr sz="1600" b="1"/>
-            </a:lvl9pPr>
-          </a:lstStyle>
-          <a:p>
-            <a:pPr lvl="0"/>
-            <a:r>
-              <a:rPr lang="en-US" dirty="0"/>
-              <a:t>Presenter One</a:t>
-            </a:r>
-          </a:p>
-          <a:p>
-            <a:pPr lvl="0"/>
-            <a:r>
-              <a:rPr lang="en-US" dirty="0"/>
-              <a:t>Presenter Two	</a:t>
-            </a:r>
-          </a:p>
-          <a:p>
-            <a:pPr lvl="0"/>
-            <a:r>
-              <a:rPr lang="en-US" dirty="0"/>
-              <a:t>Presenter Three		</a:t>
-            </a:r>
-          </a:p>
-        </p:txBody>
-      </p:sp>
-      <p:sp>
-        <p:nvSpPr>
-          <p:cNvPr id="8" name="Text Placeholder 2"/>
-          <p:cNvSpPr>
-            <a:spLocks noGrp="1"/>
-          </p:cNvSpPr>
-          <p:nvPr>
-            <p:ph type="body" idx="11" hasCustomPrompt="1"/>
-          </p:nvPr>
-        </p:nvSpPr>
-        <p:spPr>
-          <a:xfrm>
-            <a:off x="641228" y="668256"/>
-            <a:ext cx="3782275" cy="412233"/>
-          </a:xfrm>
-        </p:spPr>
-        <p:txBody>
-          <a:bodyPr anchor="t"/>
-          <a:lstStyle>
-            <a:lvl1pPr marL="0" indent="0">
-              <a:buNone/>
-              <a:defRPr sz="2600" b="1">
-                <a:solidFill>
-                  <a:schemeClr val="accent6"/>
-                </a:solidFill>
-                <a:latin typeface="Cordia New" panose="020B0304020202020204" pitchFamily="34" charset="-34"/>
-                <a:cs typeface="Cordia New" panose="020B0304020202020204" pitchFamily="34" charset="-34"/>
-              </a:defRPr>
-            </a:lvl1pPr>
-            <a:lvl2pPr marL="457200" indent="0">
-              <a:buNone/>
-              <a:defRPr sz="2000" b="1"/>
-            </a:lvl2pPr>
-            <a:lvl3pPr marL="914400" indent="0">
-              <a:buNone/>
-              <a:defRPr sz="1800" b="1"/>
-            </a:lvl3pPr>
-            <a:lvl4pPr marL="1371600" indent="0">
-              <a:buNone/>
-              <a:defRPr sz="1600" b="1"/>
-            </a:lvl4pPr>
-            <a:lvl5pPr marL="1828800" indent="0">
-              <a:buNone/>
-              <a:defRPr sz="1600" b="1"/>
-            </a:lvl5pPr>
-            <a:lvl6pPr marL="2286000" indent="0">
-              <a:buNone/>
-              <a:defRPr sz="1600" b="1"/>
-            </a:lvl6pPr>
-            <a:lvl7pPr marL="2743200" indent="0">
-              <a:buNone/>
-              <a:defRPr sz="1600" b="1"/>
-            </a:lvl7pPr>
-            <a:lvl8pPr marL="3200400" indent="0">
-              <a:buNone/>
-              <a:defRPr sz="1600" b="1"/>
-            </a:lvl8pPr>
-            <a:lvl9pPr marL="3657600" indent="0">
-              <a:buNone/>
-              <a:defRPr sz="1600" b="1"/>
-            </a:lvl9pPr>
-          </a:lstStyle>
-          <a:p>
-            <a:pPr lvl="0"/>
-            <a:r>
-              <a:rPr lang="en-US" dirty="0"/>
-              <a:t>XX.XX.16</a:t>
-            </a:r>
+              <a:rPr lang="en-US"/>
+              <a:t>Click to edit Master subtitle style</a:t>
+            </a:r>
+          </a:p>
+        </p:txBody>
+      </p:sp>
+      <p:sp>
+        <p:nvSpPr>
+          <p:cNvPr id="4" name="Date Placeholder 3">
+            <a:extLst>
+              <a:ext uri="{FF2B5EF4-FFF2-40B4-BE49-F238E27FC236}">
+                <a16:creationId xmlns:a16="http://schemas.microsoft.com/office/drawing/2014/main" id="{09033192-8979-4AD2-8D5D-757058654FE7}"/>
+              </a:ext>
+            </a:extLst>
+          </p:cNvPr>
+          <p:cNvSpPr>
+            <a:spLocks noGrp="1"/>
+          </p:cNvSpPr>
+          <p:nvPr>
+            <p:ph type="dt" sz="half" idx="10"/>
+          </p:nvPr>
+        </p:nvSpPr>
+        <p:spPr/>
+        <p:txBody>
+          <a:bodyPr/>
+          <a:lstStyle/>
+          <a:p>
+            <a:fld id="{3B9F33C8-8A6A-49A2-8949-28E9F813AC6F}" type="datetimeFigureOut">
+              <a:rPr lang="en-US" smtClean="0"/>
+              <a:t>6/5/2020</a:t>
+            </a:fld>
+            <a:endParaRPr lang="en-US"/>
+          </a:p>
+        </p:txBody>
+      </p:sp>
+      <p:sp>
+        <p:nvSpPr>
+          <p:cNvPr id="5" name="Footer Placeholder 4">
+            <a:extLst>
+              <a:ext uri="{FF2B5EF4-FFF2-40B4-BE49-F238E27FC236}">
+                <a16:creationId xmlns:a16="http://schemas.microsoft.com/office/drawing/2014/main" id="{C8C21E92-47E4-4241-BBC3-9098D5129EB2}"/>
+              </a:ext>
+            </a:extLst>
+          </p:cNvPr>
+          <p:cNvSpPr>
+            <a:spLocks noGrp="1"/>
+          </p:cNvSpPr>
+          <p:nvPr>
+            <p:ph type="ftr" sz="quarter" idx="11"/>
+          </p:nvPr>
+        </p:nvSpPr>
+        <p:spPr/>
+        <p:txBody>
+          <a:bodyPr/>
+          <a:lstStyle/>
+          <a:p>
+            <a:endParaRPr lang="en-US"/>
+          </a:p>
+        </p:txBody>
+      </p:sp>
+      <p:sp>
+        <p:nvSpPr>
+          <p:cNvPr id="6" name="Slide Number Placeholder 5">
+            <a:extLst>
+              <a:ext uri="{FF2B5EF4-FFF2-40B4-BE49-F238E27FC236}">
+                <a16:creationId xmlns:a16="http://schemas.microsoft.com/office/drawing/2014/main" id="{3733D5FE-3F7F-45C9-B7FF-E242949F8A9D}"/>
+              </a:ext>
+            </a:extLst>
+          </p:cNvPr>
+          <p:cNvSpPr>
+            <a:spLocks noGrp="1"/>
+          </p:cNvSpPr>
+          <p:nvPr>
+            <p:ph type="sldNum" sz="quarter" idx="12"/>
+          </p:nvPr>
+        </p:nvSpPr>
+        <p:spPr/>
+        <p:txBody>
+          <a:bodyPr/>
+          <a:lstStyle/>
+          <a:p>
+            <a:fld id="{311E45DA-37E0-4DEF-A6F5-3567A4B31782}" type="slidenum">
+              <a:rPr lang="en-US" smtClean="0"/>
+              <a:t>‹#›</a:t>
+            </a:fld>
+            <a:endParaRPr lang="en-US"/>
           </a:p>
         </p:txBody>
       </p:sp>
     </p:spTree>
     <p:extLst>
       <p:ext uri="{BB962C8B-B14F-4D97-AF65-F5344CB8AC3E}">
-        <p14:creationId xmlns:p14="http://schemas.microsoft.com/office/powerpoint/2010/main" val="3230847097"/>
+        <p14:creationId xmlns:p14="http://schemas.microsoft.com/office/powerpoint/2010/main" val="137994687"/>
       </p:ext>
     </p:extLst>
   </p:cSld>
@@ -6006,22 +5599,8 @@
 </file>
 
 <file path=ppt/slideLayouts/slideLayout10.xml><?xml version="1.0" encoding="utf-8"?>
-<p:sldLayout xmlns:a="http://schemas.openxmlformats.org/drawingml/2006/main" xmlns:r="http://schemas.openxmlformats.org/officeDocument/2006/relationships" xmlns:p="http://schemas.openxmlformats.org/presentationml/2006/main" preserve="1" userDrawn="1">
+<p:sldLayout xmlns:a="http://schemas.openxmlformats.org/drawingml/2006/main" xmlns:r="http://schemas.openxmlformats.org/officeDocument/2006/relationships" xmlns:p="http://schemas.openxmlformats.org/presentationml/2006/main" type="vertTx" preserve="1">
   <p:cSld name="Title and Vertical Text">
-    <p:bg>
-      <p:bgPr>
-        <a:blipFill dpi="0" rotWithShape="1">
-          <a:blip r:embed="rId2">
-            <a:lum/>
-          </a:blip>
-          <a:srcRect/>
-          <a:stretch>
-            <a:fillRect/>
-          </a:stretch>
-        </a:blipFill>
-        <a:effectLst/>
-      </p:bgPr>
-    </p:bg>
     <p:spTree>
       <p:nvGrpSpPr>
         <p:cNvPr id="1" name=""/>
@@ -6038,7 +5617,41 @@
       </p:grpSpPr>
       <p:sp>
         <p:nvSpPr>
-          <p:cNvPr id="3" name="Vertical Text Placeholder 2"/>
+          <p:cNvPr id="2" name="Title 1">
+            <a:extLst>
+              <a:ext uri="{FF2B5EF4-FFF2-40B4-BE49-F238E27FC236}">
+                <a16:creationId xmlns:a16="http://schemas.microsoft.com/office/drawing/2014/main" id="{0A876DC7-3400-43DC-894A-05C44BAA8880}"/>
+              </a:ext>
+            </a:extLst>
+          </p:cNvPr>
+          <p:cNvSpPr>
+            <a:spLocks noGrp="1"/>
+          </p:cNvSpPr>
+          <p:nvPr>
+            <p:ph type="title"/>
+          </p:nvPr>
+        </p:nvSpPr>
+        <p:spPr/>
+        <p:txBody>
+          <a:bodyPr/>
+          <a:lstStyle/>
+          <a:p>
+            <a:r>
+              <a:rPr lang="en-US"/>
+              <a:t>Click to edit Master title style</a:t>
+            </a:r>
+          </a:p>
+        </p:txBody>
+      </p:sp>
+      <p:sp>
+        <p:nvSpPr>
+          <p:cNvPr id="3" name="Vertical Text Placeholder 2">
+            <a:extLst>
+              <a:ext uri="{FF2B5EF4-FFF2-40B4-BE49-F238E27FC236}">
+                <a16:creationId xmlns:a16="http://schemas.microsoft.com/office/drawing/2014/main" id="{079FAD49-CE53-43D8-B5DA-D963F44077CF}"/>
+              </a:ext>
+            </a:extLst>
+          </p:cNvPr>
           <p:cNvSpPr>
             <a:spLocks noGrp="1"/>
           </p:cNvSpPr>
@@ -6046,12 +5659,7 @@
             <p:ph type="body" orient="vert" idx="1"/>
           </p:nvPr>
         </p:nvSpPr>
-        <p:spPr>
-          <a:xfrm>
-            <a:off x="432154" y="911225"/>
-            <a:ext cx="11430000" cy="4810845"/>
-          </a:xfrm>
-        </p:spPr>
+        <p:spPr/>
         <p:txBody>
           <a:bodyPr vert="eaVert"/>
           <a:lstStyle/>
@@ -6059,7 +5667,7 @@
             <a:pPr lvl="0"/>
             <a:r>
               <a:rPr lang="en-US"/>
-              <a:t>Edit Master text styles</a:t>
+              <a:t>Click to edit Master text styles</a:t>
             </a:r>
           </a:p>
           <a:p>
@@ -6089,42 +5697,96 @@
               <a:rPr lang="en-US"/>
               <a:t>Fifth level</a:t>
             </a:r>
-            <a:endParaRPr lang="en-US" dirty="0"/>
-          </a:p>
-        </p:txBody>
-      </p:sp>
-      <p:sp>
-        <p:nvSpPr>
-          <p:cNvPr id="5" name="Title 1"/>
-          <p:cNvSpPr>
-            <a:spLocks noGrp="1"/>
-          </p:cNvSpPr>
-          <p:nvPr>
-            <p:ph type="title"/>
-          </p:nvPr>
-        </p:nvSpPr>
-        <p:spPr>
-          <a:xfrm>
-            <a:off x="386499" y="254524"/>
-            <a:ext cx="11425287" cy="540618"/>
-          </a:xfrm>
-        </p:spPr>
+          </a:p>
+        </p:txBody>
+      </p:sp>
+      <p:sp>
+        <p:nvSpPr>
+          <p:cNvPr id="4" name="Date Placeholder 3">
+            <a:extLst>
+              <a:ext uri="{FF2B5EF4-FFF2-40B4-BE49-F238E27FC236}">
+                <a16:creationId xmlns:a16="http://schemas.microsoft.com/office/drawing/2014/main" id="{438A87A4-8D7F-42AA-89AB-9889CA96EF5B}"/>
+              </a:ext>
+            </a:extLst>
+          </p:cNvPr>
+          <p:cNvSpPr>
+            <a:spLocks noGrp="1"/>
+          </p:cNvSpPr>
+          <p:nvPr>
+            <p:ph type="dt" sz="half" idx="10"/>
+          </p:nvPr>
+        </p:nvSpPr>
+        <p:spPr/>
         <p:txBody>
           <a:bodyPr/>
           <a:lstStyle/>
           <a:p>
-            <a:r>
-              <a:rPr lang="en-US"/>
-              <a:t>Click to edit Master title style</a:t>
-            </a:r>
-            <a:endParaRPr lang="en-US" dirty="0"/>
+            <a:fld id="{3B9F33C8-8A6A-49A2-8949-28E9F813AC6F}" type="datetimeFigureOut">
+              <a:rPr lang="en-US" smtClean="0"/>
+              <a:t>6/5/2020</a:t>
+            </a:fld>
+            <a:endParaRPr lang="en-US"/>
+          </a:p>
+        </p:txBody>
+      </p:sp>
+      <p:sp>
+        <p:nvSpPr>
+          <p:cNvPr id="5" name="Footer Placeholder 4">
+            <a:extLst>
+              <a:ext uri="{FF2B5EF4-FFF2-40B4-BE49-F238E27FC236}">
+                <a16:creationId xmlns:a16="http://schemas.microsoft.com/office/drawing/2014/main" id="{760BA6C0-242A-4110-98C6-E7BD92DA10C6}"/>
+              </a:ext>
+            </a:extLst>
+          </p:cNvPr>
+          <p:cNvSpPr>
+            <a:spLocks noGrp="1"/>
+          </p:cNvSpPr>
+          <p:nvPr>
+            <p:ph type="ftr" sz="quarter" idx="11"/>
+          </p:nvPr>
+        </p:nvSpPr>
+        <p:spPr/>
+        <p:txBody>
+          <a:bodyPr/>
+          <a:lstStyle/>
+          <a:p>
+            <a:endParaRPr lang="en-US"/>
+          </a:p>
+        </p:txBody>
+      </p:sp>
+      <p:sp>
+        <p:nvSpPr>
+          <p:cNvPr id="6" name="Slide Number Placeholder 5">
+            <a:extLst>
+              <a:ext uri="{FF2B5EF4-FFF2-40B4-BE49-F238E27FC236}">
+                <a16:creationId xmlns:a16="http://schemas.microsoft.com/office/drawing/2014/main" id="{C6E3C66A-E38D-40A5-BF12-97A984AF8450}"/>
+              </a:ext>
+            </a:extLst>
+          </p:cNvPr>
+          <p:cNvSpPr>
+            <a:spLocks noGrp="1"/>
+          </p:cNvSpPr>
+          <p:nvPr>
+            <p:ph type="sldNum" sz="quarter" idx="12"/>
+          </p:nvPr>
+        </p:nvSpPr>
+        <p:spPr/>
+        <p:txBody>
+          <a:bodyPr/>
+          <a:lstStyle/>
+          <a:p>
+            <a:fld id="{311E45DA-37E0-4DEF-A6F5-3567A4B31782}" type="slidenum">
+              <a:rPr lang="en-US" smtClean="0"/>
+              <a:t>‹#›</a:t>
+            </a:fld>
+            <a:endParaRPr lang="en-US"/>
           </a:p>
         </p:txBody>
       </p:sp>
     </p:spTree>
     <p:extLst>
       <p:ext uri="{BB962C8B-B14F-4D97-AF65-F5344CB8AC3E}">
-        <p14:creationId xmlns:p14="http://schemas.microsoft.com/office/powerpoint/2010/main" val="3788593923"/>
+        <p14:creationId xmlns:p14="http://schemas.microsoft.com/office/powerpoint/2010/main" val="3221795935"/>
       </p:ext>
     </p:extLst>
   </p:cSld>
@@ -6135,22 +5797,8 @@
 </file>
 
 <file path=ppt/slideLayouts/slideLayout11.xml><?xml version="1.0" encoding="utf-8"?>
-<p:sldLayout xmlns:a="http://schemas.openxmlformats.org/drawingml/2006/main" xmlns:r="http://schemas.openxmlformats.org/officeDocument/2006/relationships" xmlns:p="http://schemas.openxmlformats.org/presentationml/2006/main" preserve="1" userDrawn="1">
+<p:sldLayout xmlns:a="http://schemas.openxmlformats.org/drawingml/2006/main" xmlns:r="http://schemas.openxmlformats.org/officeDocument/2006/relationships" xmlns:p="http://schemas.openxmlformats.org/presentationml/2006/main" type="vertTitleAndTx" preserve="1">
   <p:cSld name="Vertical Title and Text">
-    <p:bg>
-      <p:bgPr>
-        <a:blipFill dpi="0" rotWithShape="1">
-          <a:blip r:embed="rId2">
-            <a:lum/>
-          </a:blip>
-          <a:srcRect/>
-          <a:stretch>
-            <a:fillRect/>
-          </a:stretch>
-        </a:blipFill>
-        <a:effectLst/>
-      </p:bgPr>
-    </p:bg>
     <p:spTree>
       <p:nvGrpSpPr>
         <p:cNvPr id="1" name=""/>
@@ -6167,7 +5815,13 @@
       </p:grpSpPr>
       <p:sp>
         <p:nvSpPr>
-          <p:cNvPr id="2" name="Vertical Title 1"/>
+          <p:cNvPr id="2" name="Vertical Title 1">
+            <a:extLst>
+              <a:ext uri="{FF2B5EF4-FFF2-40B4-BE49-F238E27FC236}">
+                <a16:creationId xmlns:a16="http://schemas.microsoft.com/office/drawing/2014/main" id="{80CAA640-7A9A-4537-981A-AA0F84198984}"/>
+              </a:ext>
+            </a:extLst>
+          </p:cNvPr>
           <p:cNvSpPr>
             <a:spLocks noGrp="1"/>
           </p:cNvSpPr>
@@ -6177,8 +5831,8 @@
         </p:nvSpPr>
         <p:spPr>
           <a:xfrm>
-            <a:off x="8724900" y="235671"/>
-            <a:ext cx="3086886" cy="5486400"/>
+            <a:off x="8724900" y="365125"/>
+            <a:ext cx="2628900" cy="5811838"/>
           </a:xfrm>
         </p:spPr>
         <p:txBody>
@@ -6189,13 +5843,18 @@
               <a:rPr lang="en-US"/>
               <a:t>Click to edit Master title style</a:t>
             </a:r>
-            <a:endParaRPr lang="en-US" dirty="0"/>
-          </a:p>
-        </p:txBody>
-      </p:sp>
-      <p:sp>
-        <p:nvSpPr>
-          <p:cNvPr id="3" name="Vertical Text Placeholder 2"/>
+          </a:p>
+        </p:txBody>
+      </p:sp>
+      <p:sp>
+        <p:nvSpPr>
+          <p:cNvPr id="3" name="Vertical Text Placeholder 2">
+            <a:extLst>
+              <a:ext uri="{FF2B5EF4-FFF2-40B4-BE49-F238E27FC236}">
+                <a16:creationId xmlns:a16="http://schemas.microsoft.com/office/drawing/2014/main" id="{A31F7D6F-053E-4453-B16F-FEB59AA5DBE8}"/>
+              </a:ext>
+            </a:extLst>
+          </p:cNvPr>
           <p:cNvSpPr>
             <a:spLocks noGrp="1"/>
           </p:cNvSpPr>
@@ -6205,8 +5864,8 @@
         </p:nvSpPr>
         <p:spPr>
           <a:xfrm>
-            <a:off x="386499" y="235671"/>
-            <a:ext cx="8186001" cy="5486400"/>
+            <a:off x="838200" y="365125"/>
+            <a:ext cx="7734300" cy="5811838"/>
           </a:xfrm>
         </p:spPr>
         <p:txBody>
@@ -6216,7 +5875,7 @@
             <a:pPr lvl="0"/>
             <a:r>
               <a:rPr lang="en-US"/>
-              <a:t>Edit Master text styles</a:t>
+              <a:t>Click to edit Master text styles</a:t>
             </a:r>
           </a:p>
           <a:p>
@@ -6246,14 +5905,96 @@
               <a:rPr lang="en-US"/>
               <a:t>Fifth level</a:t>
             </a:r>
-            <a:endParaRPr lang="en-US" dirty="0"/>
+          </a:p>
+        </p:txBody>
+      </p:sp>
+      <p:sp>
+        <p:nvSpPr>
+          <p:cNvPr id="4" name="Date Placeholder 3">
+            <a:extLst>
+              <a:ext uri="{FF2B5EF4-FFF2-40B4-BE49-F238E27FC236}">
+                <a16:creationId xmlns:a16="http://schemas.microsoft.com/office/drawing/2014/main" id="{BFDCC8BF-41D5-4C87-AD68-B7DC3B2ECD78}"/>
+              </a:ext>
+            </a:extLst>
+          </p:cNvPr>
+          <p:cNvSpPr>
+            <a:spLocks noGrp="1"/>
+          </p:cNvSpPr>
+          <p:nvPr>
+            <p:ph type="dt" sz="half" idx="10"/>
+          </p:nvPr>
+        </p:nvSpPr>
+        <p:spPr/>
+        <p:txBody>
+          <a:bodyPr/>
+          <a:lstStyle/>
+          <a:p>
+            <a:fld id="{3B9F33C8-8A6A-49A2-8949-28E9F813AC6F}" type="datetimeFigureOut">
+              <a:rPr lang="en-US" smtClean="0"/>
+              <a:t>6/5/2020</a:t>
+            </a:fld>
+            <a:endParaRPr lang="en-US"/>
+          </a:p>
+        </p:txBody>
+      </p:sp>
+      <p:sp>
+        <p:nvSpPr>
+          <p:cNvPr id="5" name="Footer Placeholder 4">
+            <a:extLst>
+              <a:ext uri="{FF2B5EF4-FFF2-40B4-BE49-F238E27FC236}">
+                <a16:creationId xmlns:a16="http://schemas.microsoft.com/office/drawing/2014/main" id="{F47E28C1-4E05-45F5-8DC0-6129C28A97C7}"/>
+              </a:ext>
+            </a:extLst>
+          </p:cNvPr>
+          <p:cNvSpPr>
+            <a:spLocks noGrp="1"/>
+          </p:cNvSpPr>
+          <p:nvPr>
+            <p:ph type="ftr" sz="quarter" idx="11"/>
+          </p:nvPr>
+        </p:nvSpPr>
+        <p:spPr/>
+        <p:txBody>
+          <a:bodyPr/>
+          <a:lstStyle/>
+          <a:p>
+            <a:endParaRPr lang="en-US"/>
+          </a:p>
+        </p:txBody>
+      </p:sp>
+      <p:sp>
+        <p:nvSpPr>
+          <p:cNvPr id="6" name="Slide Number Placeholder 5">
+            <a:extLst>
+              <a:ext uri="{FF2B5EF4-FFF2-40B4-BE49-F238E27FC236}">
+                <a16:creationId xmlns:a16="http://schemas.microsoft.com/office/drawing/2014/main" id="{0BF9A298-6747-4E84-8C49-2602089745AF}"/>
+              </a:ext>
+            </a:extLst>
+          </p:cNvPr>
+          <p:cNvSpPr>
+            <a:spLocks noGrp="1"/>
+          </p:cNvSpPr>
+          <p:nvPr>
+            <p:ph type="sldNum" sz="quarter" idx="12"/>
+          </p:nvPr>
+        </p:nvSpPr>
+        <p:spPr/>
+        <p:txBody>
+          <a:bodyPr/>
+          <a:lstStyle/>
+          <a:p>
+            <a:fld id="{311E45DA-37E0-4DEF-A6F5-3567A4B31782}" type="slidenum">
+              <a:rPr lang="en-US" smtClean="0"/>
+              <a:t>‹#›</a:t>
+            </a:fld>
+            <a:endParaRPr lang="en-US"/>
           </a:p>
         </p:txBody>
       </p:sp>
     </p:spTree>
     <p:extLst>
       <p:ext uri="{BB962C8B-B14F-4D97-AF65-F5344CB8AC3E}">
-        <p14:creationId xmlns:p14="http://schemas.microsoft.com/office/powerpoint/2010/main" val="273309775"/>
+        <p14:creationId xmlns:p14="http://schemas.microsoft.com/office/powerpoint/2010/main" val="1941228364"/>
       </p:ext>
     </p:extLst>
   </p:cSld>
@@ -6263,23 +6004,9 @@
 </p:sldLayout>
 </file>
 
-<file path=ppt/slideLayouts/slideLayout12.xml><?xml version="1.0" encoding="utf-8"?>
-<p:sldLayout xmlns:a="http://schemas.openxmlformats.org/drawingml/2006/main" xmlns:r="http://schemas.openxmlformats.org/officeDocument/2006/relationships" xmlns:p="http://schemas.openxmlformats.org/presentationml/2006/main" preserve="1" userDrawn="1">
-  <p:cSld name="Custom Layout">
-    <p:bg>
-      <p:bgPr>
-        <a:blipFill dpi="0" rotWithShape="1">
-          <a:blip r:embed="rId2">
-            <a:lum/>
-          </a:blip>
-          <a:srcRect/>
-          <a:stretch>
-            <a:fillRect/>
-          </a:stretch>
-        </a:blipFill>
-        <a:effectLst/>
-      </p:bgPr>
-    </p:bg>
+<file path=ppt/slideLayouts/slideLayout2.xml><?xml version="1.0" encoding="utf-8"?>
+<p:sldLayout xmlns:a="http://schemas.openxmlformats.org/drawingml/2006/main" xmlns:r="http://schemas.openxmlformats.org/officeDocument/2006/relationships" xmlns:p="http://schemas.openxmlformats.org/presentationml/2006/main" type="obj" preserve="1">
+  <p:cSld name="Title and Content">
     <p:spTree>
       <p:nvGrpSpPr>
         <p:cNvPr id="1" name=""/>
@@ -6296,398 +6023,176 @@
       </p:grpSpPr>
       <p:sp>
         <p:nvSpPr>
-          <p:cNvPr id="3" name="Title 1"/>
-          <p:cNvSpPr txBox="1">
-            <a:spLocks/>
-          </p:cNvSpPr>
-          <p:nvPr userDrawn="1"/>
-        </p:nvSpPr>
-        <p:spPr>
-          <a:xfrm>
-            <a:off x="7047297" y="345238"/>
-            <a:ext cx="4433643" cy="361930"/>
-          </a:xfrm>
-          <a:prstGeom prst="rect">
-            <a:avLst/>
-          </a:prstGeom>
-        </p:spPr>
-        <p:txBody>
-          <a:bodyPr>
-            <a:noAutofit/>
-          </a:bodyPr>
-          <a:lstStyle>
-            <a:lvl1pPr algn="l" defTabSz="914400" rtl="0" eaLnBrk="1" latinLnBrk="0" hangingPunct="1">
-              <a:lnSpc>
-                <a:spcPct val="90000"/>
-              </a:lnSpc>
-              <a:spcBef>
-                <a:spcPct val="0"/>
-              </a:spcBef>
-              <a:buNone/>
-              <a:defRPr sz="4400" kern="1200">
-                <a:solidFill>
-                  <a:schemeClr val="tx1"/>
-                </a:solidFill>
-                <a:latin typeface="+mj-lt"/>
-                <a:ea typeface="+mj-ea"/>
-                <a:cs typeface="+mj-cs"/>
-              </a:defRPr>
-            </a:lvl1pPr>
-          </a:lstStyle>
-          <a:p>
-            <a:pPr algn="r"/>
-            <a:r>
-              <a:rPr lang="en-US" sz="1100" b="1" dirty="0">
-                <a:solidFill>
-                  <a:srgbClr val="56565A"/>
-                </a:solidFill>
-                <a:latin typeface="Franklin Gothic Medium Cond" charset="0"/>
-                <a:ea typeface="Franklin Gothic Medium Cond" charset="0"/>
-                <a:cs typeface="Franklin Gothic Medium Cond" charset="0"/>
-              </a:rPr>
-              <a:t>877.277.1044   </a:t>
-            </a:r>
-            <a:r>
-              <a:rPr lang="en-US" sz="1200" b="1" i="0" dirty="0">
-                <a:solidFill>
-                  <a:srgbClr val="7DC242"/>
-                </a:solidFill>
-                <a:latin typeface="Arial Black" charset="0"/>
-                <a:ea typeface="Arial Black" charset="0"/>
-                <a:cs typeface="Arial Black" charset="0"/>
-              </a:rPr>
-              <a:t>/</a:t>
-            </a:r>
-            <a:r>
-              <a:rPr lang="en-US" sz="1100" b="1" dirty="0">
-                <a:solidFill>
-                  <a:srgbClr val="56565A"/>
-                </a:solidFill>
-                <a:latin typeface="Franklin Gothic Medium Cond" charset="0"/>
-                <a:ea typeface="Franklin Gothic Medium Cond" charset="0"/>
-                <a:cs typeface="Franklin Gothic Medium Cond" charset="0"/>
-              </a:rPr>
-              <a:t>   </a:t>
-            </a:r>
-            <a:r>
-              <a:rPr lang="en-US" sz="1100" b="1" dirty="0" err="1">
-                <a:solidFill>
-                  <a:srgbClr val="56565A"/>
-                </a:solidFill>
-                <a:latin typeface="Franklin Gothic Medium Cond" charset="0"/>
-                <a:ea typeface="Franklin Gothic Medium Cond" charset="0"/>
-                <a:cs typeface="Franklin Gothic Medium Cond" charset="0"/>
-              </a:rPr>
-              <a:t>magenic.com</a:t>
-            </a:r>
-            <a:r>
-              <a:rPr lang="en-US" sz="1100" b="1" dirty="0">
-                <a:solidFill>
-                  <a:srgbClr val="56565A"/>
-                </a:solidFill>
-                <a:latin typeface="Franklin Gothic Medium Cond" charset="0"/>
-                <a:ea typeface="Franklin Gothic Medium Cond" charset="0"/>
-                <a:cs typeface="Franklin Gothic Medium Cond" charset="0"/>
-              </a:rPr>
-              <a:t>   </a:t>
-            </a:r>
-            <a:r>
-              <a:rPr lang="en-US" sz="1200" b="1" i="0" dirty="0">
-                <a:solidFill>
-                  <a:srgbClr val="7DC242"/>
-                </a:solidFill>
-                <a:latin typeface="Arial Black" charset="0"/>
-                <a:ea typeface="Arial Black" charset="0"/>
-                <a:cs typeface="Arial Black" charset="0"/>
-              </a:rPr>
-              <a:t>//</a:t>
-            </a:r>
-            <a:endParaRPr lang="en-US" sz="1200" b="1" i="0" dirty="0">
-              <a:solidFill>
-                <a:srgbClr val="56565A"/>
-              </a:solidFill>
-              <a:latin typeface="Arial Black" charset="0"/>
-              <a:ea typeface="Arial Black" charset="0"/>
-              <a:cs typeface="Arial Black" charset="0"/>
-            </a:endParaRPr>
-          </a:p>
-        </p:txBody>
-      </p:sp>
-      <p:sp>
-        <p:nvSpPr>
-          <p:cNvPr id="4" name="Title 1"/>
-          <p:cNvSpPr txBox="1">
-            <a:spLocks/>
-          </p:cNvSpPr>
-          <p:nvPr userDrawn="1"/>
-        </p:nvSpPr>
-        <p:spPr>
-          <a:xfrm>
-            <a:off x="11374267" y="345238"/>
-            <a:ext cx="457929" cy="299115"/>
-          </a:xfrm>
-          <a:prstGeom prst="rect">
-            <a:avLst/>
-          </a:prstGeom>
-        </p:spPr>
-        <p:txBody>
-          <a:bodyPr>
-            <a:noAutofit/>
-          </a:bodyPr>
-          <a:lstStyle>
-            <a:lvl1pPr algn="l" defTabSz="914400" rtl="0" eaLnBrk="1" latinLnBrk="0" hangingPunct="1">
-              <a:lnSpc>
-                <a:spcPct val="90000"/>
-              </a:lnSpc>
-              <a:spcBef>
-                <a:spcPct val="0"/>
-              </a:spcBef>
-              <a:buNone/>
-              <a:defRPr sz="4400" kern="1200">
-                <a:solidFill>
-                  <a:schemeClr val="tx1"/>
-                </a:solidFill>
-                <a:latin typeface="+mj-lt"/>
-                <a:ea typeface="+mj-ea"/>
-                <a:cs typeface="+mj-cs"/>
-              </a:defRPr>
-            </a:lvl1pPr>
-          </a:lstStyle>
-          <a:p>
-            <a:pPr algn="l"/>
-            <a:fld id="{28E39B6D-4B99-497D-9F61-EDE8F8EC9C63}" type="slidenum">
-              <a:rPr lang="en-US" sz="1100" b="1" baseline="0" smtClean="0">
-                <a:solidFill>
-                  <a:srgbClr val="56565A"/>
-                </a:solidFill>
-                <a:latin typeface="+mj-lt"/>
-                <a:cs typeface="Cordia New" panose="020B0304020202020204" pitchFamily="34" charset="-34"/>
-              </a:rPr>
-              <a:pPr algn="l"/>
+          <p:cNvPr id="2" name="Title 1">
+            <a:extLst>
+              <a:ext uri="{FF2B5EF4-FFF2-40B4-BE49-F238E27FC236}">
+                <a16:creationId xmlns:a16="http://schemas.microsoft.com/office/drawing/2014/main" id="{D4D2FC40-8C8E-4CD5-8CEC-8FC5856E3222}"/>
+              </a:ext>
+            </a:extLst>
+          </p:cNvPr>
+          <p:cNvSpPr>
+            <a:spLocks noGrp="1"/>
+          </p:cNvSpPr>
+          <p:nvPr>
+            <p:ph type="title"/>
+          </p:nvPr>
+        </p:nvSpPr>
+        <p:spPr/>
+        <p:txBody>
+          <a:bodyPr/>
+          <a:lstStyle/>
+          <a:p>
+            <a:r>
+              <a:rPr lang="en-US"/>
+              <a:t>Click to edit Master title style</a:t>
+            </a:r>
+          </a:p>
+        </p:txBody>
+      </p:sp>
+      <p:sp>
+        <p:nvSpPr>
+          <p:cNvPr id="3" name="Content Placeholder 2">
+            <a:extLst>
+              <a:ext uri="{FF2B5EF4-FFF2-40B4-BE49-F238E27FC236}">
+                <a16:creationId xmlns:a16="http://schemas.microsoft.com/office/drawing/2014/main" id="{CAF76AFB-EB0D-4266-AC2F-B7CA02252CB3}"/>
+              </a:ext>
+            </a:extLst>
+          </p:cNvPr>
+          <p:cNvSpPr>
+            <a:spLocks noGrp="1"/>
+          </p:cNvSpPr>
+          <p:nvPr>
+            <p:ph idx="1"/>
+          </p:nvPr>
+        </p:nvSpPr>
+        <p:spPr/>
+        <p:txBody>
+          <a:bodyPr/>
+          <a:lstStyle/>
+          <a:p>
+            <a:pPr lvl="0"/>
+            <a:r>
+              <a:rPr lang="en-US"/>
+              <a:t>Click to edit Master text styles</a:t>
+            </a:r>
+          </a:p>
+          <a:p>
+            <a:pPr lvl="1"/>
+            <a:r>
+              <a:rPr lang="en-US"/>
+              <a:t>Second level</a:t>
+            </a:r>
+          </a:p>
+          <a:p>
+            <a:pPr lvl="2"/>
+            <a:r>
+              <a:rPr lang="en-US"/>
+              <a:t>Third level</a:t>
+            </a:r>
+          </a:p>
+          <a:p>
+            <a:pPr lvl="3"/>
+            <a:r>
+              <a:rPr lang="en-US"/>
+              <a:t>Fourth level</a:t>
+            </a:r>
+          </a:p>
+          <a:p>
+            <a:pPr lvl="4"/>
+            <a:r>
+              <a:rPr lang="en-US"/>
+              <a:t>Fifth level</a:t>
+            </a:r>
+          </a:p>
+        </p:txBody>
+      </p:sp>
+      <p:sp>
+        <p:nvSpPr>
+          <p:cNvPr id="4" name="Date Placeholder 3">
+            <a:extLst>
+              <a:ext uri="{FF2B5EF4-FFF2-40B4-BE49-F238E27FC236}">
+                <a16:creationId xmlns:a16="http://schemas.microsoft.com/office/drawing/2014/main" id="{8C42D626-284A-463A-97E3-CF8EF93CB4D7}"/>
+              </a:ext>
+            </a:extLst>
+          </p:cNvPr>
+          <p:cNvSpPr>
+            <a:spLocks noGrp="1"/>
+          </p:cNvSpPr>
+          <p:nvPr>
+            <p:ph type="dt" sz="half" idx="10"/>
+          </p:nvPr>
+        </p:nvSpPr>
+        <p:spPr/>
+        <p:txBody>
+          <a:bodyPr/>
+          <a:lstStyle/>
+          <a:p>
+            <a:fld id="{3B9F33C8-8A6A-49A2-8949-28E9F813AC6F}" type="datetimeFigureOut">
+              <a:rPr lang="en-US" smtClean="0"/>
+              <a:t>6/5/2020</a:t>
+            </a:fld>
+            <a:endParaRPr lang="en-US"/>
+          </a:p>
+        </p:txBody>
+      </p:sp>
+      <p:sp>
+        <p:nvSpPr>
+          <p:cNvPr id="5" name="Footer Placeholder 4">
+            <a:extLst>
+              <a:ext uri="{FF2B5EF4-FFF2-40B4-BE49-F238E27FC236}">
+                <a16:creationId xmlns:a16="http://schemas.microsoft.com/office/drawing/2014/main" id="{F9F6239A-0202-4197-8BCD-0F6F3B1BADCA}"/>
+              </a:ext>
+            </a:extLst>
+          </p:cNvPr>
+          <p:cNvSpPr>
+            <a:spLocks noGrp="1"/>
+          </p:cNvSpPr>
+          <p:nvPr>
+            <p:ph type="ftr" sz="quarter" idx="11"/>
+          </p:nvPr>
+        </p:nvSpPr>
+        <p:spPr/>
+        <p:txBody>
+          <a:bodyPr/>
+          <a:lstStyle/>
+          <a:p>
+            <a:endParaRPr lang="en-US"/>
+          </a:p>
+        </p:txBody>
+      </p:sp>
+      <p:sp>
+        <p:nvSpPr>
+          <p:cNvPr id="6" name="Slide Number Placeholder 5">
+            <a:extLst>
+              <a:ext uri="{FF2B5EF4-FFF2-40B4-BE49-F238E27FC236}">
+                <a16:creationId xmlns:a16="http://schemas.microsoft.com/office/drawing/2014/main" id="{62A132B5-0C2F-445A-8657-984FD0FEB5B8}"/>
+              </a:ext>
+            </a:extLst>
+          </p:cNvPr>
+          <p:cNvSpPr>
+            <a:spLocks noGrp="1"/>
+          </p:cNvSpPr>
+          <p:nvPr>
+            <p:ph type="sldNum" sz="quarter" idx="12"/>
+          </p:nvPr>
+        </p:nvSpPr>
+        <p:spPr/>
+        <p:txBody>
+          <a:bodyPr/>
+          <a:lstStyle/>
+          <a:p>
+            <a:fld id="{311E45DA-37E0-4DEF-A6F5-3567A4B31782}" type="slidenum">
+              <a:rPr lang="en-US" smtClean="0"/>
               <a:t>‹#›</a:t>
             </a:fld>
-            <a:endParaRPr lang="en-US" sz="1100" b="1" baseline="0" dirty="0">
-              <a:solidFill>
-                <a:srgbClr val="56565A"/>
-              </a:solidFill>
-              <a:latin typeface="+mj-lt"/>
-              <a:cs typeface="Cordia New" panose="020B0304020202020204" pitchFamily="34" charset="-34"/>
-            </a:endParaRPr>
-          </a:p>
-        </p:txBody>
-      </p:sp>
-      <p:sp>
-        <p:nvSpPr>
-          <p:cNvPr id="5" name="Subtitle 2"/>
-          <p:cNvSpPr txBox="1">
-            <a:spLocks/>
-          </p:cNvSpPr>
-          <p:nvPr userDrawn="1"/>
-        </p:nvSpPr>
-        <p:spPr>
-          <a:xfrm>
-            <a:off x="6816011" y="4975156"/>
-            <a:ext cx="5267132" cy="669864"/>
-          </a:xfrm>
-          <a:prstGeom prst="rect">
-            <a:avLst/>
-          </a:prstGeom>
-        </p:spPr>
-        <p:txBody>
-          <a:bodyPr vert="horz" lIns="91440" tIns="45720" rIns="91440" bIns="45720" rtlCol="0">
-            <a:noAutofit/>
-          </a:bodyPr>
-          <a:lstStyle>
-            <a:lvl1pPr marL="0" indent="0" algn="ctr" defTabSz="914400" rtl="0" eaLnBrk="1" latinLnBrk="0" hangingPunct="1">
-              <a:lnSpc>
-                <a:spcPct val="90000"/>
-              </a:lnSpc>
-              <a:spcBef>
-                <a:spcPts val="1000"/>
-              </a:spcBef>
-              <a:buFont typeface="Arial" panose="020B0604020202020204" pitchFamily="34" charset="0"/>
-              <a:buNone/>
-              <a:defRPr sz="2400" kern="1200">
-                <a:solidFill>
-                  <a:schemeClr val="tx1"/>
-                </a:solidFill>
-                <a:latin typeface="+mn-lt"/>
-                <a:ea typeface="+mn-ea"/>
-                <a:cs typeface="+mn-cs"/>
-              </a:defRPr>
-            </a:lvl1pPr>
-            <a:lvl2pPr marL="457200" indent="0" algn="ctr" defTabSz="914400" rtl="0" eaLnBrk="1" latinLnBrk="0" hangingPunct="1">
-              <a:lnSpc>
-                <a:spcPct val="90000"/>
-              </a:lnSpc>
-              <a:spcBef>
-                <a:spcPts val="500"/>
-              </a:spcBef>
-              <a:buFont typeface="Arial" panose="020B0604020202020204" pitchFamily="34" charset="0"/>
-              <a:buNone/>
-              <a:defRPr sz="2000" kern="1200">
-                <a:solidFill>
-                  <a:schemeClr val="tx1"/>
-                </a:solidFill>
-                <a:latin typeface="+mn-lt"/>
-                <a:ea typeface="+mn-ea"/>
-                <a:cs typeface="+mn-cs"/>
-              </a:defRPr>
-            </a:lvl2pPr>
-            <a:lvl3pPr marL="914400" indent="0" algn="ctr" defTabSz="914400" rtl="0" eaLnBrk="1" latinLnBrk="0" hangingPunct="1">
-              <a:lnSpc>
-                <a:spcPct val="90000"/>
-              </a:lnSpc>
-              <a:spcBef>
-                <a:spcPts val="500"/>
-              </a:spcBef>
-              <a:buFont typeface="Arial" panose="020B0604020202020204" pitchFamily="34" charset="0"/>
-              <a:buNone/>
-              <a:defRPr sz="1800" kern="1200">
-                <a:solidFill>
-                  <a:schemeClr val="tx1"/>
-                </a:solidFill>
-                <a:latin typeface="+mn-lt"/>
-                <a:ea typeface="+mn-ea"/>
-                <a:cs typeface="+mn-cs"/>
-              </a:defRPr>
-            </a:lvl3pPr>
-            <a:lvl4pPr marL="1371600" indent="0" algn="ctr" defTabSz="914400" rtl="0" eaLnBrk="1" latinLnBrk="0" hangingPunct="1">
-              <a:lnSpc>
-                <a:spcPct val="90000"/>
-              </a:lnSpc>
-              <a:spcBef>
-                <a:spcPts val="500"/>
-              </a:spcBef>
-              <a:buFont typeface="Arial" panose="020B0604020202020204" pitchFamily="34" charset="0"/>
-              <a:buNone/>
-              <a:defRPr sz="1600" kern="1200">
-                <a:solidFill>
-                  <a:schemeClr val="tx1"/>
-                </a:solidFill>
-                <a:latin typeface="+mn-lt"/>
-                <a:ea typeface="+mn-ea"/>
-                <a:cs typeface="+mn-cs"/>
-              </a:defRPr>
-            </a:lvl4pPr>
-            <a:lvl5pPr marL="1828800" indent="0" algn="ctr" defTabSz="914400" rtl="0" eaLnBrk="1" latinLnBrk="0" hangingPunct="1">
-              <a:lnSpc>
-                <a:spcPct val="90000"/>
-              </a:lnSpc>
-              <a:spcBef>
-                <a:spcPts val="500"/>
-              </a:spcBef>
-              <a:buFont typeface="Arial" panose="020B0604020202020204" pitchFamily="34" charset="0"/>
-              <a:buNone/>
-              <a:defRPr sz="1600" kern="1200">
-                <a:solidFill>
-                  <a:schemeClr val="tx1"/>
-                </a:solidFill>
-                <a:latin typeface="+mn-lt"/>
-                <a:ea typeface="+mn-ea"/>
-                <a:cs typeface="+mn-cs"/>
-              </a:defRPr>
-            </a:lvl5pPr>
-            <a:lvl6pPr marL="2286000" indent="0" algn="ctr" defTabSz="914400" rtl="0" eaLnBrk="1" latinLnBrk="0" hangingPunct="1">
-              <a:lnSpc>
-                <a:spcPct val="90000"/>
-              </a:lnSpc>
-              <a:spcBef>
-                <a:spcPts val="500"/>
-              </a:spcBef>
-              <a:buFont typeface="Arial" panose="020B0604020202020204" pitchFamily="34" charset="0"/>
-              <a:buNone/>
-              <a:defRPr sz="1600" kern="1200">
-                <a:solidFill>
-                  <a:schemeClr val="tx1"/>
-                </a:solidFill>
-                <a:latin typeface="+mn-lt"/>
-                <a:ea typeface="+mn-ea"/>
-                <a:cs typeface="+mn-cs"/>
-              </a:defRPr>
-            </a:lvl6pPr>
-            <a:lvl7pPr marL="2743200" indent="0" algn="ctr" defTabSz="914400" rtl="0" eaLnBrk="1" latinLnBrk="0" hangingPunct="1">
-              <a:lnSpc>
-                <a:spcPct val="90000"/>
-              </a:lnSpc>
-              <a:spcBef>
-                <a:spcPts val="500"/>
-              </a:spcBef>
-              <a:buFont typeface="Arial" panose="020B0604020202020204" pitchFamily="34" charset="0"/>
-              <a:buNone/>
-              <a:defRPr sz="1600" kern="1200">
-                <a:solidFill>
-                  <a:schemeClr val="tx1"/>
-                </a:solidFill>
-                <a:latin typeface="+mn-lt"/>
-                <a:ea typeface="+mn-ea"/>
-                <a:cs typeface="+mn-cs"/>
-              </a:defRPr>
-            </a:lvl7pPr>
-            <a:lvl8pPr marL="3200400" indent="0" algn="ctr" defTabSz="914400" rtl="0" eaLnBrk="1" latinLnBrk="0" hangingPunct="1">
-              <a:lnSpc>
-                <a:spcPct val="90000"/>
-              </a:lnSpc>
-              <a:spcBef>
-                <a:spcPts val="500"/>
-              </a:spcBef>
-              <a:buFont typeface="Arial" panose="020B0604020202020204" pitchFamily="34" charset="0"/>
-              <a:buNone/>
-              <a:defRPr sz="1600" kern="1200">
-                <a:solidFill>
-                  <a:schemeClr val="tx1"/>
-                </a:solidFill>
-                <a:latin typeface="+mn-lt"/>
-                <a:ea typeface="+mn-ea"/>
-                <a:cs typeface="+mn-cs"/>
-              </a:defRPr>
-            </a:lvl8pPr>
-            <a:lvl9pPr marL="3657600" indent="0" algn="ctr" defTabSz="914400" rtl="0" eaLnBrk="1" latinLnBrk="0" hangingPunct="1">
-              <a:lnSpc>
-                <a:spcPct val="90000"/>
-              </a:lnSpc>
-              <a:spcBef>
-                <a:spcPts val="500"/>
-              </a:spcBef>
-              <a:buFont typeface="Arial" panose="020B0604020202020204" pitchFamily="34" charset="0"/>
-              <a:buNone/>
-              <a:defRPr sz="1600" kern="1200">
-                <a:solidFill>
-                  <a:schemeClr val="tx1"/>
-                </a:solidFill>
-                <a:latin typeface="+mn-lt"/>
-                <a:ea typeface="+mn-ea"/>
-                <a:cs typeface="+mn-cs"/>
-              </a:defRPr>
-            </a:lvl9pPr>
-          </a:lstStyle>
-          <a:p>
-            <a:pPr algn="l">
-              <a:lnSpc>
-                <a:spcPts val="5600"/>
-              </a:lnSpc>
-              <a:spcBef>
-                <a:spcPts val="0"/>
-              </a:spcBef>
-            </a:pPr>
-            <a:r>
-              <a:rPr lang="en-US" sz="6500" b="0" i="1" dirty="0">
-                <a:solidFill>
-                  <a:srgbClr val="56565A"/>
-                </a:solidFill>
-                <a:latin typeface="+mn-lt"/>
-                <a:ea typeface="Dotum" panose="020B0600000101010101" pitchFamily="34" charset="-127"/>
-                <a:cs typeface="Cordia New" panose="020B0304020202020204" pitchFamily="34" charset="-34"/>
-              </a:rPr>
-              <a:t>THANK YOU</a:t>
-            </a:r>
+            <a:endParaRPr lang="en-US"/>
           </a:p>
         </p:txBody>
       </p:sp>
     </p:spTree>
     <p:extLst>
       <p:ext uri="{BB962C8B-B14F-4D97-AF65-F5344CB8AC3E}">
-        <p14:creationId xmlns:p14="http://schemas.microsoft.com/office/powerpoint/2010/main" val="3026564041"/>
+        <p14:creationId xmlns:p14="http://schemas.microsoft.com/office/powerpoint/2010/main" val="4090566527"/>
       </p:ext>
     </p:extLst>
   </p:cSld>
@@ -6697,23 +6202,9 @@
 </p:sldLayout>
 </file>
 
-<file path=ppt/slideLayouts/slideLayout2.xml><?xml version="1.0" encoding="utf-8"?>
-<p:sldLayout xmlns:a="http://schemas.openxmlformats.org/drawingml/2006/main" xmlns:r="http://schemas.openxmlformats.org/officeDocument/2006/relationships" xmlns:p="http://schemas.openxmlformats.org/presentationml/2006/main" preserve="1" userDrawn="1">
-  <p:cSld name="Title and Content">
-    <p:bg>
-      <p:bgPr>
-        <a:blipFill dpi="0" rotWithShape="1">
-          <a:blip r:embed="rId2">
-            <a:lum/>
-          </a:blip>
-          <a:srcRect/>
-          <a:stretch>
-            <a:fillRect/>
-          </a:stretch>
-        </a:blipFill>
-        <a:effectLst/>
-      </p:bgPr>
-    </p:bg>
+<file path=ppt/slideLayouts/slideLayout3.xml><?xml version="1.0" encoding="utf-8"?>
+<p:sldLayout xmlns:a="http://schemas.openxmlformats.org/drawingml/2006/main" xmlns:r="http://schemas.openxmlformats.org/officeDocument/2006/relationships" xmlns:p="http://schemas.openxmlformats.org/presentationml/2006/main" type="secHead" preserve="1">
+  <p:cSld name="Section Header">
     <p:spTree>
       <p:nvGrpSpPr>
         <p:cNvPr id="1" name=""/>
@@ -6730,147 +6221,24 @@
       </p:grpSpPr>
       <p:sp>
         <p:nvSpPr>
-          <p:cNvPr id="3" name="Content Placeholder 2"/>
-          <p:cNvSpPr>
-            <a:spLocks noGrp="1"/>
-          </p:cNvSpPr>
-          <p:nvPr>
-            <p:ph idx="1"/>
+          <p:cNvPr id="2" name="Title 1">
+            <a:extLst>
+              <a:ext uri="{FF2B5EF4-FFF2-40B4-BE49-F238E27FC236}">
+                <a16:creationId xmlns:a16="http://schemas.microsoft.com/office/drawing/2014/main" id="{E639FF13-BB9C-4EC2-895B-A167BDBD5AAD}"/>
+              </a:ext>
+            </a:extLst>
+          </p:cNvPr>
+          <p:cNvSpPr>
+            <a:spLocks noGrp="1"/>
+          </p:cNvSpPr>
+          <p:nvPr>
+            <p:ph type="title"/>
           </p:nvPr>
         </p:nvSpPr>
         <p:spPr>
           <a:xfrm>
-            <a:off x="432154" y="911225"/>
-            <a:ext cx="11430000" cy="4810845"/>
-          </a:xfrm>
-        </p:spPr>
-        <p:txBody>
-          <a:bodyPr/>
-          <a:lstStyle/>
-          <a:p>
-            <a:pPr lvl="0"/>
-            <a:r>
-              <a:rPr lang="en-US"/>
-              <a:t>Edit Master text styles</a:t>
-            </a:r>
-          </a:p>
-          <a:p>
-            <a:pPr lvl="1"/>
-            <a:r>
-              <a:rPr lang="en-US"/>
-              <a:t>Second level</a:t>
-            </a:r>
-          </a:p>
-          <a:p>
-            <a:pPr lvl="2"/>
-            <a:r>
-              <a:rPr lang="en-US"/>
-              <a:t>Third level</a:t>
-            </a:r>
-          </a:p>
-          <a:p>
-            <a:pPr lvl="3"/>
-            <a:r>
-              <a:rPr lang="en-US"/>
-              <a:t>Fourth level</a:t>
-            </a:r>
-          </a:p>
-          <a:p>
-            <a:pPr lvl="4"/>
-            <a:r>
-              <a:rPr lang="en-US"/>
-              <a:t>Fifth level</a:t>
-            </a:r>
-            <a:endParaRPr lang="en-US" dirty="0"/>
-          </a:p>
-        </p:txBody>
-      </p:sp>
-      <p:sp>
-        <p:nvSpPr>
-          <p:cNvPr id="6" name="Title 1"/>
-          <p:cNvSpPr>
-            <a:spLocks noGrp="1"/>
-          </p:cNvSpPr>
-          <p:nvPr>
-            <p:ph type="title"/>
-          </p:nvPr>
-        </p:nvSpPr>
-        <p:spPr>
-          <a:xfrm>
-            <a:off x="386499" y="254524"/>
-            <a:ext cx="11425287" cy="540618"/>
-          </a:xfrm>
-        </p:spPr>
-        <p:txBody>
-          <a:bodyPr/>
-          <a:lstStyle/>
-          <a:p>
-            <a:r>
-              <a:rPr lang="en-US"/>
-              <a:t>Click to edit Master title style</a:t>
-            </a:r>
-            <a:endParaRPr lang="en-US" dirty="0"/>
-          </a:p>
-        </p:txBody>
-      </p:sp>
-    </p:spTree>
-    <p:extLst>
-      <p:ext uri="{BB962C8B-B14F-4D97-AF65-F5344CB8AC3E}">
-        <p14:creationId xmlns:p14="http://schemas.microsoft.com/office/powerpoint/2010/main" val="2003086153"/>
-      </p:ext>
-    </p:extLst>
-  </p:cSld>
-  <p:clrMapOvr>
-    <a:masterClrMapping/>
-  </p:clrMapOvr>
-</p:sldLayout>
-</file>
-
-<file path=ppt/slideLayouts/slideLayout3.xml><?xml version="1.0" encoding="utf-8"?>
-<p:sldLayout xmlns:a="http://schemas.openxmlformats.org/drawingml/2006/main" xmlns:r="http://schemas.openxmlformats.org/officeDocument/2006/relationships" xmlns:p="http://schemas.openxmlformats.org/presentationml/2006/main" preserve="1" userDrawn="1">
-  <p:cSld name="Section Header">
-    <p:bg>
-      <p:bgPr>
-        <a:blipFill dpi="0" rotWithShape="1">
-          <a:blip r:embed="rId2">
-            <a:lum/>
-          </a:blip>
-          <a:srcRect/>
-          <a:stretch>
-            <a:fillRect/>
-          </a:stretch>
-        </a:blipFill>
-        <a:effectLst/>
-      </p:bgPr>
-    </p:bg>
-    <p:spTree>
-      <p:nvGrpSpPr>
-        <p:cNvPr id="1" name=""/>
-        <p:cNvGrpSpPr/>
-        <p:nvPr/>
-      </p:nvGrpSpPr>
-      <p:grpSpPr>
-        <a:xfrm>
-          <a:off x="0" y="0"/>
-          <a:ext cx="0" cy="0"/>
-          <a:chOff x="0" y="0"/>
-          <a:chExt cx="0" cy="0"/>
-        </a:xfrm>
-      </p:grpSpPr>
-      <p:sp>
-        <p:nvSpPr>
-          <p:cNvPr id="2" name="Title 1"/>
-          <p:cNvSpPr>
-            <a:spLocks noGrp="1"/>
-          </p:cNvSpPr>
-          <p:nvPr>
-            <p:ph type="title"/>
-          </p:nvPr>
-        </p:nvSpPr>
-        <p:spPr>
-          <a:xfrm>
-            <a:off x="394447" y="252398"/>
-            <a:ext cx="11429999" cy="3423957"/>
+            <a:off x="831850" y="1709738"/>
+            <a:ext cx="10515600" cy="2852737"/>
           </a:xfrm>
         </p:spPr>
         <p:txBody>
@@ -6885,13 +6253,18 @@
               <a:rPr lang="en-US"/>
               <a:t>Click to edit Master title style</a:t>
             </a:r>
-            <a:endParaRPr lang="en-US" dirty="0"/>
-          </a:p>
-        </p:txBody>
-      </p:sp>
-      <p:sp>
-        <p:nvSpPr>
-          <p:cNvPr id="3" name="Text Placeholder 2"/>
+          </a:p>
+        </p:txBody>
+      </p:sp>
+      <p:sp>
+        <p:nvSpPr>
+          <p:cNvPr id="3" name="Text Placeholder 2">
+            <a:extLst>
+              <a:ext uri="{FF2B5EF4-FFF2-40B4-BE49-F238E27FC236}">
+                <a16:creationId xmlns:a16="http://schemas.microsoft.com/office/drawing/2014/main" id="{C832BB3D-8325-4020-AB88-A3E9672E5C64}"/>
+              </a:ext>
+            </a:extLst>
+          </p:cNvPr>
           <p:cNvSpPr>
             <a:spLocks noGrp="1"/>
           </p:cNvSpPr>
@@ -6901,8 +6274,8 @@
         </p:nvSpPr>
         <p:spPr>
           <a:xfrm>
-            <a:off x="394447" y="3703343"/>
-            <a:ext cx="11429999" cy="2018727"/>
+            <a:off x="831850" y="4589463"/>
+            <a:ext cx="10515600" cy="1500187"/>
           </a:xfrm>
         </p:spPr>
         <p:txBody>
@@ -7003,15 +6376,98 @@
             <a:pPr lvl="0"/>
             <a:r>
               <a:rPr lang="en-US"/>
-              <a:t>Edit Master text styles</a:t>
-            </a:r>
+              <a:t>Click to edit Master text styles</a:t>
+            </a:r>
+          </a:p>
+        </p:txBody>
+      </p:sp>
+      <p:sp>
+        <p:nvSpPr>
+          <p:cNvPr id="4" name="Date Placeholder 3">
+            <a:extLst>
+              <a:ext uri="{FF2B5EF4-FFF2-40B4-BE49-F238E27FC236}">
+                <a16:creationId xmlns:a16="http://schemas.microsoft.com/office/drawing/2014/main" id="{AF05F54F-564A-47D3-8B85-B5C4243538D9}"/>
+              </a:ext>
+            </a:extLst>
+          </p:cNvPr>
+          <p:cNvSpPr>
+            <a:spLocks noGrp="1"/>
+          </p:cNvSpPr>
+          <p:nvPr>
+            <p:ph type="dt" sz="half" idx="10"/>
+          </p:nvPr>
+        </p:nvSpPr>
+        <p:spPr/>
+        <p:txBody>
+          <a:bodyPr/>
+          <a:lstStyle/>
+          <a:p>
+            <a:fld id="{3B9F33C8-8A6A-49A2-8949-28E9F813AC6F}" type="datetimeFigureOut">
+              <a:rPr lang="en-US" smtClean="0"/>
+              <a:t>6/5/2020</a:t>
+            </a:fld>
+            <a:endParaRPr lang="en-US"/>
+          </a:p>
+        </p:txBody>
+      </p:sp>
+      <p:sp>
+        <p:nvSpPr>
+          <p:cNvPr id="5" name="Footer Placeholder 4">
+            <a:extLst>
+              <a:ext uri="{FF2B5EF4-FFF2-40B4-BE49-F238E27FC236}">
+                <a16:creationId xmlns:a16="http://schemas.microsoft.com/office/drawing/2014/main" id="{8ED23131-A06A-40FB-A003-5C292D00BB43}"/>
+              </a:ext>
+            </a:extLst>
+          </p:cNvPr>
+          <p:cNvSpPr>
+            <a:spLocks noGrp="1"/>
+          </p:cNvSpPr>
+          <p:nvPr>
+            <p:ph type="ftr" sz="quarter" idx="11"/>
+          </p:nvPr>
+        </p:nvSpPr>
+        <p:spPr/>
+        <p:txBody>
+          <a:bodyPr/>
+          <a:lstStyle/>
+          <a:p>
+            <a:endParaRPr lang="en-US"/>
+          </a:p>
+        </p:txBody>
+      </p:sp>
+      <p:sp>
+        <p:nvSpPr>
+          <p:cNvPr id="6" name="Slide Number Placeholder 5">
+            <a:extLst>
+              <a:ext uri="{FF2B5EF4-FFF2-40B4-BE49-F238E27FC236}">
+                <a16:creationId xmlns:a16="http://schemas.microsoft.com/office/drawing/2014/main" id="{3ECBB451-8661-42D6-812C-CC7240749123}"/>
+              </a:ext>
+            </a:extLst>
+          </p:cNvPr>
+          <p:cNvSpPr>
+            <a:spLocks noGrp="1"/>
+          </p:cNvSpPr>
+          <p:nvPr>
+            <p:ph type="sldNum" sz="quarter" idx="12"/>
+          </p:nvPr>
+        </p:nvSpPr>
+        <p:spPr/>
+        <p:txBody>
+          <a:bodyPr/>
+          <a:lstStyle/>
+          <a:p>
+            <a:fld id="{311E45DA-37E0-4DEF-A6F5-3567A4B31782}" type="slidenum">
+              <a:rPr lang="en-US" smtClean="0"/>
+              <a:t>‹#›</a:t>
+            </a:fld>
+            <a:endParaRPr lang="en-US"/>
           </a:p>
         </p:txBody>
       </p:sp>
     </p:spTree>
     <p:extLst>
       <p:ext uri="{BB962C8B-B14F-4D97-AF65-F5344CB8AC3E}">
-        <p14:creationId xmlns:p14="http://schemas.microsoft.com/office/powerpoint/2010/main" val="110963415"/>
+        <p14:creationId xmlns:p14="http://schemas.microsoft.com/office/powerpoint/2010/main" val="2333373568"/>
       </p:ext>
     </p:extLst>
   </p:cSld>
@@ -7022,22 +6478,8 @@
 </file>
 
 <file path=ppt/slideLayouts/slideLayout4.xml><?xml version="1.0" encoding="utf-8"?>
-<p:sldLayout xmlns:a="http://schemas.openxmlformats.org/drawingml/2006/main" xmlns:r="http://schemas.openxmlformats.org/officeDocument/2006/relationships" xmlns:p="http://schemas.openxmlformats.org/presentationml/2006/main" preserve="1" userDrawn="1">
+<p:sldLayout xmlns:a="http://schemas.openxmlformats.org/drawingml/2006/main" xmlns:r="http://schemas.openxmlformats.org/officeDocument/2006/relationships" xmlns:p="http://schemas.openxmlformats.org/presentationml/2006/main" type="twoObj" preserve="1">
   <p:cSld name="Two Content">
-    <p:bg>
-      <p:bgPr>
-        <a:blipFill dpi="0" rotWithShape="1">
-          <a:blip r:embed="rId2">
-            <a:lum/>
-          </a:blip>
-          <a:srcRect/>
-          <a:stretch>
-            <a:fillRect/>
-          </a:stretch>
-        </a:blipFill>
-        <a:effectLst/>
-      </p:bgPr>
-    </p:bg>
     <p:spTree>
       <p:nvGrpSpPr>
         <p:cNvPr id="1" name=""/>
@@ -7054,7 +6496,41 @@
       </p:grpSpPr>
       <p:sp>
         <p:nvSpPr>
-          <p:cNvPr id="3" name="Content Placeholder 2"/>
+          <p:cNvPr id="2" name="Title 1">
+            <a:extLst>
+              <a:ext uri="{FF2B5EF4-FFF2-40B4-BE49-F238E27FC236}">
+                <a16:creationId xmlns:a16="http://schemas.microsoft.com/office/drawing/2014/main" id="{674A45D7-0577-4ECC-AE1A-B9D0467A32A9}"/>
+              </a:ext>
+            </a:extLst>
+          </p:cNvPr>
+          <p:cNvSpPr>
+            <a:spLocks noGrp="1"/>
+          </p:cNvSpPr>
+          <p:nvPr>
+            <p:ph type="title"/>
+          </p:nvPr>
+        </p:nvSpPr>
+        <p:spPr/>
+        <p:txBody>
+          <a:bodyPr/>
+          <a:lstStyle/>
+          <a:p>
+            <a:r>
+              <a:rPr lang="en-US"/>
+              <a:t>Click to edit Master title style</a:t>
+            </a:r>
+          </a:p>
+        </p:txBody>
+      </p:sp>
+      <p:sp>
+        <p:nvSpPr>
+          <p:cNvPr id="3" name="Content Placeholder 2">
+            <a:extLst>
+              <a:ext uri="{FF2B5EF4-FFF2-40B4-BE49-F238E27FC236}">
+                <a16:creationId xmlns:a16="http://schemas.microsoft.com/office/drawing/2014/main" id="{C354D2DC-A330-4C30-9AC9-F0D43808AB60}"/>
+              </a:ext>
+            </a:extLst>
+          </p:cNvPr>
           <p:cNvSpPr>
             <a:spLocks noGrp="1"/>
           </p:cNvSpPr>
@@ -7064,8 +6540,8 @@
         </p:nvSpPr>
         <p:spPr>
           <a:xfrm>
-            <a:off x="394447" y="914401"/>
-            <a:ext cx="5625353" cy="4807670"/>
+            <a:off x="838200" y="1825625"/>
+            <a:ext cx="5181600" cy="4351338"/>
           </a:xfrm>
         </p:spPr>
         <p:txBody>
@@ -7075,7 +6551,7 @@
             <a:pPr lvl="0"/>
             <a:r>
               <a:rPr lang="en-US"/>
-              <a:t>Edit Master text styles</a:t>
+              <a:t>Click to edit Master text styles</a:t>
             </a:r>
           </a:p>
           <a:p>
@@ -7105,13 +6581,18 @@
               <a:rPr lang="en-US"/>
               <a:t>Fifth level</a:t>
             </a:r>
-            <a:endParaRPr lang="en-US" dirty="0"/>
-          </a:p>
-        </p:txBody>
-      </p:sp>
-      <p:sp>
-        <p:nvSpPr>
-          <p:cNvPr id="4" name="Content Placeholder 3"/>
+          </a:p>
+        </p:txBody>
+      </p:sp>
+      <p:sp>
+        <p:nvSpPr>
+          <p:cNvPr id="4" name="Content Placeholder 3">
+            <a:extLst>
+              <a:ext uri="{FF2B5EF4-FFF2-40B4-BE49-F238E27FC236}">
+                <a16:creationId xmlns:a16="http://schemas.microsoft.com/office/drawing/2014/main" id="{1021711A-AE9E-4551-AD8D-EF1F6299379F}"/>
+              </a:ext>
+            </a:extLst>
+          </p:cNvPr>
           <p:cNvSpPr>
             <a:spLocks noGrp="1"/>
           </p:cNvSpPr>
@@ -7121,8 +6602,8 @@
         </p:nvSpPr>
         <p:spPr>
           <a:xfrm>
-            <a:off x="6172199" y="914401"/>
-            <a:ext cx="5652247" cy="4807670"/>
+            <a:off x="6172200" y="1825625"/>
+            <a:ext cx="5181600" cy="4351338"/>
           </a:xfrm>
         </p:spPr>
         <p:txBody>
@@ -7132,7 +6613,7 @@
             <a:pPr lvl="0"/>
             <a:r>
               <a:rPr lang="en-US"/>
-              <a:t>Edit Master text styles</a:t>
+              <a:t>Click to edit Master text styles</a:t>
             </a:r>
           </a:p>
           <a:p>
@@ -7167,36 +6648,91 @@
       </p:sp>
       <p:sp>
         <p:nvSpPr>
-          <p:cNvPr id="6" name="Title 1"/>
-          <p:cNvSpPr>
-            <a:spLocks noGrp="1"/>
-          </p:cNvSpPr>
-          <p:nvPr>
-            <p:ph type="title"/>
-          </p:nvPr>
-        </p:nvSpPr>
-        <p:spPr>
-          <a:xfrm>
-            <a:off x="386499" y="254524"/>
-            <a:ext cx="11425287" cy="540618"/>
-          </a:xfrm>
-        </p:spPr>
+          <p:cNvPr id="5" name="Date Placeholder 4">
+            <a:extLst>
+              <a:ext uri="{FF2B5EF4-FFF2-40B4-BE49-F238E27FC236}">
+                <a16:creationId xmlns:a16="http://schemas.microsoft.com/office/drawing/2014/main" id="{EEDA2060-7CD5-4430-ABA8-01C736E04DBF}"/>
+              </a:ext>
+            </a:extLst>
+          </p:cNvPr>
+          <p:cNvSpPr>
+            <a:spLocks noGrp="1"/>
+          </p:cNvSpPr>
+          <p:nvPr>
+            <p:ph type="dt" sz="half" idx="10"/>
+          </p:nvPr>
+        </p:nvSpPr>
+        <p:spPr/>
         <p:txBody>
           <a:bodyPr/>
           <a:lstStyle/>
           <a:p>
-            <a:r>
-              <a:rPr lang="en-US"/>
-              <a:t>Click to edit Master title style</a:t>
-            </a:r>
-            <a:endParaRPr lang="en-US" dirty="0"/>
+            <a:fld id="{3B9F33C8-8A6A-49A2-8949-28E9F813AC6F}" type="datetimeFigureOut">
+              <a:rPr lang="en-US" smtClean="0"/>
+              <a:t>6/5/2020</a:t>
+            </a:fld>
+            <a:endParaRPr lang="en-US"/>
+          </a:p>
+        </p:txBody>
+      </p:sp>
+      <p:sp>
+        <p:nvSpPr>
+          <p:cNvPr id="6" name="Footer Placeholder 5">
+            <a:extLst>
+              <a:ext uri="{FF2B5EF4-FFF2-40B4-BE49-F238E27FC236}">
+                <a16:creationId xmlns:a16="http://schemas.microsoft.com/office/drawing/2014/main" id="{DFAFEC48-DBC9-41F2-AD46-58AE1131AE31}"/>
+              </a:ext>
+            </a:extLst>
+          </p:cNvPr>
+          <p:cNvSpPr>
+            <a:spLocks noGrp="1"/>
+          </p:cNvSpPr>
+          <p:nvPr>
+            <p:ph type="ftr" sz="quarter" idx="11"/>
+          </p:nvPr>
+        </p:nvSpPr>
+        <p:spPr/>
+        <p:txBody>
+          <a:bodyPr/>
+          <a:lstStyle/>
+          <a:p>
+            <a:endParaRPr lang="en-US"/>
+          </a:p>
+        </p:txBody>
+      </p:sp>
+      <p:sp>
+        <p:nvSpPr>
+          <p:cNvPr id="7" name="Slide Number Placeholder 6">
+            <a:extLst>
+              <a:ext uri="{FF2B5EF4-FFF2-40B4-BE49-F238E27FC236}">
+                <a16:creationId xmlns:a16="http://schemas.microsoft.com/office/drawing/2014/main" id="{84367EC6-EA09-4B97-98D6-E0260F13D6A1}"/>
+              </a:ext>
+            </a:extLst>
+          </p:cNvPr>
+          <p:cNvSpPr>
+            <a:spLocks noGrp="1"/>
+          </p:cNvSpPr>
+          <p:nvPr>
+            <p:ph type="sldNum" sz="quarter" idx="12"/>
+          </p:nvPr>
+        </p:nvSpPr>
+        <p:spPr/>
+        <p:txBody>
+          <a:bodyPr/>
+          <a:lstStyle/>
+          <a:p>
+            <a:fld id="{311E45DA-37E0-4DEF-A6F5-3567A4B31782}" type="slidenum">
+              <a:rPr lang="en-US" smtClean="0"/>
+              <a:t>‹#›</a:t>
+            </a:fld>
+            <a:endParaRPr lang="en-US"/>
           </a:p>
         </p:txBody>
       </p:sp>
     </p:spTree>
     <p:extLst>
       <p:ext uri="{BB962C8B-B14F-4D97-AF65-F5344CB8AC3E}">
-        <p14:creationId xmlns:p14="http://schemas.microsoft.com/office/powerpoint/2010/main" val="3689947762"/>
+        <p14:creationId xmlns:p14="http://schemas.microsoft.com/office/powerpoint/2010/main" val="4039512267"/>
       </p:ext>
     </p:extLst>
   </p:cSld>
@@ -7207,22 +6743,8 @@
 </file>
 
 <file path=ppt/slideLayouts/slideLayout5.xml><?xml version="1.0" encoding="utf-8"?>
-<p:sldLayout xmlns:a="http://schemas.openxmlformats.org/drawingml/2006/main" xmlns:r="http://schemas.openxmlformats.org/officeDocument/2006/relationships" xmlns:p="http://schemas.openxmlformats.org/presentationml/2006/main" preserve="1" userDrawn="1">
+<p:sldLayout xmlns:a="http://schemas.openxmlformats.org/drawingml/2006/main" xmlns:r="http://schemas.openxmlformats.org/officeDocument/2006/relationships" xmlns:p="http://schemas.openxmlformats.org/presentationml/2006/main" type="twoTxTwoObj" preserve="1">
   <p:cSld name="Comparison">
-    <p:bg>
-      <p:bgPr>
-        <a:blipFill dpi="0" rotWithShape="1">
-          <a:blip r:embed="rId2">
-            <a:lum/>
-          </a:blip>
-          <a:srcRect/>
-          <a:stretch>
-            <a:fillRect/>
-          </a:stretch>
-        </a:blipFill>
-        <a:effectLst/>
-      </p:bgPr>
-    </p:bg>
     <p:spTree>
       <p:nvGrpSpPr>
         <p:cNvPr id="1" name=""/>
@@ -7239,7 +6761,13 @@
       </p:grpSpPr>
       <p:sp>
         <p:nvSpPr>
-          <p:cNvPr id="2" name="Title 1"/>
+          <p:cNvPr id="2" name="Title 1">
+            <a:extLst>
+              <a:ext uri="{FF2B5EF4-FFF2-40B4-BE49-F238E27FC236}">
+                <a16:creationId xmlns:a16="http://schemas.microsoft.com/office/drawing/2014/main" id="{5B5A4A50-C086-4018-8546-1554DA1A1784}"/>
+              </a:ext>
+            </a:extLst>
+          </p:cNvPr>
           <p:cNvSpPr>
             <a:spLocks noGrp="1"/>
           </p:cNvSpPr>
@@ -7249,8 +6777,8 @@
         </p:nvSpPr>
         <p:spPr>
           <a:xfrm>
-            <a:off x="386499" y="254524"/>
-            <a:ext cx="11425287" cy="540618"/>
+            <a:off x="839788" y="365125"/>
+            <a:ext cx="10515600" cy="1325563"/>
           </a:xfrm>
         </p:spPr>
         <p:txBody>
@@ -7261,13 +6789,18 @@
               <a:rPr lang="en-US"/>
               <a:t>Click to edit Master title style</a:t>
             </a:r>
-            <a:endParaRPr lang="en-US" dirty="0"/>
-          </a:p>
-        </p:txBody>
-      </p:sp>
-      <p:sp>
-        <p:nvSpPr>
-          <p:cNvPr id="3" name="Text Placeholder 2"/>
+          </a:p>
+        </p:txBody>
+      </p:sp>
+      <p:sp>
+        <p:nvSpPr>
+          <p:cNvPr id="3" name="Text Placeholder 2">
+            <a:extLst>
+              <a:ext uri="{FF2B5EF4-FFF2-40B4-BE49-F238E27FC236}">
+                <a16:creationId xmlns:a16="http://schemas.microsoft.com/office/drawing/2014/main" id="{1EB7C149-A5CB-4EA2-858E-EA3123C43546}"/>
+              </a:ext>
+            </a:extLst>
+          </p:cNvPr>
           <p:cNvSpPr>
             <a:spLocks noGrp="1"/>
           </p:cNvSpPr>
@@ -7277,8 +6810,8 @@
         </p:nvSpPr>
         <p:spPr>
           <a:xfrm>
-            <a:off x="386500" y="904973"/>
-            <a:ext cx="5611076" cy="704555"/>
+            <a:off x="839788" y="1681163"/>
+            <a:ext cx="5157787" cy="823912"/>
           </a:xfrm>
         </p:spPr>
         <p:txBody>
@@ -7325,14 +6858,20 @@
             <a:pPr lvl="0"/>
             <a:r>
               <a:rPr lang="en-US"/>
-              <a:t>Edit Master text styles</a:t>
-            </a:r>
-          </a:p>
-        </p:txBody>
-      </p:sp>
-      <p:sp>
-        <p:nvSpPr>
-          <p:cNvPr id="4" name="Content Placeholder 3"/>
+              <a:t>Click to edit Master text styles</a:t>
+            </a:r>
+          </a:p>
+        </p:txBody>
+      </p:sp>
+      <p:sp>
+        <p:nvSpPr>
+          <p:cNvPr id="4" name="Content Placeholder 3">
+            <a:extLst>
+              <a:ext uri="{FF2B5EF4-FFF2-40B4-BE49-F238E27FC236}">
+                <a16:creationId xmlns:a16="http://schemas.microsoft.com/office/drawing/2014/main" id="{DD5615C8-52C6-4046-A979-1C49A1499217}"/>
+              </a:ext>
+            </a:extLst>
+          </p:cNvPr>
           <p:cNvSpPr>
             <a:spLocks noGrp="1"/>
           </p:cNvSpPr>
@@ -7342,8 +6881,8 @@
         </p:nvSpPr>
         <p:spPr>
           <a:xfrm>
-            <a:off x="386500" y="1719359"/>
-            <a:ext cx="5611076" cy="4002711"/>
+            <a:off x="839788" y="2505075"/>
+            <a:ext cx="5157787" cy="3684588"/>
           </a:xfrm>
         </p:spPr>
         <p:txBody>
@@ -7353,7 +6892,7 @@
             <a:pPr lvl="0"/>
             <a:r>
               <a:rPr lang="en-US"/>
-              <a:t>Edit Master text styles</a:t>
+              <a:t>Click to edit Master text styles</a:t>
             </a:r>
           </a:p>
           <a:p>
@@ -7383,13 +6922,18 @@
               <a:rPr lang="en-US"/>
               <a:t>Fifth level</a:t>
             </a:r>
-            <a:endParaRPr lang="en-US" dirty="0"/>
-          </a:p>
-        </p:txBody>
-      </p:sp>
-      <p:sp>
-        <p:nvSpPr>
-          <p:cNvPr id="5" name="Text Placeholder 4"/>
+          </a:p>
+        </p:txBody>
+      </p:sp>
+      <p:sp>
+        <p:nvSpPr>
+          <p:cNvPr id="5" name="Text Placeholder 4">
+            <a:extLst>
+              <a:ext uri="{FF2B5EF4-FFF2-40B4-BE49-F238E27FC236}">
+                <a16:creationId xmlns:a16="http://schemas.microsoft.com/office/drawing/2014/main" id="{07289A43-F90C-4DF5-BDD3-62243006E229}"/>
+              </a:ext>
+            </a:extLst>
+          </p:cNvPr>
           <p:cNvSpPr>
             <a:spLocks noGrp="1"/>
           </p:cNvSpPr>
@@ -7399,8 +6943,8 @@
         </p:nvSpPr>
         <p:spPr>
           <a:xfrm>
-            <a:off x="6172200" y="904973"/>
-            <a:ext cx="5639586" cy="704555"/>
+            <a:off x="6172200" y="1681163"/>
+            <a:ext cx="5183188" cy="823912"/>
           </a:xfrm>
         </p:spPr>
         <p:txBody>
@@ -7447,14 +6991,20 @@
             <a:pPr lvl="0"/>
             <a:r>
               <a:rPr lang="en-US"/>
-              <a:t>Edit Master text styles</a:t>
-            </a:r>
-          </a:p>
-        </p:txBody>
-      </p:sp>
-      <p:sp>
-        <p:nvSpPr>
-          <p:cNvPr id="6" name="Content Placeholder 5"/>
+              <a:t>Click to edit Master text styles</a:t>
+            </a:r>
+          </a:p>
+        </p:txBody>
+      </p:sp>
+      <p:sp>
+        <p:nvSpPr>
+          <p:cNvPr id="6" name="Content Placeholder 5">
+            <a:extLst>
+              <a:ext uri="{FF2B5EF4-FFF2-40B4-BE49-F238E27FC236}">
+                <a16:creationId xmlns:a16="http://schemas.microsoft.com/office/drawing/2014/main" id="{BB9482FF-DD31-45BE-8B53-1F1E0A632571}"/>
+              </a:ext>
+            </a:extLst>
+          </p:cNvPr>
           <p:cNvSpPr>
             <a:spLocks noGrp="1"/>
           </p:cNvSpPr>
@@ -7464,8 +7014,8 @@
         </p:nvSpPr>
         <p:spPr>
           <a:xfrm>
-            <a:off x="6172200" y="1719359"/>
-            <a:ext cx="5639586" cy="4002711"/>
+            <a:off x="6172200" y="2505075"/>
+            <a:ext cx="5183188" cy="3684588"/>
           </a:xfrm>
         </p:spPr>
         <p:txBody>
@@ -7475,7 +7025,7 @@
             <a:pPr lvl="0"/>
             <a:r>
               <a:rPr lang="en-US"/>
-              <a:t>Edit Master text styles</a:t>
+              <a:t>Click to edit Master text styles</a:t>
             </a:r>
           </a:p>
           <a:p>
@@ -7505,13 +7055,96 @@
               <a:rPr lang="en-US"/>
               <a:t>Fifth level</a:t>
             </a:r>
+          </a:p>
+        </p:txBody>
+      </p:sp>
+      <p:sp>
+        <p:nvSpPr>
+          <p:cNvPr id="7" name="Date Placeholder 6">
+            <a:extLst>
+              <a:ext uri="{FF2B5EF4-FFF2-40B4-BE49-F238E27FC236}">
+                <a16:creationId xmlns:a16="http://schemas.microsoft.com/office/drawing/2014/main" id="{671027C6-B1DC-4BE4-B486-1AAA7AFA2831}"/>
+              </a:ext>
+            </a:extLst>
+          </p:cNvPr>
+          <p:cNvSpPr>
+            <a:spLocks noGrp="1"/>
+          </p:cNvSpPr>
+          <p:nvPr>
+            <p:ph type="dt" sz="half" idx="10"/>
+          </p:nvPr>
+        </p:nvSpPr>
+        <p:spPr/>
+        <p:txBody>
+          <a:bodyPr/>
+          <a:lstStyle/>
+          <a:p>
+            <a:fld id="{3B9F33C8-8A6A-49A2-8949-28E9F813AC6F}" type="datetimeFigureOut">
+              <a:rPr lang="en-US" smtClean="0"/>
+              <a:t>6/5/2020</a:t>
+            </a:fld>
+            <a:endParaRPr lang="en-US"/>
+          </a:p>
+        </p:txBody>
+      </p:sp>
+      <p:sp>
+        <p:nvSpPr>
+          <p:cNvPr id="8" name="Footer Placeholder 7">
+            <a:extLst>
+              <a:ext uri="{FF2B5EF4-FFF2-40B4-BE49-F238E27FC236}">
+                <a16:creationId xmlns:a16="http://schemas.microsoft.com/office/drawing/2014/main" id="{FFAC927D-89CD-4149-AE32-7D6B3FEFB2B5}"/>
+              </a:ext>
+            </a:extLst>
+          </p:cNvPr>
+          <p:cNvSpPr>
+            <a:spLocks noGrp="1"/>
+          </p:cNvSpPr>
+          <p:nvPr>
+            <p:ph type="ftr" sz="quarter" idx="11"/>
+          </p:nvPr>
+        </p:nvSpPr>
+        <p:spPr/>
+        <p:txBody>
+          <a:bodyPr/>
+          <a:lstStyle/>
+          <a:p>
+            <a:endParaRPr lang="en-US"/>
+          </a:p>
+        </p:txBody>
+      </p:sp>
+      <p:sp>
+        <p:nvSpPr>
+          <p:cNvPr id="9" name="Slide Number Placeholder 8">
+            <a:extLst>
+              <a:ext uri="{FF2B5EF4-FFF2-40B4-BE49-F238E27FC236}">
+                <a16:creationId xmlns:a16="http://schemas.microsoft.com/office/drawing/2014/main" id="{31CB8AA9-C276-408B-92E4-D305C5AD7A7A}"/>
+              </a:ext>
+            </a:extLst>
+          </p:cNvPr>
+          <p:cNvSpPr>
+            <a:spLocks noGrp="1"/>
+          </p:cNvSpPr>
+          <p:nvPr>
+            <p:ph type="sldNum" sz="quarter" idx="12"/>
+          </p:nvPr>
+        </p:nvSpPr>
+        <p:spPr/>
+        <p:txBody>
+          <a:bodyPr/>
+          <a:lstStyle/>
+          <a:p>
+            <a:fld id="{311E45DA-37E0-4DEF-A6F5-3567A4B31782}" type="slidenum">
+              <a:rPr lang="en-US" smtClean="0"/>
+              <a:t>‹#›</a:t>
+            </a:fld>
+            <a:endParaRPr lang="en-US"/>
           </a:p>
         </p:txBody>
       </p:sp>
     </p:spTree>
     <p:extLst>
       <p:ext uri="{BB962C8B-B14F-4D97-AF65-F5344CB8AC3E}">
-        <p14:creationId xmlns:p14="http://schemas.microsoft.com/office/powerpoint/2010/main" val="1254024657"/>
+        <p14:creationId xmlns:p14="http://schemas.microsoft.com/office/powerpoint/2010/main" val="1069903083"/>
       </p:ext>
     </p:extLst>
   </p:cSld>
@@ -7522,22 +7155,8 @@
 </file>
 
 <file path=ppt/slideLayouts/slideLayout6.xml><?xml version="1.0" encoding="utf-8"?>
-<p:sldLayout xmlns:a="http://schemas.openxmlformats.org/drawingml/2006/main" xmlns:r="http://schemas.openxmlformats.org/officeDocument/2006/relationships" xmlns:p="http://schemas.openxmlformats.org/presentationml/2006/main" preserve="1" userDrawn="1">
+<p:sldLayout xmlns:a="http://schemas.openxmlformats.org/drawingml/2006/main" xmlns:r="http://schemas.openxmlformats.org/officeDocument/2006/relationships" xmlns:p="http://schemas.openxmlformats.org/presentationml/2006/main" type="titleOnly" preserve="1">
   <p:cSld name="Title Only">
-    <p:bg>
-      <p:bgPr>
-        <a:blipFill dpi="0" rotWithShape="1">
-          <a:blip r:embed="rId2">
-            <a:lum/>
-          </a:blip>
-          <a:srcRect/>
-          <a:stretch>
-            <a:fillRect/>
-          </a:stretch>
-        </a:blipFill>
-        <a:effectLst/>
-      </p:bgPr>
-    </p:bg>
     <p:spTree>
       <p:nvGrpSpPr>
         <p:cNvPr id="1" name=""/>
@@ -7554,7 +7173,13 @@
       </p:grpSpPr>
       <p:sp>
         <p:nvSpPr>
-          <p:cNvPr id="4" name="Title 1"/>
+          <p:cNvPr id="2" name="Title 1">
+            <a:extLst>
+              <a:ext uri="{FF2B5EF4-FFF2-40B4-BE49-F238E27FC236}">
+                <a16:creationId xmlns:a16="http://schemas.microsoft.com/office/drawing/2014/main" id="{C642BC6D-31C4-45C7-A202-213B171A5AC6}"/>
+              </a:ext>
+            </a:extLst>
+          </p:cNvPr>
           <p:cNvSpPr>
             <a:spLocks noGrp="1"/>
           </p:cNvSpPr>
@@ -7562,12 +7187,7 @@
             <p:ph type="title"/>
           </p:nvPr>
         </p:nvSpPr>
-        <p:spPr>
-          <a:xfrm>
-            <a:off x="386499" y="254524"/>
-            <a:ext cx="11425287" cy="540618"/>
-          </a:xfrm>
-        </p:spPr>
+        <p:spPr/>
         <p:txBody>
           <a:bodyPr/>
           <a:lstStyle/>
@@ -7576,14 +7196,96 @@
               <a:rPr lang="en-US"/>
               <a:t>Click to edit Master title style</a:t>
             </a:r>
-            <a:endParaRPr lang="en-US" dirty="0"/>
+          </a:p>
+        </p:txBody>
+      </p:sp>
+      <p:sp>
+        <p:nvSpPr>
+          <p:cNvPr id="3" name="Date Placeholder 2">
+            <a:extLst>
+              <a:ext uri="{FF2B5EF4-FFF2-40B4-BE49-F238E27FC236}">
+                <a16:creationId xmlns:a16="http://schemas.microsoft.com/office/drawing/2014/main" id="{48D171BE-F14A-4733-89AA-09CEDE2318FA}"/>
+              </a:ext>
+            </a:extLst>
+          </p:cNvPr>
+          <p:cNvSpPr>
+            <a:spLocks noGrp="1"/>
+          </p:cNvSpPr>
+          <p:nvPr>
+            <p:ph type="dt" sz="half" idx="10"/>
+          </p:nvPr>
+        </p:nvSpPr>
+        <p:spPr/>
+        <p:txBody>
+          <a:bodyPr/>
+          <a:lstStyle/>
+          <a:p>
+            <a:fld id="{3B9F33C8-8A6A-49A2-8949-28E9F813AC6F}" type="datetimeFigureOut">
+              <a:rPr lang="en-US" smtClean="0"/>
+              <a:t>6/5/2020</a:t>
+            </a:fld>
+            <a:endParaRPr lang="en-US"/>
+          </a:p>
+        </p:txBody>
+      </p:sp>
+      <p:sp>
+        <p:nvSpPr>
+          <p:cNvPr id="4" name="Footer Placeholder 3">
+            <a:extLst>
+              <a:ext uri="{FF2B5EF4-FFF2-40B4-BE49-F238E27FC236}">
+                <a16:creationId xmlns:a16="http://schemas.microsoft.com/office/drawing/2014/main" id="{7FE4FE29-F75D-4A78-B038-A4BCD13765AF}"/>
+              </a:ext>
+            </a:extLst>
+          </p:cNvPr>
+          <p:cNvSpPr>
+            <a:spLocks noGrp="1"/>
+          </p:cNvSpPr>
+          <p:nvPr>
+            <p:ph type="ftr" sz="quarter" idx="11"/>
+          </p:nvPr>
+        </p:nvSpPr>
+        <p:spPr/>
+        <p:txBody>
+          <a:bodyPr/>
+          <a:lstStyle/>
+          <a:p>
+            <a:endParaRPr lang="en-US"/>
+          </a:p>
+        </p:txBody>
+      </p:sp>
+      <p:sp>
+        <p:nvSpPr>
+          <p:cNvPr id="5" name="Slide Number Placeholder 4">
+            <a:extLst>
+              <a:ext uri="{FF2B5EF4-FFF2-40B4-BE49-F238E27FC236}">
+                <a16:creationId xmlns:a16="http://schemas.microsoft.com/office/drawing/2014/main" id="{435D667C-AE37-445C-90E8-62DABF3BBD0D}"/>
+              </a:ext>
+            </a:extLst>
+          </p:cNvPr>
+          <p:cNvSpPr>
+            <a:spLocks noGrp="1"/>
+          </p:cNvSpPr>
+          <p:nvPr>
+            <p:ph type="sldNum" sz="quarter" idx="12"/>
+          </p:nvPr>
+        </p:nvSpPr>
+        <p:spPr/>
+        <p:txBody>
+          <a:bodyPr/>
+          <a:lstStyle/>
+          <a:p>
+            <a:fld id="{311E45DA-37E0-4DEF-A6F5-3567A4B31782}" type="slidenum">
+              <a:rPr lang="en-US" smtClean="0"/>
+              <a:t>‹#›</a:t>
+            </a:fld>
+            <a:endParaRPr lang="en-US"/>
           </a:p>
         </p:txBody>
       </p:sp>
     </p:spTree>
     <p:extLst>
       <p:ext uri="{BB962C8B-B14F-4D97-AF65-F5344CB8AC3E}">
-        <p14:creationId xmlns:p14="http://schemas.microsoft.com/office/powerpoint/2010/main" val="1915007461"/>
+        <p14:creationId xmlns:p14="http://schemas.microsoft.com/office/powerpoint/2010/main" val="274909736"/>
       </p:ext>
     </p:extLst>
   </p:cSld>
@@ -7594,22 +7296,8 @@
 </file>
 
 <file path=ppt/slideLayouts/slideLayout7.xml><?xml version="1.0" encoding="utf-8"?>
-<p:sldLayout xmlns:a="http://schemas.openxmlformats.org/drawingml/2006/main" xmlns:r="http://schemas.openxmlformats.org/officeDocument/2006/relationships" xmlns:p="http://schemas.openxmlformats.org/presentationml/2006/main" preserve="1" userDrawn="1">
+<p:sldLayout xmlns:a="http://schemas.openxmlformats.org/drawingml/2006/main" xmlns:r="http://schemas.openxmlformats.org/officeDocument/2006/relationships" xmlns:p="http://schemas.openxmlformats.org/presentationml/2006/main" type="blank" preserve="1">
   <p:cSld name="Blank">
-    <p:bg>
-      <p:bgPr>
-        <a:blipFill dpi="0" rotWithShape="1">
-          <a:blip r:embed="rId2">
-            <a:lum/>
-          </a:blip>
-          <a:srcRect/>
-          <a:stretch>
-            <a:fillRect/>
-          </a:stretch>
-        </a:blipFill>
-        <a:effectLst/>
-      </p:bgPr>
-    </p:bg>
     <p:spTree>
       <p:nvGrpSpPr>
         <p:cNvPr id="1" name=""/>
@@ -7624,10 +7312,93 @@
           <a:chExt cx="0" cy="0"/>
         </a:xfrm>
       </p:grpSpPr>
+      <p:sp>
+        <p:nvSpPr>
+          <p:cNvPr id="2" name="Date Placeholder 1">
+            <a:extLst>
+              <a:ext uri="{FF2B5EF4-FFF2-40B4-BE49-F238E27FC236}">
+                <a16:creationId xmlns:a16="http://schemas.microsoft.com/office/drawing/2014/main" id="{8132C655-BBC8-4EEC-8240-945B8013371F}"/>
+              </a:ext>
+            </a:extLst>
+          </p:cNvPr>
+          <p:cNvSpPr>
+            <a:spLocks noGrp="1"/>
+          </p:cNvSpPr>
+          <p:nvPr>
+            <p:ph type="dt" sz="half" idx="10"/>
+          </p:nvPr>
+        </p:nvSpPr>
+        <p:spPr/>
+        <p:txBody>
+          <a:bodyPr/>
+          <a:lstStyle/>
+          <a:p>
+            <a:fld id="{3B9F33C8-8A6A-49A2-8949-28E9F813AC6F}" type="datetimeFigureOut">
+              <a:rPr lang="en-US" smtClean="0"/>
+              <a:t>6/5/2020</a:t>
+            </a:fld>
+            <a:endParaRPr lang="en-US"/>
+          </a:p>
+        </p:txBody>
+      </p:sp>
+      <p:sp>
+        <p:nvSpPr>
+          <p:cNvPr id="3" name="Footer Placeholder 2">
+            <a:extLst>
+              <a:ext uri="{FF2B5EF4-FFF2-40B4-BE49-F238E27FC236}">
+                <a16:creationId xmlns:a16="http://schemas.microsoft.com/office/drawing/2014/main" id="{992A0ED1-C850-4409-A0D1-A145206F7BC2}"/>
+              </a:ext>
+            </a:extLst>
+          </p:cNvPr>
+          <p:cNvSpPr>
+            <a:spLocks noGrp="1"/>
+          </p:cNvSpPr>
+          <p:nvPr>
+            <p:ph type="ftr" sz="quarter" idx="11"/>
+          </p:nvPr>
+        </p:nvSpPr>
+        <p:spPr/>
+        <p:txBody>
+          <a:bodyPr/>
+          <a:lstStyle/>
+          <a:p>
+            <a:endParaRPr lang="en-US"/>
+          </a:p>
+        </p:txBody>
+      </p:sp>
+      <p:sp>
+        <p:nvSpPr>
+          <p:cNvPr id="4" name="Slide Number Placeholder 3">
+            <a:extLst>
+              <a:ext uri="{FF2B5EF4-FFF2-40B4-BE49-F238E27FC236}">
+                <a16:creationId xmlns:a16="http://schemas.microsoft.com/office/drawing/2014/main" id="{D52649C4-0B59-4A18-9BF4-2D22BF7CE46E}"/>
+              </a:ext>
+            </a:extLst>
+          </p:cNvPr>
+          <p:cNvSpPr>
+            <a:spLocks noGrp="1"/>
+          </p:cNvSpPr>
+          <p:nvPr>
+            <p:ph type="sldNum" sz="quarter" idx="12"/>
+          </p:nvPr>
+        </p:nvSpPr>
+        <p:spPr/>
+        <p:txBody>
+          <a:bodyPr/>
+          <a:lstStyle/>
+          <a:p>
+            <a:fld id="{311E45DA-37E0-4DEF-A6F5-3567A4B31782}" type="slidenum">
+              <a:rPr lang="en-US" smtClean="0"/>
+              <a:t>‹#›</a:t>
+            </a:fld>
+            <a:endParaRPr lang="en-US"/>
+          </a:p>
+        </p:txBody>
+      </p:sp>
     </p:spTree>
     <p:extLst>
       <p:ext uri="{BB962C8B-B14F-4D97-AF65-F5344CB8AC3E}">
-        <p14:creationId xmlns:p14="http://schemas.microsoft.com/office/powerpoint/2010/main" val="722273948"/>
+        <p14:creationId xmlns:p14="http://schemas.microsoft.com/office/powerpoint/2010/main" val="3696737927"/>
       </p:ext>
     </p:extLst>
   </p:cSld>
@@ -7638,22 +7409,8 @@
 </file>
 
 <file path=ppt/slideLayouts/slideLayout8.xml><?xml version="1.0" encoding="utf-8"?>
-<p:sldLayout xmlns:a="http://schemas.openxmlformats.org/drawingml/2006/main" xmlns:r="http://schemas.openxmlformats.org/officeDocument/2006/relationships" xmlns:p="http://schemas.openxmlformats.org/presentationml/2006/main" preserve="1" userDrawn="1">
+<p:sldLayout xmlns:a="http://schemas.openxmlformats.org/drawingml/2006/main" xmlns:r="http://schemas.openxmlformats.org/officeDocument/2006/relationships" xmlns:p="http://schemas.openxmlformats.org/presentationml/2006/main" type="objTx" preserve="1">
   <p:cSld name="Content with Caption">
-    <p:bg>
-      <p:bgPr>
-        <a:blipFill dpi="0" rotWithShape="1">
-          <a:blip r:embed="rId2">
-            <a:lum/>
-          </a:blip>
-          <a:srcRect/>
-          <a:stretch>
-            <a:fillRect/>
-          </a:stretch>
-        </a:blipFill>
-        <a:effectLst/>
-      </p:bgPr>
-    </p:bg>
     <p:spTree>
       <p:nvGrpSpPr>
         <p:cNvPr id="1" name=""/>
@@ -7670,7 +7427,13 @@
       </p:grpSpPr>
       <p:sp>
         <p:nvSpPr>
-          <p:cNvPr id="2" name="Title 1"/>
+          <p:cNvPr id="2" name="Title 1">
+            <a:extLst>
+              <a:ext uri="{FF2B5EF4-FFF2-40B4-BE49-F238E27FC236}">
+                <a16:creationId xmlns:a16="http://schemas.microsoft.com/office/drawing/2014/main" id="{C0A7B938-FCC5-478A-8EC0-F0653FC01804}"/>
+              </a:ext>
+            </a:extLst>
+          </p:cNvPr>
           <p:cNvSpPr>
             <a:spLocks noGrp="1"/>
           </p:cNvSpPr>
@@ -7680,8 +7443,8 @@
         </p:nvSpPr>
         <p:spPr>
           <a:xfrm>
-            <a:off x="433633" y="254524"/>
-            <a:ext cx="4685121" cy="907330"/>
+            <a:off x="839788" y="457200"/>
+            <a:ext cx="3932237" cy="1600200"/>
           </a:xfrm>
         </p:spPr>
         <p:txBody>
@@ -7696,13 +7459,18 @@
               <a:rPr lang="en-US"/>
               <a:t>Click to edit Master title style</a:t>
             </a:r>
-            <a:endParaRPr lang="en-US" dirty="0"/>
-          </a:p>
-        </p:txBody>
-      </p:sp>
-      <p:sp>
-        <p:nvSpPr>
-          <p:cNvPr id="3" name="Content Placeholder 2"/>
+          </a:p>
+        </p:txBody>
+      </p:sp>
+      <p:sp>
+        <p:nvSpPr>
+          <p:cNvPr id="3" name="Content Placeholder 2">
+            <a:extLst>
+              <a:ext uri="{FF2B5EF4-FFF2-40B4-BE49-F238E27FC236}">
+                <a16:creationId xmlns:a16="http://schemas.microsoft.com/office/drawing/2014/main" id="{16D5D93F-2F4D-472E-8B38-267CAC710E3E}"/>
+              </a:ext>
+            </a:extLst>
+          </p:cNvPr>
           <p:cNvSpPr>
             <a:spLocks noGrp="1"/>
           </p:cNvSpPr>
@@ -7712,8 +7480,8 @@
         </p:nvSpPr>
         <p:spPr>
           <a:xfrm>
-            <a:off x="5230322" y="254524"/>
-            <a:ext cx="6628598" cy="5467546"/>
+            <a:off x="5183188" y="987425"/>
+            <a:ext cx="6172200" cy="4873625"/>
           </a:xfrm>
         </p:spPr>
         <p:txBody>
@@ -7751,7 +7519,7 @@
             <a:pPr lvl="0"/>
             <a:r>
               <a:rPr lang="en-US"/>
-              <a:t>Edit Master text styles</a:t>
+              <a:t>Click to edit Master text styles</a:t>
             </a:r>
           </a:p>
           <a:p>
@@ -7781,13 +7549,18 @@
               <a:rPr lang="en-US"/>
               <a:t>Fifth level</a:t>
             </a:r>
-            <a:endParaRPr lang="en-US" dirty="0"/>
-          </a:p>
-        </p:txBody>
-      </p:sp>
-      <p:sp>
-        <p:nvSpPr>
-          <p:cNvPr id="4" name="Text Placeholder 3"/>
+          </a:p>
+        </p:txBody>
+      </p:sp>
+      <p:sp>
+        <p:nvSpPr>
+          <p:cNvPr id="4" name="Text Placeholder 3">
+            <a:extLst>
+              <a:ext uri="{FF2B5EF4-FFF2-40B4-BE49-F238E27FC236}">
+                <a16:creationId xmlns:a16="http://schemas.microsoft.com/office/drawing/2014/main" id="{D33A3EEC-1029-4838-AA25-A89943584BA4}"/>
+              </a:ext>
+            </a:extLst>
+          </p:cNvPr>
           <p:cNvSpPr>
             <a:spLocks noGrp="1"/>
           </p:cNvSpPr>
@@ -7797,8 +7570,8 @@
         </p:nvSpPr>
         <p:spPr>
           <a:xfrm>
-            <a:off x="433633" y="1282046"/>
-            <a:ext cx="4685121" cy="4440024"/>
+            <a:off x="839788" y="2057400"/>
+            <a:ext cx="3932237" cy="3811588"/>
           </a:xfrm>
         </p:spPr>
         <p:txBody>
@@ -7845,15 +7618,98 @@
             <a:pPr lvl="0"/>
             <a:r>
               <a:rPr lang="en-US"/>
-              <a:t>Edit Master text styles</a:t>
-            </a:r>
+              <a:t>Click to edit Master text styles</a:t>
+            </a:r>
+          </a:p>
+        </p:txBody>
+      </p:sp>
+      <p:sp>
+        <p:nvSpPr>
+          <p:cNvPr id="5" name="Date Placeholder 4">
+            <a:extLst>
+              <a:ext uri="{FF2B5EF4-FFF2-40B4-BE49-F238E27FC236}">
+                <a16:creationId xmlns:a16="http://schemas.microsoft.com/office/drawing/2014/main" id="{AA1281F2-0E24-4A0D-B7E3-AD40C9DFA887}"/>
+              </a:ext>
+            </a:extLst>
+          </p:cNvPr>
+          <p:cNvSpPr>
+            <a:spLocks noGrp="1"/>
+          </p:cNvSpPr>
+          <p:nvPr>
+            <p:ph type="dt" sz="half" idx="10"/>
+          </p:nvPr>
+        </p:nvSpPr>
+        <p:spPr/>
+        <p:txBody>
+          <a:bodyPr/>
+          <a:lstStyle/>
+          <a:p>
+            <a:fld id="{3B9F33C8-8A6A-49A2-8949-28E9F813AC6F}" type="datetimeFigureOut">
+              <a:rPr lang="en-US" smtClean="0"/>
+              <a:t>6/5/2020</a:t>
+            </a:fld>
+            <a:endParaRPr lang="en-US"/>
+          </a:p>
+        </p:txBody>
+      </p:sp>
+      <p:sp>
+        <p:nvSpPr>
+          <p:cNvPr id="6" name="Footer Placeholder 5">
+            <a:extLst>
+              <a:ext uri="{FF2B5EF4-FFF2-40B4-BE49-F238E27FC236}">
+                <a16:creationId xmlns:a16="http://schemas.microsoft.com/office/drawing/2014/main" id="{311A842E-423B-485B-8BFC-0D1C13C8C79E}"/>
+              </a:ext>
+            </a:extLst>
+          </p:cNvPr>
+          <p:cNvSpPr>
+            <a:spLocks noGrp="1"/>
+          </p:cNvSpPr>
+          <p:nvPr>
+            <p:ph type="ftr" sz="quarter" idx="11"/>
+          </p:nvPr>
+        </p:nvSpPr>
+        <p:spPr/>
+        <p:txBody>
+          <a:bodyPr/>
+          <a:lstStyle/>
+          <a:p>
+            <a:endParaRPr lang="en-US"/>
+          </a:p>
+        </p:txBody>
+      </p:sp>
+      <p:sp>
+        <p:nvSpPr>
+          <p:cNvPr id="7" name="Slide Number Placeholder 6">
+            <a:extLst>
+              <a:ext uri="{FF2B5EF4-FFF2-40B4-BE49-F238E27FC236}">
+                <a16:creationId xmlns:a16="http://schemas.microsoft.com/office/drawing/2014/main" id="{8C471804-2BF4-4783-8752-DCB75E9E4431}"/>
+              </a:ext>
+            </a:extLst>
+          </p:cNvPr>
+          <p:cNvSpPr>
+            <a:spLocks noGrp="1"/>
+          </p:cNvSpPr>
+          <p:nvPr>
+            <p:ph type="sldNum" sz="quarter" idx="12"/>
+          </p:nvPr>
+        </p:nvSpPr>
+        <p:spPr/>
+        <p:txBody>
+          <a:bodyPr/>
+          <a:lstStyle/>
+          <a:p>
+            <a:fld id="{311E45DA-37E0-4DEF-A6F5-3567A4B31782}" type="slidenum">
+              <a:rPr lang="en-US" smtClean="0"/>
+              <a:t>‹#›</a:t>
+            </a:fld>
+            <a:endParaRPr lang="en-US"/>
           </a:p>
         </p:txBody>
       </p:sp>
     </p:spTree>
     <p:extLst>
       <p:ext uri="{BB962C8B-B14F-4D97-AF65-F5344CB8AC3E}">
-        <p14:creationId xmlns:p14="http://schemas.microsoft.com/office/powerpoint/2010/main" val="2254101184"/>
+        <p14:creationId xmlns:p14="http://schemas.microsoft.com/office/powerpoint/2010/main" val="696608936"/>
       </p:ext>
     </p:extLst>
   </p:cSld>
@@ -7864,22 +7720,8 @@
 </file>
 
 <file path=ppt/slideLayouts/slideLayout9.xml><?xml version="1.0" encoding="utf-8"?>
-<p:sldLayout xmlns:a="http://schemas.openxmlformats.org/drawingml/2006/main" xmlns:r="http://schemas.openxmlformats.org/officeDocument/2006/relationships" xmlns:p="http://schemas.openxmlformats.org/presentationml/2006/main" preserve="1" userDrawn="1">
+<p:sldLayout xmlns:a="http://schemas.openxmlformats.org/drawingml/2006/main" xmlns:r="http://schemas.openxmlformats.org/officeDocument/2006/relationships" xmlns:p="http://schemas.openxmlformats.org/presentationml/2006/main" type="picTx" preserve="1">
   <p:cSld name="Picture with Caption">
-    <p:bg>
-      <p:bgPr>
-        <a:blipFill dpi="0" rotWithShape="1">
-          <a:blip r:embed="rId2">
-            <a:lum/>
-          </a:blip>
-          <a:srcRect/>
-          <a:stretch>
-            <a:fillRect/>
-          </a:stretch>
-        </a:blipFill>
-        <a:effectLst/>
-      </p:bgPr>
-    </p:bg>
     <p:spTree>
       <p:nvGrpSpPr>
         <p:cNvPr id="1" name=""/>
@@ -7896,18 +7738,61 @@
       </p:grpSpPr>
       <p:sp>
         <p:nvSpPr>
-          <p:cNvPr id="3" name="Picture Placeholder 2"/>
-          <p:cNvSpPr>
-            <a:spLocks noGrp="1"/>
-          </p:cNvSpPr>
-          <p:nvPr>
-            <p:ph type="pic" idx="1"/>
+          <p:cNvPr id="2" name="Title 1">
+            <a:extLst>
+              <a:ext uri="{FF2B5EF4-FFF2-40B4-BE49-F238E27FC236}">
+                <a16:creationId xmlns:a16="http://schemas.microsoft.com/office/drawing/2014/main" id="{159E5F4D-7C9F-43C8-8DB3-FC05094BD260}"/>
+              </a:ext>
+            </a:extLst>
+          </p:cNvPr>
+          <p:cNvSpPr>
+            <a:spLocks noGrp="1"/>
+          </p:cNvSpPr>
+          <p:nvPr>
+            <p:ph type="title"/>
           </p:nvPr>
         </p:nvSpPr>
         <p:spPr>
           <a:xfrm>
-            <a:off x="5236622" y="248270"/>
-            <a:ext cx="6616330" cy="5458120"/>
+            <a:off x="839788" y="457200"/>
+            <a:ext cx="3932237" cy="1600200"/>
+          </a:xfrm>
+        </p:spPr>
+        <p:txBody>
+          <a:bodyPr anchor="b"/>
+          <a:lstStyle>
+            <a:lvl1pPr>
+              <a:defRPr sz="3200"/>
+            </a:lvl1pPr>
+          </a:lstStyle>
+          <a:p>
+            <a:r>
+              <a:rPr lang="en-US"/>
+              <a:t>Click to edit Master title style</a:t>
+            </a:r>
+          </a:p>
+        </p:txBody>
+      </p:sp>
+      <p:sp>
+        <p:nvSpPr>
+          <p:cNvPr id="3" name="Picture Placeholder 2">
+            <a:extLst>
+              <a:ext uri="{FF2B5EF4-FFF2-40B4-BE49-F238E27FC236}">
+                <a16:creationId xmlns:a16="http://schemas.microsoft.com/office/drawing/2014/main" id="{18FC9279-1332-4BFB-8925-2DAB64348302}"/>
+              </a:ext>
+            </a:extLst>
+          </p:cNvPr>
+          <p:cNvSpPr>
+            <a:spLocks noGrp="1"/>
+          </p:cNvSpPr>
+          <p:nvPr>
+            <p:ph type="pic" idx="1"/>
+          </p:nvPr>
+        </p:nvSpPr>
+        <p:spPr>
+          <a:xfrm>
+            <a:off x="5183188" y="987425"/>
+            <a:ext cx="6172200" cy="4873625"/>
           </a:xfrm>
         </p:spPr>
         <p:txBody>
@@ -7951,59 +7836,30 @@
             </a:lvl9pPr>
           </a:lstStyle>
           <a:p>
-            <a:r>
-              <a:rPr lang="en-US"/>
-              <a:t>Click icon to add picture</a:t>
-            </a:r>
-          </a:p>
-        </p:txBody>
-      </p:sp>
-      <p:sp>
-        <p:nvSpPr>
-          <p:cNvPr id="6" name="Title 1"/>
-          <p:cNvSpPr>
-            <a:spLocks noGrp="1"/>
-          </p:cNvSpPr>
-          <p:nvPr>
-            <p:ph type="title"/>
+            <a:endParaRPr lang="en-US"/>
+          </a:p>
+        </p:txBody>
+      </p:sp>
+      <p:sp>
+        <p:nvSpPr>
+          <p:cNvPr id="4" name="Text Placeholder 3">
+            <a:extLst>
+              <a:ext uri="{FF2B5EF4-FFF2-40B4-BE49-F238E27FC236}">
+                <a16:creationId xmlns:a16="http://schemas.microsoft.com/office/drawing/2014/main" id="{3C96C1CA-DB00-47F7-8298-94D136B71A69}"/>
+              </a:ext>
+            </a:extLst>
+          </p:cNvPr>
+          <p:cNvSpPr>
+            <a:spLocks noGrp="1"/>
+          </p:cNvSpPr>
+          <p:nvPr>
+            <p:ph type="body" sz="half" idx="2"/>
           </p:nvPr>
         </p:nvSpPr>
         <p:spPr>
           <a:xfrm>
-            <a:off x="433633" y="254524"/>
-            <a:ext cx="4685121" cy="907330"/>
-          </a:xfrm>
-        </p:spPr>
-        <p:txBody>
-          <a:bodyPr anchor="b"/>
-          <a:lstStyle>
-            <a:lvl1pPr>
-              <a:defRPr sz="3200"/>
-            </a:lvl1pPr>
-          </a:lstStyle>
-          <a:p>
-            <a:r>
-              <a:rPr lang="en-US"/>
-              <a:t>Click to edit Master title style</a:t>
-            </a:r>
-            <a:endParaRPr lang="en-US" dirty="0"/>
-          </a:p>
-        </p:txBody>
-      </p:sp>
-      <p:sp>
-        <p:nvSpPr>
-          <p:cNvPr id="7" name="Text Placeholder 3"/>
-          <p:cNvSpPr>
-            <a:spLocks noGrp="1"/>
-          </p:cNvSpPr>
-          <p:nvPr>
-            <p:ph type="body" sz="half" idx="2"/>
-          </p:nvPr>
-        </p:nvSpPr>
-        <p:spPr>
-          <a:xfrm>
-            <a:off x="433633" y="1282046"/>
-            <a:ext cx="4685121" cy="4440024"/>
+            <a:off x="839788" y="2057400"/>
+            <a:ext cx="3932237" cy="3811588"/>
           </a:xfrm>
         </p:spPr>
         <p:txBody>
@@ -8050,15 +7906,98 @@
             <a:pPr lvl="0"/>
             <a:r>
               <a:rPr lang="en-US"/>
-              <a:t>Edit Master text styles</a:t>
-            </a:r>
+              <a:t>Click to edit Master text styles</a:t>
+            </a:r>
+          </a:p>
+        </p:txBody>
+      </p:sp>
+      <p:sp>
+        <p:nvSpPr>
+          <p:cNvPr id="5" name="Date Placeholder 4">
+            <a:extLst>
+              <a:ext uri="{FF2B5EF4-FFF2-40B4-BE49-F238E27FC236}">
+                <a16:creationId xmlns:a16="http://schemas.microsoft.com/office/drawing/2014/main" id="{55E525BC-EEB1-4AD5-80FB-453C405BE651}"/>
+              </a:ext>
+            </a:extLst>
+          </p:cNvPr>
+          <p:cNvSpPr>
+            <a:spLocks noGrp="1"/>
+          </p:cNvSpPr>
+          <p:nvPr>
+            <p:ph type="dt" sz="half" idx="10"/>
+          </p:nvPr>
+        </p:nvSpPr>
+        <p:spPr/>
+        <p:txBody>
+          <a:bodyPr/>
+          <a:lstStyle/>
+          <a:p>
+            <a:fld id="{3B9F33C8-8A6A-49A2-8949-28E9F813AC6F}" type="datetimeFigureOut">
+              <a:rPr lang="en-US" smtClean="0"/>
+              <a:t>6/5/2020</a:t>
+            </a:fld>
+            <a:endParaRPr lang="en-US"/>
+          </a:p>
+        </p:txBody>
+      </p:sp>
+      <p:sp>
+        <p:nvSpPr>
+          <p:cNvPr id="6" name="Footer Placeholder 5">
+            <a:extLst>
+              <a:ext uri="{FF2B5EF4-FFF2-40B4-BE49-F238E27FC236}">
+                <a16:creationId xmlns:a16="http://schemas.microsoft.com/office/drawing/2014/main" id="{62D497B8-C233-4CB1-A4F5-4C36C2914FE9}"/>
+              </a:ext>
+            </a:extLst>
+          </p:cNvPr>
+          <p:cNvSpPr>
+            <a:spLocks noGrp="1"/>
+          </p:cNvSpPr>
+          <p:nvPr>
+            <p:ph type="ftr" sz="quarter" idx="11"/>
+          </p:nvPr>
+        </p:nvSpPr>
+        <p:spPr/>
+        <p:txBody>
+          <a:bodyPr/>
+          <a:lstStyle/>
+          <a:p>
+            <a:endParaRPr lang="en-US"/>
+          </a:p>
+        </p:txBody>
+      </p:sp>
+      <p:sp>
+        <p:nvSpPr>
+          <p:cNvPr id="7" name="Slide Number Placeholder 6">
+            <a:extLst>
+              <a:ext uri="{FF2B5EF4-FFF2-40B4-BE49-F238E27FC236}">
+                <a16:creationId xmlns:a16="http://schemas.microsoft.com/office/drawing/2014/main" id="{32FF6B85-2993-4F01-85A4-4AD40FEF496A}"/>
+              </a:ext>
+            </a:extLst>
+          </p:cNvPr>
+          <p:cNvSpPr>
+            <a:spLocks noGrp="1"/>
+          </p:cNvSpPr>
+          <p:nvPr>
+            <p:ph type="sldNum" sz="quarter" idx="12"/>
+          </p:nvPr>
+        </p:nvSpPr>
+        <p:spPr/>
+        <p:txBody>
+          <a:bodyPr/>
+          <a:lstStyle/>
+          <a:p>
+            <a:fld id="{311E45DA-37E0-4DEF-A6F5-3567A4B31782}" type="slidenum">
+              <a:rPr lang="en-US" smtClean="0"/>
+              <a:t>‹#›</a:t>
+            </a:fld>
+            <a:endParaRPr lang="en-US"/>
           </a:p>
         </p:txBody>
       </p:sp>
     </p:spTree>
     <p:extLst>
       <p:ext uri="{BB962C8B-B14F-4D97-AF65-F5344CB8AC3E}">
-        <p14:creationId xmlns:p14="http://schemas.microsoft.com/office/powerpoint/2010/main" val="1057984023"/>
+        <p14:creationId xmlns:p14="http://schemas.microsoft.com/office/powerpoint/2010/main" val="811529506"/>
       </p:ext>
     </p:extLst>
   </p:cSld>
@@ -8072,18 +8011,9 @@
 <p:sldMaster xmlns:a="http://schemas.openxmlformats.org/drawingml/2006/main" xmlns:r="http://schemas.openxmlformats.org/officeDocument/2006/relationships" xmlns:p="http://schemas.openxmlformats.org/presentationml/2006/main">
   <p:cSld>
     <p:bg>
-      <p:bgPr>
-        <a:blipFill dpi="0" rotWithShape="1">
-          <a:blip r:embed="rId14">
-            <a:lum/>
-          </a:blip>
-          <a:srcRect/>
-          <a:stretch>
-            <a:fillRect/>
-          </a:stretch>
-        </a:blipFill>
-        <a:effectLst/>
-      </p:bgPr>
+      <p:bgRef idx="1001">
+        <a:schemeClr val="bg1"/>
+      </p:bgRef>
     </p:bg>
     <p:spTree>
       <p:nvGrpSpPr>
@@ -8101,7 +8031,13 @@
       </p:grpSpPr>
       <p:sp>
         <p:nvSpPr>
-          <p:cNvPr id="2" name="Title Placeholder 1"/>
+          <p:cNvPr id="2" name="Title Placeholder 1">
+            <a:extLst>
+              <a:ext uri="{FF2B5EF4-FFF2-40B4-BE49-F238E27FC236}">
+                <a16:creationId xmlns:a16="http://schemas.microsoft.com/office/drawing/2014/main" id="{6B5BD32F-CD76-4045-B723-C0FF04377BDA}"/>
+              </a:ext>
+            </a:extLst>
+          </p:cNvPr>
           <p:cNvSpPr>
             <a:spLocks noGrp="1"/>
           </p:cNvSpPr>
@@ -8111,57 +8047,61 @@
         </p:nvSpPr>
         <p:spPr>
           <a:xfrm>
-            <a:off x="432154" y="265393"/>
-            <a:ext cx="11430000" cy="510895"/>
-          </a:xfrm>
-          <a:prstGeom prst="rect">
-            <a:avLst/>
-          </a:prstGeom>
-          <a:noFill/>
-        </p:spPr>
-        <p:txBody>
-          <a:bodyPr vert="horz" lIns="91440" tIns="45720" rIns="91440" bIns="45720" rtlCol="0" anchor="ctr">
-            <a:noAutofit/>
-          </a:bodyPr>
-          <a:lstStyle/>
-          <a:p>
-            <a:r>
-              <a:rPr lang="en-US"/>
-              <a:t>Click to edit Master title style</a:t>
-            </a:r>
-            <a:endParaRPr lang="en-US" dirty="0"/>
-          </a:p>
-        </p:txBody>
-      </p:sp>
-      <p:sp>
-        <p:nvSpPr>
-          <p:cNvPr id="3" name="Text Placeholder 2"/>
-          <p:cNvSpPr>
-            <a:spLocks noGrp="1"/>
-          </p:cNvSpPr>
-          <p:nvPr>
-            <p:ph type="body" idx="1"/>
-          </p:nvPr>
-        </p:nvSpPr>
-        <p:spPr>
-          <a:xfrm>
-            <a:off x="432154" y="911225"/>
-            <a:ext cx="11430000" cy="3884893"/>
+            <a:off x="838200" y="365125"/>
+            <a:ext cx="10515600" cy="1325563"/>
           </a:xfrm>
           <a:prstGeom prst="rect">
             <a:avLst/>
           </a:prstGeom>
         </p:spPr>
         <p:txBody>
+          <a:bodyPr vert="horz" lIns="91440" tIns="45720" rIns="91440" bIns="45720" rtlCol="0" anchor="ctr">
+            <a:normAutofit/>
+          </a:bodyPr>
+          <a:lstStyle/>
+          <a:p>
+            <a:r>
+              <a:rPr lang="en-US"/>
+              <a:t>Click to edit Master title style</a:t>
+            </a:r>
+          </a:p>
+        </p:txBody>
+      </p:sp>
+      <p:sp>
+        <p:nvSpPr>
+          <p:cNvPr id="3" name="Text Placeholder 2">
+            <a:extLst>
+              <a:ext uri="{FF2B5EF4-FFF2-40B4-BE49-F238E27FC236}">
+                <a16:creationId xmlns:a16="http://schemas.microsoft.com/office/drawing/2014/main" id="{1494176F-01FD-4E02-8C70-70DBCA3DF498}"/>
+              </a:ext>
+            </a:extLst>
+          </p:cNvPr>
+          <p:cNvSpPr>
+            <a:spLocks noGrp="1"/>
+          </p:cNvSpPr>
+          <p:nvPr>
+            <p:ph type="body" idx="1"/>
+          </p:nvPr>
+        </p:nvSpPr>
+        <p:spPr>
+          <a:xfrm>
+            <a:off x="838200" y="1825625"/>
+            <a:ext cx="10515600" cy="4351338"/>
+          </a:xfrm>
+          <a:prstGeom prst="rect">
+            <a:avLst/>
+          </a:prstGeom>
+        </p:spPr>
+        <p:txBody>
           <a:bodyPr vert="horz" lIns="91440" tIns="45720" rIns="91440" bIns="45720" rtlCol="0">
-            <a:noAutofit/>
+            <a:normAutofit/>
           </a:bodyPr>
           <a:lstStyle/>
           <a:p>
             <a:pPr lvl="0"/>
             <a:r>
               <a:rPr lang="en-US"/>
-              <a:t>Edit Master text styles</a:t>
+              <a:t>Click to edit Master text styles</a:t>
             </a:r>
           </a:p>
           <a:p>
@@ -8191,14 +8131,150 @@
               <a:rPr lang="en-US"/>
               <a:t>Fifth level</a:t>
             </a:r>
-            <a:endParaRPr lang="en-US" dirty="0"/>
+          </a:p>
+        </p:txBody>
+      </p:sp>
+      <p:sp>
+        <p:nvSpPr>
+          <p:cNvPr id="4" name="Date Placeholder 3">
+            <a:extLst>
+              <a:ext uri="{FF2B5EF4-FFF2-40B4-BE49-F238E27FC236}">
+                <a16:creationId xmlns:a16="http://schemas.microsoft.com/office/drawing/2014/main" id="{58672DC8-D291-4AFC-9DD6-8BCBE57C5504}"/>
+              </a:ext>
+            </a:extLst>
+          </p:cNvPr>
+          <p:cNvSpPr>
+            <a:spLocks noGrp="1"/>
+          </p:cNvSpPr>
+          <p:nvPr>
+            <p:ph type="dt" sz="half" idx="2"/>
+          </p:nvPr>
+        </p:nvSpPr>
+        <p:spPr>
+          <a:xfrm>
+            <a:off x="838200" y="6356350"/>
+            <a:ext cx="2743200" cy="365125"/>
+          </a:xfrm>
+          <a:prstGeom prst="rect">
+            <a:avLst/>
+          </a:prstGeom>
+        </p:spPr>
+        <p:txBody>
+          <a:bodyPr vert="horz" lIns="91440" tIns="45720" rIns="91440" bIns="45720" rtlCol="0" anchor="ctr"/>
+          <a:lstStyle>
+            <a:lvl1pPr algn="l">
+              <a:defRPr sz="1200">
+                <a:solidFill>
+                  <a:schemeClr val="tx1">
+                    <a:tint val="75000"/>
+                  </a:schemeClr>
+                </a:solidFill>
+              </a:defRPr>
+            </a:lvl1pPr>
+          </a:lstStyle>
+          <a:p>
+            <a:fld id="{3B9F33C8-8A6A-49A2-8949-28E9F813AC6F}" type="datetimeFigureOut">
+              <a:rPr lang="en-US" smtClean="0"/>
+              <a:t>6/5/2020</a:t>
+            </a:fld>
+            <a:endParaRPr lang="en-US"/>
+          </a:p>
+        </p:txBody>
+      </p:sp>
+      <p:sp>
+        <p:nvSpPr>
+          <p:cNvPr id="5" name="Footer Placeholder 4">
+            <a:extLst>
+              <a:ext uri="{FF2B5EF4-FFF2-40B4-BE49-F238E27FC236}">
+                <a16:creationId xmlns:a16="http://schemas.microsoft.com/office/drawing/2014/main" id="{E78FF478-58DD-43BC-A62D-73AECE4A14F6}"/>
+              </a:ext>
+            </a:extLst>
+          </p:cNvPr>
+          <p:cNvSpPr>
+            <a:spLocks noGrp="1"/>
+          </p:cNvSpPr>
+          <p:nvPr>
+            <p:ph type="ftr" sz="quarter" idx="3"/>
+          </p:nvPr>
+        </p:nvSpPr>
+        <p:spPr>
+          <a:xfrm>
+            <a:off x="4038600" y="6356350"/>
+            <a:ext cx="4114800" cy="365125"/>
+          </a:xfrm>
+          <a:prstGeom prst="rect">
+            <a:avLst/>
+          </a:prstGeom>
+        </p:spPr>
+        <p:txBody>
+          <a:bodyPr vert="horz" lIns="91440" tIns="45720" rIns="91440" bIns="45720" rtlCol="0" anchor="ctr"/>
+          <a:lstStyle>
+            <a:lvl1pPr algn="ctr">
+              <a:defRPr sz="1200">
+                <a:solidFill>
+                  <a:schemeClr val="tx1">
+                    <a:tint val="75000"/>
+                  </a:schemeClr>
+                </a:solidFill>
+              </a:defRPr>
+            </a:lvl1pPr>
+          </a:lstStyle>
+          <a:p>
+            <a:endParaRPr lang="en-US"/>
+          </a:p>
+        </p:txBody>
+      </p:sp>
+      <p:sp>
+        <p:nvSpPr>
+          <p:cNvPr id="6" name="Slide Number Placeholder 5">
+            <a:extLst>
+              <a:ext uri="{FF2B5EF4-FFF2-40B4-BE49-F238E27FC236}">
+                <a16:creationId xmlns:a16="http://schemas.microsoft.com/office/drawing/2014/main" id="{F1579D28-91BC-4C04-B1A4-F19BC4562AA4}"/>
+              </a:ext>
+            </a:extLst>
+          </p:cNvPr>
+          <p:cNvSpPr>
+            <a:spLocks noGrp="1"/>
+          </p:cNvSpPr>
+          <p:nvPr>
+            <p:ph type="sldNum" sz="quarter" idx="4"/>
+          </p:nvPr>
+        </p:nvSpPr>
+        <p:spPr>
+          <a:xfrm>
+            <a:off x="8610600" y="6356350"/>
+            <a:ext cx="2743200" cy="365125"/>
+          </a:xfrm>
+          <a:prstGeom prst="rect">
+            <a:avLst/>
+          </a:prstGeom>
+        </p:spPr>
+        <p:txBody>
+          <a:bodyPr vert="horz" lIns="91440" tIns="45720" rIns="91440" bIns="45720" rtlCol="0" anchor="ctr"/>
+          <a:lstStyle>
+            <a:lvl1pPr algn="r">
+              <a:defRPr sz="1200">
+                <a:solidFill>
+                  <a:schemeClr val="tx1">
+                    <a:tint val="75000"/>
+                  </a:schemeClr>
+                </a:solidFill>
+              </a:defRPr>
+            </a:lvl1pPr>
+          </a:lstStyle>
+          <a:p>
+            <a:fld id="{311E45DA-37E0-4DEF-A6F5-3567A4B31782}" type="slidenum">
+              <a:rPr lang="en-US" smtClean="0"/>
+              <a:t>‹#›</a:t>
+            </a:fld>
+            <a:endParaRPr lang="en-US"/>
           </a:p>
         </p:txBody>
       </p:sp>
     </p:spTree>
     <p:extLst>
       <p:ext uri="{BB962C8B-B14F-4D97-AF65-F5344CB8AC3E}">
-        <p14:creationId xmlns:p14="http://schemas.microsoft.com/office/powerpoint/2010/main" val="4026486127"/>
+        <p14:creationId xmlns:p14="http://schemas.microsoft.com/office/powerpoint/2010/main" val="1355750099"/>
       </p:ext>
     </p:extLst>
   </p:cSld>
@@ -8215,7 +8291,6 @@
     <p:sldLayoutId id="2147483657" r:id="rId9"/>
     <p:sldLayoutId id="2147483658" r:id="rId10"/>
     <p:sldLayoutId id="2147483659" r:id="rId11"/>
-    <p:sldLayoutId id="2147483660" r:id="rId12"/>
   </p:sldLayoutIdLst>
   <p:txStyles>
     <p:titleStyle>
@@ -8231,7 +8306,7 @@
           <a:solidFill>
             <a:schemeClr val="tx1"/>
           </a:solidFill>
-          <a:latin typeface="Franklin Gothic Medium Cond" panose="020B0606030402020204" pitchFamily="34" charset="0"/>
+          <a:latin typeface="+mj-lt"/>
           <a:ea typeface="+mj-ea"/>
           <a:cs typeface="+mj-cs"/>
         </a:defRPr>
@@ -8245,17 +8320,13 @@
         <a:spcBef>
           <a:spcPts val="1000"/>
         </a:spcBef>
-        <a:buClr>
-          <a:schemeClr val="tx2"/>
-        </a:buClr>
-        <a:buSzPct val="115000"/>
-        <a:buFont typeface="Franklin Gothic Book" panose="020B0503020102020204" pitchFamily="34" charset="0"/>
-        <a:buChar char="»"/>
+        <a:buFont typeface="Arial" panose="020B0604020202020204" pitchFamily="34" charset="0"/>
+        <a:buChar char="•"/>
         <a:defRPr sz="2800" kern="1200">
           <a:solidFill>
             <a:schemeClr val="tx1"/>
           </a:solidFill>
-          <a:latin typeface="Franklin Gothic Book" panose="020B0503020102020204" pitchFamily="34" charset="0"/>
+          <a:latin typeface="+mn-lt"/>
           <a:ea typeface="+mn-ea"/>
           <a:cs typeface="+mn-cs"/>
         </a:defRPr>
@@ -8267,17 +8338,13 @@
         <a:spcBef>
           <a:spcPts val="500"/>
         </a:spcBef>
-        <a:buClr>
-          <a:schemeClr val="tx2"/>
-        </a:buClr>
-        <a:buSzPct val="130000"/>
-        <a:buFont typeface="Franklin Gothic Book" panose="020B0503020102020204" pitchFamily="34" charset="0"/>
-        <a:buChar char="›"/>
+        <a:buFont typeface="Arial" panose="020B0604020202020204" pitchFamily="34" charset="0"/>
+        <a:buChar char="•"/>
         <a:defRPr sz="2400" kern="1200">
           <a:solidFill>
             <a:schemeClr val="tx1"/>
           </a:solidFill>
-          <a:latin typeface="Franklin Gothic Book" panose="020B0503020102020204" pitchFamily="34" charset="0"/>
+          <a:latin typeface="+mn-lt"/>
           <a:ea typeface="+mn-ea"/>
           <a:cs typeface="+mn-cs"/>
         </a:defRPr>
@@ -8289,16 +8356,13 @@
         <a:spcBef>
           <a:spcPts val="500"/>
         </a:spcBef>
-        <a:buClr>
-          <a:schemeClr val="tx2"/>
-        </a:buClr>
-        <a:buFont typeface="Franklin Gothic Book" panose="020B0503020102020204" pitchFamily="34" charset="0"/>
-        <a:buChar char="−"/>
+        <a:buFont typeface="Arial" panose="020B0604020202020204" pitchFamily="34" charset="0"/>
+        <a:buChar char="•"/>
         <a:defRPr sz="2000" kern="1200">
           <a:solidFill>
             <a:schemeClr val="tx1"/>
           </a:solidFill>
-          <a:latin typeface="Franklin Gothic Book" panose="020B0503020102020204" pitchFamily="34" charset="0"/>
+          <a:latin typeface="+mn-lt"/>
           <a:ea typeface="+mn-ea"/>
           <a:cs typeface="+mn-cs"/>
         </a:defRPr>
@@ -8310,16 +8374,13 @@
         <a:spcBef>
           <a:spcPts val="500"/>
         </a:spcBef>
-        <a:buClr>
-          <a:schemeClr val="tx2"/>
-        </a:buClr>
-        <a:buFont typeface="Wingdings" panose="05000000000000000000" pitchFamily="2" charset="2"/>
-        <a:buChar char="§"/>
+        <a:buFont typeface="Arial" panose="020B0604020202020204" pitchFamily="34" charset="0"/>
+        <a:buChar char="•"/>
         <a:defRPr sz="1800" kern="1200">
           <a:solidFill>
             <a:schemeClr val="tx1"/>
           </a:solidFill>
-          <a:latin typeface="Franklin Gothic Book" panose="020B0503020102020204" pitchFamily="34" charset="0"/>
+          <a:latin typeface="+mn-lt"/>
           <a:ea typeface="+mn-ea"/>
           <a:cs typeface="+mn-cs"/>
         </a:defRPr>
@@ -8331,16 +8392,13 @@
         <a:spcBef>
           <a:spcPts val="500"/>
         </a:spcBef>
-        <a:buClr>
-          <a:schemeClr val="tx2"/>
-        </a:buClr>
         <a:buFont typeface="Arial" panose="020B0604020202020204" pitchFamily="34" charset="0"/>
         <a:buChar char="•"/>
         <a:defRPr sz="1800" kern="1200">
           <a:solidFill>
             <a:schemeClr val="tx1"/>
           </a:solidFill>
-          <a:latin typeface="Franklin Gothic Book" panose="020B0503020102020204" pitchFamily="34" charset="0"/>
+          <a:latin typeface="+mn-lt"/>
           <a:ea typeface="+mn-ea"/>
           <a:cs typeface="+mn-cs"/>
         </a:defRPr>
@@ -8536,7 +8594,13 @@
       </p:grpSpPr>
       <p:sp>
         <p:nvSpPr>
-          <p:cNvPr id="2" name="Title 1"/>
+          <p:cNvPr id="2" name="Title 1">
+            <a:extLst>
+              <a:ext uri="{FF2B5EF4-FFF2-40B4-BE49-F238E27FC236}">
+                <a16:creationId xmlns:a16="http://schemas.microsoft.com/office/drawing/2014/main" id="{28FDD7BB-29CD-4CFA-B113-158C39859BE8}"/>
+              </a:ext>
+            </a:extLst>
+          </p:cNvPr>
           <p:cNvSpPr>
             <a:spLocks noGrp="1"/>
           </p:cNvSpPr>
@@ -8551,24 +8615,25 @@
           <a:p>
             <a:r>
               <a:rPr lang="en-US" dirty="0"/>
-              <a:t>Getting </a:t>
-            </a:r>
-            <a:r>
-              <a:rPr lang="en-US" dirty="0" err="1"/>
-              <a:t>Git</a:t>
-            </a:r>
-            <a:endParaRPr lang="en-US" dirty="0"/>
-          </a:p>
-        </p:txBody>
-      </p:sp>
-      <p:sp>
-        <p:nvSpPr>
-          <p:cNvPr id="4" name="Text Placeholder 3"/>
-          <p:cNvSpPr>
-            <a:spLocks noGrp="1"/>
-          </p:cNvSpPr>
-          <p:nvPr>
-            <p:ph type="body" idx="10"/>
+              <a:t>Getting Git</a:t>
+            </a:r>
+          </a:p>
+        </p:txBody>
+      </p:sp>
+      <p:sp>
+        <p:nvSpPr>
+          <p:cNvPr id="3" name="Subtitle 2">
+            <a:extLst>
+              <a:ext uri="{FF2B5EF4-FFF2-40B4-BE49-F238E27FC236}">
+                <a16:creationId xmlns:a16="http://schemas.microsoft.com/office/drawing/2014/main" id="{2EAF0956-CF51-4575-8465-AA5B3F8672A4}"/>
+              </a:ext>
+            </a:extLst>
+          </p:cNvPr>
+          <p:cNvSpPr>
+            <a:spLocks noGrp="1"/>
+          </p:cNvSpPr>
+          <p:nvPr>
+            <p:ph type="subTitle" idx="1"/>
           </p:nvPr>
         </p:nvSpPr>
         <p:spPr/>
@@ -8579,12 +8644,6 @@
             <a:r>
               <a:rPr lang="en-US" dirty="0"/>
               <a:t>Jason Bock</a:t>
-            </a:r>
-          </a:p>
-          <a:p>
-            <a:r>
-              <a:rPr lang="en-US" dirty="0"/>
-              <a:t>Practice Lead</a:t>
             </a:r>
           </a:p>
         </p:txBody>
@@ -8592,7 +8651,7 @@
     </p:spTree>
     <p:extLst>
       <p:ext uri="{BB962C8B-B14F-4D97-AF65-F5344CB8AC3E}">
-        <p14:creationId xmlns:p14="http://schemas.microsoft.com/office/powerpoint/2010/main" val="543732617"/>
+        <p14:creationId xmlns:p14="http://schemas.microsoft.com/office/powerpoint/2010/main" val="1861047671"/>
       </p:ext>
     </p:extLst>
   </p:cSld>
@@ -8621,7 +8680,13 @@
       </p:grpSpPr>
       <p:sp>
         <p:nvSpPr>
-          <p:cNvPr id="3" name="Title 2"/>
+          <p:cNvPr id="2" name="Title 1">
+            <a:extLst>
+              <a:ext uri="{FF2B5EF4-FFF2-40B4-BE49-F238E27FC236}">
+                <a16:creationId xmlns:a16="http://schemas.microsoft.com/office/drawing/2014/main" id="{12CF2E91-AB3B-4671-86E3-FF729A502722}"/>
+              </a:ext>
+            </a:extLst>
+          </p:cNvPr>
           <p:cNvSpPr>
             <a:spLocks noGrp="1"/>
           </p:cNvSpPr>
@@ -8636,21 +8701,27 @@
           <a:p>
             <a:r>
               <a:rPr lang="en-US" dirty="0"/>
-              <a:t>Definitions	</a:t>
-            </a:r>
-          </a:p>
-        </p:txBody>
-      </p:sp>
-      <p:sp>
-        <p:nvSpPr>
-          <p:cNvPr id="13" name="Rectangle 12"/>
+              <a:t>Definitions</a:t>
+            </a:r>
+          </a:p>
+        </p:txBody>
+      </p:sp>
+      <p:sp>
+        <p:nvSpPr>
+          <p:cNvPr id="8" name="Rectangle 7">
+            <a:extLst>
+              <a:ext uri="{FF2B5EF4-FFF2-40B4-BE49-F238E27FC236}">
+                <a16:creationId xmlns:a16="http://schemas.microsoft.com/office/drawing/2014/main" id="{E9F3EF86-9C16-49BC-BDAF-70BB81AA09CF}"/>
+              </a:ext>
+            </a:extLst>
+          </p:cNvPr>
           <p:cNvSpPr/>
           <p:nvPr/>
         </p:nvSpPr>
         <p:spPr>
           <a:xfrm>
-            <a:off x="5610225" y="6276894"/>
-            <a:ext cx="6581775" cy="453605"/>
+            <a:off x="-1" y="6276894"/>
+            <a:ext cx="12192001" cy="453605"/>
           </a:xfrm>
           <a:prstGeom prst="rect">
             <a:avLst/>
@@ -8675,7 +8746,13 @@
       </p:sp>
       <p:pic>
         <p:nvPicPr>
-          <p:cNvPr id="6" name="Picture 5"/>
+          <p:cNvPr id="7" name="Picture 6">
+            <a:extLst>
+              <a:ext uri="{FF2B5EF4-FFF2-40B4-BE49-F238E27FC236}">
+                <a16:creationId xmlns:a16="http://schemas.microsoft.com/office/drawing/2014/main" id="{E2AD16FB-FA4C-49D6-B2BB-F1115CBBFBFE}"/>
+              </a:ext>
+            </a:extLst>
+          </p:cNvPr>
           <p:cNvPicPr>
             <a:picLocks noChangeAspect="1"/>
           </p:cNvPicPr>
@@ -8689,7 +8766,7 @@
         </p:blipFill>
         <p:spPr>
           <a:xfrm>
-            <a:off x="1790099" y="990259"/>
+            <a:off x="1790099" y="1399413"/>
             <a:ext cx="8611802" cy="4877481"/>
           </a:xfrm>
           <a:prstGeom prst="rect">
@@ -8699,13 +8776,19 @@
       </p:pic>
       <p:sp>
         <p:nvSpPr>
-          <p:cNvPr id="7" name="Rectangle 6"/>
+          <p:cNvPr id="9" name="Rectangle 8">
+            <a:extLst>
+              <a:ext uri="{FF2B5EF4-FFF2-40B4-BE49-F238E27FC236}">
+                <a16:creationId xmlns:a16="http://schemas.microsoft.com/office/drawing/2014/main" id="{83F5386B-E97C-4234-958C-F62B52CD456E}"/>
+              </a:ext>
+            </a:extLst>
+          </p:cNvPr>
           <p:cNvSpPr/>
           <p:nvPr/>
         </p:nvSpPr>
         <p:spPr>
           <a:xfrm>
-            <a:off x="1790099" y="5446207"/>
+            <a:off x="1790099" y="5855361"/>
             <a:ext cx="1817259" cy="421533"/>
           </a:xfrm>
           <a:prstGeom prst="rect">
@@ -8741,13 +8824,19 @@
       </p:sp>
       <p:sp>
         <p:nvSpPr>
-          <p:cNvPr id="9" name="Rectangle 8"/>
+          <p:cNvPr id="12" name="Rectangle 11">
+            <a:extLst>
+              <a:ext uri="{FF2B5EF4-FFF2-40B4-BE49-F238E27FC236}">
+                <a16:creationId xmlns:a16="http://schemas.microsoft.com/office/drawing/2014/main" id="{289B0D26-C440-445A-BABF-7E03EDD29002}"/>
+              </a:ext>
+            </a:extLst>
+          </p:cNvPr>
           <p:cNvSpPr/>
           <p:nvPr/>
         </p:nvSpPr>
         <p:spPr>
           <a:xfrm>
-            <a:off x="160774" y="2763297"/>
+            <a:off x="160774" y="3172451"/>
             <a:ext cx="11816861" cy="1095270"/>
           </a:xfrm>
           <a:prstGeom prst="rect">
@@ -8790,7 +8879,7 @@
     </p:spTree>
     <p:extLst>
       <p:ext uri="{BB962C8B-B14F-4D97-AF65-F5344CB8AC3E}">
-        <p14:creationId xmlns:p14="http://schemas.microsoft.com/office/powerpoint/2010/main" val="651566823"/>
+        <p14:creationId xmlns:p14="http://schemas.microsoft.com/office/powerpoint/2010/main" val="1012793121"/>
       </p:ext>
     </p:extLst>
   </p:cSld>
@@ -8831,7 +8920,7 @@
                                           </p:stCondLst>
                                         </p:cTn>
                                         <p:tgtEl>
-                                          <p:spTgt spid="7"/>
+                                          <p:spTgt spid="9"/>
                                         </p:tgtEl>
                                         <p:attrNameLst>
                                           <p:attrName>style.visibility</p:attrName>
@@ -8876,7 +8965,7 @@
                                           </p:stCondLst>
                                         </p:cTn>
                                         <p:tgtEl>
-                                          <p:spTgt spid="9"/>
+                                          <p:spTgt spid="12"/>
                                         </p:tgtEl>
                                         <p:attrNameLst>
                                           <p:attrName>style.visibility</p:attrName>
@@ -8917,8 +9006,8 @@
       </p:par>
     </p:tnLst>
     <p:bldLst>
-      <p:bldP spid="7" grpId="0" animBg="1"/>
       <p:bldP spid="9" grpId="0" animBg="1"/>
+      <p:bldP spid="12" grpId="0" animBg="1"/>
     </p:bldLst>
   </p:timing>
 </p:sld>
@@ -8943,7 +9032,13 @@
       </p:grpSpPr>
       <p:sp>
         <p:nvSpPr>
-          <p:cNvPr id="3" name="Title 2"/>
+          <p:cNvPr id="2" name="Title 1">
+            <a:extLst>
+              <a:ext uri="{FF2B5EF4-FFF2-40B4-BE49-F238E27FC236}">
+                <a16:creationId xmlns:a16="http://schemas.microsoft.com/office/drawing/2014/main" id="{12CF2E91-AB3B-4671-86E3-FF729A502722}"/>
+              </a:ext>
+            </a:extLst>
+          </p:cNvPr>
           <p:cNvSpPr>
             <a:spLocks noGrp="1"/>
           </p:cNvSpPr>
@@ -8958,21 +9053,27 @@
           <a:p>
             <a:r>
               <a:rPr lang="en-US" dirty="0"/>
-              <a:t>Definitions	</a:t>
-            </a:r>
-          </a:p>
-        </p:txBody>
-      </p:sp>
-      <p:sp>
-        <p:nvSpPr>
-          <p:cNvPr id="13" name="Rectangle 12"/>
+              <a:t>Definitions</a:t>
+            </a:r>
+          </a:p>
+        </p:txBody>
+      </p:sp>
+      <p:sp>
+        <p:nvSpPr>
+          <p:cNvPr id="8" name="Rectangle 7">
+            <a:extLst>
+              <a:ext uri="{FF2B5EF4-FFF2-40B4-BE49-F238E27FC236}">
+                <a16:creationId xmlns:a16="http://schemas.microsoft.com/office/drawing/2014/main" id="{E9F3EF86-9C16-49BC-BDAF-70BB81AA09CF}"/>
+              </a:ext>
+            </a:extLst>
+          </p:cNvPr>
           <p:cNvSpPr/>
           <p:nvPr/>
         </p:nvSpPr>
         <p:spPr>
           <a:xfrm>
-            <a:off x="5610225" y="6276894"/>
-            <a:ext cx="6581775" cy="453605"/>
+            <a:off x="-1" y="6276894"/>
+            <a:ext cx="12192001" cy="453605"/>
           </a:xfrm>
           <a:prstGeom prst="rect">
             <a:avLst/>
@@ -8990,39 +9091,79 @@
                 <a:latin typeface="+mj-lt"/>
                 <a:cs typeface="Calibri" pitchFamily="34" charset="0"/>
               </a:rPr>
-              <a:t>https://github.com/Microsoft/gvfs</a:t>
+              <a:t>https://dotnetfoundation.org/</a:t>
             </a:r>
           </a:p>
         </p:txBody>
       </p:sp>
       <p:pic>
         <p:nvPicPr>
-          <p:cNvPr id="2" name="Picture 1"/>
+          <p:cNvPr id="11" name="Picture 10">
+            <a:extLst>
+              <a:ext uri="{FF2B5EF4-FFF2-40B4-BE49-F238E27FC236}">
+                <a16:creationId xmlns:a16="http://schemas.microsoft.com/office/drawing/2014/main" id="{6953925E-564B-4012-98C8-A99D60688CE8}"/>
+              </a:ext>
+            </a:extLst>
+          </p:cNvPr>
           <p:cNvPicPr>
             <a:picLocks noChangeAspect="1"/>
           </p:cNvPicPr>
           <p:nvPr/>
         </p:nvPicPr>
         <p:blipFill>
-          <a:blip r:embed="rId3"/>
+          <a:blip r:embed="rId3">
+            <a:extLst>
+              <a:ext uri="{28A0092B-C50C-407E-A947-70E740481C1C}">
+                <a14:useLocalDpi xmlns:a14="http://schemas.microsoft.com/office/drawing/2010/main" val="0"/>
+              </a:ext>
+            </a:extLst>
+          </a:blip>
           <a:stretch>
             <a:fillRect/>
           </a:stretch>
         </p:blipFill>
         <p:spPr>
           <a:xfrm>
-            <a:off x="1585283" y="1542787"/>
-            <a:ext cx="9021434" cy="3772426"/>
+            <a:off x="326571" y="1336105"/>
+            <a:ext cx="11538857" cy="2444139"/>
           </a:xfrm>
           <a:prstGeom prst="rect">
             <a:avLst/>
           </a:prstGeom>
         </p:spPr>
       </p:pic>
+      <p:graphicFrame>
+        <p:nvGraphicFramePr>
+          <p:cNvPr id="13" name="Diagram 12">
+            <a:extLst>
+              <a:ext uri="{FF2B5EF4-FFF2-40B4-BE49-F238E27FC236}">
+                <a16:creationId xmlns:a16="http://schemas.microsoft.com/office/drawing/2014/main" id="{68A93F78-F522-474D-A3C8-67E2A2B8514B}"/>
+              </a:ext>
+            </a:extLst>
+          </p:cNvPr>
+          <p:cNvGraphicFramePr/>
+          <p:nvPr>
+            <p:extLst>
+              <p:ext uri="{D42A27DB-BD31-4B8C-83A1-F6EECF244321}">
+                <p14:modId xmlns:p14="http://schemas.microsoft.com/office/powerpoint/2010/main" val="167291773"/>
+              </p:ext>
+            </p:extLst>
+          </p:nvPr>
+        </p:nvGraphicFramePr>
+        <p:xfrm>
+          <a:off x="3829080" y="3883554"/>
+          <a:ext cx="4533837" cy="2492414"/>
+        </p:xfrm>
+        <a:graphic>
+          <a:graphicData uri="http://schemas.openxmlformats.org/drawingml/2006/diagram">
+            <dgm:relIds xmlns:dgm="http://schemas.openxmlformats.org/drawingml/2006/diagram" xmlns:r="http://schemas.openxmlformats.org/officeDocument/2006/relationships" r:dm="rId4" r:lo="rId5" r:qs="rId6" r:cs="rId7"/>
+          </a:graphicData>
+        </a:graphic>
+      </p:graphicFrame>
     </p:spTree>
     <p:extLst>
       <p:ext uri="{BB962C8B-B14F-4D97-AF65-F5344CB8AC3E}">
-        <p14:creationId xmlns:p14="http://schemas.microsoft.com/office/powerpoint/2010/main" val="3486909377"/>
+        <p14:creationId xmlns:p14="http://schemas.microsoft.com/office/powerpoint/2010/main" val="3970752944"/>
       </p:ext>
     </p:extLst>
   </p:cSld>
@@ -9051,7 +9192,13 @@
       </p:grpSpPr>
       <p:sp>
         <p:nvSpPr>
-          <p:cNvPr id="3" name="Title 2"/>
+          <p:cNvPr id="2" name="Title 1">
+            <a:extLst>
+              <a:ext uri="{FF2B5EF4-FFF2-40B4-BE49-F238E27FC236}">
+                <a16:creationId xmlns:a16="http://schemas.microsoft.com/office/drawing/2014/main" id="{12CF2E91-AB3B-4671-86E3-FF729A502722}"/>
+              </a:ext>
+            </a:extLst>
+          </p:cNvPr>
           <p:cNvSpPr>
             <a:spLocks noGrp="1"/>
           </p:cNvSpPr>
@@ -9066,21 +9213,27 @@
           <a:p>
             <a:r>
               <a:rPr lang="en-US" dirty="0"/>
-              <a:t>Definitions	</a:t>
-            </a:r>
-          </a:p>
-        </p:txBody>
-      </p:sp>
-      <p:sp>
-        <p:nvSpPr>
-          <p:cNvPr id="13" name="Rectangle 12"/>
+              <a:t>Definitions</a:t>
+            </a:r>
+          </a:p>
+        </p:txBody>
+      </p:sp>
+      <p:sp>
+        <p:nvSpPr>
+          <p:cNvPr id="8" name="Rectangle 7">
+            <a:extLst>
+              <a:ext uri="{FF2B5EF4-FFF2-40B4-BE49-F238E27FC236}">
+                <a16:creationId xmlns:a16="http://schemas.microsoft.com/office/drawing/2014/main" id="{E9F3EF86-9C16-49BC-BDAF-70BB81AA09CF}"/>
+              </a:ext>
+            </a:extLst>
+          </p:cNvPr>
           <p:cNvSpPr/>
           <p:nvPr/>
         </p:nvSpPr>
         <p:spPr>
           <a:xfrm>
-            <a:off x="5610225" y="6276894"/>
-            <a:ext cx="6581775" cy="453605"/>
+            <a:off x="-1" y="6276894"/>
+            <a:ext cx="12192001" cy="453605"/>
           </a:xfrm>
           <a:prstGeom prst="rect">
             <a:avLst/>
@@ -9098,67 +9251,45 @@
                 <a:latin typeface="+mj-lt"/>
                 <a:cs typeface="Calibri" pitchFamily="34" charset="0"/>
               </a:rPr>
-              <a:t>https://dotnetfoundation.org/</a:t>
+              <a:t>https://github.com/</a:t>
             </a:r>
           </a:p>
         </p:txBody>
       </p:sp>
       <p:pic>
         <p:nvPicPr>
-          <p:cNvPr id="4" name="Picture 3"/>
+          <p:cNvPr id="7" name="Picture 6">
+            <a:extLst>
+              <a:ext uri="{FF2B5EF4-FFF2-40B4-BE49-F238E27FC236}">
+                <a16:creationId xmlns:a16="http://schemas.microsoft.com/office/drawing/2014/main" id="{56AA6FD9-F09A-42B8-98BE-C15294B65A37}"/>
+              </a:ext>
+            </a:extLst>
+          </p:cNvPr>
           <p:cNvPicPr>
             <a:picLocks noChangeAspect="1"/>
           </p:cNvPicPr>
           <p:nvPr/>
         </p:nvPicPr>
         <p:blipFill>
-          <a:blip r:embed="rId3">
-            <a:extLst>
-              <a:ext uri="{28A0092B-C50C-407E-A947-70E740481C1C}">
-                <a14:useLocalDpi xmlns:a14="http://schemas.microsoft.com/office/drawing/2010/main" val="0"/>
-              </a:ext>
-            </a:extLst>
-          </a:blip>
+          <a:blip r:embed="rId3"/>
           <a:stretch>
             <a:fillRect/>
           </a:stretch>
         </p:blipFill>
         <p:spPr>
           <a:xfrm>
-            <a:off x="329713" y="1027761"/>
-            <a:ext cx="11538857" cy="2444139"/>
+            <a:off x="713623" y="2072878"/>
+            <a:ext cx="10764752" cy="3562847"/>
           </a:xfrm>
           <a:prstGeom prst="rect">
             <a:avLst/>
           </a:prstGeom>
         </p:spPr>
       </p:pic>
-      <p:graphicFrame>
-        <p:nvGraphicFramePr>
-          <p:cNvPr id="6" name="Diagram 5"/>
-          <p:cNvGraphicFramePr/>
-          <p:nvPr>
-            <p:extLst>
-              <p:ext uri="{D42A27DB-BD31-4B8C-83A1-F6EECF244321}">
-                <p14:modId xmlns:p14="http://schemas.microsoft.com/office/powerpoint/2010/main" val="3917147606"/>
-              </p:ext>
-            </p:extLst>
-          </p:nvPr>
-        </p:nvGraphicFramePr>
-        <p:xfrm>
-          <a:off x="3832222" y="3575210"/>
-          <a:ext cx="4533837" cy="2492414"/>
-        </p:xfrm>
-        <a:graphic>
-          <a:graphicData uri="http://schemas.openxmlformats.org/drawingml/2006/diagram">
-            <dgm:relIds xmlns:dgm="http://schemas.openxmlformats.org/drawingml/2006/diagram" xmlns:r="http://schemas.openxmlformats.org/officeDocument/2006/relationships" r:dm="rId4" r:lo="rId5" r:qs="rId6" r:cs="rId7"/>
-          </a:graphicData>
-        </a:graphic>
-      </p:graphicFrame>
     </p:spTree>
     <p:extLst>
       <p:ext uri="{BB962C8B-B14F-4D97-AF65-F5344CB8AC3E}">
-        <p14:creationId xmlns:p14="http://schemas.microsoft.com/office/powerpoint/2010/main" val="3487209547"/>
+        <p14:creationId xmlns:p14="http://schemas.microsoft.com/office/powerpoint/2010/main" val="1522405331"/>
       </p:ext>
     </p:extLst>
   </p:cSld>
@@ -9187,7 +9318,13 @@
       </p:grpSpPr>
       <p:sp>
         <p:nvSpPr>
-          <p:cNvPr id="3" name="Title 2"/>
+          <p:cNvPr id="2" name="Title 1">
+            <a:extLst>
+              <a:ext uri="{FF2B5EF4-FFF2-40B4-BE49-F238E27FC236}">
+                <a16:creationId xmlns:a16="http://schemas.microsoft.com/office/drawing/2014/main" id="{12CF2E91-AB3B-4671-86E3-FF729A502722}"/>
+              </a:ext>
+            </a:extLst>
+          </p:cNvPr>
           <p:cNvSpPr>
             <a:spLocks noGrp="1"/>
           </p:cNvSpPr>
@@ -9202,61 +9339,114 @@
           <a:p>
             <a:r>
               <a:rPr lang="en-US" dirty="0"/>
-              <a:t>Definitions	</a:t>
-            </a:r>
-          </a:p>
-        </p:txBody>
-      </p:sp>
-      <p:sp>
-        <p:nvSpPr>
-          <p:cNvPr id="13" name="Rectangle 12"/>
-          <p:cNvSpPr/>
+              <a:t>Definitions</a:t>
+            </a:r>
+          </a:p>
+        </p:txBody>
+      </p:sp>
+      <p:sp>
+        <p:nvSpPr>
+          <p:cNvPr id="5" name="TextBox 4">
+            <a:extLst>
+              <a:ext uri="{FF2B5EF4-FFF2-40B4-BE49-F238E27FC236}">
+                <a16:creationId xmlns:a16="http://schemas.microsoft.com/office/drawing/2014/main" id="{E2EDFFD0-8FF2-43C6-94E0-5679EE6F9C00}"/>
+              </a:ext>
+            </a:extLst>
+          </p:cNvPr>
+          <p:cNvSpPr txBox="1"/>
           <p:nvPr/>
         </p:nvSpPr>
         <p:spPr>
           <a:xfrm>
-            <a:off x="5610225" y="6276894"/>
-            <a:ext cx="6581775" cy="453605"/>
+            <a:off x="5327764" y="3043241"/>
+            <a:ext cx="1114408" cy="1107996"/>
           </a:xfrm>
           <a:prstGeom prst="rect">
             <a:avLst/>
           </a:prstGeom>
+          <a:noFill/>
         </p:spPr>
         <p:txBody>
-          <a:bodyPr wrap="square" anchor="ctr" anchorCtr="0">
-            <a:noAutofit/>
+          <a:bodyPr wrap="none" rtlCol="0">
+            <a:spAutoFit/>
           </a:bodyPr>
           <a:lstStyle/>
           <a:p>
-            <a:pPr algn="r"/>
-            <a:r>
-              <a:rPr lang="en-US" sz="1200" dirty="0">
-                <a:latin typeface="+mj-lt"/>
-                <a:cs typeface="Calibri" pitchFamily="34" charset="0"/>
+            <a:r>
+              <a:rPr lang="en-US" sz="6600" dirty="0">
+                <a:latin typeface="Consolas" panose="020B0609020204030204" pitchFamily="49" charset="0"/>
               </a:rPr>
-              <a:t>https://github.com/</a:t>
+              <a:t>!=</a:t>
             </a:r>
           </a:p>
         </p:txBody>
       </p:sp>
       <p:pic>
         <p:nvPicPr>
-          <p:cNvPr id="2" name="Picture 1"/>
+          <p:cNvPr id="6" name="Picture 5">
+            <a:extLst>
+              <a:ext uri="{FF2B5EF4-FFF2-40B4-BE49-F238E27FC236}">
+                <a16:creationId xmlns:a16="http://schemas.microsoft.com/office/drawing/2014/main" id="{554C31F7-B44C-47A8-8233-C2BCF31EC90E}"/>
+              </a:ext>
+            </a:extLst>
+          </p:cNvPr>
           <p:cNvPicPr>
             <a:picLocks noChangeAspect="1"/>
           </p:cNvPicPr>
           <p:nvPr/>
         </p:nvPicPr>
         <p:blipFill>
-          <a:blip r:embed="rId3"/>
+          <a:blip r:embed="rId3">
+            <a:extLst>
+              <a:ext uri="{28A0092B-C50C-407E-A947-70E740481C1C}">
+                <a14:useLocalDpi xmlns:a14="http://schemas.microsoft.com/office/drawing/2010/main" val="0"/>
+              </a:ext>
+            </a:extLst>
+          </a:blip>
           <a:stretch>
             <a:fillRect/>
           </a:stretch>
         </p:blipFill>
         <p:spPr>
           <a:xfrm>
-            <a:off x="713624" y="1647576"/>
-            <a:ext cx="10764752" cy="3562847"/>
+            <a:off x="2873222" y="2532583"/>
+            <a:ext cx="2133876" cy="2133876"/>
+          </a:xfrm>
+          <a:prstGeom prst="rect">
+            <a:avLst/>
+          </a:prstGeom>
+        </p:spPr>
+      </p:pic>
+      <p:pic>
+        <p:nvPicPr>
+          <p:cNvPr id="9" name="Picture 8">
+            <a:extLst>
+              <a:ext uri="{FF2B5EF4-FFF2-40B4-BE49-F238E27FC236}">
+                <a16:creationId xmlns:a16="http://schemas.microsoft.com/office/drawing/2014/main" id="{51E7AEF8-131B-4CB8-B2E1-891A47710B00}"/>
+              </a:ext>
+            </a:extLst>
+          </p:cNvPr>
+          <p:cNvPicPr>
+            <a:picLocks noChangeAspect="1"/>
+          </p:cNvPicPr>
+          <p:nvPr/>
+        </p:nvPicPr>
+        <p:blipFill>
+          <a:blip r:embed="rId4">
+            <a:extLst>
+              <a:ext uri="{28A0092B-C50C-407E-A947-70E740481C1C}">
+                <a14:useLocalDpi xmlns:a14="http://schemas.microsoft.com/office/drawing/2010/main" val="0"/>
+              </a:ext>
+            </a:extLst>
+          </a:blip>
+          <a:stretch>
+            <a:fillRect/>
+          </a:stretch>
+        </p:blipFill>
+        <p:spPr>
+          <a:xfrm>
+            <a:off x="6519912" y="2161999"/>
+            <a:ext cx="2870479" cy="2870479"/>
           </a:xfrm>
           <a:prstGeom prst="rect">
             <a:avLst/>
@@ -9266,7 +9456,7 @@
     </p:spTree>
     <p:extLst>
       <p:ext uri="{BB962C8B-B14F-4D97-AF65-F5344CB8AC3E}">
-        <p14:creationId xmlns:p14="http://schemas.microsoft.com/office/powerpoint/2010/main" val="1203759960"/>
+        <p14:creationId xmlns:p14="http://schemas.microsoft.com/office/powerpoint/2010/main" val="997213556"/>
       </p:ext>
     </p:extLst>
   </p:cSld>
@@ -9295,7 +9485,13 @@
       </p:grpSpPr>
       <p:sp>
         <p:nvSpPr>
-          <p:cNvPr id="3" name="Title 2"/>
+          <p:cNvPr id="2" name="Title 1">
+            <a:extLst>
+              <a:ext uri="{FF2B5EF4-FFF2-40B4-BE49-F238E27FC236}">
+                <a16:creationId xmlns:a16="http://schemas.microsoft.com/office/drawing/2014/main" id="{0CD1ACFA-78F0-4F7B-A000-3604CFDC8576}"/>
+              </a:ext>
+            </a:extLst>
+          </p:cNvPr>
           <p:cNvSpPr>
             <a:spLocks noGrp="1"/>
           </p:cNvSpPr>
@@ -9310,106 +9506,43 @@
           <a:p>
             <a:r>
               <a:rPr lang="en-US" dirty="0"/>
-              <a:t>Definitions</a:t>
-            </a:r>
-          </a:p>
-        </p:txBody>
-      </p:sp>
-      <p:sp>
-        <p:nvSpPr>
-          <p:cNvPr id="9" name="TextBox 8"/>
-          <p:cNvSpPr txBox="1"/>
-          <p:nvPr/>
-        </p:nvSpPr>
-        <p:spPr>
-          <a:xfrm>
-            <a:off x="5295866" y="2788060"/>
-            <a:ext cx="1114408" cy="1107996"/>
-          </a:xfrm>
-          <a:prstGeom prst="rect">
-            <a:avLst/>
-          </a:prstGeom>
-          <a:noFill/>
-        </p:spPr>
-        <p:txBody>
-          <a:bodyPr wrap="none" rtlCol="0">
-            <a:spAutoFit/>
-          </a:bodyPr>
-          <a:lstStyle/>
-          <a:p>
-            <a:r>
-              <a:rPr lang="en-US" sz="6600" dirty="0">
-                <a:latin typeface="Consolas" panose="020B0609020204030204" pitchFamily="49" charset="0"/>
-              </a:rPr>
-              <a:t>!=</a:t>
-            </a:r>
-          </a:p>
-        </p:txBody>
-      </p:sp>
-      <p:pic>
-        <p:nvPicPr>
-          <p:cNvPr id="2" name="Picture 1"/>
-          <p:cNvPicPr>
-            <a:picLocks noChangeAspect="1"/>
-          </p:cNvPicPr>
-          <p:nvPr/>
-        </p:nvPicPr>
-        <p:blipFill>
-          <a:blip r:embed="rId3">
-            <a:extLst>
-              <a:ext uri="{28A0092B-C50C-407E-A947-70E740481C1C}">
-                <a14:useLocalDpi xmlns:a14="http://schemas.microsoft.com/office/drawing/2010/main" val="0"/>
-              </a:ext>
-            </a:extLst>
-          </a:blip>
-          <a:stretch>
-            <a:fillRect/>
-          </a:stretch>
-        </p:blipFill>
-        <p:spPr>
-          <a:xfrm>
-            <a:off x="2841324" y="2277402"/>
-            <a:ext cx="2133876" cy="2133876"/>
-          </a:xfrm>
-          <a:prstGeom prst="rect">
-            <a:avLst/>
-          </a:prstGeom>
-        </p:spPr>
-      </p:pic>
-      <p:pic>
-        <p:nvPicPr>
-          <p:cNvPr id="4" name="Picture 3"/>
-          <p:cNvPicPr>
-            <a:picLocks noChangeAspect="1"/>
-          </p:cNvPicPr>
-          <p:nvPr/>
-        </p:nvPicPr>
-        <p:blipFill>
-          <a:blip r:embed="rId4">
-            <a:extLst>
-              <a:ext uri="{28A0092B-C50C-407E-A947-70E740481C1C}">
-                <a14:useLocalDpi xmlns:a14="http://schemas.microsoft.com/office/drawing/2010/main" val="0"/>
-              </a:ext>
-            </a:extLst>
-          </a:blip>
-          <a:stretch>
-            <a:fillRect/>
-          </a:stretch>
-        </p:blipFill>
-        <p:spPr>
-          <a:xfrm>
-            <a:off x="6488014" y="1906818"/>
-            <a:ext cx="2870479" cy="2870479"/>
-          </a:xfrm>
-          <a:prstGeom prst="rect">
-            <a:avLst/>
-          </a:prstGeom>
-        </p:spPr>
-      </p:pic>
+              <a:t>Demo: Basic Git Concepts</a:t>
+            </a:r>
+          </a:p>
+        </p:txBody>
+      </p:sp>
+      <p:sp>
+        <p:nvSpPr>
+          <p:cNvPr id="3" name="Text Placeholder 2">
+            <a:extLst>
+              <a:ext uri="{FF2B5EF4-FFF2-40B4-BE49-F238E27FC236}">
+                <a16:creationId xmlns:a16="http://schemas.microsoft.com/office/drawing/2014/main" id="{87396062-D2D9-4235-9BFD-E00C4FEEE430}"/>
+              </a:ext>
+            </a:extLst>
+          </p:cNvPr>
+          <p:cNvSpPr>
+            <a:spLocks noGrp="1"/>
+          </p:cNvSpPr>
+          <p:nvPr>
+            <p:ph type="body" idx="1"/>
+          </p:nvPr>
+        </p:nvSpPr>
+        <p:spPr/>
+        <p:txBody>
+          <a:bodyPr/>
+          <a:lstStyle/>
+          <a:p>
+            <a:r>
+              <a:rPr lang="en-US" dirty="0"/>
+              <a:t>Getting Git</a:t>
+            </a:r>
+          </a:p>
+        </p:txBody>
+      </p:sp>
     </p:spTree>
     <p:extLst>
       <p:ext uri="{BB962C8B-B14F-4D97-AF65-F5344CB8AC3E}">
-        <p14:creationId xmlns:p14="http://schemas.microsoft.com/office/powerpoint/2010/main" val="1917406503"/>
+        <p14:creationId xmlns:p14="http://schemas.microsoft.com/office/powerpoint/2010/main" val="2531230859"/>
       </p:ext>
     </p:extLst>
   </p:cSld>
@@ -9438,7 +9571,13 @@
       </p:grpSpPr>
       <p:sp>
         <p:nvSpPr>
-          <p:cNvPr id="2" name="Title 1"/>
+          <p:cNvPr id="2" name="Title 1">
+            <a:extLst>
+              <a:ext uri="{FF2B5EF4-FFF2-40B4-BE49-F238E27FC236}">
+                <a16:creationId xmlns:a16="http://schemas.microsoft.com/office/drawing/2014/main" id="{12CF2E91-AB3B-4671-86E3-FF729A502722}"/>
+              </a:ext>
+            </a:extLst>
+          </p:cNvPr>
           <p:cNvSpPr>
             <a:spLocks noGrp="1"/>
           </p:cNvSpPr>
@@ -9453,50 +9592,89 @@
           <a:p>
             <a:r>
               <a:rPr lang="en-US" dirty="0"/>
-              <a:t>Demo: Basic </a:t>
-            </a:r>
-            <a:r>
-              <a:rPr lang="en-US" dirty="0" err="1"/>
-              <a:t>Git</a:t>
-            </a:r>
-            <a:r>
-              <a:rPr lang="en-US" dirty="0"/>
-              <a:t> Concepts</a:t>
-            </a:r>
-          </a:p>
-        </p:txBody>
-      </p:sp>
-      <p:sp>
-        <p:nvSpPr>
-          <p:cNvPr id="3" name="Text Placeholder 2"/>
-          <p:cNvSpPr>
-            <a:spLocks noGrp="1"/>
-          </p:cNvSpPr>
-          <p:nvPr>
-            <p:ph type="body" idx="1"/>
-          </p:nvPr>
-        </p:nvSpPr>
-        <p:spPr/>
-        <p:txBody>
-          <a:bodyPr/>
-          <a:lstStyle/>
-          <a:p>
-            <a:r>
-              <a:rPr lang="en-US" dirty="0"/>
-              <a:t>Getting </a:t>
-            </a:r>
-            <a:r>
-              <a:rPr lang="en-US" dirty="0" err="1"/>
-              <a:t>Git</a:t>
-            </a:r>
-            <a:endParaRPr lang="en-US" dirty="0"/>
-          </a:p>
-        </p:txBody>
-      </p:sp>
+              <a:t>Definitions</a:t>
+            </a:r>
+          </a:p>
+        </p:txBody>
+      </p:sp>
+      <p:sp>
+        <p:nvSpPr>
+          <p:cNvPr id="8" name="Rectangle 7">
+            <a:extLst>
+              <a:ext uri="{FF2B5EF4-FFF2-40B4-BE49-F238E27FC236}">
+                <a16:creationId xmlns:a16="http://schemas.microsoft.com/office/drawing/2014/main" id="{E9F3EF86-9C16-49BC-BDAF-70BB81AA09CF}"/>
+              </a:ext>
+            </a:extLst>
+          </p:cNvPr>
+          <p:cNvSpPr/>
+          <p:nvPr/>
+        </p:nvSpPr>
+        <p:spPr>
+          <a:xfrm>
+            <a:off x="-1" y="6276894"/>
+            <a:ext cx="12192001" cy="453605"/>
+          </a:xfrm>
+          <a:prstGeom prst="rect">
+            <a:avLst/>
+          </a:prstGeom>
+        </p:spPr>
+        <p:txBody>
+          <a:bodyPr wrap="square" anchor="ctr" anchorCtr="0">
+            <a:noAutofit/>
+          </a:bodyPr>
+          <a:lstStyle/>
+          <a:p>
+            <a:pPr algn="r"/>
+            <a:r>
+              <a:rPr lang="en-US" sz="1200" dirty="0">
+                <a:latin typeface="+mj-lt"/>
+                <a:cs typeface="Calibri" pitchFamily="34" charset="0"/>
+              </a:rPr>
+              <a:t>https://www.visualstudio.com/en-us/docs/devops-alm-overview</a:t>
+            </a:r>
+          </a:p>
+        </p:txBody>
+      </p:sp>
+      <p:pic>
+        <p:nvPicPr>
+          <p:cNvPr id="5" name="Picture 4">
+            <a:extLst>
+              <a:ext uri="{FF2B5EF4-FFF2-40B4-BE49-F238E27FC236}">
+                <a16:creationId xmlns:a16="http://schemas.microsoft.com/office/drawing/2014/main" id="{F855FE6B-529E-485D-91B7-2D0DC98F7C05}"/>
+              </a:ext>
+            </a:extLst>
+          </p:cNvPr>
+          <p:cNvPicPr>
+            <a:picLocks noChangeAspect="1"/>
+          </p:cNvPicPr>
+          <p:nvPr/>
+        </p:nvPicPr>
+        <p:blipFill>
+          <a:blip r:embed="rId3">
+            <a:extLst>
+              <a:ext uri="{28A0092B-C50C-407E-A947-70E740481C1C}">
+                <a14:useLocalDpi xmlns:a14="http://schemas.microsoft.com/office/drawing/2010/main" val="0"/>
+              </a:ext>
+            </a:extLst>
+          </a:blip>
+          <a:stretch>
+            <a:fillRect/>
+          </a:stretch>
+        </p:blipFill>
+        <p:spPr>
+          <a:xfrm>
+            <a:off x="2062981" y="1871337"/>
+            <a:ext cx="8066035" cy="3856573"/>
+          </a:xfrm>
+          <a:prstGeom prst="rect">
+            <a:avLst/>
+          </a:prstGeom>
+        </p:spPr>
+      </p:pic>
     </p:spTree>
     <p:extLst>
       <p:ext uri="{BB962C8B-B14F-4D97-AF65-F5344CB8AC3E}">
-        <p14:creationId xmlns:p14="http://schemas.microsoft.com/office/powerpoint/2010/main" val="79847563"/>
+        <p14:creationId xmlns:p14="http://schemas.microsoft.com/office/powerpoint/2010/main" val="2394160133"/>
       </p:ext>
     </p:extLst>
   </p:cSld>
@@ -9525,7 +9703,13 @@
       </p:grpSpPr>
       <p:sp>
         <p:nvSpPr>
-          <p:cNvPr id="3" name="Title 2"/>
+          <p:cNvPr id="2" name="Title 1">
+            <a:extLst>
+              <a:ext uri="{FF2B5EF4-FFF2-40B4-BE49-F238E27FC236}">
+                <a16:creationId xmlns:a16="http://schemas.microsoft.com/office/drawing/2014/main" id="{12CF2E91-AB3B-4671-86E3-FF729A502722}"/>
+              </a:ext>
+            </a:extLst>
+          </p:cNvPr>
           <p:cNvSpPr>
             <a:spLocks noGrp="1"/>
           </p:cNvSpPr>
@@ -9545,72 +9729,78 @@
           </a:p>
         </p:txBody>
       </p:sp>
+      <p:sp>
+        <p:nvSpPr>
+          <p:cNvPr id="8" name="Rectangle 7">
+            <a:extLst>
+              <a:ext uri="{FF2B5EF4-FFF2-40B4-BE49-F238E27FC236}">
+                <a16:creationId xmlns:a16="http://schemas.microsoft.com/office/drawing/2014/main" id="{E9F3EF86-9C16-49BC-BDAF-70BB81AA09CF}"/>
+              </a:ext>
+            </a:extLst>
+          </p:cNvPr>
+          <p:cNvSpPr/>
+          <p:nvPr/>
+        </p:nvSpPr>
+        <p:spPr>
+          <a:xfrm>
+            <a:off x="-1" y="6276894"/>
+            <a:ext cx="12192001" cy="453605"/>
+          </a:xfrm>
+          <a:prstGeom prst="rect">
+            <a:avLst/>
+          </a:prstGeom>
+        </p:spPr>
+        <p:txBody>
+          <a:bodyPr wrap="square" anchor="ctr" anchorCtr="0">
+            <a:noAutofit/>
+          </a:bodyPr>
+          <a:lstStyle/>
+          <a:p>
+            <a:pPr algn="r"/>
+            <a:r>
+              <a:rPr lang="en-US" sz="1200" dirty="0">
+                <a:latin typeface="+mj-lt"/>
+                <a:cs typeface="Calibri" pitchFamily="34" charset="0"/>
+              </a:rPr>
+              <a:t>https://www.visualstudio.com/en-us/docs/git/gitquickstart</a:t>
+            </a:r>
+          </a:p>
+        </p:txBody>
+      </p:sp>
       <p:pic>
         <p:nvPicPr>
-          <p:cNvPr id="5" name="Picture 4"/>
+          <p:cNvPr id="6" name="Picture 5">
+            <a:extLst>
+              <a:ext uri="{FF2B5EF4-FFF2-40B4-BE49-F238E27FC236}">
+                <a16:creationId xmlns:a16="http://schemas.microsoft.com/office/drawing/2014/main" id="{B38A0D18-9C09-4DF4-885D-E28DE90CB527}"/>
+              </a:ext>
+            </a:extLst>
+          </p:cNvPr>
           <p:cNvPicPr>
             <a:picLocks noChangeAspect="1"/>
           </p:cNvPicPr>
           <p:nvPr/>
         </p:nvPicPr>
         <p:blipFill>
-          <a:blip r:embed="rId3">
-            <a:extLst>
-              <a:ext uri="{28A0092B-C50C-407E-A947-70E740481C1C}">
-                <a14:useLocalDpi xmlns:a14="http://schemas.microsoft.com/office/drawing/2010/main" val="0"/>
-              </a:ext>
-            </a:extLst>
-          </a:blip>
+          <a:blip r:embed="rId3"/>
           <a:stretch>
             <a:fillRect/>
           </a:stretch>
         </p:blipFill>
         <p:spPr>
           <a:xfrm>
-            <a:off x="2066124" y="1499197"/>
-            <a:ext cx="8066035" cy="3856573"/>
+            <a:off x="2037782" y="1846367"/>
+            <a:ext cx="8116433" cy="3781953"/>
           </a:xfrm>
           <a:prstGeom prst="rect">
             <a:avLst/>
           </a:prstGeom>
         </p:spPr>
       </p:pic>
-      <p:sp>
-        <p:nvSpPr>
-          <p:cNvPr id="7" name="Rectangle 6"/>
-          <p:cNvSpPr/>
-          <p:nvPr/>
-        </p:nvSpPr>
-        <p:spPr>
-          <a:xfrm>
-            <a:off x="5610225" y="6276894"/>
-            <a:ext cx="6581775" cy="453605"/>
-          </a:xfrm>
-          <a:prstGeom prst="rect">
-            <a:avLst/>
-          </a:prstGeom>
-        </p:spPr>
-        <p:txBody>
-          <a:bodyPr wrap="square" anchor="ctr" anchorCtr="0">
-            <a:noAutofit/>
-          </a:bodyPr>
-          <a:lstStyle/>
-          <a:p>
-            <a:pPr algn="r"/>
-            <a:r>
-              <a:rPr lang="en-US" sz="1200" dirty="0">
-                <a:latin typeface="+mj-lt"/>
-                <a:cs typeface="Calibri" pitchFamily="34" charset="0"/>
-              </a:rPr>
-              <a:t>https://www.visualstudio.com/en-us/docs/devops-alm-overview</a:t>
-            </a:r>
-          </a:p>
-        </p:txBody>
-      </p:sp>
     </p:spTree>
     <p:extLst>
       <p:ext uri="{BB962C8B-B14F-4D97-AF65-F5344CB8AC3E}">
-        <p14:creationId xmlns:p14="http://schemas.microsoft.com/office/powerpoint/2010/main" val="306138892"/>
+        <p14:creationId xmlns:p14="http://schemas.microsoft.com/office/powerpoint/2010/main" val="110396903"/>
       </p:ext>
     </p:extLst>
   </p:cSld>
@@ -9639,7 +9829,13 @@
       </p:grpSpPr>
       <p:sp>
         <p:nvSpPr>
-          <p:cNvPr id="3" name="Title 2"/>
+          <p:cNvPr id="2" name="Title 1">
+            <a:extLst>
+              <a:ext uri="{FF2B5EF4-FFF2-40B4-BE49-F238E27FC236}">
+                <a16:creationId xmlns:a16="http://schemas.microsoft.com/office/drawing/2014/main" id="{12CF2E91-AB3B-4671-86E3-FF729A502722}"/>
+              </a:ext>
+            </a:extLst>
+          </p:cNvPr>
           <p:cNvSpPr>
             <a:spLocks noGrp="1"/>
           </p:cNvSpPr>
@@ -9661,14 +9857,20 @@
       </p:sp>
       <p:sp>
         <p:nvSpPr>
-          <p:cNvPr id="7" name="Rectangle 6"/>
+          <p:cNvPr id="8" name="Rectangle 7">
+            <a:extLst>
+              <a:ext uri="{FF2B5EF4-FFF2-40B4-BE49-F238E27FC236}">
+                <a16:creationId xmlns:a16="http://schemas.microsoft.com/office/drawing/2014/main" id="{E9F3EF86-9C16-49BC-BDAF-70BB81AA09CF}"/>
+              </a:ext>
+            </a:extLst>
+          </p:cNvPr>
           <p:cNvSpPr/>
           <p:nvPr/>
         </p:nvSpPr>
         <p:spPr>
           <a:xfrm>
-            <a:off x="5610225" y="6276894"/>
-            <a:ext cx="6581775" cy="453605"/>
+            <a:off x="-1" y="6276894"/>
+            <a:ext cx="12192001" cy="453605"/>
           </a:xfrm>
           <a:prstGeom prst="rect">
             <a:avLst/>
@@ -9693,32 +9895,55 @@
       </p:sp>
       <p:pic>
         <p:nvPicPr>
-          <p:cNvPr id="2" name="Picture 1"/>
+          <p:cNvPr id="5" name="Picture 2" descr="https://pbs.twimg.com/media/BkLp10FCMAALsAQ.jpg">
+            <a:extLst>
+              <a:ext uri="{FF2B5EF4-FFF2-40B4-BE49-F238E27FC236}">
+                <a16:creationId xmlns:a16="http://schemas.microsoft.com/office/drawing/2014/main" id="{DE1D96D0-68E1-498C-8E46-B7C428A57157}"/>
+              </a:ext>
+            </a:extLst>
+          </p:cNvPr>
           <p:cNvPicPr>
-            <a:picLocks noChangeAspect="1"/>
+            <a:picLocks noChangeAspect="1" noChangeArrowheads="1"/>
           </p:cNvPicPr>
           <p:nvPr/>
         </p:nvPicPr>
         <p:blipFill>
-          <a:blip r:embed="rId3"/>
+          <a:blip r:embed="rId3">
+            <a:extLst>
+              <a:ext uri="{28A0092B-C50C-407E-A947-70E740481C1C}">
+                <a14:useLocalDpi xmlns:a14="http://schemas.microsoft.com/office/drawing/2010/main" val="0"/>
+              </a:ext>
+            </a:extLst>
+          </a:blip>
+          <a:srcRect/>
           <a:stretch>
             <a:fillRect/>
           </a:stretch>
         </p:blipFill>
-        <p:spPr>
+        <p:spPr bwMode="auto">
           <a:xfrm>
-            <a:off x="2037783" y="1538023"/>
-            <a:ext cx="8116433" cy="3781953"/>
+            <a:off x="1912312" y="1690688"/>
+            <a:ext cx="8367373" cy="4414175"/>
           </a:xfrm>
           <a:prstGeom prst="rect">
             <a:avLst/>
           </a:prstGeom>
+          <a:noFill/>
+          <a:extLst>
+            <a:ext uri="{909E8E84-426E-40DD-AFC4-6F175D3DCCD1}">
+              <a14:hiddenFill xmlns:a14="http://schemas.microsoft.com/office/drawing/2010/main">
+                <a:solidFill>
+                  <a:srgbClr val="FFFFFF"/>
+                </a:solidFill>
+              </a14:hiddenFill>
+            </a:ext>
+          </a:extLst>
         </p:spPr>
       </p:pic>
     </p:spTree>
     <p:extLst>
       <p:ext uri="{BB962C8B-B14F-4D97-AF65-F5344CB8AC3E}">
-        <p14:creationId xmlns:p14="http://schemas.microsoft.com/office/powerpoint/2010/main" val="2407723377"/>
+        <p14:creationId xmlns:p14="http://schemas.microsoft.com/office/powerpoint/2010/main" val="1288692784"/>
       </p:ext>
     </p:extLst>
   </p:cSld>
@@ -9747,7 +9972,13 @@
       </p:grpSpPr>
       <p:sp>
         <p:nvSpPr>
-          <p:cNvPr id="3" name="Title 2"/>
+          <p:cNvPr id="2" name="Title 1">
+            <a:extLst>
+              <a:ext uri="{FF2B5EF4-FFF2-40B4-BE49-F238E27FC236}">
+                <a16:creationId xmlns:a16="http://schemas.microsoft.com/office/drawing/2014/main" id="{AF16F355-05BB-4AEA-AFD5-73F9A2BA8DDA}"/>
+              </a:ext>
+            </a:extLst>
+          </p:cNvPr>
           <p:cNvSpPr>
             <a:spLocks noGrp="1"/>
           </p:cNvSpPr>
@@ -9769,14 +10000,90 @@
       </p:sp>
       <p:sp>
         <p:nvSpPr>
-          <p:cNvPr id="7" name="Rectangle 6"/>
+          <p:cNvPr id="3" name="Content Placeholder 2">
+            <a:extLst>
+              <a:ext uri="{FF2B5EF4-FFF2-40B4-BE49-F238E27FC236}">
+                <a16:creationId xmlns:a16="http://schemas.microsoft.com/office/drawing/2014/main" id="{0217FEB7-D240-490C-82DE-925DF2E68F4B}"/>
+              </a:ext>
+            </a:extLst>
+          </p:cNvPr>
+          <p:cNvSpPr>
+            <a:spLocks noGrp="1"/>
+          </p:cNvSpPr>
+          <p:nvPr>
+            <p:ph idx="1"/>
+          </p:nvPr>
+        </p:nvSpPr>
+        <p:spPr/>
+        <p:txBody>
+          <a:bodyPr/>
+          <a:lstStyle/>
+          <a:p>
+            <a:r>
+              <a:rPr lang="en-US" dirty="0"/>
+              <a:t>Merge times</a:t>
+            </a:r>
+          </a:p>
+          <a:p>
+            <a:r>
+              <a:rPr lang="en-US" dirty="0"/>
+              <a:t>Pull requests</a:t>
+            </a:r>
+          </a:p>
+          <a:p>
+            <a:r>
+              <a:rPr lang="en-US" dirty="0"/>
+              <a:t>Interactive rebase (== TFS changeset)</a:t>
+            </a:r>
+          </a:p>
+          <a:p>
+            <a:r>
+              <a:rPr lang="en-US" dirty="0"/>
+              <a:t>Parallel branch work</a:t>
+            </a:r>
+          </a:p>
+          <a:p>
+            <a:r>
+              <a:rPr lang="en-US" dirty="0"/>
+              <a:t>Git rebases</a:t>
+            </a:r>
+          </a:p>
+          <a:p>
+            <a:r>
+              <a:rPr lang="en-US" dirty="0"/>
+              <a:t>Three-way merges (less conflicts)</a:t>
+            </a:r>
+          </a:p>
+          <a:p>
+            <a:r>
+              <a:rPr lang="en-US" dirty="0"/>
+              <a:t>No checkouts (!!!!)</a:t>
+            </a:r>
+          </a:p>
+          <a:p>
+            <a:r>
+              <a:rPr lang="en-US" dirty="0"/>
+              <a:t>Offline work</a:t>
+            </a:r>
+          </a:p>
+        </p:txBody>
+      </p:sp>
+      <p:sp>
+        <p:nvSpPr>
+          <p:cNvPr id="4" name="Rectangle 3">
+            <a:extLst>
+              <a:ext uri="{FF2B5EF4-FFF2-40B4-BE49-F238E27FC236}">
+                <a16:creationId xmlns:a16="http://schemas.microsoft.com/office/drawing/2014/main" id="{0DB6B071-995A-459B-8FDC-6323BB18E7D3}"/>
+              </a:ext>
+            </a:extLst>
+          </p:cNvPr>
           <p:cNvSpPr/>
           <p:nvPr/>
         </p:nvSpPr>
         <p:spPr>
           <a:xfrm>
-            <a:off x="5610225" y="6276894"/>
-            <a:ext cx="6581775" cy="453605"/>
+            <a:off x="-1" y="6276894"/>
+            <a:ext cx="12192001" cy="453605"/>
           </a:xfrm>
           <a:prstGeom prst="rect">
             <a:avLst/>
@@ -9794,56 +10101,15 @@
                 <a:latin typeface="+mj-lt"/>
                 <a:cs typeface="Calibri" pitchFamily="34" charset="0"/>
               </a:rPr>
-              <a:t>https://www.visualstudio.com/en-us/docs/git/gitquickstart</a:t>
-            </a:r>
-          </a:p>
-        </p:txBody>
-      </p:sp>
-      <p:pic>
-        <p:nvPicPr>
-          <p:cNvPr id="7170" name="Picture 2" descr="https://pbs.twimg.com/media/BkLp10FCMAALsAQ.jpg"/>
-          <p:cNvPicPr>
-            <a:picLocks noChangeAspect="1" noChangeArrowheads="1"/>
-          </p:cNvPicPr>
-          <p:nvPr/>
-        </p:nvPicPr>
-        <p:blipFill>
-          <a:blip r:embed="rId3">
-            <a:extLst>
-              <a:ext uri="{28A0092B-C50C-407E-A947-70E740481C1C}">
-                <a14:useLocalDpi xmlns:a14="http://schemas.microsoft.com/office/drawing/2010/main" val="0"/>
-              </a:ext>
-            </a:extLst>
-          </a:blip>
-          <a:srcRect/>
-          <a:stretch>
-            <a:fillRect/>
-          </a:stretch>
-        </p:blipFill>
-        <p:spPr bwMode="auto">
-          <a:xfrm>
-            <a:off x="1915455" y="1232998"/>
-            <a:ext cx="8367373" cy="4414175"/>
-          </a:xfrm>
-          <a:prstGeom prst="rect">
-            <a:avLst/>
-          </a:prstGeom>
-          <a:noFill/>
-          <a:extLst>
-            <a:ext uri="{909E8E84-426E-40DD-AFC4-6F175D3DCCD1}">
-              <a14:hiddenFill xmlns:a14="http://schemas.microsoft.com/office/drawing/2010/main">
-                <a:solidFill>
-                  <a:srgbClr val="FFFFFF"/>
-                </a:solidFill>
-              </a14:hiddenFill>
-            </a:ext>
-          </a:extLst>
-        </p:spPr>
-      </p:pic>
+              <a:t>http://www.continuousimprover.com/2015/06/why-you-should-abandon-tfs-source.html</a:t>
+            </a:r>
+          </a:p>
+        </p:txBody>
+      </p:sp>
     </p:spTree>
     <p:extLst>
       <p:ext uri="{BB962C8B-B14F-4D97-AF65-F5344CB8AC3E}">
-        <p14:creationId xmlns:p14="http://schemas.microsoft.com/office/powerpoint/2010/main" val="3790455281"/>
+        <p14:creationId xmlns:p14="http://schemas.microsoft.com/office/powerpoint/2010/main" val="731372739"/>
       </p:ext>
     </p:extLst>
   </p:cSld>
@@ -9872,12 +10138,18 @@
       </p:grpSpPr>
       <p:sp>
         <p:nvSpPr>
-          <p:cNvPr id="2" name="Content Placeholder 1"/>
-          <p:cNvSpPr>
-            <a:spLocks noGrp="1"/>
-          </p:cNvSpPr>
-          <p:nvPr>
-            <p:ph idx="1"/>
+          <p:cNvPr id="2" name="Title 1">
+            <a:extLst>
+              <a:ext uri="{FF2B5EF4-FFF2-40B4-BE49-F238E27FC236}">
+                <a16:creationId xmlns:a16="http://schemas.microsoft.com/office/drawing/2014/main" id="{0CD1ACFA-78F0-4F7B-A000-3604CFDC8576}"/>
+              </a:ext>
+            </a:extLst>
+          </p:cNvPr>
+          <p:cNvSpPr>
+            <a:spLocks noGrp="1"/>
+          </p:cNvSpPr>
+          <p:nvPr>
+            <p:ph type="title"/>
           </p:nvPr>
         </p:nvSpPr>
         <p:spPr/>
@@ -9887,118 +10159,35 @@
           <a:p>
             <a:r>
               <a:rPr lang="en-US" dirty="0"/>
-              <a:t>Merge times</a:t>
-            </a:r>
-          </a:p>
+              <a:t>Demo: Using Git in TFS</a:t>
+            </a:r>
+          </a:p>
+        </p:txBody>
+      </p:sp>
+      <p:sp>
+        <p:nvSpPr>
+          <p:cNvPr id="3" name="Text Placeholder 2">
+            <a:extLst>
+              <a:ext uri="{FF2B5EF4-FFF2-40B4-BE49-F238E27FC236}">
+                <a16:creationId xmlns:a16="http://schemas.microsoft.com/office/drawing/2014/main" id="{87396062-D2D9-4235-9BFD-E00C4FEEE430}"/>
+              </a:ext>
+            </a:extLst>
+          </p:cNvPr>
+          <p:cNvSpPr>
+            <a:spLocks noGrp="1"/>
+          </p:cNvSpPr>
+          <p:nvPr>
+            <p:ph type="body" idx="1"/>
+          </p:nvPr>
+        </p:nvSpPr>
+        <p:spPr/>
+        <p:txBody>
+          <a:bodyPr/>
+          <a:lstStyle/>
           <a:p>
             <a:r>
               <a:rPr lang="en-US" dirty="0"/>
-              <a:t>Pull requests</a:t>
-            </a:r>
-          </a:p>
-          <a:p>
-            <a:r>
-              <a:rPr lang="en-US" dirty="0"/>
-              <a:t>Interactive rebase (== TFS </a:t>
-            </a:r>
-            <a:r>
-              <a:rPr lang="en-US" dirty="0" err="1"/>
-              <a:t>changeset</a:t>
-            </a:r>
-            <a:r>
-              <a:rPr lang="en-US" dirty="0"/>
-              <a:t>)</a:t>
-            </a:r>
-          </a:p>
-          <a:p>
-            <a:r>
-              <a:rPr lang="en-US" dirty="0"/>
-              <a:t>Parallel branch work</a:t>
-            </a:r>
-          </a:p>
-          <a:p>
-            <a:r>
-              <a:rPr lang="en-US" dirty="0" err="1"/>
-              <a:t>Git</a:t>
-            </a:r>
-            <a:r>
-              <a:rPr lang="en-US" dirty="0"/>
-              <a:t> rebases</a:t>
-            </a:r>
-          </a:p>
-          <a:p>
-            <a:r>
-              <a:rPr lang="en-US" dirty="0"/>
-              <a:t>Three-way merges (less conflicts)</a:t>
-            </a:r>
-          </a:p>
-          <a:p>
-            <a:r>
-              <a:rPr lang="en-US" dirty="0"/>
-              <a:t>No checkouts (!!!!)</a:t>
-            </a:r>
-          </a:p>
-          <a:p>
-            <a:r>
-              <a:rPr lang="en-US" dirty="0"/>
-              <a:t>Offline work</a:t>
-            </a:r>
-          </a:p>
-          <a:p>
-            <a:endParaRPr lang="en-US" dirty="0"/>
-          </a:p>
-        </p:txBody>
-      </p:sp>
-      <p:sp>
-        <p:nvSpPr>
-          <p:cNvPr id="3" name="Title 2"/>
-          <p:cNvSpPr>
-            <a:spLocks noGrp="1"/>
-          </p:cNvSpPr>
-          <p:nvPr>
-            <p:ph type="title"/>
-          </p:nvPr>
-        </p:nvSpPr>
-        <p:spPr/>
-        <p:txBody>
-          <a:bodyPr/>
-          <a:lstStyle/>
-          <a:p>
-            <a:r>
-              <a:rPr lang="en-US" dirty="0"/>
-              <a:t>Definitions</a:t>
-            </a:r>
-          </a:p>
-        </p:txBody>
-      </p:sp>
-      <p:sp>
-        <p:nvSpPr>
-          <p:cNvPr id="4" name="Rectangle 3"/>
-          <p:cNvSpPr/>
-          <p:nvPr/>
-        </p:nvSpPr>
-        <p:spPr>
-          <a:xfrm>
-            <a:off x="5610225" y="6276894"/>
-            <a:ext cx="6581775" cy="453605"/>
-          </a:xfrm>
-          <a:prstGeom prst="rect">
-            <a:avLst/>
-          </a:prstGeom>
-        </p:spPr>
-        <p:txBody>
-          <a:bodyPr wrap="square" anchor="ctr" anchorCtr="0">
-            <a:noAutofit/>
-          </a:bodyPr>
-          <a:lstStyle/>
-          <a:p>
-            <a:pPr algn="r"/>
-            <a:r>
-              <a:rPr lang="en-US" sz="1200" dirty="0">
-                <a:latin typeface="+mj-lt"/>
-                <a:cs typeface="Calibri" pitchFamily="34" charset="0"/>
-              </a:rPr>
-              <a:t>http://www.continuousimprover.com/2015/06/why-you-should-abandon-tfs-source.html</a:t>
+              <a:t>Getting Git</a:t>
             </a:r>
           </a:p>
         </p:txBody>
@@ -10006,7 +10195,7 @@
     </p:spTree>
     <p:extLst>
       <p:ext uri="{BB962C8B-B14F-4D97-AF65-F5344CB8AC3E}">
-        <p14:creationId xmlns:p14="http://schemas.microsoft.com/office/powerpoint/2010/main" val="786413963"/>
+        <p14:creationId xmlns:p14="http://schemas.microsoft.com/office/powerpoint/2010/main" val="3851574859"/>
       </p:ext>
     </p:extLst>
   </p:cSld>
@@ -10035,7 +10224,41 @@
       </p:grpSpPr>
       <p:sp>
         <p:nvSpPr>
-          <p:cNvPr id="2" name="Content Placeholder 1"/>
+          <p:cNvPr id="2" name="Title 1">
+            <a:extLst>
+              <a:ext uri="{FF2B5EF4-FFF2-40B4-BE49-F238E27FC236}">
+                <a16:creationId xmlns:a16="http://schemas.microsoft.com/office/drawing/2014/main" id="{36710E48-A016-40A3-9CF2-752FD8E3204B}"/>
+              </a:ext>
+            </a:extLst>
+          </p:cNvPr>
+          <p:cNvSpPr>
+            <a:spLocks noGrp="1"/>
+          </p:cNvSpPr>
+          <p:nvPr>
+            <p:ph type="title"/>
+          </p:nvPr>
+        </p:nvSpPr>
+        <p:spPr/>
+        <p:txBody>
+          <a:bodyPr/>
+          <a:lstStyle/>
+          <a:p>
+            <a:r>
+              <a:rPr lang="en-US" dirty="0"/>
+              <a:t>Personal Info</a:t>
+            </a:r>
+          </a:p>
+        </p:txBody>
+      </p:sp>
+      <p:sp>
+        <p:nvSpPr>
+          <p:cNvPr id="3" name="Content Placeholder 2">
+            <a:extLst>
+              <a:ext uri="{FF2B5EF4-FFF2-40B4-BE49-F238E27FC236}">
+                <a16:creationId xmlns:a16="http://schemas.microsoft.com/office/drawing/2014/main" id="{EDC3CAC5-D82C-4212-910D-3A0A44EBA6B0}"/>
+              </a:ext>
+            </a:extLst>
+          </p:cNvPr>
           <p:cNvSpPr>
             <a:spLocks noGrp="1"/>
           </p:cNvSpPr>
@@ -10047,12 +10270,6 @@
         <p:txBody>
           <a:bodyPr/>
           <a:lstStyle/>
-          <a:p>
-            <a:r>
-              <a:rPr lang="en-US" dirty="0"/>
-              <a:t>http://www.magenic.com</a:t>
-            </a:r>
-          </a:p>
           <a:p>
             <a:r>
               <a:rPr lang="en-US" dirty="0"/>
@@ -10074,32 +10291,7 @@
           <a:p>
             <a:r>
               <a:rPr lang="en-US" dirty="0"/>
-              <a:t>jasonb@magenic.com</a:t>
-            </a:r>
-          </a:p>
-          <a:p>
-            <a:endParaRPr lang="en-US" dirty="0"/>
-          </a:p>
-        </p:txBody>
-      </p:sp>
-      <p:sp>
-        <p:nvSpPr>
-          <p:cNvPr id="3" name="Title 2"/>
-          <p:cNvSpPr>
-            <a:spLocks noGrp="1"/>
-          </p:cNvSpPr>
-          <p:nvPr>
-            <p:ph type="title"/>
-          </p:nvPr>
-        </p:nvSpPr>
-        <p:spPr/>
-        <p:txBody>
-          <a:bodyPr/>
-          <a:lstStyle/>
-          <a:p>
-            <a:r>
-              <a:rPr lang="en-US" dirty="0"/>
-              <a:t>Personal Info</a:t>
+              <a:t>jason.r.bock@outlook.com</a:t>
             </a:r>
           </a:p>
         </p:txBody>
@@ -10107,7 +10299,7 @@
     </p:spTree>
     <p:extLst>
       <p:ext uri="{BB962C8B-B14F-4D97-AF65-F5344CB8AC3E}">
-        <p14:creationId xmlns:p14="http://schemas.microsoft.com/office/powerpoint/2010/main" val="1902839101"/>
+        <p14:creationId xmlns:p14="http://schemas.microsoft.com/office/powerpoint/2010/main" val="1171871458"/>
       </p:ext>
     </p:extLst>
   </p:cSld>
@@ -10136,7 +10328,13 @@
       </p:grpSpPr>
       <p:sp>
         <p:nvSpPr>
-          <p:cNvPr id="2" name="Title 1"/>
+          <p:cNvPr id="2" name="Title 1">
+            <a:extLst>
+              <a:ext uri="{FF2B5EF4-FFF2-40B4-BE49-F238E27FC236}">
+                <a16:creationId xmlns:a16="http://schemas.microsoft.com/office/drawing/2014/main" id="{12CF2E91-AB3B-4671-86E3-FF729A502722}"/>
+              </a:ext>
+            </a:extLst>
+          </p:cNvPr>
           <p:cNvSpPr>
             <a:spLocks noGrp="1"/>
           </p:cNvSpPr>
@@ -10151,50 +10349,118 @@
           <a:p>
             <a:r>
               <a:rPr lang="en-US" dirty="0"/>
-              <a:t>Demo: Using </a:t>
-            </a:r>
-            <a:r>
-              <a:rPr lang="en-US" dirty="0" err="1"/>
-              <a:t>Git</a:t>
-            </a:r>
-            <a:r>
-              <a:rPr lang="en-US" dirty="0"/>
-              <a:t> in TFS</a:t>
-            </a:r>
-          </a:p>
-        </p:txBody>
-      </p:sp>
-      <p:sp>
-        <p:nvSpPr>
-          <p:cNvPr id="3" name="Text Placeholder 2"/>
-          <p:cNvSpPr>
-            <a:spLocks noGrp="1"/>
-          </p:cNvSpPr>
-          <p:nvPr>
-            <p:ph type="body" idx="1"/>
-          </p:nvPr>
-        </p:nvSpPr>
-        <p:spPr/>
-        <p:txBody>
-          <a:bodyPr/>
-          <a:lstStyle/>
-          <a:p>
-            <a:r>
-              <a:rPr lang="en-US" dirty="0"/>
-              <a:t>Getting </a:t>
-            </a:r>
-            <a:r>
-              <a:rPr lang="en-US" dirty="0" err="1"/>
-              <a:t>Git</a:t>
-            </a:r>
-            <a:endParaRPr lang="en-US" dirty="0"/>
-          </a:p>
-        </p:txBody>
-      </p:sp>
+              <a:t>Conclusion</a:t>
+            </a:r>
+          </a:p>
+        </p:txBody>
+      </p:sp>
+      <p:sp>
+        <p:nvSpPr>
+          <p:cNvPr id="6" name="TextBox 5">
+            <a:extLst>
+              <a:ext uri="{FF2B5EF4-FFF2-40B4-BE49-F238E27FC236}">
+                <a16:creationId xmlns:a16="http://schemas.microsoft.com/office/drawing/2014/main" id="{0F87206F-3CFF-4D06-9116-C2455D92B907}"/>
+              </a:ext>
+            </a:extLst>
+          </p:cNvPr>
+          <p:cNvSpPr txBox="1"/>
+          <p:nvPr/>
+        </p:nvSpPr>
+        <p:spPr>
+          <a:xfrm>
+            <a:off x="5830766" y="3277157"/>
+            <a:ext cx="649537" cy="1107996"/>
+          </a:xfrm>
+          <a:prstGeom prst="rect">
+            <a:avLst/>
+          </a:prstGeom>
+          <a:noFill/>
+        </p:spPr>
+        <p:txBody>
+          <a:bodyPr wrap="none" rtlCol="0">
+            <a:spAutoFit/>
+          </a:bodyPr>
+          <a:lstStyle/>
+          <a:p>
+            <a:r>
+              <a:rPr lang="en-US" sz="6600" dirty="0">
+                <a:latin typeface="Consolas" panose="020B0609020204030204" pitchFamily="49" charset="0"/>
+              </a:rPr>
+              <a:t>=</a:t>
+            </a:r>
+          </a:p>
+        </p:txBody>
+      </p:sp>
+      <p:pic>
+        <p:nvPicPr>
+          <p:cNvPr id="7" name="Picture 6">
+            <a:extLst>
+              <a:ext uri="{FF2B5EF4-FFF2-40B4-BE49-F238E27FC236}">
+                <a16:creationId xmlns:a16="http://schemas.microsoft.com/office/drawing/2014/main" id="{28594876-B6AD-40F2-906A-CF3E4FA4C91B}"/>
+              </a:ext>
+            </a:extLst>
+          </p:cNvPr>
+          <p:cNvPicPr>
+            <a:picLocks noChangeAspect="1"/>
+          </p:cNvPicPr>
+          <p:nvPr/>
+        </p:nvPicPr>
+        <p:blipFill>
+          <a:blip r:embed="rId3"/>
+          <a:stretch>
+            <a:fillRect/>
+          </a:stretch>
+        </p:blipFill>
+        <p:spPr>
+          <a:xfrm>
+            <a:off x="6520495" y="2766499"/>
+            <a:ext cx="2236467" cy="2133876"/>
+          </a:xfrm>
+          <a:prstGeom prst="rect">
+            <a:avLst/>
+          </a:prstGeom>
+        </p:spPr>
+      </p:pic>
+      <p:pic>
+        <p:nvPicPr>
+          <p:cNvPr id="9" name="Picture 8">
+            <a:extLst>
+              <a:ext uri="{FF2B5EF4-FFF2-40B4-BE49-F238E27FC236}">
+                <a16:creationId xmlns:a16="http://schemas.microsoft.com/office/drawing/2014/main" id="{D1C7477A-FEDF-4F97-9D8F-003161F46E1A}"/>
+              </a:ext>
+            </a:extLst>
+          </p:cNvPr>
+          <p:cNvPicPr>
+            <a:picLocks noChangeAspect="1"/>
+          </p:cNvPicPr>
+          <p:nvPr/>
+        </p:nvPicPr>
+        <p:blipFill>
+          <a:blip r:embed="rId4">
+            <a:extLst>
+              <a:ext uri="{28A0092B-C50C-407E-A947-70E740481C1C}">
+                <a14:useLocalDpi xmlns:a14="http://schemas.microsoft.com/office/drawing/2010/main" val="0"/>
+              </a:ext>
+            </a:extLst>
+          </a:blip>
+          <a:stretch>
+            <a:fillRect/>
+          </a:stretch>
+        </p:blipFill>
+        <p:spPr>
+          <a:xfrm>
+            <a:off x="3376224" y="2766499"/>
+            <a:ext cx="2133876" cy="2133876"/>
+          </a:xfrm>
+          <a:prstGeom prst="rect">
+            <a:avLst/>
+          </a:prstGeom>
+        </p:spPr>
+      </p:pic>
     </p:spTree>
     <p:extLst>
       <p:ext uri="{BB962C8B-B14F-4D97-AF65-F5344CB8AC3E}">
-        <p14:creationId xmlns:p14="http://schemas.microsoft.com/office/powerpoint/2010/main" val="2897213097"/>
+        <p14:creationId xmlns:p14="http://schemas.microsoft.com/office/powerpoint/2010/main" val="628410218"/>
       </p:ext>
     </p:extLst>
   </p:cSld>
@@ -10223,12 +10489,18 @@
       </p:grpSpPr>
       <p:sp>
         <p:nvSpPr>
-          <p:cNvPr id="3" name="Title 2"/>
-          <p:cNvSpPr>
-            <a:spLocks noGrp="1"/>
-          </p:cNvSpPr>
-          <p:nvPr>
-            <p:ph type="title"/>
+          <p:cNvPr id="2" name="Title 1">
+            <a:extLst>
+              <a:ext uri="{FF2B5EF4-FFF2-40B4-BE49-F238E27FC236}">
+                <a16:creationId xmlns:a16="http://schemas.microsoft.com/office/drawing/2014/main" id="{28FDD7BB-29CD-4CFA-B113-158C39859BE8}"/>
+              </a:ext>
+            </a:extLst>
+          </p:cNvPr>
+          <p:cNvSpPr>
+            <a:spLocks noGrp="1"/>
+          </p:cNvSpPr>
+          <p:nvPr>
+            <p:ph type="ctrTitle"/>
           </p:nvPr>
         </p:nvSpPr>
         <p:spPr/>
@@ -10238,21 +10510,55 @@
           <a:p>
             <a:r>
               <a:rPr lang="en-US" dirty="0"/>
-              <a:t>Conclusion</a:t>
-            </a:r>
-          </a:p>
-        </p:txBody>
-      </p:sp>
-      <p:sp>
-        <p:nvSpPr>
-          <p:cNvPr id="9" name="TextBox 8"/>
+              <a:t>Getting Git</a:t>
+            </a:r>
+          </a:p>
+        </p:txBody>
+      </p:sp>
+      <p:sp>
+        <p:nvSpPr>
+          <p:cNvPr id="3" name="Subtitle 2">
+            <a:extLst>
+              <a:ext uri="{FF2B5EF4-FFF2-40B4-BE49-F238E27FC236}">
+                <a16:creationId xmlns:a16="http://schemas.microsoft.com/office/drawing/2014/main" id="{2EAF0956-CF51-4575-8465-AA5B3F8672A4}"/>
+              </a:ext>
+            </a:extLst>
+          </p:cNvPr>
+          <p:cNvSpPr>
+            <a:spLocks noGrp="1"/>
+          </p:cNvSpPr>
+          <p:nvPr>
+            <p:ph type="subTitle" idx="1"/>
+          </p:nvPr>
+        </p:nvSpPr>
+        <p:spPr/>
+        <p:txBody>
+          <a:bodyPr/>
+          <a:lstStyle/>
+          <a:p>
+            <a:r>
+              <a:rPr lang="en-US" dirty="0"/>
+              <a:t>Jason Bock</a:t>
+            </a:r>
+          </a:p>
+        </p:txBody>
+      </p:sp>
+      <p:sp>
+        <p:nvSpPr>
+          <p:cNvPr id="5" name="TextBox 4">
+            <a:extLst>
+              <a:ext uri="{FF2B5EF4-FFF2-40B4-BE49-F238E27FC236}">
+                <a16:creationId xmlns:a16="http://schemas.microsoft.com/office/drawing/2014/main" id="{04B3E84D-B7D6-46FB-BE35-D3CFB2E1E0CD}"/>
+              </a:ext>
+            </a:extLst>
+          </p:cNvPr>
           <p:cNvSpPr txBox="1"/>
           <p:nvPr/>
         </p:nvSpPr>
         <p:spPr>
           <a:xfrm>
-            <a:off x="5788236" y="2788060"/>
-            <a:ext cx="649537" cy="1107996"/>
+            <a:off x="-1" y="5735637"/>
+            <a:ext cx="10668001" cy="1122364"/>
           </a:xfrm>
           <a:prstGeom prst="rect">
             <a:avLst/>
@@ -10260,218 +10566,42 @@
           <a:noFill/>
         </p:spPr>
         <p:txBody>
-          <a:bodyPr wrap="none" rtlCol="0">
-            <a:spAutoFit/>
+          <a:bodyPr wrap="square" rtlCol="0" anchor="ctr" anchorCtr="0">
+            <a:noAutofit/>
           </a:bodyPr>
           <a:lstStyle/>
           <a:p>
             <a:r>
-              <a:rPr lang="en-US" sz="6600" dirty="0">
-                <a:latin typeface="Consolas" panose="020B0609020204030204" pitchFamily="49" charset="0"/>
-              </a:rPr>
-              <a:t>=</a:t>
-            </a:r>
-          </a:p>
-        </p:txBody>
-      </p:sp>
-      <p:pic>
-        <p:nvPicPr>
-          <p:cNvPr id="10" name="Picture 9"/>
-          <p:cNvPicPr>
-            <a:picLocks noChangeAspect="1"/>
-          </p:cNvPicPr>
-          <p:nvPr/>
-        </p:nvPicPr>
-        <p:blipFill>
-          <a:blip r:embed="rId3"/>
-          <a:stretch>
-            <a:fillRect/>
-          </a:stretch>
-        </p:blipFill>
-        <p:spPr>
-          <a:xfrm>
-            <a:off x="6477965" y="2277402"/>
-            <a:ext cx="2236467" cy="2133876"/>
-          </a:xfrm>
-          <a:prstGeom prst="rect">
-            <a:avLst/>
-          </a:prstGeom>
-        </p:spPr>
-      </p:pic>
-      <p:pic>
-        <p:nvPicPr>
-          <p:cNvPr id="2" name="Picture 1"/>
-          <p:cNvPicPr>
-            <a:picLocks noChangeAspect="1"/>
-          </p:cNvPicPr>
-          <p:nvPr/>
-        </p:nvPicPr>
-        <p:blipFill>
-          <a:blip r:embed="rId4">
-            <a:extLst>
-              <a:ext uri="{28A0092B-C50C-407E-A947-70E740481C1C}">
-                <a14:useLocalDpi xmlns:a14="http://schemas.microsoft.com/office/drawing/2010/main" val="0"/>
-              </a:ext>
-            </a:extLst>
-          </a:blip>
-          <a:stretch>
-            <a:fillRect/>
-          </a:stretch>
-        </p:blipFill>
-        <p:spPr>
-          <a:xfrm>
-            <a:off x="3333694" y="2277402"/>
-            <a:ext cx="2133876" cy="2133876"/>
-          </a:xfrm>
-          <a:prstGeom prst="rect">
-            <a:avLst/>
-          </a:prstGeom>
-        </p:spPr>
-      </p:pic>
+              <a:rPr lang="en-US" dirty="0"/>
+              <a:t>Remember…</a:t>
+            </a:r>
+          </a:p>
+          <a:p>
+            <a:pPr marL="285750" indent="-285750">
+              <a:buFont typeface="Arial" panose="020B0604020202020204" pitchFamily="34" charset="0"/>
+              <a:buChar char="•"/>
+            </a:pPr>
+            <a:r>
+              <a:rPr lang="en-US" dirty="0"/>
+              <a:t>https://github.com/JasonBock/Presentations/blob/master/Getting%20Git.pptx</a:t>
+            </a:r>
+          </a:p>
+          <a:p>
+            <a:pPr marL="285750" indent="-285750">
+              <a:buFont typeface="Arial" panose="020B0604020202020204" pitchFamily="34" charset="0"/>
+              <a:buChar char="•"/>
+            </a:pPr>
+            <a:r>
+              <a:rPr lang="en-US" dirty="0"/>
+              <a:t>References in the notes on this slide</a:t>
+            </a:r>
+          </a:p>
+        </p:txBody>
+      </p:sp>
     </p:spTree>
     <p:extLst>
       <p:ext uri="{BB962C8B-B14F-4D97-AF65-F5344CB8AC3E}">
-        <p14:creationId xmlns:p14="http://schemas.microsoft.com/office/powerpoint/2010/main" val="3299762595"/>
-      </p:ext>
-    </p:extLst>
-  </p:cSld>
-  <p:clrMapOvr>
-    <a:masterClrMapping/>
-  </p:clrMapOvr>
-</p:sld>
-</file>
-
-<file path=ppt/slides/slide22.xml><?xml version="1.0" encoding="utf-8"?>
-<p:sld xmlns:a="http://schemas.openxmlformats.org/drawingml/2006/main" xmlns:r="http://schemas.openxmlformats.org/officeDocument/2006/relationships" xmlns:p="http://schemas.openxmlformats.org/presentationml/2006/main">
-  <p:cSld>
-    <p:spTree>
-      <p:nvGrpSpPr>
-        <p:cNvPr id="1" name=""/>
-        <p:cNvGrpSpPr/>
-        <p:nvPr/>
-      </p:nvGrpSpPr>
-      <p:grpSpPr>
-        <a:xfrm>
-          <a:off x="0" y="0"/>
-          <a:ext cx="0" cy="0"/>
-          <a:chOff x="0" y="0"/>
-          <a:chExt cx="0" cy="0"/>
-        </a:xfrm>
-      </p:grpSpPr>
-      <p:sp>
-        <p:nvSpPr>
-          <p:cNvPr id="2" name="Title 1"/>
-          <p:cNvSpPr>
-            <a:spLocks noGrp="1"/>
-          </p:cNvSpPr>
-          <p:nvPr>
-            <p:ph type="ctrTitle"/>
-          </p:nvPr>
-        </p:nvSpPr>
-        <p:spPr/>
-        <p:txBody>
-          <a:bodyPr/>
-          <a:lstStyle/>
-          <a:p>
-            <a:r>
-              <a:rPr lang="en-US" dirty="0"/>
-              <a:t>Getting </a:t>
-            </a:r>
-            <a:r>
-              <a:rPr lang="en-US" dirty="0" err="1"/>
-              <a:t>Git</a:t>
-            </a:r>
-            <a:endParaRPr lang="en-US" dirty="0"/>
-          </a:p>
-        </p:txBody>
-      </p:sp>
-      <p:sp>
-        <p:nvSpPr>
-          <p:cNvPr id="4" name="Text Placeholder 3"/>
-          <p:cNvSpPr>
-            <a:spLocks noGrp="1"/>
-          </p:cNvSpPr>
-          <p:nvPr>
-            <p:ph type="body" idx="10"/>
-          </p:nvPr>
-        </p:nvSpPr>
-        <p:spPr/>
-        <p:txBody>
-          <a:bodyPr/>
-          <a:lstStyle/>
-          <a:p>
-            <a:r>
-              <a:rPr lang="en-US" dirty="0"/>
-              <a:t>Jason Bock</a:t>
-            </a:r>
-          </a:p>
-          <a:p>
-            <a:r>
-              <a:rPr lang="en-US" dirty="0"/>
-              <a:t>Practice Lead</a:t>
-            </a:r>
-          </a:p>
-        </p:txBody>
-      </p:sp>
-      <p:sp>
-        <p:nvSpPr>
-          <p:cNvPr id="5" name="TextBox 4"/>
-          <p:cNvSpPr txBox="1"/>
-          <p:nvPr/>
-        </p:nvSpPr>
-        <p:spPr>
-          <a:xfrm>
-            <a:off x="2154643" y="3979453"/>
-            <a:ext cx="6643917" cy="1933667"/>
-          </a:xfrm>
-          <a:prstGeom prst="rect">
-            <a:avLst/>
-          </a:prstGeom>
-          <a:noFill/>
-        </p:spPr>
-        <p:txBody>
-          <a:bodyPr wrap="square" rtlCol="0" anchor="ctr" anchorCtr="0">
-            <a:noAutofit/>
-          </a:bodyPr>
-          <a:lstStyle/>
-          <a:p>
-            <a:r>
-              <a:rPr lang="en-US" dirty="0"/>
-              <a:t>Remember…</a:t>
-            </a:r>
-          </a:p>
-          <a:p>
-            <a:pPr marL="285750" indent="-285750">
-              <a:buClr>
-                <a:srgbClr val="7AB800"/>
-              </a:buClr>
-              <a:buFont typeface="Wingdings" panose="05000000000000000000" pitchFamily="2" charset="2"/>
-              <a:buChar char="§"/>
-            </a:pPr>
-            <a:r>
-              <a:rPr lang="en-US" dirty="0"/>
-              <a:t>https://github.com/JasonBock/Presentations/blob/master/Getting%20Git.pptx</a:t>
-            </a:r>
-          </a:p>
-          <a:p>
-            <a:pPr marL="285750" indent="-285750">
-              <a:buClr>
-                <a:srgbClr val="7AB800"/>
-              </a:buClr>
-              <a:buFont typeface="Wingdings" panose="05000000000000000000" pitchFamily="2" charset="2"/>
-              <a:buChar char="§"/>
-            </a:pPr>
-            <a:r>
-              <a:rPr lang="en-US" dirty="0"/>
-              <a:t>References in the notes on this slide</a:t>
-            </a:r>
-          </a:p>
-        </p:txBody>
-      </p:sp>
-    </p:spTree>
-    <p:extLst>
-      <p:ext uri="{BB962C8B-B14F-4D97-AF65-F5344CB8AC3E}">
-        <p14:creationId xmlns:p14="http://schemas.microsoft.com/office/powerpoint/2010/main" val="21464378"/>
+        <p14:creationId xmlns:p14="http://schemas.microsoft.com/office/powerpoint/2010/main" val="3025590924"/>
       </p:ext>
     </p:extLst>
   </p:cSld>
@@ -10500,7 +10630,13 @@
       </p:grpSpPr>
       <p:sp>
         <p:nvSpPr>
-          <p:cNvPr id="3" name="Title 2"/>
+          <p:cNvPr id="2" name="Title 1">
+            <a:extLst>
+              <a:ext uri="{FF2B5EF4-FFF2-40B4-BE49-F238E27FC236}">
+                <a16:creationId xmlns:a16="http://schemas.microsoft.com/office/drawing/2014/main" id="{36710E48-A016-40A3-9CF2-752FD8E3204B}"/>
+              </a:ext>
+            </a:extLst>
+          </p:cNvPr>
           <p:cNvSpPr>
             <a:spLocks noGrp="1"/>
           </p:cNvSpPr>
@@ -10522,7 +10658,13 @@
       </p:sp>
       <p:sp>
         <p:nvSpPr>
-          <p:cNvPr id="5" name="Content Placeholder 1"/>
+          <p:cNvPr id="6" name="Content Placeholder 1">
+            <a:extLst>
+              <a:ext uri="{FF2B5EF4-FFF2-40B4-BE49-F238E27FC236}">
+                <a16:creationId xmlns:a16="http://schemas.microsoft.com/office/drawing/2014/main" id="{29E132E5-7EC1-4996-9538-3D3118E352CF}"/>
+              </a:ext>
+            </a:extLst>
+          </p:cNvPr>
           <p:cNvSpPr>
             <a:spLocks noGrp="1"/>
           </p:cNvSpPr>
@@ -10532,7 +10674,7 @@
         </p:nvSpPr>
         <p:spPr>
           <a:xfrm>
-            <a:off x="432154" y="911225"/>
+            <a:off x="432154" y="1592868"/>
             <a:ext cx="11430000" cy="4810845"/>
           </a:xfrm>
         </p:spPr>
@@ -10544,7 +10686,7 @@
               <a:buNone/>
             </a:pPr>
             <a:r>
-              <a:rPr lang="en-US" dirty="0"/>
+              <a:rPr lang="en-US" sz="2400" dirty="0"/>
               <a:t>https://github.com/JasonBock/Presentations/</a:t>
             </a:r>
           </a:p>
@@ -10553,7 +10695,7 @@
               <a:buNone/>
             </a:pPr>
             <a:r>
-              <a:rPr lang="en-US" dirty="0"/>
+              <a:rPr lang="en-US" sz="2400" dirty="0"/>
               <a:t>blob/master/Getting%20Git.pptx</a:t>
             </a:r>
           </a:p>
@@ -10562,7 +10704,7 @@
     </p:spTree>
     <p:extLst>
       <p:ext uri="{BB962C8B-B14F-4D97-AF65-F5344CB8AC3E}">
-        <p14:creationId xmlns:p14="http://schemas.microsoft.com/office/powerpoint/2010/main" val="3926772919"/>
+        <p14:creationId xmlns:p14="http://schemas.microsoft.com/office/powerpoint/2010/main" val="3372829682"/>
       </p:ext>
     </p:extLst>
   </p:cSld>
@@ -10591,69 +10733,82 @@
       </p:grpSpPr>
       <p:sp>
         <p:nvSpPr>
-          <p:cNvPr id="2" name="Content Placeholder 1"/>
+          <p:cNvPr id="2" name="Title 1">
+            <a:extLst>
+              <a:ext uri="{FF2B5EF4-FFF2-40B4-BE49-F238E27FC236}">
+                <a16:creationId xmlns:a16="http://schemas.microsoft.com/office/drawing/2014/main" id="{36710E48-A016-40A3-9CF2-752FD8E3204B}"/>
+              </a:ext>
+            </a:extLst>
+          </p:cNvPr>
+          <p:cNvSpPr>
+            <a:spLocks noGrp="1"/>
+          </p:cNvSpPr>
+          <p:nvPr>
+            <p:ph type="title"/>
+          </p:nvPr>
+        </p:nvSpPr>
+        <p:spPr/>
+        <p:txBody>
+          <a:bodyPr/>
+          <a:lstStyle/>
+          <a:p>
+            <a:r>
+              <a:rPr lang="en-US" dirty="0"/>
+              <a:t>Overview</a:t>
+            </a:r>
+          </a:p>
+        </p:txBody>
+      </p:sp>
+      <p:sp>
+        <p:nvSpPr>
+          <p:cNvPr id="3" name="Content Placeholder 2">
+            <a:extLst>
+              <a:ext uri="{FF2B5EF4-FFF2-40B4-BE49-F238E27FC236}">
+                <a16:creationId xmlns:a16="http://schemas.microsoft.com/office/drawing/2014/main" id="{EDC3CAC5-D82C-4212-910D-3A0A44EBA6B0}"/>
+              </a:ext>
+            </a:extLst>
+          </p:cNvPr>
           <p:cNvSpPr>
             <a:spLocks noGrp="1"/>
           </p:cNvSpPr>
           <p:nvPr>
             <p:ph idx="1"/>
           </p:nvPr>
+        </p:nvSpPr>
+        <p:spPr/>
+        <p:txBody>
+          <a:bodyPr/>
+          <a:lstStyle/>
+          <a:p>
+            <a:r>
+              <a:rPr lang="en-US" dirty="0"/>
+              <a:t>Definitions</a:t>
+            </a:r>
+          </a:p>
+          <a:p>
+            <a:r>
+              <a:rPr lang="en-US" dirty="0"/>
+              <a:t>Demos</a:t>
+            </a:r>
+          </a:p>
+        </p:txBody>
+      </p:sp>
+      <p:sp>
+        <p:nvSpPr>
+          <p:cNvPr id="4" name="TextBox 3">
+            <a:extLst>
+              <a:ext uri="{FF2B5EF4-FFF2-40B4-BE49-F238E27FC236}">
+                <a16:creationId xmlns:a16="http://schemas.microsoft.com/office/drawing/2014/main" id="{8DBBCDCA-2107-4E8B-88C2-5B1AA2C9D02E}"/>
+              </a:ext>
+            </a:extLst>
+          </p:cNvPr>
+          <p:cNvSpPr txBox="1"/>
+          <p:nvPr/>
         </p:nvSpPr>
         <p:spPr>
           <a:xfrm>
-            <a:off x="432154" y="911225"/>
-            <a:ext cx="11430000" cy="1903095"/>
-          </a:xfrm>
-        </p:spPr>
-        <p:txBody>
-          <a:bodyPr/>
-          <a:lstStyle/>
-          <a:p>
-            <a:r>
-              <a:rPr lang="en-US" dirty="0"/>
-              <a:t>Definitions</a:t>
-            </a:r>
-          </a:p>
-          <a:p>
-            <a:r>
-              <a:rPr lang="en-US" dirty="0"/>
-              <a:t>Demos</a:t>
-            </a:r>
-          </a:p>
-        </p:txBody>
-      </p:sp>
-      <p:sp>
-        <p:nvSpPr>
-          <p:cNvPr id="3" name="Title 2"/>
-          <p:cNvSpPr>
-            <a:spLocks noGrp="1"/>
-          </p:cNvSpPr>
-          <p:nvPr>
-            <p:ph type="title"/>
-          </p:nvPr>
-        </p:nvSpPr>
-        <p:spPr/>
-        <p:txBody>
-          <a:bodyPr/>
-          <a:lstStyle/>
-          <a:p>
-            <a:r>
-              <a:rPr lang="en-US" dirty="0"/>
-              <a:t>Overview	</a:t>
-            </a:r>
-          </a:p>
-        </p:txBody>
-      </p:sp>
-      <p:sp>
-        <p:nvSpPr>
-          <p:cNvPr id="4" name="TextBox 3"/>
-          <p:cNvSpPr txBox="1"/>
-          <p:nvPr/>
-        </p:nvSpPr>
-        <p:spPr>
-          <a:xfrm>
-            <a:off x="864142" y="4064000"/>
-            <a:ext cx="10566034" cy="1569660"/>
+            <a:off x="1709938" y="5111571"/>
+            <a:ext cx="10072436" cy="1200329"/>
           </a:xfrm>
           <a:prstGeom prst="rect">
             <a:avLst/>
@@ -10686,16 +10841,12 @@
             </a:r>
             <a:endParaRPr lang="en-US" sz="2800" dirty="0"/>
           </a:p>
-          <a:p>
-            <a:pPr algn="ctr"/>
-            <a:endParaRPr lang="en-US" sz="2400" dirty="0"/>
-          </a:p>
         </p:txBody>
       </p:sp>
     </p:spTree>
     <p:extLst>
       <p:ext uri="{BB962C8B-B14F-4D97-AF65-F5344CB8AC3E}">
-        <p14:creationId xmlns:p14="http://schemas.microsoft.com/office/powerpoint/2010/main" val="1341054146"/>
+        <p14:creationId xmlns:p14="http://schemas.microsoft.com/office/powerpoint/2010/main" val="1694529763"/>
       </p:ext>
     </p:extLst>
   </p:cSld>
@@ -10724,7 +10875,13 @@
       </p:grpSpPr>
       <p:sp>
         <p:nvSpPr>
-          <p:cNvPr id="3" name="Title 2"/>
+          <p:cNvPr id="2" name="Title 1">
+            <a:extLst>
+              <a:ext uri="{FF2B5EF4-FFF2-40B4-BE49-F238E27FC236}">
+                <a16:creationId xmlns:a16="http://schemas.microsoft.com/office/drawing/2014/main" id="{12CF2E91-AB3B-4671-86E3-FF729A502722}"/>
+              </a:ext>
+            </a:extLst>
+          </p:cNvPr>
           <p:cNvSpPr>
             <a:spLocks noGrp="1"/>
           </p:cNvSpPr>
@@ -10739,20 +10896,64 @@
           <a:p>
             <a:r>
               <a:rPr lang="en-US" dirty="0"/>
-              <a:t>Definitions	</a:t>
-            </a:r>
-          </a:p>
-        </p:txBody>
-      </p:sp>
-      <p:sp>
-        <p:nvSpPr>
-          <p:cNvPr id="5" name="TextBox 4"/>
+              <a:t>Definitions</a:t>
+            </a:r>
+          </a:p>
+        </p:txBody>
+      </p:sp>
+      <p:sp>
+        <p:nvSpPr>
+          <p:cNvPr id="8" name="Rectangle 7">
+            <a:extLst>
+              <a:ext uri="{FF2B5EF4-FFF2-40B4-BE49-F238E27FC236}">
+                <a16:creationId xmlns:a16="http://schemas.microsoft.com/office/drawing/2014/main" id="{E9F3EF86-9C16-49BC-BDAF-70BB81AA09CF}"/>
+              </a:ext>
+            </a:extLst>
+          </p:cNvPr>
+          <p:cNvSpPr/>
+          <p:nvPr/>
+        </p:nvSpPr>
+        <p:spPr>
+          <a:xfrm>
+            <a:off x="-1" y="6276894"/>
+            <a:ext cx="12192001" cy="453605"/>
+          </a:xfrm>
+          <a:prstGeom prst="rect">
+            <a:avLst/>
+          </a:prstGeom>
+        </p:spPr>
+        <p:txBody>
+          <a:bodyPr wrap="square" anchor="ctr" anchorCtr="0">
+            <a:noAutofit/>
+          </a:bodyPr>
+          <a:lstStyle/>
+          <a:p>
+            <a:pPr algn="r"/>
+            <a:r>
+              <a:rPr lang="en-US" sz="1200" dirty="0">
+                <a:latin typeface="+mj-lt"/>
+                <a:cs typeface="Calibri" pitchFamily="34" charset="0"/>
+              </a:rPr>
+              <a:t>https://git-scm.com/images/logos/downloads/Git-Icon-1788C.png</a:t>
+            </a:r>
+          </a:p>
+        </p:txBody>
+      </p:sp>
+      <p:sp>
+        <p:nvSpPr>
+          <p:cNvPr id="5" name="TextBox 4">
+            <a:extLst>
+              <a:ext uri="{FF2B5EF4-FFF2-40B4-BE49-F238E27FC236}">
+                <a16:creationId xmlns:a16="http://schemas.microsoft.com/office/drawing/2014/main" id="{F31685DD-0C37-4ED0-BA6C-B565D6E17A5E}"/>
+              </a:ext>
+            </a:extLst>
+          </p:cNvPr>
           <p:cNvSpPr txBox="1"/>
           <p:nvPr/>
         </p:nvSpPr>
         <p:spPr>
           <a:xfrm>
-            <a:off x="1341094" y="2311002"/>
+            <a:off x="1702601" y="2683142"/>
             <a:ext cx="5290820" cy="1862048"/>
           </a:xfrm>
           <a:prstGeom prst="rect">
@@ -10775,13 +10976,19 @@
       </p:sp>
       <p:sp>
         <p:nvSpPr>
-          <p:cNvPr id="6" name="TextBox 5"/>
+          <p:cNvPr id="6" name="TextBox 5">
+            <a:extLst>
+              <a:ext uri="{FF2B5EF4-FFF2-40B4-BE49-F238E27FC236}">
+                <a16:creationId xmlns:a16="http://schemas.microsoft.com/office/drawing/2014/main" id="{ED258CDF-6C0F-4149-91AB-E21198DA3AF3}"/>
+              </a:ext>
+            </a:extLst>
+          </p:cNvPr>
           <p:cNvSpPr txBox="1"/>
           <p:nvPr/>
         </p:nvSpPr>
         <p:spPr>
           <a:xfrm>
-            <a:off x="9250826" y="2311002"/>
+            <a:off x="9144497" y="2683142"/>
             <a:ext cx="1109029" cy="1862048"/>
           </a:xfrm>
           <a:prstGeom prst="rect">
@@ -10802,41 +11009,15 @@
           </a:p>
         </p:txBody>
       </p:sp>
-      <p:sp>
-        <p:nvSpPr>
-          <p:cNvPr id="7" name="Rectangle 6"/>
-          <p:cNvSpPr/>
-          <p:nvPr/>
-        </p:nvSpPr>
-        <p:spPr>
-          <a:xfrm>
-            <a:off x="5610225" y="6276894"/>
-            <a:ext cx="6581775" cy="453605"/>
-          </a:xfrm>
-          <a:prstGeom prst="rect">
-            <a:avLst/>
-          </a:prstGeom>
-        </p:spPr>
-        <p:txBody>
-          <a:bodyPr wrap="square" anchor="ctr" anchorCtr="0">
-            <a:noAutofit/>
-          </a:bodyPr>
-          <a:lstStyle/>
-          <a:p>
-            <a:pPr algn="r"/>
-            <a:r>
-              <a:rPr lang="en-US" sz="1200" dirty="0">
-                <a:latin typeface="+mj-lt"/>
-                <a:cs typeface="Calibri" pitchFamily="34" charset="0"/>
-              </a:rPr>
-              <a:t>https://git-scm.com/images/logos/downloads/Git-Icon-1788C.png</a:t>
-            </a:r>
-          </a:p>
-        </p:txBody>
-      </p:sp>
       <p:pic>
         <p:nvPicPr>
-          <p:cNvPr id="4" name="Picture 3"/>
+          <p:cNvPr id="9" name="Picture 8">
+            <a:extLst>
+              <a:ext uri="{FF2B5EF4-FFF2-40B4-BE49-F238E27FC236}">
+                <a16:creationId xmlns:a16="http://schemas.microsoft.com/office/drawing/2014/main" id="{825CEAE4-442B-4148-B06F-1A44E175921A}"/>
+              </a:ext>
+            </a:extLst>
+          </p:cNvPr>
           <p:cNvPicPr>
             <a:picLocks noChangeAspect="1"/>
           </p:cNvPicPr>
@@ -10856,7 +11037,7 @@
         </p:blipFill>
         <p:spPr>
           <a:xfrm>
-            <a:off x="6648771" y="2080054"/>
+            <a:off x="6616863" y="2452194"/>
             <a:ext cx="2323943" cy="2323943"/>
           </a:xfrm>
           <a:prstGeom prst="rect">
@@ -10867,7 +11048,7 @@
     </p:spTree>
     <p:extLst>
       <p:ext uri="{BB962C8B-B14F-4D97-AF65-F5344CB8AC3E}">
-        <p14:creationId xmlns:p14="http://schemas.microsoft.com/office/powerpoint/2010/main" val="4244498794"/>
+        <p14:creationId xmlns:p14="http://schemas.microsoft.com/office/powerpoint/2010/main" val="2989772979"/>
       </p:ext>
     </p:extLst>
   </p:cSld>
@@ -10896,7 +11077,13 @@
       </p:grpSpPr>
       <p:sp>
         <p:nvSpPr>
-          <p:cNvPr id="3" name="Title 2"/>
+          <p:cNvPr id="2" name="Title 1">
+            <a:extLst>
+              <a:ext uri="{FF2B5EF4-FFF2-40B4-BE49-F238E27FC236}">
+                <a16:creationId xmlns:a16="http://schemas.microsoft.com/office/drawing/2014/main" id="{12CF2E91-AB3B-4671-86E3-FF729A502722}"/>
+              </a:ext>
+            </a:extLst>
+          </p:cNvPr>
           <p:cNvSpPr>
             <a:spLocks noGrp="1"/>
           </p:cNvSpPr>
@@ -10911,20 +11098,64 @@
           <a:p>
             <a:r>
               <a:rPr lang="en-US" dirty="0"/>
-              <a:t>Definitions	</a:t>
-            </a:r>
-          </a:p>
-        </p:txBody>
-      </p:sp>
-      <p:sp>
-        <p:nvSpPr>
-          <p:cNvPr id="2" name="Oval 1"/>
+              <a:t>Definitions</a:t>
+            </a:r>
+          </a:p>
+        </p:txBody>
+      </p:sp>
+      <p:sp>
+        <p:nvSpPr>
+          <p:cNvPr id="8" name="Rectangle 7">
+            <a:extLst>
+              <a:ext uri="{FF2B5EF4-FFF2-40B4-BE49-F238E27FC236}">
+                <a16:creationId xmlns:a16="http://schemas.microsoft.com/office/drawing/2014/main" id="{E9F3EF86-9C16-49BC-BDAF-70BB81AA09CF}"/>
+              </a:ext>
+            </a:extLst>
+          </p:cNvPr>
           <p:cNvSpPr/>
           <p:nvPr/>
         </p:nvSpPr>
         <p:spPr>
           <a:xfrm>
-            <a:off x="291404" y="2441749"/>
+            <a:off x="-1" y="6276894"/>
+            <a:ext cx="12192001" cy="453605"/>
+          </a:xfrm>
+          <a:prstGeom prst="rect">
+            <a:avLst/>
+          </a:prstGeom>
+        </p:spPr>
+        <p:txBody>
+          <a:bodyPr wrap="square" anchor="ctr" anchorCtr="0">
+            <a:noAutofit/>
+          </a:bodyPr>
+          <a:lstStyle/>
+          <a:p>
+            <a:pPr algn="r"/>
+            <a:r>
+              <a:rPr lang="en-US" sz="1200" dirty="0">
+                <a:latin typeface="+mj-lt"/>
+                <a:cs typeface="Calibri" pitchFamily="34" charset="0"/>
+              </a:rPr>
+              <a:t>https://git-scm.com/about</a:t>
+            </a:r>
+          </a:p>
+        </p:txBody>
+      </p:sp>
+      <p:sp>
+        <p:nvSpPr>
+          <p:cNvPr id="7" name="Oval 6">
+            <a:extLst>
+              <a:ext uri="{FF2B5EF4-FFF2-40B4-BE49-F238E27FC236}">
+                <a16:creationId xmlns:a16="http://schemas.microsoft.com/office/drawing/2014/main" id="{1266B589-2B4C-46FB-B214-8CECD72E827B}"/>
+              </a:ext>
+            </a:extLst>
+          </p:cNvPr>
+          <p:cNvSpPr/>
+          <p:nvPr/>
+        </p:nvSpPr>
+        <p:spPr>
+          <a:xfrm>
+            <a:off x="333935" y="2835153"/>
             <a:ext cx="1828800" cy="1828800"/>
           </a:xfrm>
           <a:prstGeom prst="ellipse">
@@ -10961,13 +11192,19 @@
       </p:sp>
       <p:sp>
         <p:nvSpPr>
-          <p:cNvPr id="8" name="Oval 7"/>
+          <p:cNvPr id="10" name="Oval 9">
+            <a:extLst>
+              <a:ext uri="{FF2B5EF4-FFF2-40B4-BE49-F238E27FC236}">
+                <a16:creationId xmlns:a16="http://schemas.microsoft.com/office/drawing/2014/main" id="{32BCB8FA-0B3D-4425-92FC-60AEBC5BC845}"/>
+              </a:ext>
+            </a:extLst>
+          </p:cNvPr>
           <p:cNvSpPr/>
           <p:nvPr/>
         </p:nvSpPr>
         <p:spPr>
           <a:xfrm>
-            <a:off x="2242459" y="2441749"/>
+            <a:off x="2284990" y="2835153"/>
             <a:ext cx="1828800" cy="1828800"/>
           </a:xfrm>
           <a:prstGeom prst="ellipse">
@@ -11004,13 +11241,19 @@
       </p:sp>
       <p:sp>
         <p:nvSpPr>
-          <p:cNvPr id="9" name="Oval 8"/>
+          <p:cNvPr id="11" name="Oval 10">
+            <a:extLst>
+              <a:ext uri="{FF2B5EF4-FFF2-40B4-BE49-F238E27FC236}">
+                <a16:creationId xmlns:a16="http://schemas.microsoft.com/office/drawing/2014/main" id="{61BA9FBA-0B6C-4429-9A6A-FE0565A7E92E}"/>
+              </a:ext>
+            </a:extLst>
+          </p:cNvPr>
           <p:cNvSpPr/>
           <p:nvPr/>
         </p:nvSpPr>
         <p:spPr>
           <a:xfrm>
-            <a:off x="4193514" y="2441749"/>
+            <a:off x="4236045" y="2835153"/>
             <a:ext cx="1828800" cy="1828800"/>
           </a:xfrm>
           <a:prstGeom prst="ellipse">
@@ -11047,13 +11290,19 @@
       </p:sp>
       <p:sp>
         <p:nvSpPr>
-          <p:cNvPr id="10" name="Oval 9"/>
+          <p:cNvPr id="12" name="Oval 11">
+            <a:extLst>
+              <a:ext uri="{FF2B5EF4-FFF2-40B4-BE49-F238E27FC236}">
+                <a16:creationId xmlns:a16="http://schemas.microsoft.com/office/drawing/2014/main" id="{67AA6E71-CAE1-4F9B-BCDD-2C653EFE1A7A}"/>
+              </a:ext>
+            </a:extLst>
+          </p:cNvPr>
           <p:cNvSpPr/>
           <p:nvPr/>
         </p:nvSpPr>
         <p:spPr>
           <a:xfrm>
-            <a:off x="6144569" y="2441749"/>
+            <a:off x="6187100" y="2835153"/>
             <a:ext cx="1828800" cy="1828800"/>
           </a:xfrm>
           <a:prstGeom prst="ellipse">
@@ -11090,13 +11339,19 @@
       </p:sp>
       <p:sp>
         <p:nvSpPr>
-          <p:cNvPr id="11" name="Oval 10"/>
+          <p:cNvPr id="13" name="Oval 12">
+            <a:extLst>
+              <a:ext uri="{FF2B5EF4-FFF2-40B4-BE49-F238E27FC236}">
+                <a16:creationId xmlns:a16="http://schemas.microsoft.com/office/drawing/2014/main" id="{FDF54AF7-A7C1-4333-96AE-28B4249894FC}"/>
+              </a:ext>
+            </a:extLst>
+          </p:cNvPr>
           <p:cNvSpPr/>
           <p:nvPr/>
         </p:nvSpPr>
         <p:spPr>
           <a:xfrm>
-            <a:off x="8095624" y="2441749"/>
+            <a:off x="8138155" y="2835153"/>
             <a:ext cx="1828800" cy="1828800"/>
           </a:xfrm>
           <a:prstGeom prst="ellipse">
@@ -11133,13 +11388,19 @@
       </p:sp>
       <p:sp>
         <p:nvSpPr>
-          <p:cNvPr id="12" name="Oval 11"/>
+          <p:cNvPr id="14" name="Oval 13">
+            <a:extLst>
+              <a:ext uri="{FF2B5EF4-FFF2-40B4-BE49-F238E27FC236}">
+                <a16:creationId xmlns:a16="http://schemas.microsoft.com/office/drawing/2014/main" id="{F0D7CD98-1594-4071-8183-72C9FD50AF3D}"/>
+              </a:ext>
+            </a:extLst>
+          </p:cNvPr>
           <p:cNvSpPr/>
           <p:nvPr/>
         </p:nvSpPr>
         <p:spPr>
           <a:xfrm>
-            <a:off x="10046679" y="2441749"/>
+            <a:off x="10089210" y="2835153"/>
             <a:ext cx="1828800" cy="1828800"/>
           </a:xfrm>
           <a:prstGeom prst="ellipse">
@@ -11174,42 +11435,10 @@
           </a:p>
         </p:txBody>
       </p:sp>
-      <p:sp>
-        <p:nvSpPr>
-          <p:cNvPr id="13" name="Rectangle 12"/>
-          <p:cNvSpPr/>
-          <p:nvPr/>
-        </p:nvSpPr>
-        <p:spPr>
-          <a:xfrm>
-            <a:off x="5610225" y="6276894"/>
-            <a:ext cx="6581775" cy="453605"/>
-          </a:xfrm>
-          <a:prstGeom prst="rect">
-            <a:avLst/>
-          </a:prstGeom>
-        </p:spPr>
-        <p:txBody>
-          <a:bodyPr wrap="square" anchor="ctr" anchorCtr="0">
-            <a:noAutofit/>
-          </a:bodyPr>
-          <a:lstStyle/>
-          <a:p>
-            <a:pPr algn="r"/>
-            <a:r>
-              <a:rPr lang="en-US" sz="1200" dirty="0">
-                <a:latin typeface="+mj-lt"/>
-                <a:cs typeface="Calibri" pitchFamily="34" charset="0"/>
-              </a:rPr>
-              <a:t>https://git-scm.com/about</a:t>
-            </a:r>
-          </a:p>
-        </p:txBody>
-      </p:sp>
     </p:spTree>
     <p:extLst>
       <p:ext uri="{BB962C8B-B14F-4D97-AF65-F5344CB8AC3E}">
-        <p14:creationId xmlns:p14="http://schemas.microsoft.com/office/powerpoint/2010/main" val="1420312570"/>
+        <p14:creationId xmlns:p14="http://schemas.microsoft.com/office/powerpoint/2010/main" val="1735780435"/>
       </p:ext>
     </p:extLst>
   </p:cSld>
@@ -11238,7 +11467,13 @@
       </p:grpSpPr>
       <p:sp>
         <p:nvSpPr>
-          <p:cNvPr id="3" name="Title 2"/>
+          <p:cNvPr id="2" name="Title 1">
+            <a:extLst>
+              <a:ext uri="{FF2B5EF4-FFF2-40B4-BE49-F238E27FC236}">
+                <a16:creationId xmlns:a16="http://schemas.microsoft.com/office/drawing/2014/main" id="{12CF2E91-AB3B-4671-86E3-FF729A502722}"/>
+              </a:ext>
+            </a:extLst>
+          </p:cNvPr>
           <p:cNvSpPr>
             <a:spLocks noGrp="1"/>
           </p:cNvSpPr>
@@ -11253,20 +11488,64 @@
           <a:p>
             <a:r>
               <a:rPr lang="en-US" dirty="0"/>
-              <a:t>Definitions	</a:t>
-            </a:r>
-          </a:p>
-        </p:txBody>
-      </p:sp>
-      <p:sp>
-        <p:nvSpPr>
-          <p:cNvPr id="2" name="Oval 1"/>
+              <a:t>Definitions</a:t>
+            </a:r>
+          </a:p>
+        </p:txBody>
+      </p:sp>
+      <p:sp>
+        <p:nvSpPr>
+          <p:cNvPr id="8" name="Rectangle 7">
+            <a:extLst>
+              <a:ext uri="{FF2B5EF4-FFF2-40B4-BE49-F238E27FC236}">
+                <a16:creationId xmlns:a16="http://schemas.microsoft.com/office/drawing/2014/main" id="{E9F3EF86-9C16-49BC-BDAF-70BB81AA09CF}"/>
+              </a:ext>
+            </a:extLst>
+          </p:cNvPr>
           <p:cNvSpPr/>
           <p:nvPr/>
         </p:nvSpPr>
         <p:spPr>
           <a:xfrm>
-            <a:off x="5184742" y="792818"/>
+            <a:off x="-1" y="6276894"/>
+            <a:ext cx="12192001" cy="453605"/>
+          </a:xfrm>
+          <a:prstGeom prst="rect">
+            <a:avLst/>
+          </a:prstGeom>
+        </p:spPr>
+        <p:txBody>
+          <a:bodyPr wrap="square" anchor="ctr" anchorCtr="0">
+            <a:noAutofit/>
+          </a:bodyPr>
+          <a:lstStyle/>
+          <a:p>
+            <a:pPr algn="r"/>
+            <a:r>
+              <a:rPr lang="en-US" sz="1200" dirty="0">
+                <a:latin typeface="+mj-lt"/>
+                <a:cs typeface="Calibri" pitchFamily="34" charset="0"/>
+              </a:rPr>
+              <a:t>https://git-scm.com/about/branching-and-merging</a:t>
+            </a:r>
+          </a:p>
+        </p:txBody>
+      </p:sp>
+      <p:sp>
+        <p:nvSpPr>
+          <p:cNvPr id="15" name="Oval 14">
+            <a:extLst>
+              <a:ext uri="{FF2B5EF4-FFF2-40B4-BE49-F238E27FC236}">
+                <a16:creationId xmlns:a16="http://schemas.microsoft.com/office/drawing/2014/main" id="{A7EFC7B9-5A2A-4956-8E2A-DB651882B5A2}"/>
+              </a:ext>
+            </a:extLst>
+          </p:cNvPr>
+          <p:cNvSpPr/>
+          <p:nvPr/>
+        </p:nvSpPr>
+        <p:spPr>
+          <a:xfrm>
+            <a:off x="5269803" y="1260651"/>
             <a:ext cx="1828800" cy="1828800"/>
           </a:xfrm>
           <a:prstGeom prst="ellipse">
@@ -11301,41 +11580,15 @@
           </a:p>
         </p:txBody>
       </p:sp>
-      <p:sp>
-        <p:nvSpPr>
-          <p:cNvPr id="13" name="Rectangle 12"/>
-          <p:cNvSpPr/>
-          <p:nvPr/>
-        </p:nvSpPr>
-        <p:spPr>
-          <a:xfrm>
-            <a:off x="5610225" y="6276894"/>
-            <a:ext cx="6581775" cy="453605"/>
-          </a:xfrm>
-          <a:prstGeom prst="rect">
-            <a:avLst/>
-          </a:prstGeom>
-        </p:spPr>
-        <p:txBody>
-          <a:bodyPr wrap="square" anchor="ctr" anchorCtr="0">
-            <a:noAutofit/>
-          </a:bodyPr>
-          <a:lstStyle/>
-          <a:p>
-            <a:pPr algn="r"/>
-            <a:r>
-              <a:rPr lang="en-US" sz="1200" dirty="0">
-                <a:latin typeface="+mj-lt"/>
-                <a:cs typeface="Calibri" pitchFamily="34" charset="0"/>
-              </a:rPr>
-              <a:t>https://git-scm.com/about/branching-and-merging</a:t>
-            </a:r>
-          </a:p>
-        </p:txBody>
-      </p:sp>
       <p:pic>
         <p:nvPicPr>
-          <p:cNvPr id="1026" name="Picture 2" descr="Branches"/>
+          <p:cNvPr id="16" name="Picture 2" descr="Branches">
+            <a:extLst>
+              <a:ext uri="{FF2B5EF4-FFF2-40B4-BE49-F238E27FC236}">
+                <a16:creationId xmlns:a16="http://schemas.microsoft.com/office/drawing/2014/main" id="{34D85665-8107-4272-85F5-A9035D7C2013}"/>
+              </a:ext>
+            </a:extLst>
+          </p:cNvPr>
           <p:cNvPicPr>
             <a:picLocks noChangeAspect="1" noChangeArrowheads="1"/>
           </p:cNvPicPr>
@@ -11356,7 +11609,7 @@
         </p:blipFill>
         <p:spPr bwMode="auto">
           <a:xfrm>
-            <a:off x="3717892" y="2918173"/>
+            <a:off x="3802953" y="3386006"/>
             <a:ext cx="4762500" cy="2743200"/>
           </a:xfrm>
           <a:prstGeom prst="rect">
@@ -11377,7 +11630,7 @@
     </p:spTree>
     <p:extLst>
       <p:ext uri="{BB962C8B-B14F-4D97-AF65-F5344CB8AC3E}">
-        <p14:creationId xmlns:p14="http://schemas.microsoft.com/office/powerpoint/2010/main" val="1687965251"/>
+        <p14:creationId xmlns:p14="http://schemas.microsoft.com/office/powerpoint/2010/main" val="2851177567"/>
       </p:ext>
     </p:extLst>
   </p:cSld>
@@ -11406,7 +11659,13 @@
       </p:grpSpPr>
       <p:sp>
         <p:nvSpPr>
-          <p:cNvPr id="3" name="Title 2"/>
+          <p:cNvPr id="2" name="Title 1">
+            <a:extLst>
+              <a:ext uri="{FF2B5EF4-FFF2-40B4-BE49-F238E27FC236}">
+                <a16:creationId xmlns:a16="http://schemas.microsoft.com/office/drawing/2014/main" id="{12CF2E91-AB3B-4671-86E3-FF729A502722}"/>
+              </a:ext>
+            </a:extLst>
+          </p:cNvPr>
           <p:cNvSpPr>
             <a:spLocks noGrp="1"/>
           </p:cNvSpPr>
@@ -11421,20 +11680,64 @@
           <a:p>
             <a:r>
               <a:rPr lang="en-US" dirty="0"/>
-              <a:t>Definitions	</a:t>
-            </a:r>
-          </a:p>
-        </p:txBody>
-      </p:sp>
-      <p:sp>
-        <p:nvSpPr>
-          <p:cNvPr id="2" name="Oval 1"/>
+              <a:t>Definitions</a:t>
+            </a:r>
+          </a:p>
+        </p:txBody>
+      </p:sp>
+      <p:sp>
+        <p:nvSpPr>
+          <p:cNvPr id="8" name="Rectangle 7">
+            <a:extLst>
+              <a:ext uri="{FF2B5EF4-FFF2-40B4-BE49-F238E27FC236}">
+                <a16:creationId xmlns:a16="http://schemas.microsoft.com/office/drawing/2014/main" id="{E9F3EF86-9C16-49BC-BDAF-70BB81AA09CF}"/>
+              </a:ext>
+            </a:extLst>
+          </p:cNvPr>
           <p:cNvSpPr/>
           <p:nvPr/>
         </p:nvSpPr>
         <p:spPr>
           <a:xfrm>
-            <a:off x="5184742" y="792818"/>
+            <a:off x="-1" y="6276894"/>
+            <a:ext cx="12192001" cy="453605"/>
+          </a:xfrm>
+          <a:prstGeom prst="rect">
+            <a:avLst/>
+          </a:prstGeom>
+        </p:spPr>
+        <p:txBody>
+          <a:bodyPr wrap="square" anchor="ctr" anchorCtr="0">
+            <a:noAutofit/>
+          </a:bodyPr>
+          <a:lstStyle/>
+          <a:p>
+            <a:pPr algn="r"/>
+            <a:r>
+              <a:rPr lang="en-US" sz="1200" dirty="0">
+                <a:latin typeface="+mj-lt"/>
+                <a:cs typeface="Calibri" pitchFamily="34" charset="0"/>
+              </a:rPr>
+              <a:t>https://git-scm.com/about/small-and-fast</a:t>
+            </a:r>
+          </a:p>
+        </p:txBody>
+      </p:sp>
+      <p:sp>
+        <p:nvSpPr>
+          <p:cNvPr id="15" name="Oval 14">
+            <a:extLst>
+              <a:ext uri="{FF2B5EF4-FFF2-40B4-BE49-F238E27FC236}">
+                <a16:creationId xmlns:a16="http://schemas.microsoft.com/office/drawing/2014/main" id="{A7EFC7B9-5A2A-4956-8E2A-DB651882B5A2}"/>
+              </a:ext>
+            </a:extLst>
+          </p:cNvPr>
+          <p:cNvSpPr/>
+          <p:nvPr/>
+        </p:nvSpPr>
+        <p:spPr>
+          <a:xfrm>
+            <a:off x="5269803" y="1260651"/>
             <a:ext cx="1828800" cy="1828800"/>
           </a:xfrm>
           <a:prstGeom prst="ellipse">
@@ -11469,41 +11772,15 @@
           </a:p>
         </p:txBody>
       </p:sp>
-      <p:sp>
-        <p:nvSpPr>
-          <p:cNvPr id="13" name="Rectangle 12"/>
-          <p:cNvSpPr/>
-          <p:nvPr/>
-        </p:nvSpPr>
-        <p:spPr>
-          <a:xfrm>
-            <a:off x="5610225" y="6276894"/>
-            <a:ext cx="6581775" cy="453605"/>
-          </a:xfrm>
-          <a:prstGeom prst="rect">
-            <a:avLst/>
-          </a:prstGeom>
-        </p:spPr>
-        <p:txBody>
-          <a:bodyPr wrap="square" anchor="ctr" anchorCtr="0">
-            <a:noAutofit/>
-          </a:bodyPr>
-          <a:lstStyle/>
-          <a:p>
-            <a:pPr algn="r"/>
-            <a:r>
-              <a:rPr lang="en-US" sz="1200" dirty="0">
-                <a:latin typeface="+mj-lt"/>
-                <a:cs typeface="Calibri" pitchFamily="34" charset="0"/>
-              </a:rPr>
-              <a:t>https://git-scm.com/about/small-and-fast</a:t>
-            </a:r>
-          </a:p>
-        </p:txBody>
-      </p:sp>
       <p:pic>
         <p:nvPicPr>
-          <p:cNvPr id="7" name="Picture 6"/>
+          <p:cNvPr id="6" name="Picture 5">
+            <a:extLst>
+              <a:ext uri="{FF2B5EF4-FFF2-40B4-BE49-F238E27FC236}">
+                <a16:creationId xmlns:a16="http://schemas.microsoft.com/office/drawing/2014/main" id="{A5CA471F-4708-4596-9035-11A0FAF2EAAE}"/>
+              </a:ext>
+            </a:extLst>
+          </p:cNvPr>
           <p:cNvPicPr>
             <a:picLocks noChangeAspect="1"/>
           </p:cNvPicPr>
@@ -11517,8 +11794,8 @@
         </p:blipFill>
         <p:spPr>
           <a:xfrm>
-            <a:off x="2370953" y="2813509"/>
-            <a:ext cx="7456377" cy="3104969"/>
+            <a:off x="2697474" y="3321981"/>
+            <a:ext cx="6797051" cy="2830414"/>
           </a:xfrm>
           <a:prstGeom prst="rect">
             <a:avLst/>
@@ -11528,7 +11805,7 @@
     </p:spTree>
     <p:extLst>
       <p:ext uri="{BB962C8B-B14F-4D97-AF65-F5344CB8AC3E}">
-        <p14:creationId xmlns:p14="http://schemas.microsoft.com/office/powerpoint/2010/main" val="787950634"/>
+        <p14:creationId xmlns:p14="http://schemas.microsoft.com/office/powerpoint/2010/main" val="885231054"/>
       </p:ext>
     </p:extLst>
   </p:cSld>
@@ -11557,7 +11834,13 @@
       </p:grpSpPr>
       <p:sp>
         <p:nvSpPr>
-          <p:cNvPr id="3" name="Title 2"/>
+          <p:cNvPr id="2" name="Title 1">
+            <a:extLst>
+              <a:ext uri="{FF2B5EF4-FFF2-40B4-BE49-F238E27FC236}">
+                <a16:creationId xmlns:a16="http://schemas.microsoft.com/office/drawing/2014/main" id="{12CF2E91-AB3B-4671-86E3-FF729A502722}"/>
+              </a:ext>
+            </a:extLst>
+          </p:cNvPr>
           <p:cNvSpPr>
             <a:spLocks noGrp="1"/>
           </p:cNvSpPr>
@@ -11572,20 +11855,64 @@
           <a:p>
             <a:r>
               <a:rPr lang="en-US" dirty="0"/>
-              <a:t>Definitions	</a:t>
-            </a:r>
-          </a:p>
-        </p:txBody>
-      </p:sp>
-      <p:sp>
-        <p:nvSpPr>
-          <p:cNvPr id="2" name="Oval 1"/>
+              <a:t>Definitions</a:t>
+            </a:r>
+          </a:p>
+        </p:txBody>
+      </p:sp>
+      <p:sp>
+        <p:nvSpPr>
+          <p:cNvPr id="8" name="Rectangle 7">
+            <a:extLst>
+              <a:ext uri="{FF2B5EF4-FFF2-40B4-BE49-F238E27FC236}">
+                <a16:creationId xmlns:a16="http://schemas.microsoft.com/office/drawing/2014/main" id="{E9F3EF86-9C16-49BC-BDAF-70BB81AA09CF}"/>
+              </a:ext>
+            </a:extLst>
+          </p:cNvPr>
           <p:cNvSpPr/>
           <p:nvPr/>
         </p:nvSpPr>
         <p:spPr>
           <a:xfrm>
-            <a:off x="5184742" y="792818"/>
+            <a:off x="-1" y="6276894"/>
+            <a:ext cx="12192001" cy="453605"/>
+          </a:xfrm>
+          <a:prstGeom prst="rect">
+            <a:avLst/>
+          </a:prstGeom>
+        </p:spPr>
+        <p:txBody>
+          <a:bodyPr wrap="square" anchor="ctr" anchorCtr="0">
+            <a:noAutofit/>
+          </a:bodyPr>
+          <a:lstStyle/>
+          <a:p>
+            <a:pPr algn="r"/>
+            <a:r>
+              <a:rPr lang="en-US" sz="1200" dirty="0">
+                <a:latin typeface="+mj-lt"/>
+                <a:cs typeface="Calibri" pitchFamily="34" charset="0"/>
+              </a:rPr>
+              <a:t>https://git-scm.com/about/branching-and-merging</a:t>
+            </a:r>
+          </a:p>
+        </p:txBody>
+      </p:sp>
+      <p:sp>
+        <p:nvSpPr>
+          <p:cNvPr id="15" name="Oval 14">
+            <a:extLst>
+              <a:ext uri="{FF2B5EF4-FFF2-40B4-BE49-F238E27FC236}">
+                <a16:creationId xmlns:a16="http://schemas.microsoft.com/office/drawing/2014/main" id="{A7EFC7B9-5A2A-4956-8E2A-DB651882B5A2}"/>
+              </a:ext>
+            </a:extLst>
+          </p:cNvPr>
+          <p:cNvSpPr/>
+          <p:nvPr/>
+        </p:nvSpPr>
+        <p:spPr>
+          <a:xfrm>
+            <a:off x="5269803" y="1260651"/>
             <a:ext cx="1828800" cy="1828800"/>
           </a:xfrm>
           <a:prstGeom prst="ellipse">
@@ -11620,41 +11947,15 @@
           </a:p>
         </p:txBody>
       </p:sp>
-      <p:sp>
-        <p:nvSpPr>
-          <p:cNvPr id="13" name="Rectangle 12"/>
-          <p:cNvSpPr/>
-          <p:nvPr/>
-        </p:nvSpPr>
-        <p:spPr>
-          <a:xfrm>
-            <a:off x="5610225" y="6276894"/>
-            <a:ext cx="6581775" cy="453605"/>
-          </a:xfrm>
-          <a:prstGeom prst="rect">
-            <a:avLst/>
-          </a:prstGeom>
-        </p:spPr>
-        <p:txBody>
-          <a:bodyPr wrap="square" anchor="ctr" anchorCtr="0">
-            <a:noAutofit/>
-          </a:bodyPr>
-          <a:lstStyle/>
-          <a:p>
-            <a:pPr algn="r"/>
-            <a:r>
-              <a:rPr lang="en-US" sz="1200" dirty="0">
-                <a:latin typeface="+mj-lt"/>
-                <a:cs typeface="Calibri" pitchFamily="34" charset="0"/>
-              </a:rPr>
-              <a:t>https://git-scm.com/about/branching-and-merging</a:t>
-            </a:r>
-          </a:p>
-        </p:txBody>
-      </p:sp>
       <p:pic>
         <p:nvPicPr>
-          <p:cNvPr id="4" name="Picture 3"/>
+          <p:cNvPr id="10" name="Picture 9">
+            <a:extLst>
+              <a:ext uri="{FF2B5EF4-FFF2-40B4-BE49-F238E27FC236}">
+                <a16:creationId xmlns:a16="http://schemas.microsoft.com/office/drawing/2014/main" id="{445B7EA9-73B7-43D8-884B-4731905EBB02}"/>
+              </a:ext>
+            </a:extLst>
+          </p:cNvPr>
           <p:cNvPicPr>
             <a:picLocks noChangeAspect="1"/>
           </p:cNvPicPr>
@@ -11674,7 +11975,7 @@
         </p:blipFill>
         <p:spPr>
           <a:xfrm>
-            <a:off x="558730" y="3159912"/>
+            <a:off x="611892" y="3429000"/>
             <a:ext cx="5051495" cy="2544006"/>
           </a:xfrm>
           <a:prstGeom prst="rect">
@@ -11684,7 +11985,13 @@
       </p:pic>
       <p:pic>
         <p:nvPicPr>
-          <p:cNvPr id="5" name="Picture 4"/>
+          <p:cNvPr id="11" name="Picture 10">
+            <a:extLst>
+              <a:ext uri="{FF2B5EF4-FFF2-40B4-BE49-F238E27FC236}">
+                <a16:creationId xmlns:a16="http://schemas.microsoft.com/office/drawing/2014/main" id="{5F7C7669-F036-4A3B-AA87-14ED39961DE0}"/>
+              </a:ext>
+            </a:extLst>
+          </p:cNvPr>
           <p:cNvPicPr>
             <a:picLocks noChangeAspect="1"/>
           </p:cNvPicPr>
@@ -11704,7 +12011,7 @@
         </p:blipFill>
         <p:spPr>
           <a:xfrm>
-            <a:off x="6792686" y="3165157"/>
+            <a:off x="6845848" y="3434245"/>
             <a:ext cx="4708857" cy="2538761"/>
           </a:xfrm>
           <a:prstGeom prst="rect">
@@ -11715,7 +12022,7 @@
     </p:spTree>
     <p:extLst>
       <p:ext uri="{BB962C8B-B14F-4D97-AF65-F5344CB8AC3E}">
-        <p14:creationId xmlns:p14="http://schemas.microsoft.com/office/powerpoint/2010/main" val="4194392623"/>
+        <p14:creationId xmlns:p14="http://schemas.microsoft.com/office/powerpoint/2010/main" val="1650615271"/>
       </p:ext>
     </p:extLst>
   </p:cSld>
@@ -11726,56 +12033,150 @@
 </file>
 
 <file path=ppt/theme/theme1.xml><?xml version="1.0" encoding="utf-8"?>
-<a:theme xmlns:a="http://schemas.openxmlformats.org/drawingml/2006/main" name="MGNC_PPT_FINAL">
+<a:theme xmlns:a="http://schemas.openxmlformats.org/drawingml/2006/main" name="Office Theme">
   <a:themeElements>
-    <a:clrScheme name="MAGENIC COLORS">
+    <a:clrScheme name="Office">
       <a:dk1>
-        <a:srgbClr val="53565A"/>
+        <a:sysClr val="windowText" lastClr="000000"/>
       </a:dk1>
       <a:lt1>
         <a:sysClr val="window" lastClr="FFFFFF"/>
       </a:lt1>
       <a:dk2>
-        <a:srgbClr val="78BE3C"/>
+        <a:srgbClr val="44546A"/>
       </a:dk2>
       <a:lt2>
-        <a:srgbClr val="FFC32C"/>
+        <a:srgbClr val="E7E6E6"/>
       </a:lt2>
       <a:accent1>
-        <a:srgbClr val="78BE3C"/>
+        <a:srgbClr val="4472C4"/>
       </a:accent1>
       <a:accent2>
-        <a:srgbClr val="00A9E0"/>
+        <a:srgbClr val="ED7D31"/>
       </a:accent2>
       <a:accent3>
-        <a:srgbClr val="F26A21"/>
+        <a:srgbClr val="A5A5A5"/>
       </a:accent3>
       <a:accent4>
-        <a:srgbClr val="E31C79"/>
+        <a:srgbClr val="FFC000"/>
       </a:accent4>
       <a:accent5>
-        <a:srgbClr val="75787B"/>
+        <a:srgbClr val="5B9BD5"/>
       </a:accent5>
       <a:accent6>
-        <a:srgbClr val="97999B"/>
+        <a:srgbClr val="70AD47"/>
       </a:accent6>
       <a:hlink>
-        <a:srgbClr val="F37121"/>
+        <a:srgbClr val="0563C1"/>
       </a:hlink>
       <a:folHlink>
-        <a:srgbClr val="75787B"/>
+        <a:srgbClr val="954F72"/>
       </a:folHlink>
     </a:clrScheme>
-    <a:fontScheme name="Magenic_Fonts">
+    <a:fontScheme name="Office">
       <a:majorFont>
-        <a:latin typeface="Franklin Gothic Medium Cond"/>
+        <a:latin typeface="Calibri Light" panose="020F0302020204030204"/>
         <a:ea typeface=""/>
         <a:cs typeface=""/>
+        <a:font script="Jpan" typeface="游ゴシック Light"/>
+        <a:font script="Hang" typeface="맑은 고딕"/>
+        <a:font script="Hans" typeface="等线 Light"/>
+        <a:font script="Hant" typeface="新細明體"/>
+        <a:font script="Arab" typeface="Times New Roman"/>
+        <a:font script="Hebr" typeface="Times New Roman"/>
+        <a:font script="Thai" typeface="Angsana New"/>
+        <a:font script="Ethi" typeface="Nyala"/>
+        <a:font script="Beng" typeface="Vrinda"/>
+        <a:font script="Gujr" typeface="Shruti"/>
+        <a:font script="Khmr" typeface="MoolBoran"/>
+        <a:font script="Knda" typeface="Tunga"/>
+        <a:font script="Guru" typeface="Raavi"/>
+        <a:font script="Cans" typeface="Euphemia"/>
+        <a:font script="Cher" typeface="Plantagenet Cherokee"/>
+        <a:font script="Yiii" typeface="Microsoft Yi Baiti"/>
+        <a:font script="Tibt" typeface="Microsoft Himalaya"/>
+        <a:font script="Thaa" typeface="MV Boli"/>
+        <a:font script="Deva" typeface="Mangal"/>
+        <a:font script="Telu" typeface="Gautami"/>
+        <a:font script="Taml" typeface="Latha"/>
+        <a:font script="Syrc" typeface="Estrangelo Edessa"/>
+        <a:font script="Orya" typeface="Kalinga"/>
+        <a:font script="Mlym" typeface="Kartika"/>
+        <a:font script="Laoo" typeface="DokChampa"/>
+        <a:font script="Sinh" typeface="Iskoola Pota"/>
+        <a:font script="Mong" typeface="Mongolian Baiti"/>
+        <a:font script="Viet" typeface="Times New Roman"/>
+        <a:font script="Uigh" typeface="Microsoft Uighur"/>
+        <a:font script="Geor" typeface="Sylfaen"/>
+        <a:font script="Armn" typeface="Arial"/>
+        <a:font script="Bugi" typeface="Leelawadee UI"/>
+        <a:font script="Bopo" typeface="Microsoft JhengHei"/>
+        <a:font script="Java" typeface="Javanese Text"/>
+        <a:font script="Lisu" typeface="Segoe UI"/>
+        <a:font script="Mymr" typeface="Myanmar Text"/>
+        <a:font script="Nkoo" typeface="Ebrima"/>
+        <a:font script="Olck" typeface="Nirmala UI"/>
+        <a:font script="Osma" typeface="Ebrima"/>
+        <a:font script="Phag" typeface="Phagspa"/>
+        <a:font script="Syrn" typeface="Estrangelo Edessa"/>
+        <a:font script="Syrj" typeface="Estrangelo Edessa"/>
+        <a:font script="Syre" typeface="Estrangelo Edessa"/>
+        <a:font script="Sora" typeface="Nirmala UI"/>
+        <a:font script="Tale" typeface="Microsoft Tai Le"/>
+        <a:font script="Talu" typeface="Microsoft New Tai Lue"/>
+        <a:font script="Tfng" typeface="Ebrima"/>
       </a:majorFont>
       <a:minorFont>
-        <a:latin typeface="Franklin Gothic Book"/>
+        <a:latin typeface="Calibri" panose="020F0502020204030204"/>
         <a:ea typeface=""/>
         <a:cs typeface=""/>
+        <a:font script="Jpan" typeface="游ゴシック"/>
+        <a:font script="Hang" typeface="맑은 고딕"/>
+        <a:font script="Hans" typeface="等线"/>
+        <a:font script="Hant" typeface="新細明體"/>
+        <a:font script="Arab" typeface="Arial"/>
+        <a:font script="Hebr" typeface="Arial"/>
+        <a:font script="Thai" typeface="Cordia New"/>
+        <a:font script="Ethi" typeface="Nyala"/>
+        <a:font script="Beng" typeface="Vrinda"/>
+        <a:font script="Gujr" typeface="Shruti"/>
+        <a:font script="Khmr" typeface="DaunPenh"/>
+        <a:font script="Knda" typeface="Tunga"/>
+        <a:font script="Guru" typeface="Raavi"/>
+        <a:font script="Cans" typeface="Euphemia"/>
+        <a:font script="Cher" typeface="Plantagenet Cherokee"/>
+        <a:font script="Yiii" typeface="Microsoft Yi Baiti"/>
+        <a:font script="Tibt" typeface="Microsoft Himalaya"/>
+        <a:font script="Thaa" typeface="MV Boli"/>
+        <a:font script="Deva" typeface="Mangal"/>
+        <a:font script="Telu" typeface="Gautami"/>
+        <a:font script="Taml" typeface="Latha"/>
+        <a:font script="Syrc" typeface="Estrangelo Edessa"/>
+        <a:font script="Orya" typeface="Kalinga"/>
+        <a:font script="Mlym" typeface="Kartika"/>
+        <a:font script="Laoo" typeface="DokChampa"/>
+        <a:font script="Sinh" typeface="Iskoola Pota"/>
+        <a:font script="Mong" typeface="Mongolian Baiti"/>
+        <a:font script="Viet" typeface="Arial"/>
+        <a:font script="Uigh" typeface="Microsoft Uighur"/>
+        <a:font script="Geor" typeface="Sylfaen"/>
+        <a:font script="Armn" typeface="Arial"/>
+        <a:font script="Bugi" typeface="Leelawadee UI"/>
+        <a:font script="Bopo" typeface="Microsoft JhengHei"/>
+        <a:font script="Java" typeface="Javanese Text"/>
+        <a:font script="Lisu" typeface="Segoe UI"/>
+        <a:font script="Mymr" typeface="Myanmar Text"/>
+        <a:font script="Nkoo" typeface="Ebrima"/>
+        <a:font script="Olck" typeface="Nirmala UI"/>
+        <a:font script="Osma" typeface="Ebrima"/>
+        <a:font script="Phag" typeface="Phagspa"/>
+        <a:font script="Syrn" typeface="Estrangelo Edessa"/>
+        <a:font script="Syrj" typeface="Estrangelo Edessa"/>
+        <a:font script="Syre" typeface="Estrangelo Edessa"/>
+        <a:font script="Sora" typeface="Nirmala UI"/>
+        <a:font script="Tale" typeface="Microsoft Tai Le"/>
+        <a:font script="Talu" typeface="Microsoft New Tai Lue"/>
+        <a:font script="Tfng" typeface="Ebrima"/>
       </a:minorFont>
     </a:fontScheme>
     <a:fmtScheme name="Office">
@@ -11920,7 +12321,7 @@
   <a:extraClrSchemeLst/>
   <a:extLst>
     <a:ext uri="{05A4C25C-085E-4340-85A3-A5531E510DB2}">
-      <thm15:themeFamily xmlns:thm15="http://schemas.microsoft.com/office/thememl/2012/main" name="PPT_Master_100716" id="{04A3D33C-03BF-784A-8361-4605A4026E8D}" vid="{5E85041B-E579-7242-A5E9-3DBED271F5CA}"/>
+      <thm15:themeFamily xmlns:thm15="http://schemas.microsoft.com/office/thememl/2012/main" name="Office Theme" id="{62F939B6-93AF-4DB8-9C6B-D6C7DFDC589F}" vid="{4A3C46E8-61CC-4603-A589-7422A47A8E4A}"/>
     </a:ext>
   </a:extLst>
 </a:theme>
@@ -11937,44 +12338,44 @@
         <a:sysClr val="window" lastClr="FFFFFF"/>
       </a:lt1>
       <a:dk2>
-        <a:srgbClr val="1F497D"/>
+        <a:srgbClr val="44546A"/>
       </a:dk2>
       <a:lt2>
-        <a:srgbClr val="EEECE1"/>
+        <a:srgbClr val="E7E6E6"/>
       </a:lt2>
       <a:accent1>
-        <a:srgbClr val="4F81BD"/>
+        <a:srgbClr val="4472C4"/>
       </a:accent1>
       <a:accent2>
-        <a:srgbClr val="C0504D"/>
+        <a:srgbClr val="ED7D31"/>
       </a:accent2>
       <a:accent3>
-        <a:srgbClr val="9BBB59"/>
+        <a:srgbClr val="A5A5A5"/>
       </a:accent3>
       <a:accent4>
-        <a:srgbClr val="8064A2"/>
+        <a:srgbClr val="FFC000"/>
       </a:accent4>
       <a:accent5>
-        <a:srgbClr val="4BACC6"/>
+        <a:srgbClr val="5B9BD5"/>
       </a:accent5>
       <a:accent6>
-        <a:srgbClr val="F79646"/>
+        <a:srgbClr val="70AD47"/>
       </a:accent6>
       <a:hlink>
-        <a:srgbClr val="0000FF"/>
+        <a:srgbClr val="0563C1"/>
       </a:hlink>
       <a:folHlink>
-        <a:srgbClr val="800080"/>
+        <a:srgbClr val="954F72"/>
       </a:folHlink>
     </a:clrScheme>
     <a:fontScheme name="Office">
       <a:majorFont>
-        <a:latin typeface="Calibri"/>
+        <a:latin typeface="Calibri Light" panose="020F0302020204030204"/>
         <a:ea typeface=""/>
         <a:cs typeface=""/>
-        <a:font script="Jpan" typeface="ＭＳ Ｐゴシック"/>
+        <a:font script="Jpan" typeface="游ゴシック Light"/>
         <a:font script="Hang" typeface="맑은 고딕"/>
-        <a:font script="Hans" typeface="宋体"/>
+        <a:font script="Hans" typeface="等线 Light"/>
         <a:font script="Hant" typeface="新細明體"/>
         <a:font script="Arab" typeface="Times New Roman"/>
         <a:font script="Hebr" typeface="Times New Roman"/>
@@ -12002,14 +12403,31 @@
         <a:font script="Viet" typeface="Times New Roman"/>
         <a:font script="Uigh" typeface="Microsoft Uighur"/>
         <a:font script="Geor" typeface="Sylfaen"/>
+        <a:font script="Armn" typeface="Arial"/>
+        <a:font script="Bugi" typeface="Leelawadee UI"/>
+        <a:font script="Bopo" typeface="Microsoft JhengHei"/>
+        <a:font script="Java" typeface="Javanese Text"/>
+        <a:font script="Lisu" typeface="Segoe UI"/>
+        <a:font script="Mymr" typeface="Myanmar Text"/>
+        <a:font script="Nkoo" typeface="Ebrima"/>
+        <a:font script="Olck" typeface="Nirmala UI"/>
+        <a:font script="Osma" typeface="Ebrima"/>
+        <a:font script="Phag" typeface="Phagspa"/>
+        <a:font script="Syrn" typeface="Estrangelo Edessa"/>
+        <a:font script="Syrj" typeface="Estrangelo Edessa"/>
+        <a:font script="Syre" typeface="Estrangelo Edessa"/>
+        <a:font script="Sora" typeface="Nirmala UI"/>
+        <a:font script="Tale" typeface="Microsoft Tai Le"/>
+        <a:font script="Talu" typeface="Microsoft New Tai Lue"/>
+        <a:font script="Tfng" typeface="Ebrima"/>
       </a:majorFont>
       <a:minorFont>
-        <a:latin typeface="Calibri"/>
+        <a:latin typeface="Calibri" panose="020F0502020204030204"/>
         <a:ea typeface=""/>
         <a:cs typeface=""/>
-        <a:font script="Jpan" typeface="ＭＳ Ｐゴシック"/>
+        <a:font script="Jpan" typeface="游ゴシック"/>
         <a:font script="Hang" typeface="맑은 고딕"/>
-        <a:font script="Hans" typeface="宋体"/>
+        <a:font script="Hans" typeface="等线"/>
         <a:font script="Hant" typeface="新細明體"/>
         <a:font script="Arab" typeface="Arial"/>
         <a:font script="Hebr" typeface="Arial"/>
@@ -12037,6 +12455,23 @@
         <a:font script="Viet" typeface="Arial"/>
         <a:font script="Uigh" typeface="Microsoft Uighur"/>
         <a:font script="Geor" typeface="Sylfaen"/>
+        <a:font script="Armn" typeface="Arial"/>
+        <a:font script="Bugi" typeface="Leelawadee UI"/>
+        <a:font script="Bopo" typeface="Microsoft JhengHei"/>
+        <a:font script="Java" typeface="Javanese Text"/>
+        <a:font script="Lisu" typeface="Segoe UI"/>
+        <a:font script="Mymr" typeface="Myanmar Text"/>
+        <a:font script="Nkoo" typeface="Ebrima"/>
+        <a:font script="Olck" typeface="Nirmala UI"/>
+        <a:font script="Osma" typeface="Ebrima"/>
+        <a:font script="Phag" typeface="Phagspa"/>
+        <a:font script="Syrn" typeface="Estrangelo Edessa"/>
+        <a:font script="Syrj" typeface="Estrangelo Edessa"/>
+        <a:font script="Syre" typeface="Estrangelo Edessa"/>
+        <a:font script="Sora" typeface="Nirmala UI"/>
+        <a:font script="Tale" typeface="Microsoft Tai Le"/>
+        <a:font script="Talu" typeface="Microsoft New Tai Lue"/>
+        <a:font script="Tfng" typeface="Ebrima"/>
       </a:minorFont>
     </a:fontScheme>
     <a:fmtScheme name="Office">
@@ -12048,462 +12483,141 @@
           <a:gsLst>
             <a:gs pos="0">
               <a:schemeClr val="phClr">
-                <a:tint val="50000"/>
-                <a:satMod val="300000"/>
+                <a:lumMod val="110000"/>
+                <a:satMod val="105000"/>
+                <a:tint val="67000"/>
               </a:schemeClr>
             </a:gs>
-            <a:gs pos="35000">
+            <a:gs pos="50000">
               <a:schemeClr val="phClr">
-                <a:tint val="37000"/>
-                <a:satMod val="300000"/>
+                <a:lumMod val="105000"/>
+                <a:satMod val="103000"/>
+                <a:tint val="73000"/>
               </a:schemeClr>
             </a:gs>
             <a:gs pos="100000">
               <a:schemeClr val="phClr">
-                <a:tint val="15000"/>
-                <a:satMod val="350000"/>
+                <a:lumMod val="105000"/>
+                <a:satMod val="109000"/>
+                <a:tint val="81000"/>
               </a:schemeClr>
             </a:gs>
           </a:gsLst>
-          <a:lin ang="16200000" scaled="1"/>
+          <a:lin ang="5400000" scaled="0"/>
         </a:gradFill>
         <a:gradFill rotWithShape="1">
           <a:gsLst>
             <a:gs pos="0">
               <a:schemeClr val="phClr">
-                <a:tint val="100000"/>
+                <a:satMod val="103000"/>
+                <a:lumMod val="102000"/>
+                <a:tint val="94000"/>
+              </a:schemeClr>
+            </a:gs>
+            <a:gs pos="50000">
+              <a:schemeClr val="phClr">
+                <a:satMod val="110000"/>
+                <a:lumMod val="100000"/>
                 <a:shade val="100000"/>
-                <a:satMod val="130000"/>
               </a:schemeClr>
             </a:gs>
             <a:gs pos="100000">
               <a:schemeClr val="phClr">
-                <a:tint val="50000"/>
-                <a:shade val="100000"/>
-                <a:satMod val="350000"/>
+                <a:lumMod val="99000"/>
+                <a:satMod val="120000"/>
+                <a:shade val="78000"/>
               </a:schemeClr>
             </a:gs>
           </a:gsLst>
-          <a:lin ang="16200000" scaled="0"/>
+          <a:lin ang="5400000" scaled="0"/>
         </a:gradFill>
       </a:fillStyleLst>
       <a:lnStyleLst>
-        <a:ln w="9525" cap="flat" cmpd="sng" algn="ctr">
-          <a:solidFill>
-            <a:schemeClr val="phClr">
-              <a:shade val="95000"/>
-              <a:satMod val="105000"/>
-            </a:schemeClr>
-          </a:solidFill>
-          <a:prstDash val="solid"/>
-        </a:ln>
-        <a:ln w="25400" cap="flat" cmpd="sng" algn="ctr">
+        <a:ln w="6350" cap="flat" cmpd="sng" algn="ctr">
           <a:solidFill>
             <a:schemeClr val="phClr"/>
           </a:solidFill>
           <a:prstDash val="solid"/>
+          <a:miter lim="800000"/>
         </a:ln>
-        <a:ln w="38100" cap="flat" cmpd="sng" algn="ctr">
+        <a:ln w="12700" cap="flat" cmpd="sng" algn="ctr">
           <a:solidFill>
             <a:schemeClr val="phClr"/>
           </a:solidFill>
           <a:prstDash val="solid"/>
+          <a:miter lim="800000"/>
+        </a:ln>
+        <a:ln w="19050" cap="flat" cmpd="sng" algn="ctr">
+          <a:solidFill>
+            <a:schemeClr val="phClr"/>
+          </a:solidFill>
+          <a:prstDash val="solid"/>
+          <a:miter lim="800000"/>
         </a:ln>
       </a:lnStyleLst>
       <a:effectStyleLst>
         <a:effectStyle>
+          <a:effectLst/>
+        </a:effectStyle>
+        <a:effectStyle>
+          <a:effectLst/>
+        </a:effectStyle>
+        <a:effectStyle>
           <a:effectLst>
-            <a:outerShdw blurRad="40000" dist="20000" dir="5400000" rotWithShape="0">
+            <a:outerShdw blurRad="57150" dist="19050" dir="5400000" algn="ctr" rotWithShape="0">
               <a:srgbClr val="000000">
-                <a:alpha val="38000"/>
+                <a:alpha val="63000"/>
               </a:srgbClr>
             </a:outerShdw>
           </a:effectLst>
-        </a:effectStyle>
-        <a:effectStyle>
-          <a:effectLst>
-            <a:outerShdw blurRad="40000" dist="23000" dir="5400000" rotWithShape="0">
-              <a:srgbClr val="000000">
-                <a:alpha val="35000"/>
-              </a:srgbClr>
-            </a:outerShdw>
-          </a:effectLst>
-        </a:effectStyle>
-        <a:effectStyle>
-          <a:effectLst>
-            <a:outerShdw blurRad="40000" dist="23000" dir="5400000" rotWithShape="0">
-              <a:srgbClr val="000000">
-                <a:alpha val="35000"/>
-              </a:srgbClr>
-            </a:outerShdw>
-          </a:effectLst>
-          <a:scene3d>
-            <a:camera prst="orthographicFront">
-              <a:rot lat="0" lon="0" rev="0"/>
-            </a:camera>
-            <a:lightRig rig="threePt" dir="t">
-              <a:rot lat="0" lon="0" rev="1200000"/>
-            </a:lightRig>
-          </a:scene3d>
-          <a:sp3d>
-            <a:bevelT w="63500" h="25400"/>
-          </a:sp3d>
         </a:effectStyle>
       </a:effectStyleLst>
       <a:bgFillStyleLst>
         <a:solidFill>
           <a:schemeClr val="phClr"/>
         </a:solidFill>
+        <a:solidFill>
+          <a:schemeClr val="phClr">
+            <a:tint val="95000"/>
+            <a:satMod val="170000"/>
+          </a:schemeClr>
+        </a:solidFill>
         <a:gradFill rotWithShape="1">
           <a:gsLst>
             <a:gs pos="0">
               <a:schemeClr val="phClr">
-                <a:tint val="40000"/>
-                <a:satMod val="350000"/>
+                <a:tint val="93000"/>
+                <a:satMod val="150000"/>
+                <a:shade val="98000"/>
+                <a:lumMod val="102000"/>
               </a:schemeClr>
             </a:gs>
-            <a:gs pos="40000">
+            <a:gs pos="50000">
               <a:schemeClr val="phClr">
-                <a:tint val="45000"/>
-                <a:shade val="99000"/>
-                <a:satMod val="350000"/>
+                <a:tint val="98000"/>
+                <a:satMod val="130000"/>
+                <a:shade val="90000"/>
+                <a:lumMod val="103000"/>
               </a:schemeClr>
             </a:gs>
             <a:gs pos="100000">
               <a:schemeClr val="phClr">
-                <a:shade val="20000"/>
-                <a:satMod val="255000"/>
+                <a:shade val="63000"/>
+                <a:satMod val="120000"/>
               </a:schemeClr>
             </a:gs>
           </a:gsLst>
-          <a:path path="circle">
-            <a:fillToRect l="50000" t="-80000" r="50000" b="180000"/>
-          </a:path>
-        </a:gradFill>
-        <a:gradFill rotWithShape="1">
-          <a:gsLst>
-            <a:gs pos="0">
-              <a:schemeClr val="phClr">
-                <a:tint val="80000"/>
-                <a:satMod val="300000"/>
-              </a:schemeClr>
-            </a:gs>
-            <a:gs pos="100000">
-              <a:schemeClr val="phClr">
-                <a:shade val="30000"/>
-                <a:satMod val="200000"/>
-              </a:schemeClr>
-            </a:gs>
-          </a:gsLst>
-          <a:path path="circle">
-            <a:fillToRect l="50000" t="50000" r="50000" b="50000"/>
-          </a:path>
+          <a:lin ang="5400000" scaled="0"/>
         </a:gradFill>
       </a:bgFillStyleLst>
     </a:fmtScheme>
   </a:themeElements>
-  <a:objectDefaults>
-    <a:spDef>
-      <a:spPr/>
-      <a:bodyPr/>
-      <a:lstStyle/>
-      <a:style>
-        <a:lnRef idx="1">
-          <a:schemeClr val="accent1"/>
-        </a:lnRef>
-        <a:fillRef idx="3">
-          <a:schemeClr val="accent1"/>
-        </a:fillRef>
-        <a:effectRef idx="2">
-          <a:schemeClr val="accent1"/>
-        </a:effectRef>
-        <a:fontRef idx="minor">
-          <a:schemeClr val="lt1"/>
-        </a:fontRef>
-      </a:style>
-    </a:spDef>
-    <a:lnDef>
-      <a:spPr/>
-      <a:bodyPr/>
-      <a:lstStyle/>
-      <a:style>
-        <a:lnRef idx="2">
-          <a:schemeClr val="accent1"/>
-        </a:lnRef>
-        <a:fillRef idx="0">
-          <a:schemeClr val="accent1"/>
-        </a:fillRef>
-        <a:effectRef idx="1">
-          <a:schemeClr val="accent1"/>
-        </a:effectRef>
-        <a:fontRef idx="minor">
-          <a:schemeClr val="tx1"/>
-        </a:fontRef>
-      </a:style>
-    </a:lnDef>
-  </a:objectDefaults>
+  <a:objectDefaults/>
   <a:extraClrSchemeLst/>
+  <a:extLst>
+    <a:ext uri="{05A4C25C-085E-4340-85A3-A5531E510DB2}">
+      <thm15:themeFamily xmlns:thm15="http://schemas.microsoft.com/office/thememl/2012/main" name="Office Theme" id="{62F939B6-93AF-4DB8-9C6B-D6C7DFDC589F}" vid="{4A3C46E8-61CC-4603-A589-7422A47A8E4A}"/>
+    </a:ext>
+  </a:extLst>
 </a:theme>
-</file>
-
-<file path=customXml/item1.xml><?xml version="1.0" encoding="utf-8"?>
-<ct:contentTypeSchema xmlns:ct="http://schemas.microsoft.com/office/2006/metadata/contentType" xmlns:ma="http://schemas.microsoft.com/office/2006/metadata/properties/metaAttributes" ct:_="" ma:_="" ma:contentTypeName="Document" ma:contentTypeID="0x010100FD047A0B1BD8FE45B080D14CD83AD5DB" ma:contentTypeVersion="4" ma:contentTypeDescription="Create a new document." ma:contentTypeScope="" ma:versionID="732beed655f90311345169d5c7f55f96">
-  <xsd:schema xmlns:xsd="http://www.w3.org/2001/XMLSchema" xmlns:xs="http://www.w3.org/2001/XMLSchema" xmlns:p="http://schemas.microsoft.com/office/2006/metadata/properties" xmlns:ns2="f0d6b4bb-fd12-4740-8884-687737dcca9a" targetNamespace="http://schemas.microsoft.com/office/2006/metadata/properties" ma:root="true" ma:fieldsID="4ef6a310962b90ee3fe3c0e9cfa1177a" ns2:_="">
-    <xsd:import namespace="f0d6b4bb-fd12-4740-8884-687737dcca9a"/>
-    <xsd:element name="properties">
-      <xsd:complexType>
-        <xsd:sequence>
-          <xsd:element name="documentManagement">
-            <xsd:complexType>
-              <xsd:all>
-                <xsd:element ref="ns2:Tech_x0020_Used" minOccurs="0"/>
-                <xsd:element ref="ns2:Document_x0020_Type" minOccurs="0"/>
-                <xsd:element ref="ns2:Industry_x002f_Vertical" minOccurs="0"/>
-                <xsd:element ref="ns2:Company" minOccurs="0"/>
-              </xsd:all>
-            </xsd:complexType>
-          </xsd:element>
-        </xsd:sequence>
-      </xsd:complexType>
-    </xsd:element>
-  </xsd:schema>
-  <xsd:schema xmlns:xsd="http://www.w3.org/2001/XMLSchema" xmlns:xs="http://www.w3.org/2001/XMLSchema" xmlns:dms="http://schemas.microsoft.com/office/2006/documentManagement/types" xmlns:pc="http://schemas.microsoft.com/office/infopath/2007/PartnerControls" targetNamespace="f0d6b4bb-fd12-4740-8884-687737dcca9a" elementFormDefault="qualified">
-    <xsd:import namespace="http://schemas.microsoft.com/office/2006/documentManagement/types"/>
-    <xsd:import namespace="http://schemas.microsoft.com/office/infopath/2007/PartnerControls"/>
-    <xsd:element name="Tech_x0020_Used" ma:index="8" nillable="true" ma:displayName="Tech Used" ma:internalName="Tech_x0020_Used">
-      <xsd:complexType>
-        <xsd:complexContent>
-          <xsd:extension base="dms:MultiChoice">
-            <xsd:sequence>
-              <xsd:element name="Value" maxOccurs="unbounded" minOccurs="0" nillable="true">
-                <xsd:simpleType>
-                  <xsd:restriction base="dms:Choice">
-                    <xsd:enumeration value="App Dev"/>
-                    <xsd:enumeration value="Mobile"/>
-                    <xsd:enumeration value="Biztalk"/>
-                    <xsd:enumeration value="Azure"/>
-                    <xsd:enumeration value="Data Services"/>
-                    <xsd:enumeration value="Application Lifecycle Mgmt"/>
-                    <xsd:enumeration value="SharePoint"/>
-                    <xsd:enumeration value="UX/UI"/>
-                    <xsd:enumeration value="QAT"/>
-                    <xsd:enumeration value="Support &amp; Maintenance"/>
-                  </xsd:restriction>
-                </xsd:simpleType>
-              </xsd:element>
-            </xsd:sequence>
-          </xsd:extension>
-        </xsd:complexContent>
-      </xsd:complexType>
-    </xsd:element>
-    <xsd:element name="Document_x0020_Type" ma:index="9" nillable="true" ma:displayName="Document Type" ma:internalName="Document_x0020_Type" ma:requiredMultiChoice="true">
-      <xsd:complexType>
-        <xsd:complexContent>
-          <xsd:extension base="dms:MultiChoice">
-            <xsd:sequence>
-              <xsd:element name="Value" maxOccurs="unbounded" minOccurs="0" nillable="true">
-                <xsd:simpleType>
-                  <xsd:restriction base="dms:Choice">
-                    <xsd:enumeration value="Proposal"/>
-                    <xsd:enumeration value="Template"/>
-                    <xsd:enumeration value="Graphics"/>
-                    <xsd:enumeration value="Presentation"/>
-                    <xsd:enumeration value="Base Deck"/>
-                    <xsd:enumeration value="Envisioning"/>
-                    <xsd:enumeration value="Case Study"/>
-                    <xsd:enumeration value="Estimate"/>
-                    <xsd:enumeration value="Client Supplied Docs / RFP"/>
-                    <xsd:enumeration value="Pursuit Docs"/>
-                    <xsd:enumeration value="White Paper"/>
-                  </xsd:restriction>
-                </xsd:simpleType>
-              </xsd:element>
-            </xsd:sequence>
-          </xsd:extension>
-        </xsd:complexContent>
-      </xsd:complexType>
-    </xsd:element>
-    <xsd:element name="Industry_x002f_Vertical" ma:index="10" nillable="true" ma:displayName="Industry/Vertical" ma:format="RadioButtons" ma:internalName="Industry_x002f_Vertical">
-      <xsd:simpleType>
-        <xsd:restriction base="dms:Choice">
-          <xsd:enumeration value="Retail"/>
-          <xsd:enumeration value="Manufacturing"/>
-          <xsd:enumeration value="Transportation/Logistics"/>
-          <xsd:enumeration value="Financial Services/Banking"/>
-          <xsd:enumeration value="Healthcare/Life Sciences"/>
-          <xsd:enumeration value="Insurance"/>
-          <xsd:enumeration value="Professional Services"/>
-          <xsd:enumeration value="Misc."/>
-        </xsd:restriction>
-      </xsd:simpleType>
-    </xsd:element>
-    <xsd:element name="Company" ma:index="11" nillable="true" ma:displayName="Company" ma:internalName="Company">
-      <xsd:simpleType>
-        <xsd:restriction base="dms:Text">
-          <xsd:maxLength value="255"/>
-        </xsd:restriction>
-      </xsd:simpleType>
-    </xsd:element>
-  </xsd:schema>
-  <xsd:schema xmlns="http://schemas.openxmlformats.org/package/2006/metadata/core-properties" xmlns:xsd="http://www.w3.org/2001/XMLSchema" xmlns:xsi="http://www.w3.org/2001/XMLSchema-instance" xmlns:dc="http://purl.org/dc/elements/1.1/" xmlns:dcterms="http://purl.org/dc/terms/" xmlns:odoc="http://schemas.microsoft.com/internal/obd" targetNamespace="http://schemas.openxmlformats.org/package/2006/metadata/core-properties" elementFormDefault="qualified" attributeFormDefault="unqualified" blockDefault="#all">
-    <xsd:import namespace="http://purl.org/dc/elements/1.1/" schemaLocation="http://dublincore.org/schemas/xmls/qdc/2003/04/02/dc.xsd"/>
-    <xsd:import namespace="http://purl.org/dc/terms/" schemaLocation="http://dublincore.org/schemas/xmls/qdc/2003/04/02/dcterms.xsd"/>
-    <xsd:element name="coreProperties" type="CT_coreProperties"/>
-    <xsd:complexType name="CT_coreProperties">
-      <xsd:all>
-        <xsd:element ref="dc:creator" minOccurs="0" maxOccurs="1"/>
-        <xsd:element ref="dcterms:created" minOccurs="0" maxOccurs="1"/>
-        <xsd:element ref="dc:identifier" minOccurs="0" maxOccurs="1"/>
-        <xsd:element name="contentType" minOccurs="0" maxOccurs="1" type="xsd:string" ma:index="0" ma:displayName="Content Type"/>
-        <xsd:element ref="dc:title" minOccurs="0" maxOccurs="1" ma:index="4" ma:displayName="Title"/>
-        <xsd:element ref="dc:subject" minOccurs="0" maxOccurs="1"/>
-        <xsd:element ref="dc:description" minOccurs="0" maxOccurs="1"/>
-        <xsd:element name="keywords" minOccurs="0" maxOccurs="1" type="xsd:string"/>
-        <xsd:element ref="dc:language" minOccurs="0" maxOccurs="1"/>
-        <xsd:element name="category" minOccurs="0" maxOccurs="1" type="xsd:string"/>
-        <xsd:element name="version" minOccurs="0" maxOccurs="1" type="xsd:string"/>
-        <xsd:element name="revision" minOccurs="0" maxOccurs="1" type="xsd:string">
-          <xsd:annotation>
-            <xsd:documentation>
-                        This value indicates the number of saves or revisions. The application is responsible for updating this value after each revision.
-                    </xsd:documentation>
-          </xsd:annotation>
-        </xsd:element>
-        <xsd:element name="lastModifiedBy" minOccurs="0" maxOccurs="1" type="xsd:string"/>
-        <xsd:element ref="dcterms:modified" minOccurs="0" maxOccurs="1"/>
-        <xsd:element name="contentStatus" minOccurs="0" maxOccurs="1" type="xsd:string"/>
-      </xsd:all>
-    </xsd:complexType>
-  </xsd:schema>
-  <xs:schema xmlns:pc="http://schemas.microsoft.com/office/infopath/2007/PartnerControls" xmlns:xs="http://www.w3.org/2001/XMLSchema" targetNamespace="http://schemas.microsoft.com/office/infopath/2007/PartnerControls" elementFormDefault="qualified" attributeFormDefault="unqualified">
-    <xs:element name="Person">
-      <xs:complexType>
-        <xs:sequence>
-          <xs:element ref="pc:DisplayName" minOccurs="0"/>
-          <xs:element ref="pc:AccountId" minOccurs="0"/>
-          <xs:element ref="pc:AccountType" minOccurs="0"/>
-        </xs:sequence>
-      </xs:complexType>
-    </xs:element>
-    <xs:element name="DisplayName" type="xs:string"/>
-    <xs:element name="AccountId" type="xs:string"/>
-    <xs:element name="AccountType" type="xs:string"/>
-    <xs:element name="BDCAssociatedEntity">
-      <xs:complexType>
-        <xs:sequence>
-          <xs:element ref="pc:BDCEntity" minOccurs="0" maxOccurs="unbounded"/>
-        </xs:sequence>
-        <xs:attribute ref="pc:EntityNamespace"/>
-        <xs:attribute ref="pc:EntityName"/>
-        <xs:attribute ref="pc:SystemInstanceName"/>
-        <xs:attribute ref="pc:AssociationName"/>
-      </xs:complexType>
-    </xs:element>
-    <xs:attribute name="EntityNamespace" type="xs:string"/>
-    <xs:attribute name="EntityName" type="xs:string"/>
-    <xs:attribute name="SystemInstanceName" type="xs:string"/>
-    <xs:attribute name="AssociationName" type="xs:string"/>
-    <xs:element name="BDCEntity">
-      <xs:complexType>
-        <xs:sequence>
-          <xs:element ref="pc:EntityDisplayName" minOccurs="0"/>
-          <xs:element ref="pc:EntityInstanceReference" minOccurs="0"/>
-          <xs:element ref="pc:EntityId1" minOccurs="0"/>
-          <xs:element ref="pc:EntityId2" minOccurs="0"/>
-          <xs:element ref="pc:EntityId3" minOccurs="0"/>
-          <xs:element ref="pc:EntityId4" minOccurs="0"/>
-          <xs:element ref="pc:EntityId5" minOccurs="0"/>
-        </xs:sequence>
-      </xs:complexType>
-    </xs:element>
-    <xs:element name="EntityDisplayName" type="xs:string"/>
-    <xs:element name="EntityInstanceReference" type="xs:string"/>
-    <xs:element name="EntityId1" type="xs:string"/>
-    <xs:element name="EntityId2" type="xs:string"/>
-    <xs:element name="EntityId3" type="xs:string"/>
-    <xs:element name="EntityId4" type="xs:string"/>
-    <xs:element name="EntityId5" type="xs:string"/>
-    <xs:element name="Terms">
-      <xs:complexType>
-        <xs:sequence>
-          <xs:element ref="pc:TermInfo" minOccurs="0" maxOccurs="unbounded"/>
-        </xs:sequence>
-      </xs:complexType>
-    </xs:element>
-    <xs:element name="TermInfo">
-      <xs:complexType>
-        <xs:sequence>
-          <xs:element ref="pc:TermName" minOccurs="0"/>
-          <xs:element ref="pc:TermId" minOccurs="0"/>
-        </xs:sequence>
-      </xs:complexType>
-    </xs:element>
-    <xs:element name="TermName" type="xs:string"/>
-    <xs:element name="TermId" type="xs:string"/>
-  </xs:schema>
-</ct:contentTypeSchema>
-</file>
-
-<file path=customXml/item2.xml><?xml version="1.0" encoding="utf-8"?>
-<p:properties xmlns:p="http://schemas.microsoft.com/office/2006/metadata/properties" xmlns:xsi="http://www.w3.org/2001/XMLSchema-instance" xmlns:pc="http://schemas.microsoft.com/office/infopath/2007/PartnerControls">
-  <documentManagement>
-    <Company xmlns="f0d6b4bb-fd12-4740-8884-687737dcca9a">Magenic</Company>
-    <Tech_x0020_Used xmlns="f0d6b4bb-fd12-4740-8884-687737dcca9a"/>
-    <Document_x0020_Type xmlns="f0d6b4bb-fd12-4740-8884-687737dcca9a">
-      <Value>Template</Value>
-    </Document_x0020_Type>
-    <Industry_x002f_Vertical xmlns="f0d6b4bb-fd12-4740-8884-687737dcca9a" xsi:nil="true"/>
-  </documentManagement>
-</p:properties>
-</file>
-
-<file path=customXml/item3.xml><?xml version="1.0" encoding="utf-8"?>
-<?mso-contentType ?>
-<FormTemplates xmlns="http://schemas.microsoft.com/sharepoint/v3/contenttype/forms">
-  <Display>DocumentLibraryForm</Display>
-  <Edit>DocumentLibraryForm</Edit>
-  <New>DocumentLibraryForm</New>
-</FormTemplates>
-</file>
-
-<file path=customXml/itemProps1.xml><?xml version="1.0" encoding="utf-8"?>
-<ds:datastoreItem xmlns:ds="http://schemas.openxmlformats.org/officeDocument/2006/customXml" ds:itemID="{215D891D-18BB-4FBC-9954-A01A3A7BC037}">
-  <ds:schemaRefs>
-    <ds:schemaRef ds:uri="http://schemas.microsoft.com/office/2006/metadata/contentType"/>
-    <ds:schemaRef ds:uri="http://schemas.microsoft.com/office/2006/metadata/properties/metaAttributes"/>
-    <ds:schemaRef ds:uri="http://www.w3.org/2001/XMLSchema"/>
-    <ds:schemaRef ds:uri="http://schemas.microsoft.com/office/2006/metadata/properties"/>
-    <ds:schemaRef ds:uri="f0d6b4bb-fd12-4740-8884-687737dcca9a"/>
-    <ds:schemaRef ds:uri="http://schemas.microsoft.com/office/2006/documentManagement/types"/>
-    <ds:schemaRef ds:uri="http://schemas.microsoft.com/office/infopath/2007/PartnerControls"/>
-    <ds:schemaRef ds:uri="http://schemas.openxmlformats.org/package/2006/metadata/core-properties"/>
-    <ds:schemaRef ds:uri="http://purl.org/dc/elements/1.1/"/>
-    <ds:schemaRef ds:uri="http://purl.org/dc/terms/"/>
-    <ds:schemaRef ds:uri="http://schemas.microsoft.com/internal/obd"/>
-  </ds:schemaRefs>
-</ds:datastoreItem>
-</file>
-
-<file path=customXml/itemProps2.xml><?xml version="1.0" encoding="utf-8"?>
-<ds:datastoreItem xmlns:ds="http://schemas.openxmlformats.org/officeDocument/2006/customXml" ds:itemID="{65A3A91F-3324-4EE4-8BF2-C3B78E1D1674}">
-  <ds:schemaRefs>
-    <ds:schemaRef ds:uri="f0d6b4bb-fd12-4740-8884-687737dcca9a"/>
-    <ds:schemaRef ds:uri="http://purl.org/dc/elements/1.1/"/>
-    <ds:schemaRef ds:uri="http://schemas.microsoft.com/office/2006/metadata/properties"/>
-    <ds:schemaRef ds:uri="http://schemas.microsoft.com/office/2006/documentManagement/types"/>
-    <ds:schemaRef ds:uri="http://purl.org/dc/terms/"/>
-    <ds:schemaRef ds:uri="http://schemas.openxmlformats.org/package/2006/metadata/core-properties"/>
-    <ds:schemaRef ds:uri="http://purl.org/dc/dcmitype/"/>
-    <ds:schemaRef ds:uri="http://schemas.microsoft.com/office/infopath/2007/PartnerControls"/>
-    <ds:schemaRef ds:uri="http://www.w3.org/XML/1998/namespace"/>
-  </ds:schemaRefs>
-</ds:datastoreItem>
-</file>
-
-<file path=customXml/itemProps3.xml><?xml version="1.0" encoding="utf-8"?>
-<ds:datastoreItem xmlns:ds="http://schemas.openxmlformats.org/officeDocument/2006/customXml" ds:itemID="{D18D97D8-3C52-47EE-88EC-CF46155D7428}">
-  <ds:schemaRefs>
-    <ds:schemaRef ds:uri="http://schemas.microsoft.com/sharepoint/v3/contenttype/forms"/>
-  </ds:schemaRefs>
-</ds:datastoreItem>
 </file>